--- a/chainreaction_pitch_2018_02_03_18-00-00.pptx
+++ b/chainreaction_pitch_2018_02_03_18-00-00.pptx
@@ -5,18 +5,19 @@
     <p:sldMasterId id="2147483648" r:id="rId1"/>
   </p:sldMasterIdLst>
   <p:notesMasterIdLst>
-    <p:notesMasterId r:id="rId11"/>
+    <p:notesMasterId r:id="rId12"/>
   </p:notesMasterIdLst>
   <p:sldIdLst>
     <p:sldId id="256" r:id="rId2"/>
     <p:sldId id="257" r:id="rId3"/>
-    <p:sldId id="264" r:id="rId4"/>
-    <p:sldId id="265" r:id="rId5"/>
-    <p:sldId id="259" r:id="rId6"/>
+    <p:sldId id="266" r:id="rId4"/>
+    <p:sldId id="264" r:id="rId5"/>
+    <p:sldId id="265" r:id="rId6"/>
     <p:sldId id="260" r:id="rId7"/>
     <p:sldId id="261" r:id="rId8"/>
     <p:sldId id="262" r:id="rId9"/>
-    <p:sldId id="263" r:id="rId10"/>
+    <p:sldId id="267" r:id="rId10"/>
+    <p:sldId id="259" r:id="rId11"/>
   </p:sldIdLst>
   <p:sldSz cx="12192000" cy="6858000"/>
   <p:notesSz cx="6858000" cy="9144000"/>
@@ -659,7 +660,7 @@
           <a:p>
             <a:fld id="{D6D69A79-09F5-D543-AAFD-6FEA88BC999D}" type="slidenum">
               <a:rPr lang="en-US" smtClean="0"/>
-              <a:t>3</a:t>
+              <a:t>4</a:t>
             </a:fld>
             <a:endParaRPr lang="en-US"/>
           </a:p>
@@ -840,7 +841,7 @@
           <a:p>
             <a:fld id="{D6D69A79-09F5-D543-AAFD-6FEA88BC999D}" type="slidenum">
               <a:rPr lang="en-US" smtClean="0"/>
-              <a:t>4</a:t>
+              <a:t>5</a:t>
             </a:fld>
             <a:endParaRPr lang="en-US"/>
           </a:p>
@@ -970,6 +971,187 @@
     <p:extLst>
       <p:ext uri="{BB962C8B-B14F-4D97-AF65-F5344CB8AC3E}">
         <p14:creationId xmlns:p14="http://schemas.microsoft.com/office/powerpoint/2010/main" val="2594878704"/>
+      </p:ext>
+    </p:extLst>
+  </p:cSld>
+  <p:clrMapOvr>
+    <a:masterClrMapping/>
+  </p:clrMapOvr>
+</p:notes>
+</file>
+
+<file path=ppt/notesSlides/notesSlide4.xml><?xml version="1.0" encoding="utf-8"?>
+<p:notes xmlns:a="http://schemas.openxmlformats.org/drawingml/2006/main" xmlns:r="http://schemas.openxmlformats.org/officeDocument/2006/relationships" xmlns:p="http://schemas.openxmlformats.org/presentationml/2006/main">
+  <p:cSld>
+    <p:spTree>
+      <p:nvGrpSpPr>
+        <p:cNvPr id="1" name=""/>
+        <p:cNvGrpSpPr/>
+        <p:nvPr/>
+      </p:nvGrpSpPr>
+      <p:grpSpPr>
+        <a:xfrm>
+          <a:off x="0" y="0"/>
+          <a:ext cx="0" cy="0"/>
+          <a:chOff x="0" y="0"/>
+          <a:chExt cx="0" cy="0"/>
+        </a:xfrm>
+      </p:grpSpPr>
+      <p:sp>
+        <p:nvSpPr>
+          <p:cNvPr id="2" name="Slide Image Placeholder 1"/>
+          <p:cNvSpPr>
+            <a:spLocks noGrp="1" noRot="1" noChangeAspect="1"/>
+          </p:cNvSpPr>
+          <p:nvPr>
+            <p:ph type="sldImg"/>
+          </p:nvPr>
+        </p:nvSpPr>
+        <p:spPr/>
+      </p:sp>
+      <p:sp>
+        <p:nvSpPr>
+          <p:cNvPr id="3" name="Notes Placeholder 2"/>
+          <p:cNvSpPr>
+            <a:spLocks noGrp="1"/>
+          </p:cNvSpPr>
+          <p:nvPr>
+            <p:ph type="body" idx="1"/>
+          </p:nvPr>
+        </p:nvSpPr>
+        <p:spPr/>
+        <p:txBody>
+          <a:bodyPr/>
+          <a:lstStyle/>
+          <a:p>
+            <a:r>
+              <a:rPr lang="en-US" dirty="0"/>
+              <a:t>&lt;div&gt;Icons made by &lt;a </a:t>
+            </a:r>
+            <a:r>
+              <a:rPr lang="en-US" dirty="0" err="1"/>
+              <a:t>href</a:t>
+            </a:r>
+            <a:r>
+              <a:rPr lang="en-US" dirty="0"/>
+              <a:t>="https://</a:t>
+            </a:r>
+            <a:r>
+              <a:rPr lang="en-US" dirty="0" err="1"/>
+              <a:t>www.flaticon.com</a:t>
+            </a:r>
+            <a:r>
+              <a:rPr lang="en-US" dirty="0"/>
+              <a:t>/authors/</a:t>
+            </a:r>
+            <a:r>
+              <a:rPr lang="en-US" dirty="0" err="1"/>
+              <a:t>eucalyp</a:t>
+            </a:r>
+            <a:r>
+              <a:rPr lang="en-US" dirty="0"/>
+              <a:t>" title="</a:t>
+            </a:r>
+            <a:r>
+              <a:rPr lang="en-US" dirty="0" err="1"/>
+              <a:t>Eucalyp</a:t>
+            </a:r>
+            <a:r>
+              <a:rPr lang="en-US" dirty="0"/>
+              <a:t>"&gt;</a:t>
+            </a:r>
+            <a:r>
+              <a:rPr lang="en-US" dirty="0" err="1"/>
+              <a:t>Eucalyp</a:t>
+            </a:r>
+            <a:r>
+              <a:rPr lang="en-US" dirty="0"/>
+              <a:t>&lt;/a&gt; from &lt;a </a:t>
+            </a:r>
+            <a:r>
+              <a:rPr lang="en-US" dirty="0" err="1"/>
+              <a:t>href</a:t>
+            </a:r>
+            <a:r>
+              <a:rPr lang="en-US" dirty="0"/>
+              <a:t>="https://</a:t>
+            </a:r>
+            <a:r>
+              <a:rPr lang="en-US" dirty="0" err="1"/>
+              <a:t>www.flaticon.com</a:t>
+            </a:r>
+            <a:r>
+              <a:rPr lang="en-US" dirty="0"/>
+              <a:t>/" title="</a:t>
+            </a:r>
+            <a:r>
+              <a:rPr lang="en-US" dirty="0" err="1"/>
+              <a:t>Flaticon</a:t>
+            </a:r>
+            <a:r>
+              <a:rPr lang="en-US" dirty="0"/>
+              <a:t>"&gt;</a:t>
+            </a:r>
+            <a:r>
+              <a:rPr lang="en-US" dirty="0" err="1"/>
+              <a:t>www.flaticon.com</a:t>
+            </a:r>
+            <a:r>
+              <a:rPr lang="en-US" dirty="0"/>
+              <a:t>&lt;/a&gt; is licensed by &lt;a </a:t>
+            </a:r>
+            <a:r>
+              <a:rPr lang="en-US" dirty="0" err="1"/>
+              <a:t>href</a:t>
+            </a:r>
+            <a:r>
+              <a:rPr lang="en-US" dirty="0"/>
+              <a:t>="http://</a:t>
+            </a:r>
+            <a:r>
+              <a:rPr lang="en-US" dirty="0" err="1"/>
+              <a:t>creativecommons.org</a:t>
+            </a:r>
+            <a:r>
+              <a:rPr lang="en-US" dirty="0"/>
+              <a:t>/licenses/by/3.0/" title="Creative Commons BY 3.0" target="_blank"&gt;CC 3.0 BY&lt;/a&gt;&lt;/div&gt;</a:t>
+            </a:r>
+          </a:p>
+          <a:p>
+            <a:endParaRPr lang="en-US" dirty="0"/>
+          </a:p>
+          <a:p>
+            <a:endParaRPr lang="en-US" dirty="0"/>
+          </a:p>
+        </p:txBody>
+      </p:sp>
+      <p:sp>
+        <p:nvSpPr>
+          <p:cNvPr id="4" name="Slide Number Placeholder 3"/>
+          <p:cNvSpPr>
+            <a:spLocks noGrp="1"/>
+          </p:cNvSpPr>
+          <p:nvPr>
+            <p:ph type="sldNum" sz="quarter" idx="10"/>
+          </p:nvPr>
+        </p:nvSpPr>
+        <p:spPr/>
+        <p:txBody>
+          <a:bodyPr/>
+          <a:lstStyle/>
+          <a:p>
+            <a:fld id="{D6D69A79-09F5-D543-AAFD-6FEA88BC999D}" type="slidenum">
+              <a:rPr lang="en-US" smtClean="0"/>
+              <a:t>9</a:t>
+            </a:fld>
+            <a:endParaRPr lang="en-US"/>
+          </a:p>
+        </p:txBody>
+      </p:sp>
+    </p:spTree>
+    <p:extLst>
+      <p:ext uri="{BB962C8B-B14F-4D97-AF65-F5344CB8AC3E}">
+        <p14:creationId xmlns:p14="http://schemas.microsoft.com/office/powerpoint/2010/main" val="3681933576"/>
       </p:ext>
     </p:extLst>
   </p:cSld>
@@ -4193,6 +4375,137 @@
           <a:chExt cx="0" cy="0"/>
         </a:xfrm>
       </p:grpSpPr>
+      <p:grpSp>
+        <p:nvGrpSpPr>
+          <p:cNvPr id="4" name="Gruppieren 3">
+            <a:extLst>
+              <a:ext uri="{FF2B5EF4-FFF2-40B4-BE49-F238E27FC236}">
+                <a16:creationId xmlns:a16="http://schemas.microsoft.com/office/drawing/2014/main" id="{B6DA58C0-3206-274D-ABA6-5D2566C6C783}"/>
+              </a:ext>
+            </a:extLst>
+          </p:cNvPr>
+          <p:cNvGrpSpPr/>
+          <p:nvPr/>
+        </p:nvGrpSpPr>
+        <p:grpSpPr>
+          <a:xfrm>
+            <a:off x="2800124" y="-2379541"/>
+            <a:ext cx="12035705" cy="12240232"/>
+            <a:chOff x="2800124" y="-2379541"/>
+            <a:chExt cx="12035705" cy="12240232"/>
+          </a:xfrm>
+        </p:grpSpPr>
+        <p:sp>
+          <p:nvSpPr>
+            <p:cNvPr id="5" name="Oval 4">
+              <a:extLst>
+                <a:ext uri="{FF2B5EF4-FFF2-40B4-BE49-F238E27FC236}">
+                  <a16:creationId xmlns:a16="http://schemas.microsoft.com/office/drawing/2014/main" id="{DD1BF7B4-1A9F-CF4B-91F3-A72B510ED5FE}"/>
+                </a:ext>
+              </a:extLst>
+            </p:cNvPr>
+            <p:cNvSpPr/>
+            <p:nvPr/>
+          </p:nvSpPr>
+          <p:spPr>
+            <a:xfrm>
+              <a:off x="2800124" y="-2379541"/>
+              <a:ext cx="12035705" cy="12240232"/>
+            </a:xfrm>
+            <a:prstGeom prst="ellipse">
+              <a:avLst/>
+            </a:prstGeom>
+            <a:solidFill>
+              <a:schemeClr val="accent3">
+                <a:lumMod val="20000"/>
+                <a:lumOff val="80000"/>
+              </a:schemeClr>
+            </a:solidFill>
+            <a:ln>
+              <a:noFill/>
+            </a:ln>
+          </p:spPr>
+          <p:style>
+            <a:lnRef idx="2">
+              <a:schemeClr val="accent1">
+                <a:shade val="50000"/>
+              </a:schemeClr>
+            </a:lnRef>
+            <a:fillRef idx="1">
+              <a:schemeClr val="accent1"/>
+            </a:fillRef>
+            <a:effectRef idx="0">
+              <a:schemeClr val="accent1"/>
+            </a:effectRef>
+            <a:fontRef idx="minor">
+              <a:schemeClr val="lt1"/>
+            </a:fontRef>
+          </p:style>
+          <p:txBody>
+            <a:bodyPr rtlCol="0" anchor="ctr"/>
+            <a:lstStyle/>
+            <a:p>
+              <a:pPr algn="ctr"/>
+              <a:endParaRPr lang="en-US"/>
+            </a:p>
+          </p:txBody>
+        </p:sp>
+        <p:sp>
+          <p:nvSpPr>
+            <p:cNvPr id="6" name="Oval 5">
+              <a:extLst>
+                <a:ext uri="{FF2B5EF4-FFF2-40B4-BE49-F238E27FC236}">
+                  <a16:creationId xmlns:a16="http://schemas.microsoft.com/office/drawing/2014/main" id="{8C483DCC-5B3C-844B-8E71-8D750B006C63}"/>
+                </a:ext>
+              </a:extLst>
+            </p:cNvPr>
+            <p:cNvSpPr/>
+            <p:nvPr/>
+          </p:nvSpPr>
+          <p:spPr>
+            <a:xfrm>
+              <a:off x="6817974" y="-601255"/>
+              <a:ext cx="7952568" cy="8087709"/>
+            </a:xfrm>
+            <a:prstGeom prst="ellipse">
+              <a:avLst/>
+            </a:prstGeom>
+            <a:solidFill>
+              <a:schemeClr val="accent3">
+                <a:lumMod val="40000"/>
+                <a:lumOff val="60000"/>
+              </a:schemeClr>
+            </a:solidFill>
+            <a:ln>
+              <a:noFill/>
+            </a:ln>
+          </p:spPr>
+          <p:style>
+            <a:lnRef idx="2">
+              <a:schemeClr val="accent1">
+                <a:shade val="50000"/>
+              </a:schemeClr>
+            </a:lnRef>
+            <a:fillRef idx="1">
+              <a:schemeClr val="accent1"/>
+            </a:fillRef>
+            <a:effectRef idx="0">
+              <a:schemeClr val="accent1"/>
+            </a:effectRef>
+            <a:fontRef idx="minor">
+              <a:schemeClr val="lt1"/>
+            </a:fontRef>
+          </p:style>
+          <p:txBody>
+            <a:bodyPr rtlCol="0" anchor="ctr"/>
+            <a:lstStyle/>
+            <a:p>
+              <a:pPr algn="ctr"/>
+              <a:endParaRPr lang="en-US"/>
+            </a:p>
+          </p:txBody>
+        </p:sp>
+      </p:grpSp>
       <p:sp>
         <p:nvSpPr>
           <p:cNvPr id="2" name="Titel 1">
@@ -4243,7 +4556,50 @@
           <a:bodyPr/>
           <a:lstStyle/>
           <a:p>
-            <a:endParaRPr lang="de-DE" dirty="0"/>
+            <a:r>
+              <a:rPr lang="de-DE" dirty="0"/>
+              <a:t>Add </a:t>
+            </a:r>
+            <a:r>
+              <a:rPr lang="de-DE" dirty="0" err="1"/>
+              <a:t>here</a:t>
+            </a:r>
+            <a:r>
+              <a:rPr lang="de-DE" dirty="0"/>
+              <a:t> </a:t>
+            </a:r>
+            <a:r>
+              <a:rPr lang="de-DE" dirty="0" err="1"/>
+              <a:t>names</a:t>
+            </a:r>
+            <a:r>
+              <a:rPr lang="de-DE" dirty="0"/>
+              <a:t> </a:t>
+            </a:r>
+            <a:r>
+              <a:rPr lang="de-DE" dirty="0" err="1"/>
+              <a:t>of</a:t>
+            </a:r>
+            <a:r>
+              <a:rPr lang="de-DE" dirty="0"/>
+              <a:t> all </a:t>
+            </a:r>
+            <a:r>
+              <a:rPr lang="de-DE" dirty="0" err="1"/>
+              <a:t>team</a:t>
+            </a:r>
+            <a:r>
+              <a:rPr lang="de-DE" dirty="0"/>
+              <a:t> </a:t>
+            </a:r>
+            <a:r>
+              <a:rPr lang="de-DE" dirty="0" err="1"/>
+              <a:t>members</a:t>
+            </a:r>
+            <a:r>
+              <a:rPr lang="de-DE" dirty="0"/>
+              <a:t>?</a:t>
+            </a:r>
           </a:p>
         </p:txBody>
       </p:sp>
@@ -4260,7 +4616,7 @@
 </p:sld>
 </file>
 
-<file path=ppt/slides/slide2.xml><?xml version="1.0" encoding="utf-8"?>
+<file path=ppt/slides/slide10.xml><?xml version="1.0" encoding="utf-8"?>
 <p:sld xmlns:a="http://schemas.openxmlformats.org/drawingml/2006/main" xmlns:r="http://schemas.openxmlformats.org/officeDocument/2006/relationships" xmlns:p="http://schemas.openxmlformats.org/presentationml/2006/main">
   <p:cSld>
     <p:spTree>
@@ -4282,7 +4638,7 @@
           <p:cNvPr id="2" name="Titel 1">
             <a:extLst>
               <a:ext uri="{FF2B5EF4-FFF2-40B4-BE49-F238E27FC236}">
-                <a16:creationId xmlns:a16="http://schemas.microsoft.com/office/drawing/2014/main" id="{7DBB68CE-8396-4543-9DC1-122A146C1D49}"/>
+                <a16:creationId xmlns:a16="http://schemas.microsoft.com/office/drawing/2014/main" id="{4ED4C486-7694-F44D-87FB-572051320CAB}"/>
               </a:ext>
             </a:extLst>
           </p:cNvPr>
@@ -4298,10 +4654,7 @@
           <a:bodyPr/>
           <a:lstStyle/>
           <a:p>
-            <a:r>
-              <a:rPr lang="de-DE" dirty="0"/>
-              <a:t>Agenda</a:t>
-            </a:r>
+            <a:endParaRPr lang="de-DE"/>
           </a:p>
         </p:txBody>
       </p:sp>
@@ -4310,7 +4663,7 @@
           <p:cNvPr id="3" name="Inhaltsplatzhalter 2">
             <a:extLst>
               <a:ext uri="{FF2B5EF4-FFF2-40B4-BE49-F238E27FC236}">
-                <a16:creationId xmlns:a16="http://schemas.microsoft.com/office/drawing/2014/main" id="{6F945A26-98EC-0449-9EAA-4803AF571EB5}"/>
+                <a16:creationId xmlns:a16="http://schemas.microsoft.com/office/drawing/2014/main" id="{EB7FEB7C-EA76-1847-8909-C129047C4C14}"/>
               </a:ext>
             </a:extLst>
           </p:cNvPr>
@@ -4326,6 +4679,351 @@
           <a:bodyPr/>
           <a:lstStyle/>
           <a:p>
+            <a:endParaRPr lang="de-DE" dirty="0"/>
+          </a:p>
+        </p:txBody>
+      </p:sp>
+      <p:grpSp>
+        <p:nvGrpSpPr>
+          <p:cNvPr id="4" name="Gruppieren 3">
+            <a:extLst>
+              <a:ext uri="{FF2B5EF4-FFF2-40B4-BE49-F238E27FC236}">
+                <a16:creationId xmlns:a16="http://schemas.microsoft.com/office/drawing/2014/main" id="{7ECFB22C-2287-5043-85EB-C8398B19A24C}"/>
+              </a:ext>
+            </a:extLst>
+          </p:cNvPr>
+          <p:cNvGrpSpPr/>
+          <p:nvPr/>
+        </p:nvGrpSpPr>
+        <p:grpSpPr>
+          <a:xfrm>
+            <a:off x="2800124" y="-2379541"/>
+            <a:ext cx="12035705" cy="12240232"/>
+            <a:chOff x="2800124" y="-2379541"/>
+            <a:chExt cx="12035705" cy="12240232"/>
+          </a:xfrm>
+        </p:grpSpPr>
+        <p:sp>
+          <p:nvSpPr>
+            <p:cNvPr id="5" name="Oval 4">
+              <a:extLst>
+                <a:ext uri="{FF2B5EF4-FFF2-40B4-BE49-F238E27FC236}">
+                  <a16:creationId xmlns:a16="http://schemas.microsoft.com/office/drawing/2014/main" id="{DED22578-0F9E-CE42-8A98-E06B6F4B6F93}"/>
+                </a:ext>
+              </a:extLst>
+            </p:cNvPr>
+            <p:cNvSpPr/>
+            <p:nvPr/>
+          </p:nvSpPr>
+          <p:spPr>
+            <a:xfrm>
+              <a:off x="2800124" y="-2379541"/>
+              <a:ext cx="12035705" cy="12240232"/>
+            </a:xfrm>
+            <a:prstGeom prst="ellipse">
+              <a:avLst/>
+            </a:prstGeom>
+            <a:solidFill>
+              <a:schemeClr val="accent3">
+                <a:lumMod val="20000"/>
+                <a:lumOff val="80000"/>
+              </a:schemeClr>
+            </a:solidFill>
+            <a:ln>
+              <a:noFill/>
+            </a:ln>
+          </p:spPr>
+          <p:style>
+            <a:lnRef idx="2">
+              <a:schemeClr val="accent1">
+                <a:shade val="50000"/>
+              </a:schemeClr>
+            </a:lnRef>
+            <a:fillRef idx="1">
+              <a:schemeClr val="accent1"/>
+            </a:fillRef>
+            <a:effectRef idx="0">
+              <a:schemeClr val="accent1"/>
+            </a:effectRef>
+            <a:fontRef idx="minor">
+              <a:schemeClr val="lt1"/>
+            </a:fontRef>
+          </p:style>
+          <p:txBody>
+            <a:bodyPr rtlCol="0" anchor="ctr"/>
+            <a:lstStyle/>
+            <a:p>
+              <a:pPr algn="ctr"/>
+              <a:endParaRPr lang="en-US"/>
+            </a:p>
+          </p:txBody>
+        </p:sp>
+        <p:sp>
+          <p:nvSpPr>
+            <p:cNvPr id="6" name="Oval 5">
+              <a:extLst>
+                <a:ext uri="{FF2B5EF4-FFF2-40B4-BE49-F238E27FC236}">
+                  <a16:creationId xmlns:a16="http://schemas.microsoft.com/office/drawing/2014/main" id="{67212676-A461-CD49-A0E9-E9ADEC01077B}"/>
+                </a:ext>
+              </a:extLst>
+            </p:cNvPr>
+            <p:cNvSpPr/>
+            <p:nvPr/>
+          </p:nvSpPr>
+          <p:spPr>
+            <a:xfrm>
+              <a:off x="6817974" y="-601255"/>
+              <a:ext cx="7952568" cy="8087709"/>
+            </a:xfrm>
+            <a:prstGeom prst="ellipse">
+              <a:avLst/>
+            </a:prstGeom>
+            <a:solidFill>
+              <a:schemeClr val="accent3">
+                <a:lumMod val="40000"/>
+                <a:lumOff val="60000"/>
+              </a:schemeClr>
+            </a:solidFill>
+            <a:ln>
+              <a:noFill/>
+            </a:ln>
+          </p:spPr>
+          <p:style>
+            <a:lnRef idx="2">
+              <a:schemeClr val="accent1">
+                <a:shade val="50000"/>
+              </a:schemeClr>
+            </a:lnRef>
+            <a:fillRef idx="1">
+              <a:schemeClr val="accent1"/>
+            </a:fillRef>
+            <a:effectRef idx="0">
+              <a:schemeClr val="accent1"/>
+            </a:effectRef>
+            <a:fontRef idx="minor">
+              <a:schemeClr val="lt1"/>
+            </a:fontRef>
+          </p:style>
+          <p:txBody>
+            <a:bodyPr rtlCol="0" anchor="ctr"/>
+            <a:lstStyle/>
+            <a:p>
+              <a:pPr algn="ctr"/>
+              <a:endParaRPr lang="en-US"/>
+            </a:p>
+          </p:txBody>
+        </p:sp>
+      </p:grpSp>
+    </p:spTree>
+    <p:extLst>
+      <p:ext uri="{BB962C8B-B14F-4D97-AF65-F5344CB8AC3E}">
+        <p14:creationId xmlns:p14="http://schemas.microsoft.com/office/powerpoint/2010/main" val="2552253436"/>
+      </p:ext>
+    </p:extLst>
+  </p:cSld>
+  <p:clrMapOvr>
+    <a:masterClrMapping/>
+  </p:clrMapOvr>
+</p:sld>
+</file>
+
+<file path=ppt/slides/slide2.xml><?xml version="1.0" encoding="utf-8"?>
+<p:sld xmlns:a="http://schemas.openxmlformats.org/drawingml/2006/main" xmlns:r="http://schemas.openxmlformats.org/officeDocument/2006/relationships" xmlns:p="http://schemas.openxmlformats.org/presentationml/2006/main" show="0">
+  <p:cSld>
+    <p:spTree>
+      <p:nvGrpSpPr>
+        <p:cNvPr id="1" name=""/>
+        <p:cNvGrpSpPr/>
+        <p:nvPr/>
+      </p:nvGrpSpPr>
+      <p:grpSpPr>
+        <a:xfrm>
+          <a:off x="0" y="0"/>
+          <a:ext cx="0" cy="0"/>
+          <a:chOff x="0" y="0"/>
+          <a:chExt cx="0" cy="0"/>
+        </a:xfrm>
+      </p:grpSpPr>
+      <p:grpSp>
+        <p:nvGrpSpPr>
+          <p:cNvPr id="7" name="Gruppieren 6">
+            <a:extLst>
+              <a:ext uri="{FF2B5EF4-FFF2-40B4-BE49-F238E27FC236}">
+                <a16:creationId xmlns:a16="http://schemas.microsoft.com/office/drawing/2014/main" id="{DCC9F5D4-C1EB-BC40-954A-145F543EDA20}"/>
+              </a:ext>
+            </a:extLst>
+          </p:cNvPr>
+          <p:cNvGrpSpPr/>
+          <p:nvPr/>
+        </p:nvGrpSpPr>
+        <p:grpSpPr>
+          <a:xfrm>
+            <a:off x="2800124" y="-2379541"/>
+            <a:ext cx="12035705" cy="12240232"/>
+            <a:chOff x="2800124" y="-2379541"/>
+            <a:chExt cx="12035705" cy="12240232"/>
+          </a:xfrm>
+        </p:grpSpPr>
+        <p:sp>
+          <p:nvSpPr>
+            <p:cNvPr id="5" name="Oval 4">
+              <a:extLst>
+                <a:ext uri="{FF2B5EF4-FFF2-40B4-BE49-F238E27FC236}">
+                  <a16:creationId xmlns:a16="http://schemas.microsoft.com/office/drawing/2014/main" id="{F42B8FCD-54D0-324F-BBB7-3575EEF937D2}"/>
+                </a:ext>
+              </a:extLst>
+            </p:cNvPr>
+            <p:cNvSpPr/>
+            <p:nvPr/>
+          </p:nvSpPr>
+          <p:spPr>
+            <a:xfrm>
+              <a:off x="2800124" y="-2379541"/>
+              <a:ext cx="12035705" cy="12240232"/>
+            </a:xfrm>
+            <a:prstGeom prst="ellipse">
+              <a:avLst/>
+            </a:prstGeom>
+            <a:solidFill>
+              <a:schemeClr val="accent3">
+                <a:lumMod val="20000"/>
+                <a:lumOff val="80000"/>
+              </a:schemeClr>
+            </a:solidFill>
+            <a:ln>
+              <a:noFill/>
+            </a:ln>
+          </p:spPr>
+          <p:style>
+            <a:lnRef idx="2">
+              <a:schemeClr val="accent1">
+                <a:shade val="50000"/>
+              </a:schemeClr>
+            </a:lnRef>
+            <a:fillRef idx="1">
+              <a:schemeClr val="accent1"/>
+            </a:fillRef>
+            <a:effectRef idx="0">
+              <a:schemeClr val="accent1"/>
+            </a:effectRef>
+            <a:fontRef idx="minor">
+              <a:schemeClr val="lt1"/>
+            </a:fontRef>
+          </p:style>
+          <p:txBody>
+            <a:bodyPr rtlCol="0" anchor="ctr"/>
+            <a:lstStyle/>
+            <a:p>
+              <a:pPr algn="ctr"/>
+              <a:endParaRPr lang="en-US"/>
+            </a:p>
+          </p:txBody>
+        </p:sp>
+        <p:sp>
+          <p:nvSpPr>
+            <p:cNvPr id="6" name="Oval 5">
+              <a:extLst>
+                <a:ext uri="{FF2B5EF4-FFF2-40B4-BE49-F238E27FC236}">
+                  <a16:creationId xmlns:a16="http://schemas.microsoft.com/office/drawing/2014/main" id="{4055B2D0-A2C6-DE4C-B95C-667C94771E6D}"/>
+                </a:ext>
+              </a:extLst>
+            </p:cNvPr>
+            <p:cNvSpPr/>
+            <p:nvPr/>
+          </p:nvSpPr>
+          <p:spPr>
+            <a:xfrm>
+              <a:off x="6817974" y="-601255"/>
+              <a:ext cx="7952568" cy="8087709"/>
+            </a:xfrm>
+            <a:prstGeom prst="ellipse">
+              <a:avLst/>
+            </a:prstGeom>
+            <a:solidFill>
+              <a:schemeClr val="accent3">
+                <a:lumMod val="40000"/>
+                <a:lumOff val="60000"/>
+              </a:schemeClr>
+            </a:solidFill>
+            <a:ln>
+              <a:noFill/>
+            </a:ln>
+          </p:spPr>
+          <p:style>
+            <a:lnRef idx="2">
+              <a:schemeClr val="accent1">
+                <a:shade val="50000"/>
+              </a:schemeClr>
+            </a:lnRef>
+            <a:fillRef idx="1">
+              <a:schemeClr val="accent1"/>
+            </a:fillRef>
+            <a:effectRef idx="0">
+              <a:schemeClr val="accent1"/>
+            </a:effectRef>
+            <a:fontRef idx="minor">
+              <a:schemeClr val="lt1"/>
+            </a:fontRef>
+          </p:style>
+          <p:txBody>
+            <a:bodyPr rtlCol="0" anchor="ctr"/>
+            <a:lstStyle/>
+            <a:p>
+              <a:pPr algn="ctr"/>
+              <a:endParaRPr lang="en-US"/>
+            </a:p>
+          </p:txBody>
+        </p:sp>
+      </p:grpSp>
+      <p:sp>
+        <p:nvSpPr>
+          <p:cNvPr id="2" name="Titel 1">
+            <a:extLst>
+              <a:ext uri="{FF2B5EF4-FFF2-40B4-BE49-F238E27FC236}">
+                <a16:creationId xmlns:a16="http://schemas.microsoft.com/office/drawing/2014/main" id="{7DBB68CE-8396-4543-9DC1-122A146C1D49}"/>
+              </a:ext>
+            </a:extLst>
+          </p:cNvPr>
+          <p:cNvSpPr>
+            <a:spLocks noGrp="1"/>
+          </p:cNvSpPr>
+          <p:nvPr>
+            <p:ph type="title"/>
+          </p:nvPr>
+        </p:nvSpPr>
+        <p:spPr/>
+        <p:txBody>
+          <a:bodyPr/>
+          <a:lstStyle/>
+          <a:p>
+            <a:r>
+              <a:rPr lang="de-DE" dirty="0"/>
+              <a:t>Agenda</a:t>
+            </a:r>
+          </a:p>
+        </p:txBody>
+      </p:sp>
+      <p:sp>
+        <p:nvSpPr>
+          <p:cNvPr id="3" name="Inhaltsplatzhalter 2">
+            <a:extLst>
+              <a:ext uri="{FF2B5EF4-FFF2-40B4-BE49-F238E27FC236}">
+                <a16:creationId xmlns:a16="http://schemas.microsoft.com/office/drawing/2014/main" id="{6F945A26-98EC-0449-9EAA-4803AF571EB5}"/>
+              </a:ext>
+            </a:extLst>
+          </p:cNvPr>
+          <p:cNvSpPr>
+            <a:spLocks noGrp="1"/>
+          </p:cNvSpPr>
+          <p:nvPr>
+            <p:ph idx="1"/>
+          </p:nvPr>
+        </p:nvSpPr>
+        <p:spPr/>
+        <p:txBody>
+          <a:bodyPr/>
+          <a:lstStyle/>
+          <a:p>
             <a:r>
               <a:rPr lang="de-DE" dirty="0"/>
               <a:t>Problem</a:t>
@@ -4354,14 +5052,6 @@
             <a:r>
               <a:rPr lang="de-DE" dirty="0" err="1"/>
               <a:t>Why</a:t>
-            </a:r>
-            <a:r>
-              <a:rPr lang="de-DE" dirty="0"/>
-              <a:t> </a:t>
-            </a:r>
-            <a:r>
-              <a:rPr lang="de-DE" dirty="0" err="1"/>
-              <a:t>use</a:t>
             </a:r>
             <a:r>
               <a:rPr lang="de-DE" dirty="0"/>
@@ -4417,6 +5107,1390 @@
 </file>
 
 <file path=ppt/slides/slide3.xml><?xml version="1.0" encoding="utf-8"?>
+<p:sld xmlns:a="http://schemas.openxmlformats.org/drawingml/2006/main" xmlns:r="http://schemas.openxmlformats.org/officeDocument/2006/relationships" xmlns:p="http://schemas.openxmlformats.org/presentationml/2006/main">
+  <p:cSld>
+    <p:spTree>
+      <p:nvGrpSpPr>
+        <p:cNvPr id="1" name=""/>
+        <p:cNvGrpSpPr/>
+        <p:nvPr/>
+      </p:nvGrpSpPr>
+      <p:grpSpPr>
+        <a:xfrm>
+          <a:off x="0" y="0"/>
+          <a:ext cx="0" cy="0"/>
+          <a:chOff x="0" y="0"/>
+          <a:chExt cx="0" cy="0"/>
+        </a:xfrm>
+      </p:grpSpPr>
+      <p:grpSp>
+        <p:nvGrpSpPr>
+          <p:cNvPr id="7" name="Gruppieren 6">
+            <a:extLst>
+              <a:ext uri="{FF2B5EF4-FFF2-40B4-BE49-F238E27FC236}">
+                <a16:creationId xmlns:a16="http://schemas.microsoft.com/office/drawing/2014/main" id="{DCC9F5D4-C1EB-BC40-954A-145F543EDA20}"/>
+              </a:ext>
+            </a:extLst>
+          </p:cNvPr>
+          <p:cNvGrpSpPr/>
+          <p:nvPr/>
+        </p:nvGrpSpPr>
+        <p:grpSpPr>
+          <a:xfrm>
+            <a:off x="2800124" y="-2379541"/>
+            <a:ext cx="12035705" cy="12240232"/>
+            <a:chOff x="2800124" y="-2379541"/>
+            <a:chExt cx="12035705" cy="12240232"/>
+          </a:xfrm>
+        </p:grpSpPr>
+        <p:sp>
+          <p:nvSpPr>
+            <p:cNvPr id="5" name="Oval 4">
+              <a:extLst>
+                <a:ext uri="{FF2B5EF4-FFF2-40B4-BE49-F238E27FC236}">
+                  <a16:creationId xmlns:a16="http://schemas.microsoft.com/office/drawing/2014/main" id="{F42B8FCD-54D0-324F-BBB7-3575EEF937D2}"/>
+                </a:ext>
+              </a:extLst>
+            </p:cNvPr>
+            <p:cNvSpPr/>
+            <p:nvPr/>
+          </p:nvSpPr>
+          <p:spPr>
+            <a:xfrm>
+              <a:off x="2800124" y="-2379541"/>
+              <a:ext cx="12035705" cy="12240232"/>
+            </a:xfrm>
+            <a:prstGeom prst="ellipse">
+              <a:avLst/>
+            </a:prstGeom>
+            <a:solidFill>
+              <a:schemeClr val="accent3">
+                <a:lumMod val="20000"/>
+                <a:lumOff val="80000"/>
+              </a:schemeClr>
+            </a:solidFill>
+            <a:ln>
+              <a:noFill/>
+            </a:ln>
+          </p:spPr>
+          <p:style>
+            <a:lnRef idx="2">
+              <a:schemeClr val="accent1">
+                <a:shade val="50000"/>
+              </a:schemeClr>
+            </a:lnRef>
+            <a:fillRef idx="1">
+              <a:schemeClr val="accent1"/>
+            </a:fillRef>
+            <a:effectRef idx="0">
+              <a:schemeClr val="accent1"/>
+            </a:effectRef>
+            <a:fontRef idx="minor">
+              <a:schemeClr val="lt1"/>
+            </a:fontRef>
+          </p:style>
+          <p:txBody>
+            <a:bodyPr rtlCol="0" anchor="ctr"/>
+            <a:lstStyle/>
+            <a:p>
+              <a:pPr algn="ctr"/>
+              <a:endParaRPr lang="en-US"/>
+            </a:p>
+          </p:txBody>
+        </p:sp>
+        <p:sp>
+          <p:nvSpPr>
+            <p:cNvPr id="6" name="Oval 5">
+              <a:extLst>
+                <a:ext uri="{FF2B5EF4-FFF2-40B4-BE49-F238E27FC236}">
+                  <a16:creationId xmlns:a16="http://schemas.microsoft.com/office/drawing/2014/main" id="{4055B2D0-A2C6-DE4C-B95C-667C94771E6D}"/>
+                </a:ext>
+              </a:extLst>
+            </p:cNvPr>
+            <p:cNvSpPr/>
+            <p:nvPr/>
+          </p:nvSpPr>
+          <p:spPr>
+            <a:xfrm>
+              <a:off x="6817974" y="-601255"/>
+              <a:ext cx="7952568" cy="8087709"/>
+            </a:xfrm>
+            <a:prstGeom prst="ellipse">
+              <a:avLst/>
+            </a:prstGeom>
+            <a:solidFill>
+              <a:schemeClr val="accent3">
+                <a:lumMod val="40000"/>
+                <a:lumOff val="60000"/>
+              </a:schemeClr>
+            </a:solidFill>
+            <a:ln>
+              <a:noFill/>
+            </a:ln>
+          </p:spPr>
+          <p:style>
+            <a:lnRef idx="2">
+              <a:schemeClr val="accent1">
+                <a:shade val="50000"/>
+              </a:schemeClr>
+            </a:lnRef>
+            <a:fillRef idx="1">
+              <a:schemeClr val="accent1"/>
+            </a:fillRef>
+            <a:effectRef idx="0">
+              <a:schemeClr val="accent1"/>
+            </a:effectRef>
+            <a:fontRef idx="minor">
+              <a:schemeClr val="lt1"/>
+            </a:fontRef>
+          </p:style>
+          <p:txBody>
+            <a:bodyPr rtlCol="0" anchor="ctr"/>
+            <a:lstStyle/>
+            <a:p>
+              <a:pPr algn="ctr"/>
+              <a:endParaRPr lang="en-US"/>
+            </a:p>
+          </p:txBody>
+        </p:sp>
+      </p:grpSp>
+      <p:sp>
+        <p:nvSpPr>
+          <p:cNvPr id="34" name="Rounded Rectangle 43">
+            <a:extLst>
+              <a:ext uri="{FF2B5EF4-FFF2-40B4-BE49-F238E27FC236}">
+                <a16:creationId xmlns:a16="http://schemas.microsoft.com/office/drawing/2014/main" id="{3956578C-8D26-EA41-B3E7-41F33E099F74}"/>
+              </a:ext>
+            </a:extLst>
+          </p:cNvPr>
+          <p:cNvSpPr/>
+          <p:nvPr/>
+        </p:nvSpPr>
+        <p:spPr>
+          <a:xfrm>
+            <a:off x="5726483" y="1087200"/>
+            <a:ext cx="4797031" cy="5475600"/>
+          </a:xfrm>
+          <a:prstGeom prst="roundRect">
+            <a:avLst>
+              <a:gd name="adj" fmla="val 0"/>
+            </a:avLst>
+          </a:prstGeom>
+          <a:solidFill>
+            <a:schemeClr val="accent2">
+              <a:lumMod val="20000"/>
+              <a:lumOff val="80000"/>
+            </a:schemeClr>
+          </a:solidFill>
+          <a:ln w="12700">
+            <a:noFill/>
+          </a:ln>
+        </p:spPr>
+        <p:style>
+          <a:lnRef idx="2">
+            <a:schemeClr val="accent1">
+              <a:shade val="50000"/>
+            </a:schemeClr>
+          </a:lnRef>
+          <a:fillRef idx="1">
+            <a:schemeClr val="accent1"/>
+          </a:fillRef>
+          <a:effectRef idx="0">
+            <a:schemeClr val="accent1"/>
+          </a:effectRef>
+          <a:fontRef idx="minor">
+            <a:schemeClr val="lt1"/>
+          </a:fontRef>
+        </p:style>
+        <p:txBody>
+          <a:bodyPr rtlCol="0" anchor="ctr"/>
+          <a:lstStyle/>
+          <a:p>
+            <a:pPr algn="ctr"/>
+            <a:endParaRPr lang="en-US"/>
+          </a:p>
+        </p:txBody>
+      </p:sp>
+      <p:sp>
+        <p:nvSpPr>
+          <p:cNvPr id="35" name="Rounded Rectangle 42">
+            <a:extLst>
+              <a:ext uri="{FF2B5EF4-FFF2-40B4-BE49-F238E27FC236}">
+                <a16:creationId xmlns:a16="http://schemas.microsoft.com/office/drawing/2014/main" id="{901A5742-0FCC-BF4D-9E6A-E834C21C671A}"/>
+              </a:ext>
+            </a:extLst>
+          </p:cNvPr>
+          <p:cNvSpPr/>
+          <p:nvPr/>
+        </p:nvSpPr>
+        <p:spPr>
+          <a:xfrm>
+            <a:off x="478089" y="1087200"/>
+            <a:ext cx="5248394" cy="5475600"/>
+          </a:xfrm>
+          <a:prstGeom prst="roundRect">
+            <a:avLst>
+              <a:gd name="adj" fmla="val 0"/>
+            </a:avLst>
+          </a:prstGeom>
+          <a:solidFill>
+            <a:schemeClr val="accent2">
+              <a:lumMod val="60000"/>
+              <a:lumOff val="40000"/>
+            </a:schemeClr>
+          </a:solidFill>
+          <a:ln w="28575">
+            <a:noFill/>
+          </a:ln>
+        </p:spPr>
+        <p:style>
+          <a:lnRef idx="2">
+            <a:schemeClr val="accent1">
+              <a:shade val="50000"/>
+            </a:schemeClr>
+          </a:lnRef>
+          <a:fillRef idx="1">
+            <a:schemeClr val="accent1"/>
+          </a:fillRef>
+          <a:effectRef idx="0">
+            <a:schemeClr val="accent1"/>
+          </a:effectRef>
+          <a:fontRef idx="minor">
+            <a:schemeClr val="lt1"/>
+          </a:fontRef>
+        </p:style>
+        <p:txBody>
+          <a:bodyPr rtlCol="0" anchor="ctr"/>
+          <a:lstStyle/>
+          <a:p>
+            <a:pPr algn="ctr"/>
+            <a:endParaRPr lang="en-US"/>
+          </a:p>
+        </p:txBody>
+      </p:sp>
+      <p:cxnSp>
+        <p:nvCxnSpPr>
+          <p:cNvPr id="23" name="Elbow Connector 51">
+            <a:extLst>
+              <a:ext uri="{FF2B5EF4-FFF2-40B4-BE49-F238E27FC236}">
+                <a16:creationId xmlns:a16="http://schemas.microsoft.com/office/drawing/2014/main" id="{67A670D3-20D7-294B-825E-7C44DFF0184A}"/>
+              </a:ext>
+            </a:extLst>
+          </p:cNvPr>
+          <p:cNvCxnSpPr>
+            <a:cxnSpLocks/>
+            <a:endCxn id="21" idx="1"/>
+          </p:cNvCxnSpPr>
+          <p:nvPr/>
+        </p:nvCxnSpPr>
+        <p:spPr>
+          <a:xfrm rot="5400000" flipH="1" flipV="1">
+            <a:off x="1826629" y="3584272"/>
+            <a:ext cx="1993201" cy="960159"/>
+          </a:xfrm>
+          <a:prstGeom prst="bentConnector2">
+            <a:avLst/>
+          </a:prstGeom>
+          <a:ln w="53975">
+            <a:solidFill>
+              <a:schemeClr val="tx1"/>
+            </a:solidFill>
+            <a:prstDash val="dash"/>
+            <a:tailEnd type="triangle"/>
+          </a:ln>
+        </p:spPr>
+        <p:style>
+          <a:lnRef idx="1">
+            <a:schemeClr val="accent1"/>
+          </a:lnRef>
+          <a:fillRef idx="0">
+            <a:schemeClr val="accent1"/>
+          </a:fillRef>
+          <a:effectRef idx="0">
+            <a:schemeClr val="accent1"/>
+          </a:effectRef>
+          <a:fontRef idx="minor">
+            <a:schemeClr val="tx1"/>
+          </a:fontRef>
+        </p:style>
+      </p:cxnSp>
+      <p:pic>
+        <p:nvPicPr>
+          <p:cNvPr id="4" name="Inhaltsplatzhalter 3">
+            <a:extLst>
+              <a:ext uri="{FF2B5EF4-FFF2-40B4-BE49-F238E27FC236}">
+                <a16:creationId xmlns:a16="http://schemas.microsoft.com/office/drawing/2014/main" id="{290D6EC0-1765-F047-9B63-13DDB1F8F808}"/>
+              </a:ext>
+            </a:extLst>
+          </p:cNvPr>
+          <p:cNvPicPr>
+            <a:picLocks noGrp="1" noChangeAspect="1"/>
+          </p:cNvPicPr>
+          <p:nvPr>
+            <p:ph idx="1"/>
+          </p:nvPr>
+        </p:nvPicPr>
+        <p:blipFill>
+          <a:blip r:embed="rId2"/>
+          <a:stretch>
+            <a:fillRect/>
+          </a:stretch>
+        </p:blipFill>
+        <p:spPr>
+          <a:xfrm>
+            <a:off x="4063907" y="2914451"/>
+            <a:ext cx="910086" cy="910086"/>
+          </a:xfrm>
+        </p:spPr>
+      </p:pic>
+      <p:pic>
+        <p:nvPicPr>
+          <p:cNvPr id="21" name="Picture 17">
+            <a:extLst>
+              <a:ext uri="{FF2B5EF4-FFF2-40B4-BE49-F238E27FC236}">
+                <a16:creationId xmlns:a16="http://schemas.microsoft.com/office/drawing/2014/main" id="{05693A9D-1FD1-1740-88AF-091BE8A3411A}"/>
+              </a:ext>
+            </a:extLst>
+          </p:cNvPr>
+          <p:cNvPicPr>
+            <a:picLocks noChangeAspect="1"/>
+          </p:cNvPicPr>
+          <p:nvPr/>
+        </p:nvPicPr>
+        <p:blipFill>
+          <a:blip r:embed="rId3">
+            <a:extLst>
+              <a:ext uri="{28A0092B-C50C-407E-A947-70E740481C1C}">
+                <a14:useLocalDpi xmlns:a14="http://schemas.microsoft.com/office/drawing/2010/main" val="0"/>
+              </a:ext>
+            </a:extLst>
+          </a:blip>
+          <a:stretch>
+            <a:fillRect/>
+          </a:stretch>
+        </p:blipFill>
+        <p:spPr>
+          <a:xfrm>
+            <a:off x="3303309" y="2653501"/>
+            <a:ext cx="828498" cy="828498"/>
+          </a:xfrm>
+          <a:prstGeom prst="rect">
+            <a:avLst/>
+          </a:prstGeom>
+        </p:spPr>
+      </p:pic>
+      <p:grpSp>
+        <p:nvGrpSpPr>
+          <p:cNvPr id="36" name="Group 6">
+            <a:extLst>
+              <a:ext uri="{FF2B5EF4-FFF2-40B4-BE49-F238E27FC236}">
+                <a16:creationId xmlns:a16="http://schemas.microsoft.com/office/drawing/2014/main" id="{9803440A-C58F-194B-B4B5-60B3435506C2}"/>
+              </a:ext>
+            </a:extLst>
+          </p:cNvPr>
+          <p:cNvGrpSpPr/>
+          <p:nvPr/>
+        </p:nvGrpSpPr>
+        <p:grpSpPr>
+          <a:xfrm>
+            <a:off x="914665" y="2016677"/>
+            <a:ext cx="784880" cy="788814"/>
+            <a:chOff x="941294" y="1721224"/>
+            <a:chExt cx="833718" cy="914400"/>
+          </a:xfrm>
+        </p:grpSpPr>
+        <p:sp>
+          <p:nvSpPr>
+            <p:cNvPr id="37" name="Rounded Rectangle 5">
+              <a:extLst>
+                <a:ext uri="{FF2B5EF4-FFF2-40B4-BE49-F238E27FC236}">
+                  <a16:creationId xmlns:a16="http://schemas.microsoft.com/office/drawing/2014/main" id="{123190D5-6C70-164E-8FA5-408F117CC91B}"/>
+                </a:ext>
+              </a:extLst>
+            </p:cNvPr>
+            <p:cNvSpPr/>
+            <p:nvPr/>
+          </p:nvSpPr>
+          <p:spPr>
+            <a:xfrm>
+              <a:off x="941294" y="1721224"/>
+              <a:ext cx="833718" cy="914400"/>
+            </a:xfrm>
+            <a:prstGeom prst="roundRect">
+              <a:avLst/>
+            </a:prstGeom>
+            <a:solidFill>
+              <a:schemeClr val="bg1"/>
+            </a:solidFill>
+            <a:ln>
+              <a:noFill/>
+            </a:ln>
+          </p:spPr>
+          <p:style>
+            <a:lnRef idx="2">
+              <a:schemeClr val="accent1">
+                <a:shade val="50000"/>
+              </a:schemeClr>
+            </a:lnRef>
+            <a:fillRef idx="1">
+              <a:schemeClr val="accent1"/>
+            </a:fillRef>
+            <a:effectRef idx="0">
+              <a:schemeClr val="accent1"/>
+            </a:effectRef>
+            <a:fontRef idx="minor">
+              <a:schemeClr val="lt1"/>
+            </a:fontRef>
+          </p:style>
+          <p:txBody>
+            <a:bodyPr rtlCol="0" anchor="ctr"/>
+            <a:lstStyle/>
+            <a:p>
+              <a:pPr algn="ctr"/>
+              <a:endParaRPr lang="en-US"/>
+            </a:p>
+          </p:txBody>
+        </p:sp>
+        <p:pic>
+          <p:nvPicPr>
+            <p:cNvPr id="38" name="Picture 4">
+              <a:extLst>
+                <a:ext uri="{FF2B5EF4-FFF2-40B4-BE49-F238E27FC236}">
+                  <a16:creationId xmlns:a16="http://schemas.microsoft.com/office/drawing/2014/main" id="{C1D414ED-5344-0A49-9BFE-751717ACEE91}"/>
+                </a:ext>
+              </a:extLst>
+            </p:cNvPr>
+            <p:cNvPicPr>
+              <a:picLocks noChangeAspect="1"/>
+            </p:cNvPicPr>
+            <p:nvPr/>
+          </p:nvPicPr>
+          <p:blipFill>
+            <a:blip r:embed="rId4">
+              <a:extLst>
+                <a:ext uri="{28A0092B-C50C-407E-A947-70E740481C1C}">
+                  <a14:useLocalDpi xmlns:a14="http://schemas.microsoft.com/office/drawing/2010/main" val="0"/>
+                </a:ext>
+              </a:extLst>
+            </a:blip>
+            <a:stretch>
+              <a:fillRect/>
+            </a:stretch>
+          </p:blipFill>
+          <p:spPr>
+            <a:xfrm>
+              <a:off x="1005541" y="1848224"/>
+              <a:ext cx="650240" cy="650240"/>
+            </a:xfrm>
+            <a:prstGeom prst="rect">
+              <a:avLst/>
+            </a:prstGeom>
+            <a:ln>
+              <a:noFill/>
+            </a:ln>
+          </p:spPr>
+        </p:pic>
+      </p:grpSp>
+      <p:grpSp>
+        <p:nvGrpSpPr>
+          <p:cNvPr id="39" name="Group 7">
+            <a:extLst>
+              <a:ext uri="{FF2B5EF4-FFF2-40B4-BE49-F238E27FC236}">
+                <a16:creationId xmlns:a16="http://schemas.microsoft.com/office/drawing/2014/main" id="{79921C9C-FAB7-E24C-BEEC-96198EB217E1}"/>
+              </a:ext>
+            </a:extLst>
+          </p:cNvPr>
+          <p:cNvGrpSpPr/>
+          <p:nvPr/>
+        </p:nvGrpSpPr>
+        <p:grpSpPr>
+          <a:xfrm>
+            <a:off x="914665" y="3585389"/>
+            <a:ext cx="784880" cy="788814"/>
+            <a:chOff x="941294" y="1721224"/>
+            <a:chExt cx="833718" cy="914400"/>
+          </a:xfrm>
+        </p:grpSpPr>
+        <p:sp>
+          <p:nvSpPr>
+            <p:cNvPr id="40" name="Rounded Rectangle 8">
+              <a:extLst>
+                <a:ext uri="{FF2B5EF4-FFF2-40B4-BE49-F238E27FC236}">
+                  <a16:creationId xmlns:a16="http://schemas.microsoft.com/office/drawing/2014/main" id="{60A11483-C316-DB4E-A082-6B0DE5346B6C}"/>
+                </a:ext>
+              </a:extLst>
+            </p:cNvPr>
+            <p:cNvSpPr/>
+            <p:nvPr/>
+          </p:nvSpPr>
+          <p:spPr>
+            <a:xfrm>
+              <a:off x="941294" y="1721224"/>
+              <a:ext cx="833718" cy="914400"/>
+            </a:xfrm>
+            <a:prstGeom prst="roundRect">
+              <a:avLst/>
+            </a:prstGeom>
+            <a:solidFill>
+              <a:schemeClr val="bg1"/>
+            </a:solidFill>
+            <a:ln>
+              <a:noFill/>
+            </a:ln>
+          </p:spPr>
+          <p:style>
+            <a:lnRef idx="2">
+              <a:schemeClr val="accent1">
+                <a:shade val="50000"/>
+              </a:schemeClr>
+            </a:lnRef>
+            <a:fillRef idx="1">
+              <a:schemeClr val="accent1"/>
+            </a:fillRef>
+            <a:effectRef idx="0">
+              <a:schemeClr val="accent1"/>
+            </a:effectRef>
+            <a:fontRef idx="minor">
+              <a:schemeClr val="lt1"/>
+            </a:fontRef>
+          </p:style>
+          <p:txBody>
+            <a:bodyPr rtlCol="0" anchor="ctr"/>
+            <a:lstStyle/>
+            <a:p>
+              <a:pPr algn="ctr"/>
+              <a:endParaRPr lang="en-US"/>
+            </a:p>
+          </p:txBody>
+        </p:sp>
+        <p:pic>
+          <p:nvPicPr>
+            <p:cNvPr id="41" name="Picture 9">
+              <a:extLst>
+                <a:ext uri="{FF2B5EF4-FFF2-40B4-BE49-F238E27FC236}">
+                  <a16:creationId xmlns:a16="http://schemas.microsoft.com/office/drawing/2014/main" id="{7DE545C1-5F79-1E41-A9BA-F4A75AC4AEF5}"/>
+                </a:ext>
+              </a:extLst>
+            </p:cNvPr>
+            <p:cNvPicPr>
+              <a:picLocks noChangeAspect="1"/>
+            </p:cNvPicPr>
+            <p:nvPr/>
+          </p:nvPicPr>
+          <p:blipFill>
+            <a:blip r:embed="rId4">
+              <a:extLst>
+                <a:ext uri="{28A0092B-C50C-407E-A947-70E740481C1C}">
+                  <a14:useLocalDpi xmlns:a14="http://schemas.microsoft.com/office/drawing/2010/main" val="0"/>
+                </a:ext>
+              </a:extLst>
+            </a:blip>
+            <a:stretch>
+              <a:fillRect/>
+            </a:stretch>
+          </p:blipFill>
+          <p:spPr>
+            <a:xfrm>
+              <a:off x="1005541" y="1848224"/>
+              <a:ext cx="650240" cy="650240"/>
+            </a:xfrm>
+            <a:prstGeom prst="rect">
+              <a:avLst/>
+            </a:prstGeom>
+            <a:ln>
+              <a:noFill/>
+            </a:ln>
+          </p:spPr>
+        </p:pic>
+      </p:grpSp>
+      <p:grpSp>
+        <p:nvGrpSpPr>
+          <p:cNvPr id="42" name="Group 10">
+            <a:extLst>
+              <a:ext uri="{FF2B5EF4-FFF2-40B4-BE49-F238E27FC236}">
+                <a16:creationId xmlns:a16="http://schemas.microsoft.com/office/drawing/2014/main" id="{378533D1-6F28-F546-B2DD-6FA2A6D57B3A}"/>
+              </a:ext>
+            </a:extLst>
+          </p:cNvPr>
+          <p:cNvGrpSpPr/>
+          <p:nvPr/>
+        </p:nvGrpSpPr>
+        <p:grpSpPr>
+          <a:xfrm>
+            <a:off x="914665" y="5154103"/>
+            <a:ext cx="784880" cy="788814"/>
+            <a:chOff x="941294" y="1721224"/>
+            <a:chExt cx="833718" cy="914400"/>
+          </a:xfrm>
+        </p:grpSpPr>
+        <p:sp>
+          <p:nvSpPr>
+            <p:cNvPr id="43" name="Rounded Rectangle 11">
+              <a:extLst>
+                <a:ext uri="{FF2B5EF4-FFF2-40B4-BE49-F238E27FC236}">
+                  <a16:creationId xmlns:a16="http://schemas.microsoft.com/office/drawing/2014/main" id="{09A3403A-B963-B847-9D78-5B9876BDCAE5}"/>
+                </a:ext>
+              </a:extLst>
+            </p:cNvPr>
+            <p:cNvSpPr/>
+            <p:nvPr/>
+          </p:nvSpPr>
+          <p:spPr>
+            <a:xfrm>
+              <a:off x="941294" y="1721224"/>
+              <a:ext cx="833718" cy="914400"/>
+            </a:xfrm>
+            <a:prstGeom prst="roundRect">
+              <a:avLst/>
+            </a:prstGeom>
+            <a:solidFill>
+              <a:schemeClr val="bg1"/>
+            </a:solidFill>
+            <a:ln>
+              <a:noFill/>
+            </a:ln>
+          </p:spPr>
+          <p:style>
+            <a:lnRef idx="2">
+              <a:schemeClr val="accent1">
+                <a:shade val="50000"/>
+              </a:schemeClr>
+            </a:lnRef>
+            <a:fillRef idx="1">
+              <a:schemeClr val="accent1"/>
+            </a:fillRef>
+            <a:effectRef idx="0">
+              <a:schemeClr val="accent1"/>
+            </a:effectRef>
+            <a:fontRef idx="minor">
+              <a:schemeClr val="lt1"/>
+            </a:fontRef>
+          </p:style>
+          <p:txBody>
+            <a:bodyPr rtlCol="0" anchor="ctr"/>
+            <a:lstStyle/>
+            <a:p>
+              <a:pPr algn="ctr"/>
+              <a:endParaRPr lang="en-US"/>
+            </a:p>
+          </p:txBody>
+        </p:sp>
+        <p:pic>
+          <p:nvPicPr>
+            <p:cNvPr id="44" name="Picture 12">
+              <a:extLst>
+                <a:ext uri="{FF2B5EF4-FFF2-40B4-BE49-F238E27FC236}">
+                  <a16:creationId xmlns:a16="http://schemas.microsoft.com/office/drawing/2014/main" id="{FB2C2A3D-C206-204A-BBB2-F86B6A711419}"/>
+                </a:ext>
+              </a:extLst>
+            </p:cNvPr>
+            <p:cNvPicPr>
+              <a:picLocks noChangeAspect="1"/>
+            </p:cNvPicPr>
+            <p:nvPr/>
+          </p:nvPicPr>
+          <p:blipFill>
+            <a:blip r:embed="rId4">
+              <a:extLst>
+                <a:ext uri="{28A0092B-C50C-407E-A947-70E740481C1C}">
+                  <a14:useLocalDpi xmlns:a14="http://schemas.microsoft.com/office/drawing/2010/main" val="0"/>
+                </a:ext>
+              </a:extLst>
+            </a:blip>
+            <a:stretch>
+              <a:fillRect/>
+            </a:stretch>
+          </p:blipFill>
+          <p:spPr>
+            <a:xfrm>
+              <a:off x="1005541" y="1848224"/>
+              <a:ext cx="650240" cy="650240"/>
+            </a:xfrm>
+            <a:prstGeom prst="rect">
+              <a:avLst/>
+            </a:prstGeom>
+            <a:ln>
+              <a:noFill/>
+            </a:ln>
+          </p:spPr>
+        </p:pic>
+      </p:grpSp>
+      <p:pic>
+        <p:nvPicPr>
+          <p:cNvPr id="22" name="Grafik 21">
+            <a:extLst>
+              <a:ext uri="{FF2B5EF4-FFF2-40B4-BE49-F238E27FC236}">
+                <a16:creationId xmlns:a16="http://schemas.microsoft.com/office/drawing/2014/main" id="{11B77D1F-C8F2-0C49-8887-DDECFA04D025}"/>
+              </a:ext>
+            </a:extLst>
+          </p:cNvPr>
+          <p:cNvPicPr>
+            <a:picLocks noChangeAspect="1"/>
+          </p:cNvPicPr>
+          <p:nvPr/>
+        </p:nvPicPr>
+        <p:blipFill>
+          <a:blip r:embed="rId5"/>
+          <a:stretch>
+            <a:fillRect/>
+          </a:stretch>
+        </p:blipFill>
+        <p:spPr>
+          <a:xfrm>
+            <a:off x="1122597" y="4287805"/>
+            <a:ext cx="1473872" cy="1473872"/>
+          </a:xfrm>
+          <a:prstGeom prst="rect">
+            <a:avLst/>
+          </a:prstGeom>
+        </p:spPr>
+      </p:pic>
+      <p:pic>
+        <p:nvPicPr>
+          <p:cNvPr id="48" name="Grafik 47">
+            <a:extLst>
+              <a:ext uri="{FF2B5EF4-FFF2-40B4-BE49-F238E27FC236}">
+                <a16:creationId xmlns:a16="http://schemas.microsoft.com/office/drawing/2014/main" id="{4541856C-9159-2743-8668-2650592BF7F5}"/>
+              </a:ext>
+            </a:extLst>
+          </p:cNvPr>
+          <p:cNvPicPr>
+            <a:picLocks noChangeAspect="1"/>
+          </p:cNvPicPr>
+          <p:nvPr/>
+        </p:nvPicPr>
+        <p:blipFill>
+          <a:blip r:embed="rId6"/>
+          <a:stretch>
+            <a:fillRect/>
+          </a:stretch>
+        </p:blipFill>
+        <p:spPr>
+          <a:xfrm>
+            <a:off x="3237197" y="3771529"/>
+            <a:ext cx="1408694" cy="1289422"/>
+          </a:xfrm>
+          <a:prstGeom prst="rect">
+            <a:avLst/>
+          </a:prstGeom>
+        </p:spPr>
+      </p:pic>
+      <p:pic>
+        <p:nvPicPr>
+          <p:cNvPr id="49" name="Grafik 48">
+            <a:extLst>
+              <a:ext uri="{FF2B5EF4-FFF2-40B4-BE49-F238E27FC236}">
+                <a16:creationId xmlns:a16="http://schemas.microsoft.com/office/drawing/2014/main" id="{61C6603A-BD27-4445-8267-10B0BC988C16}"/>
+              </a:ext>
+            </a:extLst>
+          </p:cNvPr>
+          <p:cNvPicPr>
+            <a:picLocks noChangeAspect="1"/>
+          </p:cNvPicPr>
+          <p:nvPr/>
+        </p:nvPicPr>
+        <p:blipFill>
+          <a:blip r:embed="rId6"/>
+          <a:stretch>
+            <a:fillRect/>
+          </a:stretch>
+        </p:blipFill>
+        <p:spPr>
+          <a:xfrm>
+            <a:off x="8769281" y="3330702"/>
+            <a:ext cx="1408694" cy="1289422"/>
+          </a:xfrm>
+          <a:prstGeom prst="rect">
+            <a:avLst/>
+          </a:prstGeom>
+        </p:spPr>
+      </p:pic>
+      <p:cxnSp>
+        <p:nvCxnSpPr>
+          <p:cNvPr id="51" name="Elbow Connector 51">
+            <a:extLst>
+              <a:ext uri="{FF2B5EF4-FFF2-40B4-BE49-F238E27FC236}">
+                <a16:creationId xmlns:a16="http://schemas.microsoft.com/office/drawing/2014/main" id="{343C7623-B137-3640-A4E4-23B7B24C08EC}"/>
+              </a:ext>
+            </a:extLst>
+          </p:cNvPr>
+          <p:cNvCxnSpPr>
+            <a:cxnSpLocks/>
+            <a:stCxn id="4" idx="3"/>
+            <a:endCxn id="19" idx="1"/>
+          </p:cNvCxnSpPr>
+          <p:nvPr/>
+        </p:nvCxnSpPr>
+        <p:spPr>
+          <a:xfrm>
+            <a:off x="4973993" y="3369494"/>
+            <a:ext cx="2403680" cy="500720"/>
+          </a:xfrm>
+          <a:prstGeom prst="bentConnector3">
+            <a:avLst>
+              <a:gd name="adj1" fmla="val 50000"/>
+            </a:avLst>
+          </a:prstGeom>
+          <a:ln w="53975">
+            <a:solidFill>
+              <a:schemeClr val="tx1"/>
+            </a:solidFill>
+            <a:prstDash val="dash"/>
+            <a:tailEnd type="triangle"/>
+          </a:ln>
+        </p:spPr>
+        <p:style>
+          <a:lnRef idx="1">
+            <a:schemeClr val="accent1"/>
+          </a:lnRef>
+          <a:fillRef idx="0">
+            <a:schemeClr val="accent1"/>
+          </a:fillRef>
+          <a:effectRef idx="0">
+            <a:schemeClr val="accent1"/>
+          </a:effectRef>
+          <a:fontRef idx="minor">
+            <a:schemeClr val="tx1"/>
+          </a:fontRef>
+        </p:style>
+      </p:cxnSp>
+      <p:cxnSp>
+        <p:nvCxnSpPr>
+          <p:cNvPr id="55" name="Gewinkelte Verbindung 54">
+            <a:extLst>
+              <a:ext uri="{FF2B5EF4-FFF2-40B4-BE49-F238E27FC236}">
+                <a16:creationId xmlns:a16="http://schemas.microsoft.com/office/drawing/2014/main" id="{34FFF386-C141-2E46-A79E-3C50B8278228}"/>
+              </a:ext>
+            </a:extLst>
+          </p:cNvPr>
+          <p:cNvCxnSpPr>
+            <a:cxnSpLocks/>
+            <a:stCxn id="19" idx="2"/>
+          </p:cNvCxnSpPr>
+          <p:nvPr/>
+        </p:nvCxnSpPr>
+        <p:spPr>
+          <a:xfrm rot="5400000">
+            <a:off x="4093454" y="1930313"/>
+            <a:ext cx="1384626" cy="6146855"/>
+          </a:xfrm>
+          <a:prstGeom prst="bentConnector2">
+            <a:avLst/>
+          </a:prstGeom>
+          <a:ln w="104775">
+            <a:solidFill>
+              <a:srgbClr val="00B050"/>
+            </a:solidFill>
+            <a:tailEnd type="triangle"/>
+          </a:ln>
+        </p:spPr>
+        <p:style>
+          <a:lnRef idx="1">
+            <a:schemeClr val="accent1"/>
+          </a:lnRef>
+          <a:fillRef idx="0">
+            <a:schemeClr val="accent1"/>
+          </a:fillRef>
+          <a:effectRef idx="0">
+            <a:schemeClr val="accent1"/>
+          </a:effectRef>
+          <a:fontRef idx="minor">
+            <a:schemeClr val="tx1"/>
+          </a:fontRef>
+        </p:style>
+      </p:cxnSp>
+      <p:grpSp>
+        <p:nvGrpSpPr>
+          <p:cNvPr id="18" name="Gruppieren 17">
+            <a:extLst>
+              <a:ext uri="{FF2B5EF4-FFF2-40B4-BE49-F238E27FC236}">
+                <a16:creationId xmlns:a16="http://schemas.microsoft.com/office/drawing/2014/main" id="{F5A1F756-F2B2-7F4F-A37B-5561A0021637}"/>
+              </a:ext>
+            </a:extLst>
+          </p:cNvPr>
+          <p:cNvGrpSpPr/>
+          <p:nvPr/>
+        </p:nvGrpSpPr>
+        <p:grpSpPr>
+          <a:xfrm>
+            <a:off x="7377673" y="3429000"/>
+            <a:ext cx="1326477" cy="1228344"/>
+            <a:chOff x="8600189" y="2687831"/>
+            <a:chExt cx="700268" cy="648462"/>
+          </a:xfrm>
+        </p:grpSpPr>
+        <p:pic>
+          <p:nvPicPr>
+            <p:cNvPr id="19" name="Picture 32">
+              <a:extLst>
+                <a:ext uri="{FF2B5EF4-FFF2-40B4-BE49-F238E27FC236}">
+                  <a16:creationId xmlns:a16="http://schemas.microsoft.com/office/drawing/2014/main" id="{343A83F6-A37C-A547-B6C2-2FACDE171B54}"/>
+                </a:ext>
+              </a:extLst>
+            </p:cNvPr>
+            <p:cNvPicPr>
+              <a:picLocks noChangeAspect="1"/>
+            </p:cNvPicPr>
+            <p:nvPr/>
+          </p:nvPicPr>
+          <p:blipFill>
+            <a:blip r:embed="rId7">
+              <a:extLst>
+                <a:ext uri="{28A0092B-C50C-407E-A947-70E740481C1C}">
+                  <a14:useLocalDpi xmlns:a14="http://schemas.microsoft.com/office/drawing/2010/main" val="0"/>
+                </a:ext>
+              </a:extLst>
+            </a:blip>
+            <a:stretch>
+              <a:fillRect/>
+            </a:stretch>
+          </p:blipFill>
+          <p:spPr>
+            <a:xfrm>
+              <a:off x="8600189" y="2687831"/>
+              <a:ext cx="508405" cy="465847"/>
+            </a:xfrm>
+            <a:prstGeom prst="rect">
+              <a:avLst/>
+            </a:prstGeom>
+          </p:spPr>
+        </p:pic>
+        <p:pic>
+          <p:nvPicPr>
+            <p:cNvPr id="20" name="Picture 18">
+              <a:extLst>
+                <a:ext uri="{FF2B5EF4-FFF2-40B4-BE49-F238E27FC236}">
+                  <a16:creationId xmlns:a16="http://schemas.microsoft.com/office/drawing/2014/main" id="{300FD2E4-67E8-434E-A04B-17E4F4E94165}"/>
+                </a:ext>
+              </a:extLst>
+            </p:cNvPr>
+            <p:cNvPicPr>
+              <a:picLocks noChangeAspect="1"/>
+            </p:cNvPicPr>
+            <p:nvPr/>
+          </p:nvPicPr>
+          <p:blipFill>
+            <a:blip r:embed="rId8">
+              <a:extLst>
+                <a:ext uri="{28A0092B-C50C-407E-A947-70E740481C1C}">
+                  <a14:useLocalDpi xmlns:a14="http://schemas.microsoft.com/office/drawing/2010/main" val="0"/>
+                </a:ext>
+              </a:extLst>
+            </a:blip>
+            <a:stretch>
+              <a:fillRect/>
+            </a:stretch>
+          </p:blipFill>
+          <p:spPr>
+            <a:xfrm>
+              <a:off x="8957076" y="3021641"/>
+              <a:ext cx="343381" cy="314652"/>
+            </a:xfrm>
+            <a:prstGeom prst="rect">
+              <a:avLst/>
+            </a:prstGeom>
+          </p:spPr>
+        </p:pic>
+      </p:grpSp>
+      <p:sp>
+        <p:nvSpPr>
+          <p:cNvPr id="64" name="TextBox 52">
+            <a:extLst>
+              <a:ext uri="{FF2B5EF4-FFF2-40B4-BE49-F238E27FC236}">
+                <a16:creationId xmlns:a16="http://schemas.microsoft.com/office/drawing/2014/main" id="{44575BF3-5F7E-0C43-8BB8-A37132B489F5}"/>
+              </a:ext>
+            </a:extLst>
+          </p:cNvPr>
+          <p:cNvSpPr txBox="1"/>
+          <p:nvPr/>
+        </p:nvSpPr>
+        <p:spPr>
+          <a:xfrm>
+            <a:off x="512033" y="252248"/>
+            <a:ext cx="8726560" cy="707886"/>
+          </a:xfrm>
+          <a:prstGeom prst="rect">
+            <a:avLst/>
+          </a:prstGeom>
+          <a:noFill/>
+        </p:spPr>
+        <p:txBody>
+          <a:bodyPr wrap="square" rtlCol="0">
+            <a:spAutoFit/>
+          </a:bodyPr>
+          <a:lstStyle/>
+          <a:p>
+            <a:r>
+              <a:rPr lang="en-US" sz="4000" dirty="0"/>
+              <a:t>State of the art today</a:t>
+            </a:r>
+          </a:p>
+        </p:txBody>
+      </p:sp>
+      <p:grpSp>
+        <p:nvGrpSpPr>
+          <p:cNvPr id="67" name="Gruppieren 66">
+            <a:extLst>
+              <a:ext uri="{FF2B5EF4-FFF2-40B4-BE49-F238E27FC236}">
+                <a16:creationId xmlns:a16="http://schemas.microsoft.com/office/drawing/2014/main" id="{C95E1B35-FE51-0245-A00A-B11C8AB6609B}"/>
+              </a:ext>
+            </a:extLst>
+          </p:cNvPr>
+          <p:cNvGrpSpPr/>
+          <p:nvPr/>
+        </p:nvGrpSpPr>
+        <p:grpSpPr>
+          <a:xfrm>
+            <a:off x="3866099" y="2311356"/>
+            <a:ext cx="688667" cy="633172"/>
+            <a:chOff x="4080413" y="2468519"/>
+            <a:chExt cx="688667" cy="633172"/>
+          </a:xfrm>
+        </p:grpSpPr>
+        <p:pic>
+          <p:nvPicPr>
+            <p:cNvPr id="65" name="Picture 26">
+              <a:extLst>
+                <a:ext uri="{FF2B5EF4-FFF2-40B4-BE49-F238E27FC236}">
+                  <a16:creationId xmlns:a16="http://schemas.microsoft.com/office/drawing/2014/main" id="{9A172E4B-20C5-6C49-B6B2-460FCBB43F08}"/>
+                </a:ext>
+              </a:extLst>
+            </p:cNvPr>
+            <p:cNvPicPr>
+              <a:picLocks noChangeAspect="1"/>
+            </p:cNvPicPr>
+            <p:nvPr/>
+          </p:nvPicPr>
+          <p:blipFill>
+            <a:blip r:embed="rId9">
+              <a:extLst>
+                <a:ext uri="{28A0092B-C50C-407E-A947-70E740481C1C}">
+                  <a14:useLocalDpi xmlns:a14="http://schemas.microsoft.com/office/drawing/2010/main" val="0"/>
+                </a:ext>
+              </a:extLst>
+            </a:blip>
+            <a:stretch>
+              <a:fillRect/>
+            </a:stretch>
+          </p:blipFill>
+          <p:spPr>
+            <a:xfrm>
+              <a:off x="4080413" y="2468519"/>
+              <a:ext cx="508368" cy="465835"/>
+            </a:xfrm>
+            <a:prstGeom prst="rect">
+              <a:avLst/>
+            </a:prstGeom>
+          </p:spPr>
+        </p:pic>
+        <p:pic>
+          <p:nvPicPr>
+            <p:cNvPr id="66" name="Picture 26">
+              <a:extLst>
+                <a:ext uri="{FF2B5EF4-FFF2-40B4-BE49-F238E27FC236}">
+                  <a16:creationId xmlns:a16="http://schemas.microsoft.com/office/drawing/2014/main" id="{E6CB4EBC-EB7B-1C49-93CC-0FD289EBEA83}"/>
+                </a:ext>
+              </a:extLst>
+            </p:cNvPr>
+            <p:cNvPicPr>
+              <a:picLocks noChangeAspect="1"/>
+            </p:cNvPicPr>
+            <p:nvPr/>
+          </p:nvPicPr>
+          <p:blipFill>
+            <a:blip r:embed="rId9">
+              <a:extLst>
+                <a:ext uri="{28A0092B-C50C-407E-A947-70E740481C1C}">
+                  <a14:useLocalDpi xmlns:a14="http://schemas.microsoft.com/office/drawing/2010/main" val="0"/>
+                </a:ext>
+              </a:extLst>
+            </a:blip>
+            <a:stretch>
+              <a:fillRect/>
+            </a:stretch>
+          </p:blipFill>
+          <p:spPr>
+            <a:xfrm>
+              <a:off x="4260712" y="2635856"/>
+              <a:ext cx="508368" cy="465835"/>
+            </a:xfrm>
+            <a:prstGeom prst="rect">
+              <a:avLst/>
+            </a:prstGeom>
+          </p:spPr>
+        </p:pic>
+      </p:grpSp>
+      <p:sp>
+        <p:nvSpPr>
+          <p:cNvPr id="68" name="Textfeld 67">
+            <a:extLst>
+              <a:ext uri="{FF2B5EF4-FFF2-40B4-BE49-F238E27FC236}">
+                <a16:creationId xmlns:a16="http://schemas.microsoft.com/office/drawing/2014/main" id="{2999951C-1149-BC45-BFF0-D6E387A07FC8}"/>
+              </a:ext>
+            </a:extLst>
+          </p:cNvPr>
+          <p:cNvSpPr txBox="1"/>
+          <p:nvPr/>
+        </p:nvSpPr>
+        <p:spPr>
+          <a:xfrm>
+            <a:off x="469464" y="6177626"/>
+            <a:ext cx="5257019" cy="400110"/>
+          </a:xfrm>
+          <a:prstGeom prst="rect">
+            <a:avLst/>
+          </a:prstGeom>
+          <a:noFill/>
+        </p:spPr>
+        <p:txBody>
+          <a:bodyPr wrap="square" rtlCol="0">
+            <a:spAutoFit/>
+          </a:bodyPr>
+          <a:lstStyle/>
+          <a:p>
+            <a:pPr algn="ctr"/>
+            <a:r>
+              <a:rPr lang="de-DE" sz="2000" dirty="0"/>
+              <a:t>Enterprise Producer</a:t>
+            </a:r>
+          </a:p>
+        </p:txBody>
+      </p:sp>
+      <p:sp>
+        <p:nvSpPr>
+          <p:cNvPr id="69" name="Textfeld 68">
+            <a:extLst>
+              <a:ext uri="{FF2B5EF4-FFF2-40B4-BE49-F238E27FC236}">
+                <a16:creationId xmlns:a16="http://schemas.microsoft.com/office/drawing/2014/main" id="{F0829E9D-7DEC-7149-A204-D038FF3D6352}"/>
+              </a:ext>
+            </a:extLst>
+          </p:cNvPr>
+          <p:cNvSpPr txBox="1"/>
+          <p:nvPr/>
+        </p:nvSpPr>
+        <p:spPr>
+          <a:xfrm>
+            <a:off x="5726483" y="6177626"/>
+            <a:ext cx="4797031" cy="400110"/>
+          </a:xfrm>
+          <a:prstGeom prst="rect">
+            <a:avLst/>
+          </a:prstGeom>
+          <a:noFill/>
+        </p:spPr>
+        <p:txBody>
+          <a:bodyPr wrap="square" rtlCol="0">
+            <a:spAutoFit/>
+          </a:bodyPr>
+          <a:lstStyle/>
+          <a:p>
+            <a:pPr algn="ctr"/>
+            <a:r>
+              <a:rPr lang="de-DE" sz="2000" dirty="0" err="1"/>
+              <a:t>Trusted</a:t>
+            </a:r>
+            <a:r>
+              <a:rPr lang="de-DE" sz="2000" dirty="0"/>
+              <a:t> Service Providers</a:t>
+            </a:r>
+          </a:p>
+        </p:txBody>
+      </p:sp>
+    </p:spTree>
+    <p:extLst>
+      <p:ext uri="{BB962C8B-B14F-4D97-AF65-F5344CB8AC3E}">
+        <p14:creationId xmlns:p14="http://schemas.microsoft.com/office/powerpoint/2010/main" val="572572872"/>
+      </p:ext>
+    </p:extLst>
+  </p:cSld>
+  <p:clrMapOvr>
+    <a:masterClrMapping/>
+  </p:clrMapOvr>
+  <p:timing>
+    <p:tnLst>
+      <p:par>
+        <p:cTn id="1" dur="indefinite" restart="never" nodeType="tmRoot">
+          <p:childTnLst>
+            <p:seq concurrent="1" nextAc="seek">
+              <p:cTn id="2" dur="indefinite" nodeType="mainSeq">
+                <p:childTnLst>
+                  <p:par>
+                    <p:cTn id="3" fill="hold">
+                      <p:stCondLst>
+                        <p:cond delay="indefinite"/>
+                      </p:stCondLst>
+                      <p:childTnLst>
+                        <p:par>
+                          <p:cTn id="4" fill="hold">
+                            <p:stCondLst>
+                              <p:cond delay="0"/>
+                            </p:stCondLst>
+                            <p:childTnLst>
+                              <p:par>
+                                <p:cTn id="5" presetID="1" presetClass="entr" presetSubtype="0" fill="hold" nodeType="clickEffect">
+                                  <p:stCondLst>
+                                    <p:cond delay="0"/>
+                                  </p:stCondLst>
+                                  <p:childTnLst>
+                                    <p:set>
+                                      <p:cBhvr>
+                                        <p:cTn id="6" dur="1" fill="hold">
+                                          <p:stCondLst>
+                                            <p:cond delay="0"/>
+                                          </p:stCondLst>
+                                        </p:cTn>
+                                        <p:tgtEl>
+                                          <p:spTgt spid="55"/>
+                                        </p:tgtEl>
+                                        <p:attrNameLst>
+                                          <p:attrName>style.visibility</p:attrName>
+                                        </p:attrNameLst>
+                                      </p:cBhvr>
+                                      <p:to>
+                                        <p:strVal val="visible"/>
+                                      </p:to>
+                                    </p:set>
+                                  </p:childTnLst>
+                                </p:cTn>
+                              </p:par>
+                            </p:childTnLst>
+                          </p:cTn>
+                        </p:par>
+                        <p:par>
+                          <p:cTn id="7" fill="hold">
+                            <p:stCondLst>
+                              <p:cond delay="0"/>
+                            </p:stCondLst>
+                            <p:childTnLst>
+                              <p:par>
+                                <p:cTn id="8" presetID="0" presetClass="path" presetSubtype="0" repeatCount="0" fill="remove" nodeType="afterEffect">
+                                  <p:stCondLst>
+                                    <p:cond delay="0"/>
+                                  </p:stCondLst>
+                                  <p:childTnLst>
+                                    <p:animMotion origin="layout" path="M 2.29167E-6 -7.40741E-7 L -0.00143 0.27708 L -0.50495 0.28472 " pathEditMode="fixed" rAng="0" ptsTypes="AAA">
+                                      <p:cBhvr>
+                                        <p:cTn id="9" dur="3000" fill="hold"/>
+                                        <p:tgtEl>
+                                          <p:spTgt spid="18"/>
+                                        </p:tgtEl>
+                                        <p:attrNameLst>
+                                          <p:attrName>ppt_x</p:attrName>
+                                          <p:attrName>ppt_y</p:attrName>
+                                        </p:attrNameLst>
+                                      </p:cBhvr>
+                                      <p:rCtr x="-25247" y="14236"/>
+                                    </p:animMotion>
+                                  </p:childTnLst>
+                                </p:cTn>
+                              </p:par>
+                            </p:childTnLst>
+                          </p:cTn>
+                        </p:par>
+                      </p:childTnLst>
+                    </p:cTn>
+                  </p:par>
+                  <p:par>
+                    <p:cTn id="10" fill="hold">
+                      <p:stCondLst>
+                        <p:cond delay="indefinite"/>
+                      </p:stCondLst>
+                      <p:childTnLst>
+                        <p:par>
+                          <p:cTn id="11" fill="hold">
+                            <p:stCondLst>
+                              <p:cond delay="0"/>
+                            </p:stCondLst>
+                            <p:childTnLst>
+                              <p:par>
+                                <p:cTn id="12" presetID="1" presetClass="entr" presetSubtype="0" fill="hold" nodeType="clickEffect">
+                                  <p:stCondLst>
+                                    <p:cond delay="0"/>
+                                  </p:stCondLst>
+                                  <p:childTnLst>
+                                    <p:set>
+                                      <p:cBhvr>
+                                        <p:cTn id="13" dur="1" fill="hold">
+                                          <p:stCondLst>
+                                            <p:cond delay="0"/>
+                                          </p:stCondLst>
+                                        </p:cTn>
+                                        <p:tgtEl>
+                                          <p:spTgt spid="67"/>
+                                        </p:tgtEl>
+                                        <p:attrNameLst>
+                                          <p:attrName>style.visibility</p:attrName>
+                                        </p:attrNameLst>
+                                      </p:cBhvr>
+                                      <p:to>
+                                        <p:strVal val="visible"/>
+                                      </p:to>
+                                    </p:set>
+                                  </p:childTnLst>
+                                </p:cTn>
+                              </p:par>
+                            </p:childTnLst>
+                          </p:cTn>
+                        </p:par>
+                        <p:par>
+                          <p:cTn id="14" fill="hold">
+                            <p:stCondLst>
+                              <p:cond delay="0"/>
+                            </p:stCondLst>
+                            <p:childTnLst>
+                              <p:par>
+                                <p:cTn id="15" presetID="0" presetClass="path" presetSubtype="0" accel="50000" decel="50000" fill="hold" nodeType="afterEffect">
+                                  <p:stCondLst>
+                                    <p:cond delay="0"/>
+                                  </p:stCondLst>
+                                  <p:childTnLst>
+                                    <p:animMotion origin="layout" path="M 0.00742 -0.01204 L 0.25977 0.10255 " pathEditMode="relative" ptsTypes="AA">
+                                      <p:cBhvr>
+                                        <p:cTn id="16" dur="2000" fill="hold"/>
+                                        <p:tgtEl>
+                                          <p:spTgt spid="67"/>
+                                        </p:tgtEl>
+                                        <p:attrNameLst>
+                                          <p:attrName>ppt_x</p:attrName>
+                                          <p:attrName>ppt_y</p:attrName>
+                                        </p:attrNameLst>
+                                      </p:cBhvr>
+                                    </p:animMotion>
+                                  </p:childTnLst>
+                                </p:cTn>
+                              </p:par>
+                            </p:childTnLst>
+                          </p:cTn>
+                        </p:par>
+                      </p:childTnLst>
+                    </p:cTn>
+                  </p:par>
+                </p:childTnLst>
+              </p:cTn>
+              <p:prevCondLst>
+                <p:cond evt="onPrev" delay="0">
+                  <p:tgtEl>
+                    <p:sldTgt/>
+                  </p:tgtEl>
+                </p:cond>
+              </p:prevCondLst>
+              <p:nextCondLst>
+                <p:cond evt="onNext" delay="0">
+                  <p:tgtEl>
+                    <p:sldTgt/>
+                  </p:tgtEl>
+                </p:cond>
+              </p:nextCondLst>
+            </p:seq>
+          </p:childTnLst>
+        </p:cTn>
+      </p:par>
+    </p:tnLst>
+  </p:timing>
+</p:sld>
+</file>
+
+<file path=ppt/slides/slide4.xml><?xml version="1.0" encoding="utf-8"?>
 <p:sld xmlns:a="http://schemas.openxmlformats.org/drawingml/2006/main" xmlns:r="http://schemas.openxmlformats.org/officeDocument/2006/relationships" xmlns:p="http://schemas.openxmlformats.org/presentationml/2006/main">
   <p:cSld>
     <p:spTree>
@@ -4546,156 +6620,6 @@
           </p:txBody>
         </p:sp>
       </p:grpSp>
-      <p:pic>
-        <p:nvPicPr>
-          <p:cNvPr id="14" name="Picture 13"/>
-          <p:cNvPicPr>
-            <a:picLocks noChangeAspect="1"/>
-          </p:cNvPicPr>
-          <p:nvPr/>
-        </p:nvPicPr>
-        <p:blipFill>
-          <a:blip r:embed="rId3">
-            <a:extLst>
-              <a:ext uri="{28A0092B-C50C-407E-A947-70E740481C1C}">
-                <a14:useLocalDpi xmlns:a14="http://schemas.microsoft.com/office/drawing/2010/main" val="0"/>
-              </a:ext>
-            </a:extLst>
-          </a:blip>
-          <a:stretch>
-            <a:fillRect/>
-          </a:stretch>
-        </p:blipFill>
-        <p:spPr>
-          <a:xfrm>
-            <a:off x="10524258" y="-1062743"/>
-            <a:ext cx="540000" cy="540000"/>
-          </a:xfrm>
-          <a:prstGeom prst="rect">
-            <a:avLst/>
-          </a:prstGeom>
-        </p:spPr>
-      </p:pic>
-      <p:pic>
-        <p:nvPicPr>
-          <p:cNvPr id="18" name="Picture 17"/>
-          <p:cNvPicPr>
-            <a:picLocks noChangeAspect="1"/>
-          </p:cNvPicPr>
-          <p:nvPr/>
-        </p:nvPicPr>
-        <p:blipFill>
-          <a:blip r:embed="rId4">
-            <a:extLst>
-              <a:ext uri="{28A0092B-C50C-407E-A947-70E740481C1C}">
-                <a14:useLocalDpi xmlns:a14="http://schemas.microsoft.com/office/drawing/2010/main" val="0"/>
-              </a:ext>
-            </a:extLst>
-          </a:blip>
-          <a:stretch>
-            <a:fillRect/>
-          </a:stretch>
-        </p:blipFill>
-        <p:spPr>
-          <a:xfrm>
-            <a:off x="11064258" y="-835857"/>
-            <a:ext cx="540000" cy="540000"/>
-          </a:xfrm>
-          <a:prstGeom prst="rect">
-            <a:avLst/>
-          </a:prstGeom>
-        </p:spPr>
-      </p:pic>
-      <p:pic>
-        <p:nvPicPr>
-          <p:cNvPr id="24" name="Picture 23"/>
-          <p:cNvPicPr>
-            <a:picLocks noChangeAspect="1"/>
-          </p:cNvPicPr>
-          <p:nvPr/>
-        </p:nvPicPr>
-        <p:blipFill>
-          <a:blip r:embed="rId5">
-            <a:extLst>
-              <a:ext uri="{28A0092B-C50C-407E-A947-70E740481C1C}">
-                <a14:useLocalDpi xmlns:a14="http://schemas.microsoft.com/office/drawing/2010/main" val="0"/>
-              </a:ext>
-            </a:extLst>
-          </a:blip>
-          <a:stretch>
-            <a:fillRect/>
-          </a:stretch>
-        </p:blipFill>
-        <p:spPr>
-          <a:xfrm>
-            <a:off x="11608268" y="-565857"/>
-            <a:ext cx="540000" cy="540000"/>
-          </a:xfrm>
-          <a:prstGeom prst="rect">
-            <a:avLst/>
-          </a:prstGeom>
-        </p:spPr>
-      </p:pic>
-      <p:pic>
-        <p:nvPicPr>
-          <p:cNvPr id="25" name="Picture 24"/>
-          <p:cNvPicPr>
-            <a:picLocks noChangeAspect="1"/>
-          </p:cNvPicPr>
-          <p:nvPr/>
-        </p:nvPicPr>
-        <p:blipFill>
-          <a:blip r:embed="rId6">
-            <a:extLst>
-              <a:ext uri="{28A0092B-C50C-407E-A947-70E740481C1C}">
-                <a14:useLocalDpi xmlns:a14="http://schemas.microsoft.com/office/drawing/2010/main" val="0"/>
-              </a:ext>
-            </a:extLst>
-          </a:blip>
-          <a:stretch>
-            <a:fillRect/>
-          </a:stretch>
-        </p:blipFill>
-        <p:spPr>
-          <a:xfrm>
-            <a:off x="12192000" y="4188862"/>
-            <a:ext cx="540000" cy="540000"/>
-          </a:xfrm>
-          <a:prstGeom prst="rect">
-            <a:avLst/>
-          </a:prstGeom>
-        </p:spPr>
-      </p:pic>
-      <p:pic>
-        <p:nvPicPr>
-          <p:cNvPr id="26" name="Picture 25"/>
-          <p:cNvPicPr>
-            <a:picLocks noChangeAspect="1"/>
-          </p:cNvPicPr>
-          <p:nvPr/>
-        </p:nvPicPr>
-        <p:blipFill>
-          <a:blip r:embed="rId7">
-            <a:extLst>
-              <a:ext uri="{28A0092B-C50C-407E-A947-70E740481C1C}">
-                <a14:useLocalDpi xmlns:a14="http://schemas.microsoft.com/office/drawing/2010/main" val="0"/>
-              </a:ext>
-            </a:extLst>
-          </a:blip>
-          <a:stretch>
-            <a:fillRect/>
-          </a:stretch>
-        </p:blipFill>
-        <p:spPr>
-          <a:xfrm>
-            <a:off x="12282363" y="1866944"/>
-            <a:ext cx="540000" cy="540000"/>
-          </a:xfrm>
-          <a:prstGeom prst="rect">
-            <a:avLst/>
-          </a:prstGeom>
-        </p:spPr>
-      </p:pic>
       <p:sp>
         <p:nvSpPr>
           <p:cNvPr id="53" name="TextBox 52"/>
@@ -4719,54 +6643,305 @@
           <a:lstStyle/>
           <a:p>
             <a:r>
-              <a:rPr lang="en-US" sz="4000"/>
-              <a:t>Our Model</a:t>
+              <a:rPr lang="en-US" sz="4000" dirty="0"/>
+              <a:t>Our Concept</a:t>
             </a:r>
           </a:p>
         </p:txBody>
       </p:sp>
+      <p:sp>
+        <p:nvSpPr>
+          <p:cNvPr id="4" name="Snip and Round Single Corner Rectangle 3"/>
+          <p:cNvSpPr/>
+          <p:nvPr/>
+        </p:nvSpPr>
+        <p:spPr>
+          <a:xfrm>
+            <a:off x="486713" y="1087200"/>
+            <a:ext cx="10028176" cy="5475600"/>
+          </a:xfrm>
+          <a:prstGeom prst="snipRoundRect">
+            <a:avLst>
+              <a:gd name="adj1" fmla="val 3320"/>
+              <a:gd name="adj2" fmla="val 5862"/>
+            </a:avLst>
+          </a:prstGeom>
+          <a:solidFill>
+            <a:schemeClr val="accent2">
+              <a:lumMod val="40000"/>
+              <a:lumOff val="60000"/>
+            </a:schemeClr>
+          </a:solidFill>
+          <a:ln>
+            <a:noFill/>
+          </a:ln>
+        </p:spPr>
+        <p:style>
+          <a:lnRef idx="2">
+            <a:schemeClr val="accent1">
+              <a:shade val="50000"/>
+            </a:schemeClr>
+          </a:lnRef>
+          <a:fillRef idx="1">
+            <a:schemeClr val="accent1"/>
+          </a:fillRef>
+          <a:effectRef idx="0">
+            <a:schemeClr val="accent1"/>
+          </a:effectRef>
+          <a:fontRef idx="minor">
+            <a:schemeClr val="lt1"/>
+          </a:fontRef>
+        </p:style>
+        <p:txBody>
+          <a:bodyPr rtlCol="0" anchor="ctr"/>
+          <a:lstStyle/>
+          <a:p>
+            <a:pPr algn="ctr"/>
+            <a:endParaRPr lang="en-US" dirty="0">
+              <a:solidFill>
+                <a:schemeClr val="tx1"/>
+              </a:solidFill>
+            </a:endParaRPr>
+          </a:p>
+        </p:txBody>
+      </p:sp>
+      <p:sp>
+        <p:nvSpPr>
+          <p:cNvPr id="44" name="Rounded Rectangle 43"/>
+          <p:cNvSpPr/>
+          <p:nvPr/>
+        </p:nvSpPr>
+        <p:spPr>
+          <a:xfrm>
+            <a:off x="7605694" y="1087200"/>
+            <a:ext cx="2917819" cy="5475600"/>
+          </a:xfrm>
+          <a:prstGeom prst="roundRect">
+            <a:avLst>
+              <a:gd name="adj" fmla="val 0"/>
+            </a:avLst>
+          </a:prstGeom>
+          <a:solidFill>
+            <a:schemeClr val="accent2">
+              <a:lumMod val="20000"/>
+              <a:lumOff val="80000"/>
+            </a:schemeClr>
+          </a:solidFill>
+          <a:ln w="12700">
+            <a:noFill/>
+          </a:ln>
+        </p:spPr>
+        <p:style>
+          <a:lnRef idx="2">
+            <a:schemeClr val="accent1">
+              <a:shade val="50000"/>
+            </a:schemeClr>
+          </a:lnRef>
+          <a:fillRef idx="1">
+            <a:schemeClr val="accent1"/>
+          </a:fillRef>
+          <a:effectRef idx="0">
+            <a:schemeClr val="accent1"/>
+          </a:effectRef>
+          <a:fontRef idx="minor">
+            <a:schemeClr val="lt1"/>
+          </a:fontRef>
+        </p:style>
+        <p:txBody>
+          <a:bodyPr rtlCol="0" anchor="ctr"/>
+          <a:lstStyle/>
+          <a:p>
+            <a:pPr algn="ctr"/>
+            <a:endParaRPr lang="en-US"/>
+          </a:p>
+        </p:txBody>
+      </p:sp>
+      <p:sp>
+        <p:nvSpPr>
+          <p:cNvPr id="43" name="Rounded Rectangle 42"/>
+          <p:cNvSpPr/>
+          <p:nvPr/>
+        </p:nvSpPr>
+        <p:spPr>
+          <a:xfrm>
+            <a:off x="478089" y="1087200"/>
+            <a:ext cx="3449501" cy="5475600"/>
+          </a:xfrm>
+          <a:prstGeom prst="roundRect">
+            <a:avLst>
+              <a:gd name="adj" fmla="val 0"/>
+            </a:avLst>
+          </a:prstGeom>
+          <a:solidFill>
+            <a:schemeClr val="accent2">
+              <a:lumMod val="60000"/>
+              <a:lumOff val="40000"/>
+            </a:schemeClr>
+          </a:solidFill>
+          <a:ln w="28575">
+            <a:noFill/>
+          </a:ln>
+        </p:spPr>
+        <p:style>
+          <a:lnRef idx="2">
+            <a:schemeClr val="accent1">
+              <a:shade val="50000"/>
+            </a:schemeClr>
+          </a:lnRef>
+          <a:fillRef idx="1">
+            <a:schemeClr val="accent1"/>
+          </a:fillRef>
+          <a:effectRef idx="0">
+            <a:schemeClr val="accent1"/>
+          </a:effectRef>
+          <a:fontRef idx="minor">
+            <a:schemeClr val="lt1"/>
+          </a:fontRef>
+        </p:style>
+        <p:txBody>
+          <a:bodyPr rtlCol="0" anchor="ctr"/>
+          <a:lstStyle/>
+          <a:p>
+            <a:pPr algn="ctr"/>
+            <a:endParaRPr lang="en-US"/>
+          </a:p>
+        </p:txBody>
+      </p:sp>
+      <p:pic>
+        <p:nvPicPr>
+          <p:cNvPr id="23" name="Picture 22"/>
+          <p:cNvPicPr>
+            <a:picLocks noChangeAspect="1"/>
+          </p:cNvPicPr>
+          <p:nvPr/>
+        </p:nvPicPr>
+        <p:blipFill>
+          <a:blip r:embed="rId3">
+            <a:extLst>
+              <a:ext uri="{28A0092B-C50C-407E-A947-70E740481C1C}">
+                <a14:useLocalDpi xmlns:a14="http://schemas.microsoft.com/office/drawing/2010/main" val="0"/>
+              </a:ext>
+            </a:extLst>
+          </a:blip>
+          <a:stretch>
+            <a:fillRect/>
+          </a:stretch>
+        </p:blipFill>
+        <p:spPr>
+          <a:xfrm>
+            <a:off x="8599644" y="1571524"/>
+            <a:ext cx="508367" cy="465835"/>
+          </a:xfrm>
+          <a:prstGeom prst="rect">
+            <a:avLst/>
+          </a:prstGeom>
+        </p:spPr>
+      </p:pic>
       <p:grpSp>
         <p:nvGrpSpPr>
-          <p:cNvPr id="21" name="Gruppieren 20">
-            <a:extLst>
-              <a:ext uri="{FF2B5EF4-FFF2-40B4-BE49-F238E27FC236}">
-                <a16:creationId xmlns:a16="http://schemas.microsoft.com/office/drawing/2014/main" id="{24037047-10DE-5645-BBFF-F8C49B3324FF}"/>
-              </a:ext>
-            </a:extLst>
-          </p:cNvPr>
+          <p:cNvPr id="37" name="Group 36"/>
           <p:cNvGrpSpPr/>
           <p:nvPr/>
         </p:nvGrpSpPr>
         <p:grpSpPr>
           <a:xfrm>
-            <a:off x="478089" y="1087200"/>
-            <a:ext cx="10045424" cy="5475600"/>
-            <a:chOff x="478089" y="1087200"/>
-            <a:chExt cx="10045424" cy="5475600"/>
+            <a:off x="6790400" y="1526619"/>
+            <a:ext cx="511830" cy="465721"/>
+            <a:chOff x="4627756" y="1549054"/>
+            <a:chExt cx="686905" cy="692268"/>
+          </a:xfrm>
+        </p:grpSpPr>
+        <p:pic>
+          <p:nvPicPr>
+            <p:cNvPr id="38" name="Picture 37"/>
+            <p:cNvPicPr>
+              <a:picLocks noChangeAspect="1"/>
+            </p:cNvPicPr>
+            <p:nvPr/>
+          </p:nvPicPr>
+          <p:blipFill>
+            <a:blip r:embed="rId4">
+              <a:extLst>
+                <a:ext uri="{28A0092B-C50C-407E-A947-70E740481C1C}">
+                  <a14:useLocalDpi xmlns:a14="http://schemas.microsoft.com/office/drawing/2010/main" val="0"/>
+                </a:ext>
+              </a:extLst>
+            </a:blip>
+            <a:stretch>
+              <a:fillRect/>
+            </a:stretch>
+          </p:blipFill>
+          <p:spPr>
+            <a:xfrm>
+              <a:off x="4627756" y="1549054"/>
+              <a:ext cx="540000" cy="540000"/>
+            </a:xfrm>
+            <a:prstGeom prst="rect">
+              <a:avLst/>
+            </a:prstGeom>
+          </p:spPr>
+        </p:pic>
+        <p:pic>
+          <p:nvPicPr>
+            <p:cNvPr id="39" name="Picture 38"/>
+            <p:cNvPicPr>
+              <a:picLocks noChangeAspect="1"/>
+            </p:cNvPicPr>
+            <p:nvPr/>
+          </p:nvPicPr>
+          <p:blipFill>
+            <a:blip r:embed="rId4">
+              <a:extLst>
+                <a:ext uri="{28A0092B-C50C-407E-A947-70E740481C1C}">
+                  <a14:useLocalDpi xmlns:a14="http://schemas.microsoft.com/office/drawing/2010/main" val="0"/>
+                </a:ext>
+              </a:extLst>
+            </a:blip>
+            <a:stretch>
+              <a:fillRect/>
+            </a:stretch>
+          </p:blipFill>
+          <p:spPr>
+            <a:xfrm>
+              <a:off x="4774661" y="1701322"/>
+              <a:ext cx="540000" cy="540000"/>
+            </a:xfrm>
+            <a:prstGeom prst="rect">
+              <a:avLst/>
+            </a:prstGeom>
+          </p:spPr>
+        </p:pic>
+      </p:grpSp>
+      <p:grpSp>
+        <p:nvGrpSpPr>
+          <p:cNvPr id="7" name="Group 6"/>
+          <p:cNvGrpSpPr/>
+          <p:nvPr/>
+        </p:nvGrpSpPr>
+        <p:grpSpPr>
+          <a:xfrm>
+            <a:off x="914665" y="2016677"/>
+            <a:ext cx="784880" cy="788814"/>
+            <a:chOff x="941294" y="1721224"/>
+            <a:chExt cx="833718" cy="914400"/>
           </a:xfrm>
         </p:grpSpPr>
         <p:sp>
           <p:nvSpPr>
-            <p:cNvPr id="4" name="Snip and Round Single Corner Rectangle 3"/>
+            <p:cNvPr id="6" name="Rounded Rectangle 5"/>
             <p:cNvSpPr/>
             <p:nvPr/>
           </p:nvSpPr>
           <p:spPr>
             <a:xfrm>
-              <a:off x="486713" y="1087200"/>
-              <a:ext cx="10028176" cy="5475600"/>
+              <a:off x="941294" y="1721224"/>
+              <a:ext cx="833718" cy="914400"/>
             </a:xfrm>
-            <a:prstGeom prst="snipRoundRect">
-              <a:avLst>
-                <a:gd name="adj1" fmla="val 3320"/>
-                <a:gd name="adj2" fmla="val 5862"/>
-              </a:avLst>
+            <a:prstGeom prst="roundRect">
+              <a:avLst/>
             </a:prstGeom>
             <a:solidFill>
-              <a:schemeClr val="accent2">
-                <a:lumMod val="40000"/>
-                <a:lumOff val="60000"/>
-              </a:schemeClr>
+              <a:schemeClr val="bg1"/>
             </a:solidFill>
             <a:ln>
               <a:noFill/>
@@ -4797,80 +6972,72 @@
             </a:p>
           </p:txBody>
         </p:sp>
+        <p:pic>
+          <p:nvPicPr>
+            <p:cNvPr id="5" name="Picture 4"/>
+            <p:cNvPicPr>
+              <a:picLocks noChangeAspect="1"/>
+            </p:cNvPicPr>
+            <p:nvPr/>
+          </p:nvPicPr>
+          <p:blipFill>
+            <a:blip r:embed="rId5">
+              <a:extLst>
+                <a:ext uri="{28A0092B-C50C-407E-A947-70E740481C1C}">
+                  <a14:useLocalDpi xmlns:a14="http://schemas.microsoft.com/office/drawing/2010/main" val="0"/>
+                </a:ext>
+              </a:extLst>
+            </a:blip>
+            <a:stretch>
+              <a:fillRect/>
+            </a:stretch>
+          </p:blipFill>
+          <p:spPr>
+            <a:xfrm>
+              <a:off x="1005541" y="1848224"/>
+              <a:ext cx="650240" cy="650240"/>
+            </a:xfrm>
+            <a:prstGeom prst="rect">
+              <a:avLst/>
+            </a:prstGeom>
+            <a:ln>
+              <a:noFill/>
+            </a:ln>
+          </p:spPr>
+        </p:pic>
+      </p:grpSp>
+      <p:grpSp>
+        <p:nvGrpSpPr>
+          <p:cNvPr id="8" name="Group 7"/>
+          <p:cNvGrpSpPr/>
+          <p:nvPr/>
+        </p:nvGrpSpPr>
+        <p:grpSpPr>
+          <a:xfrm>
+            <a:off x="914665" y="3585389"/>
+            <a:ext cx="784880" cy="788814"/>
+            <a:chOff x="941294" y="1721224"/>
+            <a:chExt cx="833718" cy="914400"/>
+          </a:xfrm>
+        </p:grpSpPr>
         <p:sp>
           <p:nvSpPr>
-            <p:cNvPr id="44" name="Rounded Rectangle 43"/>
+            <p:cNvPr id="9" name="Rounded Rectangle 8"/>
             <p:cNvSpPr/>
             <p:nvPr/>
           </p:nvSpPr>
           <p:spPr>
             <a:xfrm>
-              <a:off x="7605694" y="1087200"/>
-              <a:ext cx="2917819" cy="5475600"/>
+              <a:off x="941294" y="1721224"/>
+              <a:ext cx="833718" cy="914400"/>
             </a:xfrm>
             <a:prstGeom prst="roundRect">
-              <a:avLst>
-                <a:gd name="adj" fmla="val 0"/>
-              </a:avLst>
+              <a:avLst/>
             </a:prstGeom>
             <a:solidFill>
-              <a:schemeClr val="accent2">
-                <a:lumMod val="20000"/>
-                <a:lumOff val="80000"/>
-              </a:schemeClr>
+              <a:schemeClr val="bg1"/>
             </a:solidFill>
-            <a:ln w="12700">
-              <a:noFill/>
-            </a:ln>
-          </p:spPr>
-          <p:style>
-            <a:lnRef idx="2">
-              <a:schemeClr val="accent1">
-                <a:shade val="50000"/>
-              </a:schemeClr>
-            </a:lnRef>
-            <a:fillRef idx="1">
-              <a:schemeClr val="accent1"/>
-            </a:fillRef>
-            <a:effectRef idx="0">
-              <a:schemeClr val="accent1"/>
-            </a:effectRef>
-            <a:fontRef idx="minor">
-              <a:schemeClr val="lt1"/>
-            </a:fontRef>
-          </p:style>
-          <p:txBody>
-            <a:bodyPr rtlCol="0" anchor="ctr"/>
-            <a:lstStyle/>
-            <a:p>
-              <a:pPr algn="ctr"/>
-              <a:endParaRPr lang="en-US"/>
-            </a:p>
-          </p:txBody>
-        </p:sp>
-        <p:sp>
-          <p:nvSpPr>
-            <p:cNvPr id="43" name="Rounded Rectangle 42"/>
-            <p:cNvSpPr/>
-            <p:nvPr/>
-          </p:nvSpPr>
-          <p:spPr>
-            <a:xfrm>
-              <a:off x="478089" y="1087200"/>
-              <a:ext cx="3449501" cy="5475600"/>
-            </a:xfrm>
-            <a:prstGeom prst="roundRect">
-              <a:avLst>
-                <a:gd name="adj" fmla="val 0"/>
-              </a:avLst>
-            </a:prstGeom>
-            <a:solidFill>
-              <a:schemeClr val="accent2">
-                <a:lumMod val="60000"/>
-                <a:lumOff val="40000"/>
-              </a:schemeClr>
-            </a:solidFill>
-            <a:ln w="28575">
+            <a:ln>
               <a:noFill/>
             </a:ln>
           </p:spPr>
@@ -4901,7 +7068,252 @@
         </p:sp>
         <p:pic>
           <p:nvPicPr>
-            <p:cNvPr id="23" name="Picture 22"/>
+            <p:cNvPr id="10" name="Picture 9"/>
+            <p:cNvPicPr>
+              <a:picLocks noChangeAspect="1"/>
+            </p:cNvPicPr>
+            <p:nvPr/>
+          </p:nvPicPr>
+          <p:blipFill>
+            <a:blip r:embed="rId5">
+              <a:extLst>
+                <a:ext uri="{28A0092B-C50C-407E-A947-70E740481C1C}">
+                  <a14:useLocalDpi xmlns:a14="http://schemas.microsoft.com/office/drawing/2010/main" val="0"/>
+                </a:ext>
+              </a:extLst>
+            </a:blip>
+            <a:stretch>
+              <a:fillRect/>
+            </a:stretch>
+          </p:blipFill>
+          <p:spPr>
+            <a:xfrm>
+              <a:off x="1005541" y="1848224"/>
+              <a:ext cx="650240" cy="650240"/>
+            </a:xfrm>
+            <a:prstGeom prst="rect">
+              <a:avLst/>
+            </a:prstGeom>
+            <a:ln>
+              <a:noFill/>
+            </a:ln>
+          </p:spPr>
+        </p:pic>
+      </p:grpSp>
+      <p:grpSp>
+        <p:nvGrpSpPr>
+          <p:cNvPr id="11" name="Group 10"/>
+          <p:cNvGrpSpPr/>
+          <p:nvPr/>
+        </p:nvGrpSpPr>
+        <p:grpSpPr>
+          <a:xfrm>
+            <a:off x="914665" y="5154103"/>
+            <a:ext cx="784880" cy="788814"/>
+            <a:chOff x="941294" y="1721224"/>
+            <a:chExt cx="833718" cy="914400"/>
+          </a:xfrm>
+        </p:grpSpPr>
+        <p:sp>
+          <p:nvSpPr>
+            <p:cNvPr id="12" name="Rounded Rectangle 11"/>
+            <p:cNvSpPr/>
+            <p:nvPr/>
+          </p:nvSpPr>
+          <p:spPr>
+            <a:xfrm>
+              <a:off x="941294" y="1721224"/>
+              <a:ext cx="833718" cy="914400"/>
+            </a:xfrm>
+            <a:prstGeom prst="roundRect">
+              <a:avLst/>
+            </a:prstGeom>
+            <a:solidFill>
+              <a:schemeClr val="bg1"/>
+            </a:solidFill>
+            <a:ln>
+              <a:noFill/>
+            </a:ln>
+          </p:spPr>
+          <p:style>
+            <a:lnRef idx="2">
+              <a:schemeClr val="accent1">
+                <a:shade val="50000"/>
+              </a:schemeClr>
+            </a:lnRef>
+            <a:fillRef idx="1">
+              <a:schemeClr val="accent1"/>
+            </a:fillRef>
+            <a:effectRef idx="0">
+              <a:schemeClr val="accent1"/>
+            </a:effectRef>
+            <a:fontRef idx="minor">
+              <a:schemeClr val="lt1"/>
+            </a:fontRef>
+          </p:style>
+          <p:txBody>
+            <a:bodyPr rtlCol="0" anchor="ctr"/>
+            <a:lstStyle/>
+            <a:p>
+              <a:pPr algn="ctr"/>
+              <a:endParaRPr lang="en-US"/>
+            </a:p>
+          </p:txBody>
+        </p:sp>
+        <p:pic>
+          <p:nvPicPr>
+            <p:cNvPr id="13" name="Picture 12"/>
+            <p:cNvPicPr>
+              <a:picLocks noChangeAspect="1"/>
+            </p:cNvPicPr>
+            <p:nvPr/>
+          </p:nvPicPr>
+          <p:blipFill>
+            <a:blip r:embed="rId5">
+              <a:extLst>
+                <a:ext uri="{28A0092B-C50C-407E-A947-70E740481C1C}">
+                  <a14:useLocalDpi xmlns:a14="http://schemas.microsoft.com/office/drawing/2010/main" val="0"/>
+                </a:ext>
+              </a:extLst>
+            </a:blip>
+            <a:stretch>
+              <a:fillRect/>
+            </a:stretch>
+          </p:blipFill>
+          <p:spPr>
+            <a:xfrm>
+              <a:off x="1005541" y="1848224"/>
+              <a:ext cx="650240" cy="650240"/>
+            </a:xfrm>
+            <a:prstGeom prst="rect">
+              <a:avLst/>
+            </a:prstGeom>
+            <a:ln>
+              <a:noFill/>
+            </a:ln>
+          </p:spPr>
+        </p:pic>
+      </p:grpSp>
+      <p:pic>
+        <p:nvPicPr>
+          <p:cNvPr id="17" name="Picture 16"/>
+          <p:cNvPicPr>
+            <a:picLocks noChangeAspect="1"/>
+          </p:cNvPicPr>
+          <p:nvPr/>
+        </p:nvPicPr>
+        <p:blipFill>
+          <a:blip r:embed="rId6">
+            <a:extLst>
+              <a:ext uri="{28A0092B-C50C-407E-A947-70E740481C1C}">
+                <a14:useLocalDpi xmlns:a14="http://schemas.microsoft.com/office/drawing/2010/main" val="0"/>
+              </a:ext>
+            </a:extLst>
+          </a:blip>
+          <a:stretch>
+            <a:fillRect/>
+          </a:stretch>
+        </p:blipFill>
+        <p:spPr>
+          <a:xfrm>
+            <a:off x="2862174" y="1580757"/>
+            <a:ext cx="508367" cy="465835"/>
+          </a:xfrm>
+          <a:prstGeom prst="rect">
+            <a:avLst/>
+          </a:prstGeom>
+        </p:spPr>
+      </p:pic>
+      <p:pic>
+        <p:nvPicPr>
+          <p:cNvPr id="22" name="Picture 21"/>
+          <p:cNvPicPr>
+            <a:picLocks noChangeAspect="1"/>
+          </p:cNvPicPr>
+          <p:nvPr/>
+        </p:nvPicPr>
+        <p:blipFill>
+          <a:blip r:embed="rId7">
+            <a:extLst>
+              <a:ext uri="{28A0092B-C50C-407E-A947-70E740481C1C}">
+                <a14:useLocalDpi xmlns:a14="http://schemas.microsoft.com/office/drawing/2010/main" val="0"/>
+              </a:ext>
+            </a:extLst>
+          </a:blip>
+          <a:stretch>
+            <a:fillRect/>
+          </a:stretch>
+        </p:blipFill>
+        <p:spPr>
+          <a:xfrm>
+            <a:off x="2864357" y="3986886"/>
+            <a:ext cx="508367" cy="465835"/>
+          </a:xfrm>
+          <a:prstGeom prst="rect">
+            <a:avLst/>
+          </a:prstGeom>
+        </p:spPr>
+      </p:pic>
+      <p:grpSp>
+        <p:nvGrpSpPr>
+          <p:cNvPr id="41" name="Group 40"/>
+          <p:cNvGrpSpPr/>
+          <p:nvPr/>
+        </p:nvGrpSpPr>
+        <p:grpSpPr>
+          <a:xfrm>
+            <a:off x="2713398" y="2687169"/>
+            <a:ext cx="784966" cy="805719"/>
+            <a:chOff x="2851951" y="2070898"/>
+            <a:chExt cx="833810" cy="933996"/>
+          </a:xfrm>
+        </p:grpSpPr>
+        <p:sp>
+          <p:nvSpPr>
+            <p:cNvPr id="40" name="Rounded Rectangle 39"/>
+            <p:cNvSpPr/>
+            <p:nvPr/>
+          </p:nvSpPr>
+          <p:spPr>
+            <a:xfrm>
+              <a:off x="2851951" y="2070898"/>
+              <a:ext cx="833810" cy="933996"/>
+            </a:xfrm>
+            <a:prstGeom prst="roundRect">
+              <a:avLst/>
+            </a:prstGeom>
+            <a:ln>
+              <a:noFill/>
+            </a:ln>
+          </p:spPr>
+          <p:style>
+            <a:lnRef idx="2">
+              <a:schemeClr val="accent1">
+                <a:shade val="50000"/>
+              </a:schemeClr>
+            </a:lnRef>
+            <a:fillRef idx="1">
+              <a:schemeClr val="accent1"/>
+            </a:fillRef>
+            <a:effectRef idx="0">
+              <a:schemeClr val="accent1"/>
+            </a:effectRef>
+            <a:fontRef idx="minor">
+              <a:schemeClr val="lt1"/>
+            </a:fontRef>
+          </p:style>
+          <p:txBody>
+            <a:bodyPr rtlCol="0" anchor="ctr"/>
+            <a:lstStyle/>
+            <a:p>
+              <a:pPr algn="ctr"/>
+              <a:endParaRPr lang="en-US"/>
+            </a:p>
+          </p:txBody>
+        </p:sp>
+        <p:pic>
+          <p:nvPicPr>
+            <p:cNvPr id="20" name="Picture 19"/>
             <p:cNvPicPr>
               <a:picLocks noChangeAspect="1"/>
             </p:cNvPicPr>
@@ -4921,381 +7333,358 @@
           </p:blipFill>
           <p:spPr>
             <a:xfrm>
-              <a:off x="8599644" y="1571524"/>
-              <a:ext cx="508367" cy="465835"/>
+              <a:off x="2851951" y="2111999"/>
+              <a:ext cx="833810" cy="833810"/>
             </a:xfrm>
             <a:prstGeom prst="rect">
               <a:avLst/>
             </a:prstGeom>
+            <a:ln>
+              <a:noFill/>
+            </a:ln>
           </p:spPr>
         </p:pic>
-        <p:grpSp>
-          <p:nvGrpSpPr>
-            <p:cNvPr id="37" name="Group 36"/>
-            <p:cNvGrpSpPr/>
-            <p:nvPr/>
-          </p:nvGrpSpPr>
-          <p:grpSpPr>
-            <a:xfrm>
-              <a:off x="6790400" y="1526619"/>
-              <a:ext cx="511830" cy="465721"/>
-              <a:chOff x="4627756" y="1549054"/>
-              <a:chExt cx="686905" cy="692268"/>
-            </a:xfrm>
-          </p:grpSpPr>
-          <p:pic>
-            <p:nvPicPr>
-              <p:cNvPr id="38" name="Picture 37"/>
-              <p:cNvPicPr>
-                <a:picLocks noChangeAspect="1"/>
-              </p:cNvPicPr>
-              <p:nvPr/>
-            </p:nvPicPr>
-            <p:blipFill>
-              <a:blip r:embed="rId9">
-                <a:extLst>
-                  <a:ext uri="{28A0092B-C50C-407E-A947-70E740481C1C}">
-                    <a14:useLocalDpi xmlns:a14="http://schemas.microsoft.com/office/drawing/2010/main" val="0"/>
-                  </a:ext>
-                </a:extLst>
-              </a:blip>
-              <a:stretch>
-                <a:fillRect/>
-              </a:stretch>
-            </p:blipFill>
-            <p:spPr>
-              <a:xfrm>
-                <a:off x="4627756" y="1549054"/>
-                <a:ext cx="540000" cy="540000"/>
-              </a:xfrm>
-              <a:prstGeom prst="rect">
-                <a:avLst/>
-              </a:prstGeom>
-            </p:spPr>
-          </p:pic>
-          <p:pic>
-            <p:nvPicPr>
-              <p:cNvPr id="39" name="Picture 38"/>
-              <p:cNvPicPr>
-                <a:picLocks noChangeAspect="1"/>
-              </p:cNvPicPr>
-              <p:nvPr/>
-            </p:nvPicPr>
-            <p:blipFill>
-              <a:blip r:embed="rId9">
-                <a:extLst>
-                  <a:ext uri="{28A0092B-C50C-407E-A947-70E740481C1C}">
-                    <a14:useLocalDpi xmlns:a14="http://schemas.microsoft.com/office/drawing/2010/main" val="0"/>
-                  </a:ext>
-                </a:extLst>
-              </a:blip>
-              <a:stretch>
-                <a:fillRect/>
-              </a:stretch>
-            </p:blipFill>
-            <p:spPr>
-              <a:xfrm>
-                <a:off x="4774661" y="1701322"/>
-                <a:ext cx="540000" cy="540000"/>
-              </a:xfrm>
-              <a:prstGeom prst="rect">
-                <a:avLst/>
-              </a:prstGeom>
-            </p:spPr>
-          </p:pic>
-        </p:grpSp>
-        <p:grpSp>
-          <p:nvGrpSpPr>
-            <p:cNvPr id="7" name="Group 6"/>
-            <p:cNvGrpSpPr/>
-            <p:nvPr/>
-          </p:nvGrpSpPr>
-          <p:grpSpPr>
-            <a:xfrm>
-              <a:off x="914665" y="2016677"/>
-              <a:ext cx="784880" cy="788814"/>
-              <a:chOff x="941294" y="1721224"/>
-              <a:chExt cx="833718" cy="914400"/>
-            </a:xfrm>
-          </p:grpSpPr>
-          <p:sp>
-            <p:nvSpPr>
-              <p:cNvPr id="6" name="Rounded Rectangle 5"/>
-              <p:cNvSpPr/>
-              <p:nvPr/>
-            </p:nvSpPr>
-            <p:spPr>
-              <a:xfrm>
-                <a:off x="941294" y="1721224"/>
-                <a:ext cx="833718" cy="914400"/>
-              </a:xfrm>
-              <a:prstGeom prst="roundRect">
-                <a:avLst/>
-              </a:prstGeom>
-              <a:solidFill>
-                <a:schemeClr val="bg1"/>
-              </a:solidFill>
-              <a:ln>
-                <a:noFill/>
-              </a:ln>
-            </p:spPr>
-            <p:style>
-              <a:lnRef idx="2">
-                <a:schemeClr val="accent1">
-                  <a:shade val="50000"/>
-                </a:schemeClr>
-              </a:lnRef>
-              <a:fillRef idx="1">
-                <a:schemeClr val="accent1"/>
-              </a:fillRef>
-              <a:effectRef idx="0">
-                <a:schemeClr val="accent1"/>
-              </a:effectRef>
-              <a:fontRef idx="minor">
-                <a:schemeClr val="lt1"/>
-              </a:fontRef>
-            </p:style>
-            <p:txBody>
-              <a:bodyPr rtlCol="0" anchor="ctr"/>
-              <a:lstStyle/>
-              <a:p>
-                <a:pPr algn="ctr"/>
-                <a:endParaRPr lang="en-US"/>
-              </a:p>
-            </p:txBody>
-          </p:sp>
-          <p:pic>
-            <p:nvPicPr>
-              <p:cNvPr id="5" name="Picture 4"/>
-              <p:cNvPicPr>
-                <a:picLocks noChangeAspect="1"/>
-              </p:cNvPicPr>
-              <p:nvPr/>
-            </p:nvPicPr>
-            <p:blipFill>
-              <a:blip r:embed="rId10">
-                <a:extLst>
-                  <a:ext uri="{28A0092B-C50C-407E-A947-70E740481C1C}">
-                    <a14:useLocalDpi xmlns:a14="http://schemas.microsoft.com/office/drawing/2010/main" val="0"/>
-                  </a:ext>
-                </a:extLst>
-              </a:blip>
-              <a:stretch>
-                <a:fillRect/>
-              </a:stretch>
-            </p:blipFill>
-            <p:spPr>
-              <a:xfrm>
-                <a:off x="1005541" y="1848224"/>
-                <a:ext cx="650240" cy="650240"/>
-              </a:xfrm>
-              <a:prstGeom prst="rect">
-                <a:avLst/>
-              </a:prstGeom>
-              <a:ln>
-                <a:noFill/>
-              </a:ln>
-            </p:spPr>
-          </p:pic>
-        </p:grpSp>
-        <p:grpSp>
-          <p:nvGrpSpPr>
-            <p:cNvPr id="8" name="Group 7"/>
-            <p:cNvGrpSpPr/>
-            <p:nvPr/>
-          </p:nvGrpSpPr>
-          <p:grpSpPr>
-            <a:xfrm>
-              <a:off x="914665" y="3585389"/>
-              <a:ext cx="784880" cy="788814"/>
-              <a:chOff x="941294" y="1721224"/>
-              <a:chExt cx="833718" cy="914400"/>
-            </a:xfrm>
-          </p:grpSpPr>
-          <p:sp>
-            <p:nvSpPr>
-              <p:cNvPr id="9" name="Rounded Rectangle 8"/>
-              <p:cNvSpPr/>
-              <p:nvPr/>
-            </p:nvSpPr>
-            <p:spPr>
-              <a:xfrm>
-                <a:off x="941294" y="1721224"/>
-                <a:ext cx="833718" cy="914400"/>
-              </a:xfrm>
-              <a:prstGeom prst="roundRect">
-                <a:avLst/>
-              </a:prstGeom>
-              <a:solidFill>
-                <a:schemeClr val="bg1"/>
-              </a:solidFill>
-              <a:ln>
-                <a:noFill/>
-              </a:ln>
-            </p:spPr>
-            <p:style>
-              <a:lnRef idx="2">
-                <a:schemeClr val="accent1">
-                  <a:shade val="50000"/>
-                </a:schemeClr>
-              </a:lnRef>
-              <a:fillRef idx="1">
-                <a:schemeClr val="accent1"/>
-              </a:fillRef>
-              <a:effectRef idx="0">
-                <a:schemeClr val="accent1"/>
-              </a:effectRef>
-              <a:fontRef idx="minor">
-                <a:schemeClr val="lt1"/>
-              </a:fontRef>
-            </p:style>
-            <p:txBody>
-              <a:bodyPr rtlCol="0" anchor="ctr"/>
-              <a:lstStyle/>
-              <a:p>
-                <a:pPr algn="ctr"/>
-                <a:endParaRPr lang="en-US"/>
-              </a:p>
-            </p:txBody>
-          </p:sp>
-          <p:pic>
-            <p:nvPicPr>
-              <p:cNvPr id="10" name="Picture 9"/>
-              <p:cNvPicPr>
-                <a:picLocks noChangeAspect="1"/>
-              </p:cNvPicPr>
-              <p:nvPr/>
-            </p:nvPicPr>
-            <p:blipFill>
-              <a:blip r:embed="rId10">
-                <a:extLst>
-                  <a:ext uri="{28A0092B-C50C-407E-A947-70E740481C1C}">
-                    <a14:useLocalDpi xmlns:a14="http://schemas.microsoft.com/office/drawing/2010/main" val="0"/>
-                  </a:ext>
-                </a:extLst>
-              </a:blip>
-              <a:stretch>
-                <a:fillRect/>
-              </a:stretch>
-            </p:blipFill>
-            <p:spPr>
-              <a:xfrm>
-                <a:off x="1005541" y="1848224"/>
-                <a:ext cx="650240" cy="650240"/>
-              </a:xfrm>
-              <a:prstGeom prst="rect">
-                <a:avLst/>
-              </a:prstGeom>
-              <a:ln>
-                <a:noFill/>
-              </a:ln>
-            </p:spPr>
-          </p:pic>
-        </p:grpSp>
-        <p:grpSp>
-          <p:nvGrpSpPr>
-            <p:cNvPr id="11" name="Group 10"/>
-            <p:cNvGrpSpPr/>
-            <p:nvPr/>
-          </p:nvGrpSpPr>
-          <p:grpSpPr>
-            <a:xfrm>
-              <a:off x="914665" y="5154103"/>
-              <a:ext cx="784880" cy="788814"/>
-              <a:chOff x="941294" y="1721224"/>
-              <a:chExt cx="833718" cy="914400"/>
-            </a:xfrm>
-          </p:grpSpPr>
-          <p:sp>
-            <p:nvSpPr>
-              <p:cNvPr id="12" name="Rounded Rectangle 11"/>
-              <p:cNvSpPr/>
-              <p:nvPr/>
-            </p:nvSpPr>
-            <p:spPr>
-              <a:xfrm>
-                <a:off x="941294" y="1721224"/>
-                <a:ext cx="833718" cy="914400"/>
-              </a:xfrm>
-              <a:prstGeom prst="roundRect">
-                <a:avLst/>
-              </a:prstGeom>
-              <a:solidFill>
-                <a:schemeClr val="bg1"/>
-              </a:solidFill>
-              <a:ln>
-                <a:noFill/>
-              </a:ln>
-            </p:spPr>
-            <p:style>
-              <a:lnRef idx="2">
-                <a:schemeClr val="accent1">
-                  <a:shade val="50000"/>
-                </a:schemeClr>
-              </a:lnRef>
-              <a:fillRef idx="1">
-                <a:schemeClr val="accent1"/>
-              </a:fillRef>
-              <a:effectRef idx="0">
-                <a:schemeClr val="accent1"/>
-              </a:effectRef>
-              <a:fontRef idx="minor">
-                <a:schemeClr val="lt1"/>
-              </a:fontRef>
-            </p:style>
-            <p:txBody>
-              <a:bodyPr rtlCol="0" anchor="ctr"/>
-              <a:lstStyle/>
-              <a:p>
-                <a:pPr algn="ctr"/>
-                <a:endParaRPr lang="en-US"/>
-              </a:p>
-            </p:txBody>
-          </p:sp>
-          <p:pic>
-            <p:nvPicPr>
-              <p:cNvPr id="13" name="Picture 12"/>
-              <p:cNvPicPr>
-                <a:picLocks noChangeAspect="1"/>
-              </p:cNvPicPr>
-              <p:nvPr/>
-            </p:nvPicPr>
-            <p:blipFill>
-              <a:blip r:embed="rId10">
-                <a:extLst>
-                  <a:ext uri="{28A0092B-C50C-407E-A947-70E740481C1C}">
-                    <a14:useLocalDpi xmlns:a14="http://schemas.microsoft.com/office/drawing/2010/main" val="0"/>
-                  </a:ext>
-                </a:extLst>
-              </a:blip>
-              <a:stretch>
-                <a:fillRect/>
-              </a:stretch>
-            </p:blipFill>
-            <p:spPr>
-              <a:xfrm>
-                <a:off x="1005541" y="1848224"/>
-                <a:ext cx="650240" cy="650240"/>
-              </a:xfrm>
-              <a:prstGeom prst="rect">
-                <a:avLst/>
-              </a:prstGeom>
-              <a:ln>
-                <a:noFill/>
-              </a:ln>
-            </p:spPr>
-          </p:pic>
-        </p:grpSp>
+      </p:grpSp>
+      <p:cxnSp>
+        <p:nvCxnSpPr>
+          <p:cNvPr id="49" name="Elbow Connector 48"/>
+          <p:cNvCxnSpPr>
+            <a:stCxn id="12" idx="3"/>
+            <a:endCxn id="20" idx="1"/>
+          </p:cNvCxnSpPr>
+          <p:nvPr/>
+        </p:nvCxnSpPr>
+        <p:spPr>
+          <a:xfrm flipV="1">
+            <a:off x="1699545" y="3082271"/>
+            <a:ext cx="1013853" cy="2466239"/>
+          </a:xfrm>
+          <a:prstGeom prst="bentConnector3">
+            <a:avLst/>
+          </a:prstGeom>
+          <a:ln w="53975">
+            <a:solidFill>
+              <a:schemeClr val="bg1">
+                <a:lumMod val="95000"/>
+              </a:schemeClr>
+            </a:solidFill>
+            <a:prstDash val="dash"/>
+            <a:tailEnd type="triangle"/>
+          </a:ln>
+        </p:spPr>
+        <p:style>
+          <a:lnRef idx="1">
+            <a:schemeClr val="accent1"/>
+          </a:lnRef>
+          <a:fillRef idx="0">
+            <a:schemeClr val="accent1"/>
+          </a:fillRef>
+          <a:effectRef idx="0">
+            <a:schemeClr val="accent1"/>
+          </a:effectRef>
+          <a:fontRef idx="minor">
+            <a:schemeClr val="tx1"/>
+          </a:fontRef>
+        </p:style>
+      </p:cxnSp>
+      <p:cxnSp>
+        <p:nvCxnSpPr>
+          <p:cNvPr id="52" name="Elbow Connector 51"/>
+          <p:cNvCxnSpPr/>
+          <p:nvPr/>
+        </p:nvCxnSpPr>
+        <p:spPr>
+          <a:xfrm flipV="1">
+            <a:off x="1699545" y="3082271"/>
+            <a:ext cx="1011225" cy="850212"/>
+          </a:xfrm>
+          <a:prstGeom prst="bentConnector3">
+            <a:avLst>
+              <a:gd name="adj1" fmla="val 33855"/>
+            </a:avLst>
+          </a:prstGeom>
+          <a:ln w="53975">
+            <a:solidFill>
+              <a:schemeClr val="bg1">
+                <a:lumMod val="95000"/>
+              </a:schemeClr>
+            </a:solidFill>
+            <a:prstDash val="dash"/>
+            <a:tailEnd type="triangle"/>
+          </a:ln>
+        </p:spPr>
+        <p:style>
+          <a:lnRef idx="1">
+            <a:schemeClr val="accent1"/>
+          </a:lnRef>
+          <a:fillRef idx="0">
+            <a:schemeClr val="accent1"/>
+          </a:fillRef>
+          <a:effectRef idx="0">
+            <a:schemeClr val="accent1"/>
+          </a:effectRef>
+          <a:fontRef idx="minor">
+            <a:schemeClr val="tx1"/>
+          </a:fontRef>
+        </p:style>
+      </p:cxnSp>
+      <p:cxnSp>
+        <p:nvCxnSpPr>
+          <p:cNvPr id="54" name="Elbow Connector 53"/>
+          <p:cNvCxnSpPr>
+            <a:stCxn id="6" idx="3"/>
+          </p:cNvCxnSpPr>
+          <p:nvPr/>
+        </p:nvCxnSpPr>
+        <p:spPr>
+          <a:xfrm>
+            <a:off x="1699545" y="2411084"/>
+            <a:ext cx="1011225" cy="671187"/>
+          </a:xfrm>
+          <a:prstGeom prst="bentConnector3">
+            <a:avLst/>
+          </a:prstGeom>
+          <a:ln w="53975">
+            <a:solidFill>
+              <a:schemeClr val="bg1">
+                <a:lumMod val="95000"/>
+              </a:schemeClr>
+            </a:solidFill>
+            <a:prstDash val="dash"/>
+            <a:tailEnd type="triangle"/>
+          </a:ln>
+        </p:spPr>
+        <p:style>
+          <a:lnRef idx="1">
+            <a:schemeClr val="accent1"/>
+          </a:lnRef>
+          <a:fillRef idx="0">
+            <a:schemeClr val="accent1"/>
+          </a:fillRef>
+          <a:effectRef idx="0">
+            <a:schemeClr val="accent1"/>
+          </a:effectRef>
+          <a:fontRef idx="minor">
+            <a:schemeClr val="tx1"/>
+          </a:fontRef>
+        </p:style>
+      </p:cxnSp>
+      <p:cxnSp>
+        <p:nvCxnSpPr>
+          <p:cNvPr id="71" name="Elbow Connector 70"/>
+          <p:cNvCxnSpPr>
+            <a:stCxn id="39" idx="3"/>
+            <a:endCxn id="23" idx="1"/>
+          </p:cNvCxnSpPr>
+          <p:nvPr/>
+        </p:nvCxnSpPr>
+        <p:spPr>
+          <a:xfrm flipV="1">
+            <a:off x="7302230" y="1804441"/>
+            <a:ext cx="1297414" cy="6258"/>
+          </a:xfrm>
+          <a:prstGeom prst="bentConnector3">
+            <a:avLst/>
+          </a:prstGeom>
+          <a:ln w="50800" cmpd="tri">
+            <a:solidFill>
+              <a:schemeClr val="accent1"/>
+            </a:solidFill>
+            <a:prstDash val="solid"/>
+            <a:headEnd type="triangle"/>
+            <a:tailEnd type="triangle"/>
+          </a:ln>
+        </p:spPr>
+        <p:style>
+          <a:lnRef idx="1">
+            <a:schemeClr val="accent1"/>
+          </a:lnRef>
+          <a:fillRef idx="0">
+            <a:schemeClr val="accent1"/>
+          </a:fillRef>
+          <a:effectRef idx="0">
+            <a:schemeClr val="accent1"/>
+          </a:effectRef>
+          <a:fontRef idx="minor">
+            <a:schemeClr val="tx1"/>
+          </a:fontRef>
+        </p:style>
+      </p:cxnSp>
+      <p:cxnSp>
+        <p:nvCxnSpPr>
+          <p:cNvPr id="79" name="Straight Arrow Connector 78"/>
+          <p:cNvCxnSpPr/>
+          <p:nvPr/>
+        </p:nvCxnSpPr>
+        <p:spPr>
+          <a:xfrm flipV="1">
+            <a:off x="6317436" y="1889902"/>
+            <a:ext cx="470370" cy="396480"/>
+          </a:xfrm>
+          <a:prstGeom prst="straightConnector1">
+            <a:avLst/>
+          </a:prstGeom>
+          <a:ln w="31750">
+            <a:headEnd type="triangle"/>
+            <a:tailEnd type="triangle"/>
+          </a:ln>
+        </p:spPr>
+        <p:style>
+          <a:lnRef idx="1">
+            <a:schemeClr val="accent1"/>
+          </a:lnRef>
+          <a:fillRef idx="0">
+            <a:schemeClr val="accent1"/>
+          </a:fillRef>
+          <a:effectRef idx="0">
+            <a:schemeClr val="accent1"/>
+          </a:effectRef>
+          <a:fontRef idx="minor">
+            <a:schemeClr val="tx1"/>
+          </a:fontRef>
+        </p:style>
+      </p:cxnSp>
+      <p:cxnSp>
+        <p:nvCxnSpPr>
+          <p:cNvPr id="56" name="Elbow Connector 55"/>
+          <p:cNvCxnSpPr/>
+          <p:nvPr/>
+        </p:nvCxnSpPr>
+        <p:spPr>
+          <a:xfrm rot="16200000" flipV="1">
+            <a:off x="2759736" y="2376478"/>
+            <a:ext cx="678109" cy="14183"/>
+          </a:xfrm>
+          <a:prstGeom prst="bentConnector3">
+            <a:avLst/>
+          </a:prstGeom>
+          <a:ln w="53975">
+            <a:solidFill>
+              <a:schemeClr val="bg2"/>
+            </a:solidFill>
+            <a:prstDash val="dash"/>
+            <a:tailEnd type="triangle"/>
+          </a:ln>
+        </p:spPr>
+        <p:style>
+          <a:lnRef idx="1">
+            <a:schemeClr val="accent1"/>
+          </a:lnRef>
+          <a:fillRef idx="0">
+            <a:schemeClr val="accent1"/>
+          </a:fillRef>
+          <a:effectRef idx="0">
+            <a:schemeClr val="accent1"/>
+          </a:effectRef>
+          <a:fontRef idx="minor">
+            <a:schemeClr val="tx1"/>
+          </a:fontRef>
+        </p:style>
+      </p:cxnSp>
+      <p:cxnSp>
+        <p:nvCxnSpPr>
+          <p:cNvPr id="59" name="Elbow Connector 58"/>
+          <p:cNvCxnSpPr>
+            <a:endCxn id="22" idx="0"/>
+          </p:cNvCxnSpPr>
+          <p:nvPr/>
+        </p:nvCxnSpPr>
+        <p:spPr>
+          <a:xfrm rot="5400000">
+            <a:off x="2875434" y="3735994"/>
+            <a:ext cx="493998" cy="7784"/>
+          </a:xfrm>
+          <a:prstGeom prst="bentConnector3">
+            <a:avLst/>
+          </a:prstGeom>
+          <a:ln w="53975">
+            <a:solidFill>
+              <a:schemeClr val="bg2"/>
+            </a:solidFill>
+            <a:prstDash val="dash"/>
+            <a:tailEnd type="triangle"/>
+          </a:ln>
+        </p:spPr>
+        <p:style>
+          <a:lnRef idx="1">
+            <a:schemeClr val="accent1"/>
+          </a:lnRef>
+          <a:fillRef idx="0">
+            <a:schemeClr val="accent1"/>
+          </a:fillRef>
+          <a:effectRef idx="0">
+            <a:schemeClr val="accent1"/>
+          </a:effectRef>
+          <a:fontRef idx="minor">
+            <a:schemeClr val="tx1"/>
+          </a:fontRef>
+        </p:style>
+      </p:cxnSp>
+      <p:cxnSp>
+        <p:nvCxnSpPr>
+          <p:cNvPr id="65" name="Elbow Connector 64"/>
+          <p:cNvCxnSpPr>
+            <a:stCxn id="20" idx="3"/>
+            <a:endCxn id="15" idx="1"/>
+          </p:cNvCxnSpPr>
+          <p:nvPr/>
+        </p:nvCxnSpPr>
+        <p:spPr>
+          <a:xfrm flipV="1">
+            <a:off x="3498365" y="2236634"/>
+            <a:ext cx="933926" cy="845637"/>
+          </a:xfrm>
+          <a:prstGeom prst="bentConnector3">
+            <a:avLst/>
+          </a:prstGeom>
+          <a:ln w="50800" cmpd="tri">
+            <a:solidFill>
+              <a:schemeClr val="accent1"/>
+            </a:solidFill>
+            <a:prstDash val="solid"/>
+            <a:headEnd type="triangle"/>
+            <a:tailEnd type="triangle"/>
+          </a:ln>
+        </p:spPr>
+        <p:style>
+          <a:lnRef idx="1">
+            <a:schemeClr val="accent1"/>
+          </a:lnRef>
+          <a:fillRef idx="0">
+            <a:schemeClr val="accent1"/>
+          </a:fillRef>
+          <a:effectRef idx="0">
+            <a:schemeClr val="accent1"/>
+          </a:effectRef>
+          <a:fontRef idx="minor">
+            <a:schemeClr val="tx1"/>
+          </a:fontRef>
+        </p:style>
+      </p:cxnSp>
+      <p:grpSp>
+        <p:nvGrpSpPr>
+          <p:cNvPr id="28" name="Group 27"/>
+          <p:cNvGrpSpPr/>
+          <p:nvPr/>
+        </p:nvGrpSpPr>
+        <p:grpSpPr>
+          <a:xfrm>
+            <a:off x="4432291" y="2003716"/>
+            <a:ext cx="646667" cy="597190"/>
+            <a:chOff x="4627756" y="1549054"/>
+            <a:chExt cx="686905" cy="692268"/>
+          </a:xfrm>
+        </p:grpSpPr>
         <p:pic>
           <p:nvPicPr>
-            <p:cNvPr id="17" name="Picture 16"/>
+            <p:cNvPr id="15" name="Picture 14"/>
             <p:cNvPicPr>
               <a:picLocks noChangeAspect="1"/>
             </p:cNvPicPr>
             <p:nvPr/>
           </p:nvPicPr>
           <p:blipFill>
-            <a:blip r:embed="rId11">
+            <a:blip r:embed="rId4">
               <a:extLst>
                 <a:ext uri="{28A0092B-C50C-407E-A947-70E740481C1C}">
                   <a14:useLocalDpi xmlns:a14="http://schemas.microsoft.com/office/drawing/2010/main" val="0"/>
@@ -5308,8 +7697,8 @@
           </p:blipFill>
           <p:spPr>
             <a:xfrm>
-              <a:off x="2862174" y="1580757"/>
-              <a:ext cx="508367" cy="465835"/>
+              <a:off x="4627756" y="1549054"/>
+              <a:ext cx="540000" cy="540000"/>
             </a:xfrm>
             <a:prstGeom prst="rect">
               <a:avLst/>
@@ -5318,14 +7707,14 @@
         </p:pic>
         <p:pic>
           <p:nvPicPr>
-            <p:cNvPr id="22" name="Picture 21"/>
+            <p:cNvPr id="27" name="Picture 26"/>
             <p:cNvPicPr>
               <a:picLocks noChangeAspect="1"/>
             </p:cNvPicPr>
             <p:nvPr/>
           </p:nvPicPr>
           <p:blipFill>
-            <a:blip r:embed="rId12">
+            <a:blip r:embed="rId4">
               <a:extLst>
                 <a:ext uri="{28A0092B-C50C-407E-A947-70E740481C1C}">
                   <a14:useLocalDpi xmlns:a14="http://schemas.microsoft.com/office/drawing/2010/main" val="0"/>
@@ -5338,386 +7727,76 @@
           </p:blipFill>
           <p:spPr>
             <a:xfrm>
-              <a:off x="2864357" y="3986886"/>
-              <a:ext cx="508367" cy="465835"/>
+              <a:off x="4774661" y="1701322"/>
+              <a:ext cx="540000" cy="540000"/>
             </a:xfrm>
             <a:prstGeom prst="rect">
               <a:avLst/>
             </a:prstGeom>
           </p:spPr>
         </p:pic>
-        <p:grpSp>
-          <p:nvGrpSpPr>
-            <p:cNvPr id="41" name="Group 40"/>
-            <p:cNvGrpSpPr/>
-            <p:nvPr/>
-          </p:nvGrpSpPr>
-          <p:grpSpPr>
-            <a:xfrm>
-              <a:off x="2713398" y="2687169"/>
-              <a:ext cx="784966" cy="805719"/>
-              <a:chOff x="2851951" y="2070898"/>
-              <a:chExt cx="833810" cy="933996"/>
-            </a:xfrm>
-          </p:grpSpPr>
-          <p:sp>
-            <p:nvSpPr>
-              <p:cNvPr id="40" name="Rounded Rectangle 39"/>
-              <p:cNvSpPr/>
-              <p:nvPr/>
-            </p:nvSpPr>
-            <p:spPr>
-              <a:xfrm>
-                <a:off x="2851951" y="2070898"/>
-                <a:ext cx="833810" cy="933996"/>
-              </a:xfrm>
-              <a:prstGeom prst="roundRect">
-                <a:avLst/>
-              </a:prstGeom>
-              <a:ln>
-                <a:noFill/>
-              </a:ln>
-            </p:spPr>
-            <p:style>
-              <a:lnRef idx="2">
-                <a:schemeClr val="accent1">
-                  <a:shade val="50000"/>
-                </a:schemeClr>
-              </a:lnRef>
-              <a:fillRef idx="1">
-                <a:schemeClr val="accent1"/>
-              </a:fillRef>
-              <a:effectRef idx="0">
-                <a:schemeClr val="accent1"/>
-              </a:effectRef>
-              <a:fontRef idx="minor">
-                <a:schemeClr val="lt1"/>
-              </a:fontRef>
-            </p:style>
-            <p:txBody>
-              <a:bodyPr rtlCol="0" anchor="ctr"/>
-              <a:lstStyle/>
-              <a:p>
-                <a:pPr algn="ctr"/>
-                <a:endParaRPr lang="en-US"/>
-              </a:p>
-            </p:txBody>
-          </p:sp>
-          <p:pic>
-            <p:nvPicPr>
-              <p:cNvPr id="20" name="Picture 19"/>
-              <p:cNvPicPr>
-                <a:picLocks noChangeAspect="1"/>
-              </p:cNvPicPr>
-              <p:nvPr/>
-            </p:nvPicPr>
-            <p:blipFill>
-              <a:blip r:embed="rId13">
-                <a:extLst>
-                  <a:ext uri="{28A0092B-C50C-407E-A947-70E740481C1C}">
-                    <a14:useLocalDpi xmlns:a14="http://schemas.microsoft.com/office/drawing/2010/main" val="0"/>
-                  </a:ext>
-                </a:extLst>
-              </a:blip>
-              <a:stretch>
-                <a:fillRect/>
-              </a:stretch>
-            </p:blipFill>
-            <p:spPr>
-              <a:xfrm>
-                <a:off x="2851951" y="2111999"/>
-                <a:ext cx="833810" cy="833810"/>
-              </a:xfrm>
-              <a:prstGeom prst="rect">
-                <a:avLst/>
-              </a:prstGeom>
-              <a:ln>
-                <a:noFill/>
-              </a:ln>
-            </p:spPr>
-          </p:pic>
-        </p:grpSp>
-        <p:cxnSp>
-          <p:nvCxnSpPr>
-            <p:cNvPr id="49" name="Elbow Connector 48"/>
-            <p:cNvCxnSpPr>
-              <a:stCxn id="12" idx="3"/>
-              <a:endCxn id="20" idx="1"/>
-            </p:cNvCxnSpPr>
-            <p:nvPr/>
-          </p:nvCxnSpPr>
-          <p:spPr>
-            <a:xfrm flipV="1">
-              <a:off x="1699545" y="3082271"/>
-              <a:ext cx="1013853" cy="2466239"/>
-            </a:xfrm>
-            <a:prstGeom prst="bentConnector3">
-              <a:avLst/>
-            </a:prstGeom>
-            <a:ln w="53975">
-              <a:solidFill>
-                <a:schemeClr val="bg1">
-                  <a:lumMod val="95000"/>
-                </a:schemeClr>
-              </a:solidFill>
-              <a:prstDash val="dash"/>
-              <a:tailEnd type="triangle"/>
-            </a:ln>
-          </p:spPr>
-          <p:style>
-            <a:lnRef idx="1">
-              <a:schemeClr val="accent1"/>
-            </a:lnRef>
-            <a:fillRef idx="0">
-              <a:schemeClr val="accent1"/>
-            </a:fillRef>
-            <a:effectRef idx="0">
-              <a:schemeClr val="accent1"/>
-            </a:effectRef>
-            <a:fontRef idx="minor">
-              <a:schemeClr val="tx1"/>
-            </a:fontRef>
-          </p:style>
-        </p:cxnSp>
-        <p:cxnSp>
-          <p:nvCxnSpPr>
-            <p:cNvPr id="52" name="Elbow Connector 51"/>
-            <p:cNvCxnSpPr/>
-            <p:nvPr/>
-          </p:nvCxnSpPr>
-          <p:spPr>
-            <a:xfrm flipV="1">
-              <a:off x="1699545" y="3082271"/>
-              <a:ext cx="1011225" cy="850212"/>
-            </a:xfrm>
-            <a:prstGeom prst="bentConnector3">
-              <a:avLst>
-                <a:gd name="adj1" fmla="val 33855"/>
-              </a:avLst>
-            </a:prstGeom>
-            <a:ln w="53975">
-              <a:solidFill>
-                <a:schemeClr val="bg1">
-                  <a:lumMod val="95000"/>
-                </a:schemeClr>
-              </a:solidFill>
-              <a:prstDash val="dash"/>
-              <a:tailEnd type="triangle"/>
-            </a:ln>
-          </p:spPr>
-          <p:style>
-            <a:lnRef idx="1">
-              <a:schemeClr val="accent1"/>
-            </a:lnRef>
-            <a:fillRef idx="0">
-              <a:schemeClr val="accent1"/>
-            </a:fillRef>
-            <a:effectRef idx="0">
-              <a:schemeClr val="accent1"/>
-            </a:effectRef>
-            <a:fontRef idx="minor">
-              <a:schemeClr val="tx1"/>
-            </a:fontRef>
-          </p:style>
-        </p:cxnSp>
-        <p:cxnSp>
-          <p:nvCxnSpPr>
-            <p:cNvPr id="54" name="Elbow Connector 53"/>
-            <p:cNvCxnSpPr>
-              <a:stCxn id="6" idx="3"/>
-            </p:cNvCxnSpPr>
-            <p:nvPr/>
-          </p:nvCxnSpPr>
-          <p:spPr>
-            <a:xfrm>
-              <a:off x="1699545" y="2411084"/>
-              <a:ext cx="1011225" cy="671187"/>
-            </a:xfrm>
-            <a:prstGeom prst="bentConnector3">
-              <a:avLst/>
-            </a:prstGeom>
-            <a:ln w="53975">
-              <a:solidFill>
-                <a:schemeClr val="bg1">
-                  <a:lumMod val="95000"/>
-                </a:schemeClr>
-              </a:solidFill>
-              <a:prstDash val="dash"/>
-              <a:tailEnd type="triangle"/>
-            </a:ln>
-          </p:spPr>
-          <p:style>
-            <a:lnRef idx="1">
-              <a:schemeClr val="accent1"/>
-            </a:lnRef>
-            <a:fillRef idx="0">
-              <a:schemeClr val="accent1"/>
-            </a:fillRef>
-            <a:effectRef idx="0">
-              <a:schemeClr val="accent1"/>
-            </a:effectRef>
-            <a:fontRef idx="minor">
-              <a:schemeClr val="tx1"/>
-            </a:fontRef>
-          </p:style>
-        </p:cxnSp>
-        <p:cxnSp>
-          <p:nvCxnSpPr>
-            <p:cNvPr id="71" name="Elbow Connector 70"/>
-            <p:cNvCxnSpPr>
-              <a:stCxn id="39" idx="3"/>
-              <a:endCxn id="23" idx="1"/>
-            </p:cNvCxnSpPr>
-            <p:nvPr/>
-          </p:nvCxnSpPr>
-          <p:spPr>
-            <a:xfrm flipV="1">
-              <a:off x="7302230" y="1804441"/>
-              <a:ext cx="1297414" cy="6258"/>
-            </a:xfrm>
-            <a:prstGeom prst="bentConnector3">
-              <a:avLst/>
-            </a:prstGeom>
-            <a:ln w="50800" cmpd="tri">
-              <a:solidFill>
-                <a:schemeClr val="accent1"/>
-              </a:solidFill>
-              <a:prstDash val="solid"/>
-              <a:headEnd type="triangle"/>
-              <a:tailEnd type="triangle"/>
-            </a:ln>
-          </p:spPr>
-          <p:style>
-            <a:lnRef idx="1">
-              <a:schemeClr val="accent1"/>
-            </a:lnRef>
-            <a:fillRef idx="0">
-              <a:schemeClr val="accent1"/>
-            </a:fillRef>
-            <a:effectRef idx="0">
-              <a:schemeClr val="accent1"/>
-            </a:effectRef>
-            <a:fontRef idx="minor">
-              <a:schemeClr val="tx1"/>
-            </a:fontRef>
-          </p:style>
-        </p:cxnSp>
-        <p:cxnSp>
-          <p:nvCxnSpPr>
-            <p:cNvPr id="79" name="Straight Arrow Connector 78"/>
-            <p:cNvCxnSpPr/>
-            <p:nvPr/>
-          </p:nvCxnSpPr>
-          <p:spPr>
-            <a:xfrm flipV="1">
-              <a:off x="6317436" y="1889902"/>
-              <a:ext cx="470370" cy="396480"/>
-            </a:xfrm>
-            <a:prstGeom prst="straightConnector1">
-              <a:avLst/>
-            </a:prstGeom>
-            <a:ln w="31750">
-              <a:headEnd type="triangle"/>
-              <a:tailEnd type="triangle"/>
-            </a:ln>
-          </p:spPr>
-          <p:style>
-            <a:lnRef idx="1">
-              <a:schemeClr val="accent1"/>
-            </a:lnRef>
-            <a:fillRef idx="0">
-              <a:schemeClr val="accent1"/>
-            </a:fillRef>
-            <a:effectRef idx="0">
-              <a:schemeClr val="accent1"/>
-            </a:effectRef>
-            <a:fontRef idx="minor">
-              <a:schemeClr val="tx1"/>
-            </a:fontRef>
-          </p:style>
-        </p:cxnSp>
-        <p:cxnSp>
-          <p:nvCxnSpPr>
-            <p:cNvPr id="56" name="Elbow Connector 55"/>
-            <p:cNvCxnSpPr/>
-            <p:nvPr/>
-          </p:nvCxnSpPr>
-          <p:spPr>
-            <a:xfrm rot="16200000" flipV="1">
-              <a:off x="2759736" y="2376478"/>
-              <a:ext cx="678109" cy="14183"/>
-            </a:xfrm>
-            <a:prstGeom prst="bentConnector3">
-              <a:avLst/>
-            </a:prstGeom>
-            <a:ln w="53975">
-              <a:solidFill>
-                <a:schemeClr val="bg2"/>
-              </a:solidFill>
-              <a:prstDash val="dash"/>
-              <a:tailEnd type="triangle"/>
-            </a:ln>
-          </p:spPr>
-          <p:style>
-            <a:lnRef idx="1">
-              <a:schemeClr val="accent1"/>
-            </a:lnRef>
-            <a:fillRef idx="0">
-              <a:schemeClr val="accent1"/>
-            </a:fillRef>
-            <a:effectRef idx="0">
-              <a:schemeClr val="accent1"/>
-            </a:effectRef>
-            <a:fontRef idx="minor">
-              <a:schemeClr val="tx1"/>
-            </a:fontRef>
-          </p:style>
-        </p:cxnSp>
-        <p:cxnSp>
-          <p:nvCxnSpPr>
-            <p:cNvPr id="59" name="Elbow Connector 58"/>
-            <p:cNvCxnSpPr>
-              <a:endCxn id="22" idx="0"/>
-            </p:cNvCxnSpPr>
-            <p:nvPr/>
-          </p:nvCxnSpPr>
-          <p:spPr>
-            <a:xfrm rot="5400000">
-              <a:off x="2875434" y="3735994"/>
-              <a:ext cx="493998" cy="7784"/>
-            </a:xfrm>
-            <a:prstGeom prst="bentConnector3">
-              <a:avLst/>
-            </a:prstGeom>
-            <a:ln w="53975">
-              <a:solidFill>
-                <a:schemeClr val="bg2"/>
-              </a:solidFill>
-              <a:prstDash val="dash"/>
-              <a:tailEnd type="triangle"/>
-            </a:ln>
-          </p:spPr>
-          <p:style>
-            <a:lnRef idx="1">
-              <a:schemeClr val="accent1"/>
-            </a:lnRef>
-            <a:fillRef idx="0">
-              <a:schemeClr val="accent1"/>
-            </a:fillRef>
-            <a:effectRef idx="0">
-              <a:schemeClr val="accent1"/>
-            </a:effectRef>
-            <a:fontRef idx="minor">
-              <a:schemeClr val="tx1"/>
-            </a:fontRef>
-          </p:style>
-        </p:cxnSp>
+      </p:grpSp>
+      <p:cxnSp>
+        <p:nvCxnSpPr>
+          <p:cNvPr id="67" name="Elbow Connector 66"/>
+          <p:cNvCxnSpPr/>
+          <p:nvPr/>
+        </p:nvCxnSpPr>
+        <p:spPr>
+          <a:xfrm>
+            <a:off x="5093800" y="2286382"/>
+            <a:ext cx="376596" cy="2296"/>
+          </a:xfrm>
+          <a:prstGeom prst="bentConnector3">
+            <a:avLst/>
+          </a:prstGeom>
+          <a:ln w="38100">
+            <a:prstDash val="lgDashDotDot"/>
+            <a:headEnd type="triangle"/>
+            <a:tailEnd type="triangle"/>
+          </a:ln>
+        </p:spPr>
+        <p:style>
+          <a:lnRef idx="1">
+            <a:schemeClr val="accent1"/>
+          </a:lnRef>
+          <a:fillRef idx="0">
+            <a:schemeClr val="accent1"/>
+          </a:fillRef>
+          <a:effectRef idx="0">
+            <a:schemeClr val="accent1"/>
+          </a:effectRef>
+          <a:fontRef idx="minor">
+            <a:schemeClr val="tx1"/>
+          </a:fontRef>
+        </p:style>
+      </p:cxnSp>
+      <p:grpSp>
+        <p:nvGrpSpPr>
+          <p:cNvPr id="60" name="Group 33">
+            <a:extLst>
+              <a:ext uri="{FF2B5EF4-FFF2-40B4-BE49-F238E27FC236}">
+                <a16:creationId xmlns:a16="http://schemas.microsoft.com/office/drawing/2014/main" id="{6476BBE5-AAFC-754B-BD26-B89EEE92F750}"/>
+              </a:ext>
+            </a:extLst>
+          </p:cNvPr>
+          <p:cNvGrpSpPr/>
+          <p:nvPr/>
+        </p:nvGrpSpPr>
+        <p:grpSpPr>
+          <a:xfrm>
+            <a:off x="6788273" y="2642367"/>
+            <a:ext cx="511868" cy="465733"/>
+            <a:chOff x="4627756" y="1549054"/>
+            <a:chExt cx="686905" cy="692268"/>
+          </a:xfrm>
+        </p:grpSpPr>
         <p:pic>
           <p:nvPicPr>
-            <p:cNvPr id="51" name="Picture 32">
+            <p:cNvPr id="61" name="Picture 34">
               <a:extLst>
                 <a:ext uri="{FF2B5EF4-FFF2-40B4-BE49-F238E27FC236}">
-                  <a16:creationId xmlns:a16="http://schemas.microsoft.com/office/drawing/2014/main" id="{D2904F57-BE8C-F54A-9D6A-6CE428AC098A}"/>
+                  <a16:creationId xmlns:a16="http://schemas.microsoft.com/office/drawing/2014/main" id="{294BD75E-A61E-024D-8955-8D536B036403}"/>
                 </a:ext>
               </a:extLst>
             </p:cNvPr>
@@ -5727,7 +7806,7 @@
             <p:nvPr/>
           </p:nvPicPr>
           <p:blipFill>
-            <a:blip r:embed="rId8">
+            <a:blip r:embed="rId4">
               <a:extLst>
                 <a:ext uri="{28A0092B-C50C-407E-A947-70E740481C1C}">
                   <a14:useLocalDpi xmlns:a14="http://schemas.microsoft.com/office/drawing/2010/main" val="0"/>
@@ -5740,55 +7819,160 @@
           </p:blipFill>
           <p:spPr>
             <a:xfrm>
-              <a:off x="8600189" y="2687831"/>
-              <a:ext cx="508405" cy="465847"/>
+              <a:off x="4627756" y="1549054"/>
+              <a:ext cx="540000" cy="540000"/>
             </a:xfrm>
             <a:prstGeom prst="rect">
               <a:avLst/>
             </a:prstGeom>
           </p:spPr>
         </p:pic>
-        <p:cxnSp>
-          <p:nvCxnSpPr>
-            <p:cNvPr id="65" name="Elbow Connector 64"/>
-            <p:cNvCxnSpPr>
-              <a:stCxn id="20" idx="3"/>
-              <a:endCxn id="15" idx="1"/>
-            </p:cNvCxnSpPr>
+        <p:pic>
+          <p:nvPicPr>
+            <p:cNvPr id="62" name="Picture 35">
+              <a:extLst>
+                <a:ext uri="{FF2B5EF4-FFF2-40B4-BE49-F238E27FC236}">
+                  <a16:creationId xmlns:a16="http://schemas.microsoft.com/office/drawing/2014/main" id="{7101FF9E-5CE9-FC44-AEA3-E45AFE1ACD22}"/>
+                </a:ext>
+              </a:extLst>
+            </p:cNvPr>
+            <p:cNvPicPr>
+              <a:picLocks noChangeAspect="1"/>
+            </p:cNvPicPr>
             <p:nvPr/>
-          </p:nvCxnSpPr>
+          </p:nvPicPr>
+          <p:blipFill>
+            <a:blip r:embed="rId4">
+              <a:extLst>
+                <a:ext uri="{28A0092B-C50C-407E-A947-70E740481C1C}">
+                  <a14:useLocalDpi xmlns:a14="http://schemas.microsoft.com/office/drawing/2010/main" val="0"/>
+                </a:ext>
+              </a:extLst>
+            </a:blip>
+            <a:stretch>
+              <a:fillRect/>
+            </a:stretch>
+          </p:blipFill>
           <p:spPr>
-            <a:xfrm flipV="1">
-              <a:off x="3498365" y="2236634"/>
-              <a:ext cx="933926" cy="845637"/>
+            <a:xfrm>
+              <a:off x="4774661" y="1701322"/>
+              <a:ext cx="540000" cy="540000"/>
             </a:xfrm>
-            <a:prstGeom prst="bentConnector3">
+            <a:prstGeom prst="rect">
               <a:avLst/>
             </a:prstGeom>
-            <a:ln w="50800" cmpd="tri">
-              <a:solidFill>
-                <a:schemeClr val="accent1"/>
-              </a:solidFill>
-              <a:prstDash val="solid"/>
-              <a:headEnd type="triangle"/>
-              <a:tailEnd type="triangle"/>
-            </a:ln>
           </p:spPr>
-          <p:style>
-            <a:lnRef idx="1">
-              <a:schemeClr val="accent1"/>
-            </a:lnRef>
-            <a:fillRef idx="0">
-              <a:schemeClr val="accent1"/>
-            </a:fillRef>
-            <a:effectRef idx="0">
-              <a:schemeClr val="accent1"/>
-            </a:effectRef>
-            <a:fontRef idx="minor">
-              <a:schemeClr val="tx1"/>
-            </a:fontRef>
-          </p:style>
-        </p:cxnSp>
+        </p:pic>
+      </p:grpSp>
+      <p:cxnSp>
+        <p:nvCxnSpPr>
+          <p:cNvPr id="64" name="Straight Arrow Connector 79">
+            <a:extLst>
+              <a:ext uri="{FF2B5EF4-FFF2-40B4-BE49-F238E27FC236}">
+                <a16:creationId xmlns:a16="http://schemas.microsoft.com/office/drawing/2014/main" id="{4BB935E5-E512-2448-B482-9D3C31C4AA82}"/>
+              </a:ext>
+            </a:extLst>
+          </p:cNvPr>
+          <p:cNvCxnSpPr/>
+          <p:nvPr/>
+        </p:nvCxnSpPr>
+        <p:spPr>
+          <a:xfrm>
+            <a:off x="6314672" y="2418507"/>
+            <a:ext cx="416153" cy="320492"/>
+          </a:xfrm>
+          <a:prstGeom prst="straightConnector1">
+            <a:avLst/>
+          </a:prstGeom>
+          <a:ln w="31750">
+            <a:solidFill>
+              <a:srgbClr val="4372C3"/>
+            </a:solidFill>
+            <a:headEnd type="triangle"/>
+            <a:tailEnd type="triangle"/>
+          </a:ln>
+        </p:spPr>
+        <p:style>
+          <a:lnRef idx="1">
+            <a:schemeClr val="accent1"/>
+          </a:lnRef>
+          <a:fillRef idx="0">
+            <a:schemeClr val="accent1"/>
+          </a:fillRef>
+          <a:effectRef idx="0">
+            <a:schemeClr val="accent1"/>
+          </a:effectRef>
+          <a:fontRef idx="minor">
+            <a:schemeClr val="tx1"/>
+          </a:fontRef>
+        </p:style>
+      </p:cxnSp>
+      <p:cxnSp>
+        <p:nvCxnSpPr>
+          <p:cNvPr id="63" name="Elbow Connector 71">
+            <a:extLst>
+              <a:ext uri="{FF2B5EF4-FFF2-40B4-BE49-F238E27FC236}">
+                <a16:creationId xmlns:a16="http://schemas.microsoft.com/office/drawing/2014/main" id="{78125056-3577-D74D-8CD9-EC8BC44FEACC}"/>
+              </a:ext>
+            </a:extLst>
+          </p:cNvPr>
+          <p:cNvCxnSpPr>
+            <a:cxnSpLocks/>
+          </p:cNvCxnSpPr>
+          <p:nvPr/>
+        </p:nvCxnSpPr>
+        <p:spPr>
+          <a:xfrm flipV="1">
+            <a:off x="7300141" y="2920754"/>
+            <a:ext cx="1300048" cy="5700"/>
+          </a:xfrm>
+          <a:prstGeom prst="bentConnector3">
+            <a:avLst/>
+          </a:prstGeom>
+          <a:ln w="50800" cmpd="tri">
+            <a:solidFill>
+              <a:srgbClr val="4372C3"/>
+            </a:solidFill>
+            <a:prstDash val="solid"/>
+            <a:headEnd type="triangle"/>
+            <a:tailEnd type="triangle"/>
+          </a:ln>
+        </p:spPr>
+        <p:style>
+          <a:lnRef idx="1">
+            <a:schemeClr val="accent1"/>
+          </a:lnRef>
+          <a:fillRef idx="0">
+            <a:schemeClr val="accent1"/>
+          </a:fillRef>
+          <a:effectRef idx="0">
+            <a:schemeClr val="accent1"/>
+          </a:effectRef>
+          <a:fontRef idx="minor">
+            <a:schemeClr val="tx1"/>
+          </a:fontRef>
+        </p:style>
+      </p:cxnSp>
+      <p:grpSp>
+        <p:nvGrpSpPr>
+          <p:cNvPr id="3" name="Gruppieren 2">
+            <a:extLst>
+              <a:ext uri="{FF2B5EF4-FFF2-40B4-BE49-F238E27FC236}">
+                <a16:creationId xmlns:a16="http://schemas.microsoft.com/office/drawing/2014/main" id="{0663668A-1BC0-3F40-A4CB-EB91160FC28B}"/>
+              </a:ext>
+            </a:extLst>
+          </p:cNvPr>
+          <p:cNvGrpSpPr/>
+          <p:nvPr/>
+        </p:nvGrpSpPr>
+        <p:grpSpPr>
+          <a:xfrm>
+            <a:off x="5393973" y="1313303"/>
+            <a:ext cx="987322" cy="1395703"/>
+            <a:chOff x="5393973" y="1313303"/>
+            <a:chExt cx="987322" cy="1395703"/>
+          </a:xfrm>
+        </p:grpSpPr>
         <p:pic>
           <p:nvPicPr>
             <p:cNvPr id="16" name="Picture 15"/>
@@ -5798,7 +7982,7 @@
             <p:nvPr/>
           </p:nvPicPr>
           <p:blipFill>
-            <a:blip r:embed="rId14">
+            <a:blip r:embed="rId9">
               <a:extLst>
                 <a:ext uri="{28A0092B-C50C-407E-A947-70E740481C1C}">
                   <a14:useLocalDpi xmlns:a14="http://schemas.microsoft.com/office/drawing/2010/main" val="0"/>
@@ -5819,299 +8003,237 @@
             </a:prstGeom>
           </p:spPr>
         </p:pic>
-        <p:grpSp>
-          <p:nvGrpSpPr>
-            <p:cNvPr id="28" name="Group 27"/>
-            <p:cNvGrpSpPr/>
-            <p:nvPr/>
-          </p:nvGrpSpPr>
-          <p:grpSpPr>
-            <a:xfrm>
-              <a:off x="4432291" y="2003716"/>
-              <a:ext cx="646667" cy="597190"/>
-              <a:chOff x="4627756" y="1549054"/>
-              <a:chExt cx="686905" cy="692268"/>
-            </a:xfrm>
-          </p:grpSpPr>
-          <p:pic>
-            <p:nvPicPr>
-              <p:cNvPr id="15" name="Picture 14"/>
-              <p:cNvPicPr>
-                <a:picLocks noChangeAspect="1"/>
-              </p:cNvPicPr>
-              <p:nvPr/>
-            </p:nvPicPr>
-            <p:blipFill>
-              <a:blip r:embed="rId9">
-                <a:extLst>
-                  <a:ext uri="{28A0092B-C50C-407E-A947-70E740481C1C}">
-                    <a14:useLocalDpi xmlns:a14="http://schemas.microsoft.com/office/drawing/2010/main" val="0"/>
-                  </a:ext>
-                </a:extLst>
-              </a:blip>
-              <a:stretch>
-                <a:fillRect/>
-              </a:stretch>
-            </p:blipFill>
-            <p:spPr>
-              <a:xfrm>
-                <a:off x="4627756" y="1549054"/>
-                <a:ext cx="540000" cy="540000"/>
-              </a:xfrm>
-              <a:prstGeom prst="rect">
-                <a:avLst/>
-              </a:prstGeom>
-            </p:spPr>
-          </p:pic>
-          <p:pic>
-            <p:nvPicPr>
-              <p:cNvPr id="27" name="Picture 26"/>
-              <p:cNvPicPr>
-                <a:picLocks noChangeAspect="1"/>
-              </p:cNvPicPr>
-              <p:nvPr/>
-            </p:nvPicPr>
-            <p:blipFill>
-              <a:blip r:embed="rId9">
-                <a:extLst>
-                  <a:ext uri="{28A0092B-C50C-407E-A947-70E740481C1C}">
-                    <a14:useLocalDpi xmlns:a14="http://schemas.microsoft.com/office/drawing/2010/main" val="0"/>
-                  </a:ext>
-                </a:extLst>
-              </a:blip>
-              <a:stretch>
-                <a:fillRect/>
-              </a:stretch>
-            </p:blipFill>
-            <p:spPr>
-              <a:xfrm>
-                <a:off x="4774661" y="1701322"/>
-                <a:ext cx="540000" cy="540000"/>
-              </a:xfrm>
-              <a:prstGeom prst="rect">
-                <a:avLst/>
-              </a:prstGeom>
-            </p:spPr>
-          </p:pic>
-        </p:grpSp>
-        <p:cxnSp>
-          <p:nvCxnSpPr>
-            <p:cNvPr id="67" name="Elbow Connector 66"/>
-            <p:cNvCxnSpPr/>
-            <p:nvPr/>
-          </p:nvCxnSpPr>
-          <p:spPr>
-            <a:xfrm>
-              <a:off x="5093800" y="2286382"/>
-              <a:ext cx="376596" cy="2296"/>
-            </a:xfrm>
-            <a:prstGeom prst="bentConnector3">
-              <a:avLst/>
-            </a:prstGeom>
-            <a:ln w="38100">
-              <a:prstDash val="lgDashDotDot"/>
-              <a:headEnd type="triangle"/>
-              <a:tailEnd type="triangle"/>
-            </a:ln>
-          </p:spPr>
-          <p:style>
-            <a:lnRef idx="1">
-              <a:schemeClr val="accent1"/>
-            </a:lnRef>
-            <a:fillRef idx="0">
-              <a:schemeClr val="accent1"/>
-            </a:fillRef>
-            <a:effectRef idx="0">
-              <a:schemeClr val="accent1"/>
-            </a:effectRef>
-            <a:fontRef idx="minor">
-              <a:schemeClr val="tx1"/>
-            </a:fontRef>
-          </p:style>
-        </p:cxnSp>
-        <p:grpSp>
-          <p:nvGrpSpPr>
-            <p:cNvPr id="60" name="Group 33">
+        <p:sp>
+          <p:nvSpPr>
+            <p:cNvPr id="2" name="Textfeld 1">
               <a:extLst>
                 <a:ext uri="{FF2B5EF4-FFF2-40B4-BE49-F238E27FC236}">
-                  <a16:creationId xmlns:a16="http://schemas.microsoft.com/office/drawing/2014/main" id="{6476BBE5-AAFC-754B-BD26-B89EEE92F750}"/>
+                  <a16:creationId xmlns:a16="http://schemas.microsoft.com/office/drawing/2014/main" id="{DEB596A1-CA17-A044-B85C-9C38A933CB48}"/>
                 </a:ext>
               </a:extLst>
             </p:cNvPr>
-            <p:cNvGrpSpPr/>
+            <p:cNvSpPr txBox="1"/>
             <p:nvPr/>
-          </p:nvGrpSpPr>
-          <p:grpSpPr>
-            <a:xfrm>
-              <a:off x="6788273" y="2642367"/>
-              <a:ext cx="511868" cy="465733"/>
-              <a:chOff x="4627756" y="1549054"/>
-              <a:chExt cx="686905" cy="692268"/>
-            </a:xfrm>
-          </p:grpSpPr>
-          <p:pic>
-            <p:nvPicPr>
-              <p:cNvPr id="61" name="Picture 34">
-                <a:extLst>
-                  <a:ext uri="{FF2B5EF4-FFF2-40B4-BE49-F238E27FC236}">
-                    <a16:creationId xmlns:a16="http://schemas.microsoft.com/office/drawing/2014/main" id="{294BD75E-A61E-024D-8955-8D536B036403}"/>
-                  </a:ext>
-                </a:extLst>
-              </p:cNvPr>
-              <p:cNvPicPr>
-                <a:picLocks noChangeAspect="1"/>
-              </p:cNvPicPr>
-              <p:nvPr/>
-            </p:nvPicPr>
-            <p:blipFill>
-              <a:blip r:embed="rId9">
-                <a:extLst>
-                  <a:ext uri="{28A0092B-C50C-407E-A947-70E740481C1C}">
-                    <a14:useLocalDpi xmlns:a14="http://schemas.microsoft.com/office/drawing/2010/main" val="0"/>
-                  </a:ext>
-                </a:extLst>
-              </a:blip>
-              <a:stretch>
-                <a:fillRect/>
-              </a:stretch>
-            </p:blipFill>
-            <p:spPr>
-              <a:xfrm>
-                <a:off x="4627756" y="1549054"/>
-                <a:ext cx="540000" cy="540000"/>
-              </a:xfrm>
-              <a:prstGeom prst="rect">
-                <a:avLst/>
-              </a:prstGeom>
-            </p:spPr>
-          </p:pic>
-          <p:pic>
-            <p:nvPicPr>
-              <p:cNvPr id="62" name="Picture 35">
-                <a:extLst>
-                  <a:ext uri="{FF2B5EF4-FFF2-40B4-BE49-F238E27FC236}">
-                    <a16:creationId xmlns:a16="http://schemas.microsoft.com/office/drawing/2014/main" id="{7101FF9E-5CE9-FC44-AEA3-E45AFE1ACD22}"/>
-                  </a:ext>
-                </a:extLst>
-              </p:cNvPr>
-              <p:cNvPicPr>
-                <a:picLocks noChangeAspect="1"/>
-              </p:cNvPicPr>
-              <p:nvPr/>
-            </p:nvPicPr>
-            <p:blipFill>
-              <a:blip r:embed="rId9">
-                <a:extLst>
-                  <a:ext uri="{28A0092B-C50C-407E-A947-70E740481C1C}">
-                    <a14:useLocalDpi xmlns:a14="http://schemas.microsoft.com/office/drawing/2010/main" val="0"/>
-                  </a:ext>
-                </a:extLst>
-              </a:blip>
-              <a:stretch>
-                <a:fillRect/>
-              </a:stretch>
-            </p:blipFill>
-            <p:spPr>
-              <a:xfrm>
-                <a:off x="4774661" y="1701322"/>
-                <a:ext cx="540000" cy="540000"/>
-              </a:xfrm>
-              <a:prstGeom prst="rect">
-                <a:avLst/>
-              </a:prstGeom>
-            </p:spPr>
-          </p:pic>
-        </p:grpSp>
-        <p:cxnSp>
-          <p:nvCxnSpPr>
-            <p:cNvPr id="64" name="Straight Arrow Connector 79">
-              <a:extLst>
-                <a:ext uri="{FF2B5EF4-FFF2-40B4-BE49-F238E27FC236}">
-                  <a16:creationId xmlns:a16="http://schemas.microsoft.com/office/drawing/2014/main" id="{4BB935E5-E512-2448-B482-9D3C31C4AA82}"/>
-                </a:ext>
-              </a:extLst>
-            </p:cNvPr>
-            <p:cNvCxnSpPr/>
-            <p:nvPr/>
-          </p:nvCxnSpPr>
+          </p:nvSpPr>
           <p:spPr>
             <a:xfrm>
-              <a:off x="6314672" y="2418507"/>
-              <a:ext cx="416153" cy="320492"/>
+              <a:off x="5393973" y="1313303"/>
+              <a:ext cx="987322" cy="923330"/>
             </a:xfrm>
-            <a:prstGeom prst="straightConnector1">
+            <a:prstGeom prst="rect">
               <a:avLst/>
             </a:prstGeom>
-            <a:ln w="31750">
-              <a:solidFill>
-                <a:srgbClr val="5B9BD6"/>
-              </a:solidFill>
-              <a:headEnd type="triangle"/>
-              <a:tailEnd type="triangle"/>
-            </a:ln>
+            <a:noFill/>
           </p:spPr>
-          <p:style>
-            <a:lnRef idx="1">
-              <a:schemeClr val="accent1"/>
-            </a:lnRef>
-            <a:fillRef idx="0">
-              <a:schemeClr val="accent1"/>
-            </a:fillRef>
-            <a:effectRef idx="0">
-              <a:schemeClr val="accent1"/>
-            </a:effectRef>
-            <a:fontRef idx="minor">
-              <a:schemeClr val="tx1"/>
-            </a:fontRef>
-          </p:style>
-        </p:cxnSp>
-        <p:cxnSp>
-          <p:nvCxnSpPr>
-            <p:cNvPr id="63" name="Elbow Connector 71">
-              <a:extLst>
-                <a:ext uri="{FF2B5EF4-FFF2-40B4-BE49-F238E27FC236}">
-                  <a16:creationId xmlns:a16="http://schemas.microsoft.com/office/drawing/2014/main" id="{78125056-3577-D74D-8CD9-EC8BC44FEACC}"/>
-                </a:ext>
-              </a:extLst>
-            </p:cNvPr>
-            <p:cNvCxnSpPr>
-              <a:cxnSpLocks/>
-            </p:cNvCxnSpPr>
-            <p:nvPr/>
-          </p:nvCxnSpPr>
-          <p:spPr>
-            <a:xfrm flipV="1">
-              <a:off x="7300141" y="2920754"/>
-              <a:ext cx="1300048" cy="5700"/>
-            </a:xfrm>
-            <a:prstGeom prst="bentConnector3">
-              <a:avLst/>
-            </a:prstGeom>
-            <a:ln w="50800" cmpd="tri">
-              <a:solidFill>
-                <a:srgbClr val="5B9BD6"/>
-              </a:solidFill>
-              <a:prstDash val="solid"/>
-              <a:headEnd type="triangle"/>
-              <a:tailEnd type="triangle"/>
-            </a:ln>
-          </p:spPr>
-          <p:style>
-            <a:lnRef idx="1">
-              <a:schemeClr val="accent1"/>
-            </a:lnRef>
-            <a:fillRef idx="0">
-              <a:schemeClr val="accent1"/>
-            </a:fillRef>
-            <a:effectRef idx="0">
-              <a:schemeClr val="accent1"/>
-            </a:effectRef>
-            <a:fontRef idx="minor">
-              <a:schemeClr val="tx1"/>
-            </a:fontRef>
-          </p:style>
-        </p:cxnSp>
+          <p:txBody>
+            <a:bodyPr wrap="none" rtlCol="0">
+              <a:spAutoFit/>
+            </a:bodyPr>
+            <a:lstStyle/>
+            <a:p>
+              <a:pPr algn="ctr"/>
+              <a:r>
+                <a:rPr lang="en-US" dirty="0"/>
+                <a:t>Smart</a:t>
+              </a:r>
+            </a:p>
+            <a:p>
+              <a:pPr algn="ctr"/>
+              <a:r>
+                <a:rPr lang="en-US" dirty="0"/>
+                <a:t>Contract</a:t>
+              </a:r>
+            </a:p>
+            <a:p>
+              <a:endParaRPr lang="de-DE" dirty="0"/>
+            </a:p>
+          </p:txBody>
+        </p:sp>
       </p:grpSp>
+      <p:pic>
+        <p:nvPicPr>
+          <p:cNvPr id="68" name="Picture 32">
+            <a:extLst>
+              <a:ext uri="{FF2B5EF4-FFF2-40B4-BE49-F238E27FC236}">
+                <a16:creationId xmlns:a16="http://schemas.microsoft.com/office/drawing/2014/main" id="{CE1CBAAC-4996-494A-9EDC-737320F750E4}"/>
+              </a:ext>
+            </a:extLst>
+          </p:cNvPr>
+          <p:cNvPicPr>
+            <a:picLocks noChangeAspect="1"/>
+          </p:cNvPicPr>
+          <p:nvPr/>
+        </p:nvPicPr>
+        <p:blipFill>
+          <a:blip r:embed="rId3">
+            <a:extLst>
+              <a:ext uri="{28A0092B-C50C-407E-A947-70E740481C1C}">
+                <a14:useLocalDpi xmlns:a14="http://schemas.microsoft.com/office/drawing/2010/main" val="0"/>
+              </a:ext>
+            </a:extLst>
+          </a:blip>
+          <a:stretch>
+            <a:fillRect/>
+          </a:stretch>
+        </p:blipFill>
+        <p:spPr>
+          <a:xfrm>
+            <a:off x="8606245" y="2687831"/>
+            <a:ext cx="508405" cy="465847"/>
+          </a:xfrm>
+          <a:prstGeom prst="rect">
+            <a:avLst/>
+          </a:prstGeom>
+        </p:spPr>
+      </p:pic>
+      <p:sp>
+        <p:nvSpPr>
+          <p:cNvPr id="70" name="Textfeld 69">
+            <a:extLst>
+              <a:ext uri="{FF2B5EF4-FFF2-40B4-BE49-F238E27FC236}">
+                <a16:creationId xmlns:a16="http://schemas.microsoft.com/office/drawing/2014/main" id="{16217DAC-0BF1-D740-B48A-A1B8FB455293}"/>
+              </a:ext>
+            </a:extLst>
+          </p:cNvPr>
+          <p:cNvSpPr txBox="1"/>
+          <p:nvPr/>
+        </p:nvSpPr>
+        <p:spPr>
+          <a:xfrm>
+            <a:off x="469464" y="6177626"/>
+            <a:ext cx="3458125" cy="400110"/>
+          </a:xfrm>
+          <a:prstGeom prst="rect">
+            <a:avLst/>
+          </a:prstGeom>
+          <a:noFill/>
+        </p:spPr>
+        <p:txBody>
+          <a:bodyPr wrap="square" rtlCol="0">
+            <a:spAutoFit/>
+          </a:bodyPr>
+          <a:lstStyle/>
+          <a:p>
+            <a:pPr algn="ctr"/>
+            <a:r>
+              <a:rPr lang="de-DE" sz="2000" dirty="0"/>
+              <a:t>Enterprise Producer</a:t>
+            </a:r>
+          </a:p>
+        </p:txBody>
+      </p:sp>
+      <p:sp>
+        <p:nvSpPr>
+          <p:cNvPr id="72" name="Textfeld 71">
+            <a:extLst>
+              <a:ext uri="{FF2B5EF4-FFF2-40B4-BE49-F238E27FC236}">
+                <a16:creationId xmlns:a16="http://schemas.microsoft.com/office/drawing/2014/main" id="{1BCBC0A0-DBAB-784E-8CFC-E8DAD0DE88B8}"/>
+              </a:ext>
+            </a:extLst>
+          </p:cNvPr>
+          <p:cNvSpPr txBox="1"/>
+          <p:nvPr/>
+        </p:nvSpPr>
+        <p:spPr>
+          <a:xfrm>
+            <a:off x="7601567" y="6177626"/>
+            <a:ext cx="2899445" cy="400110"/>
+          </a:xfrm>
+          <a:prstGeom prst="rect">
+            <a:avLst/>
+          </a:prstGeom>
+          <a:noFill/>
+        </p:spPr>
+        <p:txBody>
+          <a:bodyPr wrap="square" rtlCol="0">
+            <a:spAutoFit/>
+          </a:bodyPr>
+          <a:lstStyle/>
+          <a:p>
+            <a:pPr algn="ctr"/>
+            <a:r>
+              <a:rPr lang="de-DE" sz="2000" dirty="0" err="1"/>
+              <a:t>Trusted</a:t>
+            </a:r>
+            <a:r>
+              <a:rPr lang="de-DE" sz="2000" dirty="0"/>
+              <a:t> Service Providers</a:t>
+            </a:r>
+          </a:p>
+        </p:txBody>
+      </p:sp>
+      <p:sp>
+        <p:nvSpPr>
+          <p:cNvPr id="19" name="Textfeld 18">
+            <a:extLst>
+              <a:ext uri="{FF2B5EF4-FFF2-40B4-BE49-F238E27FC236}">
+                <a16:creationId xmlns:a16="http://schemas.microsoft.com/office/drawing/2014/main" id="{5336F8BD-A03E-9A42-B6BB-30DE640C8B46}"/>
+              </a:ext>
+            </a:extLst>
+          </p:cNvPr>
+          <p:cNvSpPr txBox="1"/>
+          <p:nvPr/>
+        </p:nvSpPr>
+        <p:spPr>
+          <a:xfrm>
+            <a:off x="4301126" y="1683084"/>
+            <a:ext cx="789383" cy="369332"/>
+          </a:xfrm>
+          <a:prstGeom prst="rect">
+            <a:avLst/>
+          </a:prstGeom>
+          <a:noFill/>
+        </p:spPr>
+        <p:txBody>
+          <a:bodyPr wrap="none" rtlCol="0">
+            <a:spAutoFit/>
+          </a:bodyPr>
+          <a:lstStyle/>
+          <a:p>
+            <a:r>
+              <a:rPr lang="de-DE" dirty="0"/>
+              <a:t>Wallet</a:t>
+            </a:r>
+          </a:p>
+        </p:txBody>
+      </p:sp>
+      <p:sp>
+        <p:nvSpPr>
+          <p:cNvPr id="74" name="Textfeld 73">
+            <a:extLst>
+              <a:ext uri="{FF2B5EF4-FFF2-40B4-BE49-F238E27FC236}">
+                <a16:creationId xmlns:a16="http://schemas.microsoft.com/office/drawing/2014/main" id="{F6373CCE-5F00-594A-B97C-6395BD794DA9}"/>
+              </a:ext>
+            </a:extLst>
+          </p:cNvPr>
+          <p:cNvSpPr txBox="1"/>
+          <p:nvPr/>
+        </p:nvSpPr>
+        <p:spPr>
+          <a:xfrm>
+            <a:off x="3907668" y="6177626"/>
+            <a:ext cx="3698026" cy="400110"/>
+          </a:xfrm>
+          <a:prstGeom prst="rect">
+            <a:avLst/>
+          </a:prstGeom>
+          <a:noFill/>
+        </p:spPr>
+        <p:txBody>
+          <a:bodyPr wrap="square" rtlCol="0">
+            <a:spAutoFit/>
+          </a:bodyPr>
+          <a:lstStyle/>
+          <a:p>
+            <a:pPr algn="ctr"/>
+            <a:r>
+              <a:rPr lang="de-DE" sz="2000" dirty="0" err="1"/>
+              <a:t>Blockchain</a:t>
+            </a:r>
+            <a:endParaRPr lang="de-DE" sz="2000" dirty="0"/>
+          </a:p>
+        </p:txBody>
+      </p:sp>
     </p:spTree>
     <p:extLst>
       <p:ext uri="{BB962C8B-B14F-4D97-AF65-F5344CB8AC3E}">
@@ -6125,7 +8247,7 @@
 </p:sld>
 </file>
 
-<file path=ppt/slides/slide4.xml><?xml version="1.0" encoding="utf-8"?>
+<file path=ppt/slides/slide5.xml><?xml version="1.0" encoding="utf-8"?>
 <p:sld xmlns:a="http://schemas.openxmlformats.org/drawingml/2006/main" xmlns:r="http://schemas.openxmlformats.org/officeDocument/2006/relationships" xmlns:p="http://schemas.openxmlformats.org/presentationml/2006/main">
   <p:cSld>
     <p:spTree>
@@ -6255,156 +8377,6 @@
           </p:txBody>
         </p:sp>
       </p:grpSp>
-      <p:pic>
-        <p:nvPicPr>
-          <p:cNvPr id="14" name="Picture 13"/>
-          <p:cNvPicPr>
-            <a:picLocks noChangeAspect="1"/>
-          </p:cNvPicPr>
-          <p:nvPr/>
-        </p:nvPicPr>
-        <p:blipFill>
-          <a:blip r:embed="rId3">
-            <a:extLst>
-              <a:ext uri="{28A0092B-C50C-407E-A947-70E740481C1C}">
-                <a14:useLocalDpi xmlns:a14="http://schemas.microsoft.com/office/drawing/2010/main" val="0"/>
-              </a:ext>
-            </a:extLst>
-          </a:blip>
-          <a:stretch>
-            <a:fillRect/>
-          </a:stretch>
-        </p:blipFill>
-        <p:spPr>
-          <a:xfrm>
-            <a:off x="10524258" y="-1062743"/>
-            <a:ext cx="540000" cy="540000"/>
-          </a:xfrm>
-          <a:prstGeom prst="rect">
-            <a:avLst/>
-          </a:prstGeom>
-        </p:spPr>
-      </p:pic>
-      <p:pic>
-        <p:nvPicPr>
-          <p:cNvPr id="18" name="Picture 17"/>
-          <p:cNvPicPr>
-            <a:picLocks noChangeAspect="1"/>
-          </p:cNvPicPr>
-          <p:nvPr/>
-        </p:nvPicPr>
-        <p:blipFill>
-          <a:blip r:embed="rId4">
-            <a:extLst>
-              <a:ext uri="{28A0092B-C50C-407E-A947-70E740481C1C}">
-                <a14:useLocalDpi xmlns:a14="http://schemas.microsoft.com/office/drawing/2010/main" val="0"/>
-              </a:ext>
-            </a:extLst>
-          </a:blip>
-          <a:stretch>
-            <a:fillRect/>
-          </a:stretch>
-        </p:blipFill>
-        <p:spPr>
-          <a:xfrm>
-            <a:off x="11064258" y="-835857"/>
-            <a:ext cx="540000" cy="540000"/>
-          </a:xfrm>
-          <a:prstGeom prst="rect">
-            <a:avLst/>
-          </a:prstGeom>
-        </p:spPr>
-      </p:pic>
-      <p:pic>
-        <p:nvPicPr>
-          <p:cNvPr id="24" name="Picture 23"/>
-          <p:cNvPicPr>
-            <a:picLocks noChangeAspect="1"/>
-          </p:cNvPicPr>
-          <p:nvPr/>
-        </p:nvPicPr>
-        <p:blipFill>
-          <a:blip r:embed="rId5">
-            <a:extLst>
-              <a:ext uri="{28A0092B-C50C-407E-A947-70E740481C1C}">
-                <a14:useLocalDpi xmlns:a14="http://schemas.microsoft.com/office/drawing/2010/main" val="0"/>
-              </a:ext>
-            </a:extLst>
-          </a:blip>
-          <a:stretch>
-            <a:fillRect/>
-          </a:stretch>
-        </p:blipFill>
-        <p:spPr>
-          <a:xfrm>
-            <a:off x="11608268" y="-565857"/>
-            <a:ext cx="540000" cy="540000"/>
-          </a:xfrm>
-          <a:prstGeom prst="rect">
-            <a:avLst/>
-          </a:prstGeom>
-        </p:spPr>
-      </p:pic>
-      <p:pic>
-        <p:nvPicPr>
-          <p:cNvPr id="25" name="Picture 24"/>
-          <p:cNvPicPr>
-            <a:picLocks noChangeAspect="1"/>
-          </p:cNvPicPr>
-          <p:nvPr/>
-        </p:nvPicPr>
-        <p:blipFill>
-          <a:blip r:embed="rId6">
-            <a:extLst>
-              <a:ext uri="{28A0092B-C50C-407E-A947-70E740481C1C}">
-                <a14:useLocalDpi xmlns:a14="http://schemas.microsoft.com/office/drawing/2010/main" val="0"/>
-              </a:ext>
-            </a:extLst>
-          </a:blip>
-          <a:stretch>
-            <a:fillRect/>
-          </a:stretch>
-        </p:blipFill>
-        <p:spPr>
-          <a:xfrm>
-            <a:off x="12192000" y="4188862"/>
-            <a:ext cx="540000" cy="540000"/>
-          </a:xfrm>
-          <a:prstGeom prst="rect">
-            <a:avLst/>
-          </a:prstGeom>
-        </p:spPr>
-      </p:pic>
-      <p:pic>
-        <p:nvPicPr>
-          <p:cNvPr id="26" name="Picture 25"/>
-          <p:cNvPicPr>
-            <a:picLocks noChangeAspect="1"/>
-          </p:cNvPicPr>
-          <p:nvPr/>
-        </p:nvPicPr>
-        <p:blipFill>
-          <a:blip r:embed="rId7">
-            <a:extLst>
-              <a:ext uri="{28A0092B-C50C-407E-A947-70E740481C1C}">
-                <a14:useLocalDpi xmlns:a14="http://schemas.microsoft.com/office/drawing/2010/main" val="0"/>
-              </a:ext>
-            </a:extLst>
-          </a:blip>
-          <a:stretch>
-            <a:fillRect/>
-          </a:stretch>
-        </p:blipFill>
-        <p:spPr>
-          <a:xfrm>
-            <a:off x="12282363" y="1866944"/>
-            <a:ext cx="540000" cy="540000"/>
-          </a:xfrm>
-          <a:prstGeom prst="rect">
-            <a:avLst/>
-          </a:prstGeom>
-        </p:spPr>
-      </p:pic>
       <p:sp>
         <p:nvSpPr>
           <p:cNvPr id="4" name="Snip and Round Single Corner Rectangle 3"/>
@@ -6568,7 +8540,7 @@
           <p:nvPr/>
         </p:nvPicPr>
         <p:blipFill>
-          <a:blip r:embed="rId8">
+          <a:blip r:embed="rId3">
             <a:extLst>
               <a:ext uri="{28A0092B-C50C-407E-A947-70E740481C1C}">
                 <a14:useLocalDpi xmlns:a14="http://schemas.microsoft.com/office/drawing/2010/main" val="0"/>
@@ -6612,7 +8584,7 @@
             <p:nvPr/>
           </p:nvPicPr>
           <p:blipFill>
-            <a:blip r:embed="rId9">
+            <a:blip r:embed="rId4">
               <a:extLst>
                 <a:ext uri="{28A0092B-C50C-407E-A947-70E740481C1C}">
                   <a14:useLocalDpi xmlns:a14="http://schemas.microsoft.com/office/drawing/2010/main" val="0"/>
@@ -6642,7 +8614,7 @@
             <p:nvPr/>
           </p:nvPicPr>
           <p:blipFill>
-            <a:blip r:embed="rId9">
+            <a:blip r:embed="rId4">
               <a:extLst>
                 <a:ext uri="{28A0092B-C50C-407E-A947-70E740481C1C}">
                   <a14:useLocalDpi xmlns:a14="http://schemas.microsoft.com/office/drawing/2010/main" val="0"/>
@@ -6733,7 +8705,7 @@
             <p:nvPr/>
           </p:nvPicPr>
           <p:blipFill>
-            <a:blip r:embed="rId10">
+            <a:blip r:embed="rId5">
               <a:extLst>
                 <a:ext uri="{28A0092B-C50C-407E-A947-70E740481C1C}">
                   <a14:useLocalDpi xmlns:a14="http://schemas.microsoft.com/office/drawing/2010/main" val="0"/>
@@ -6827,7 +8799,7 @@
             <p:nvPr/>
           </p:nvPicPr>
           <p:blipFill>
-            <a:blip r:embed="rId10">
+            <a:blip r:embed="rId5">
               <a:extLst>
                 <a:ext uri="{28A0092B-C50C-407E-A947-70E740481C1C}">
                   <a14:useLocalDpi xmlns:a14="http://schemas.microsoft.com/office/drawing/2010/main" val="0"/>
@@ -6861,7 +8833,7 @@
           <p:nvPr/>
         </p:nvPicPr>
         <p:blipFill>
-          <a:blip r:embed="rId11">
+          <a:blip r:embed="rId6">
             <a:extLst>
               <a:ext uri="{28A0092B-C50C-407E-A947-70E740481C1C}">
                 <a14:useLocalDpi xmlns:a14="http://schemas.microsoft.com/office/drawing/2010/main" val="0"/>
@@ -6891,7 +8863,7 @@
           <p:nvPr/>
         </p:nvPicPr>
         <p:blipFill>
-          <a:blip r:embed="rId12">
+          <a:blip r:embed="rId7">
             <a:extLst>
               <a:ext uri="{28A0092B-C50C-407E-A947-70E740481C1C}">
                 <a14:useLocalDpi xmlns:a14="http://schemas.microsoft.com/office/drawing/2010/main" val="0"/>
@@ -6978,7 +8950,7 @@
             <p:nvPr/>
           </p:nvPicPr>
           <p:blipFill>
-            <a:blip r:embed="rId13">
+            <a:blip r:embed="rId8">
               <a:extLst>
                 <a:ext uri="{28A0092B-C50C-407E-A947-70E740481C1C}">
                   <a14:useLocalDpi xmlns:a14="http://schemas.microsoft.com/office/drawing/2010/main" val="0"/>
@@ -7301,8 +9273,8 @@
           <a:lstStyle/>
           <a:p>
             <a:r>
-              <a:rPr lang="en-US" sz="4000"/>
-              <a:t>Our Model</a:t>
+              <a:rPr lang="en-US" sz="4000" dirty="0"/>
+              <a:t>Our Concept</a:t>
             </a:r>
           </a:p>
         </p:txBody>
@@ -7465,36 +9437,6 @@
           </a:fontRef>
         </p:style>
       </p:cxnSp>
-      <p:pic>
-        <p:nvPicPr>
-          <p:cNvPr id="16" name="Picture 15"/>
-          <p:cNvPicPr>
-            <a:picLocks noChangeAspect="1"/>
-          </p:cNvPicPr>
-          <p:nvPr/>
-        </p:nvPicPr>
-        <p:blipFill>
-          <a:blip r:embed="rId14">
-            <a:extLst>
-              <a:ext uri="{28A0092B-C50C-407E-A947-70E740481C1C}">
-                <a14:useLocalDpi xmlns:a14="http://schemas.microsoft.com/office/drawing/2010/main" val="0"/>
-              </a:ext>
-            </a:extLst>
-          </a:blip>
-          <a:stretch>
-            <a:fillRect/>
-          </a:stretch>
-        </p:blipFill>
-        <p:spPr>
-          <a:xfrm>
-            <a:off x="5455553" y="1919233"/>
-            <a:ext cx="861882" cy="789773"/>
-          </a:xfrm>
-          <a:prstGeom prst="rect">
-            <a:avLst/>
-          </a:prstGeom>
-        </p:spPr>
-      </p:pic>
       <p:grpSp>
         <p:nvGrpSpPr>
           <p:cNvPr id="28" name="Group 27"/>
@@ -7518,7 +9460,7 @@
             <p:nvPr/>
           </p:nvPicPr>
           <p:blipFill>
-            <a:blip r:embed="rId9">
+            <a:blip r:embed="rId4">
               <a:extLst>
                 <a:ext uri="{28A0092B-C50C-407E-A947-70E740481C1C}">
                   <a14:useLocalDpi xmlns:a14="http://schemas.microsoft.com/office/drawing/2010/main" val="0"/>
@@ -7548,7 +9490,7 @@
             <p:nvPr/>
           </p:nvPicPr>
           <p:blipFill>
-            <a:blip r:embed="rId9">
+            <a:blip r:embed="rId4">
               <a:extLst>
                 <a:ext uri="{28A0092B-C50C-407E-A947-70E740481C1C}">
                   <a14:useLocalDpi xmlns:a14="http://schemas.microsoft.com/office/drawing/2010/main" val="0"/>
@@ -7640,7 +9582,7 @@
             <p:nvPr/>
           </p:nvPicPr>
           <p:blipFill>
-            <a:blip r:embed="rId9">
+            <a:blip r:embed="rId4">
               <a:extLst>
                 <a:ext uri="{28A0092B-C50C-407E-A947-70E740481C1C}">
                   <a14:useLocalDpi xmlns:a14="http://schemas.microsoft.com/office/drawing/2010/main" val="0"/>
@@ -7676,7 +9618,7 @@
             <p:nvPr/>
           </p:nvPicPr>
           <p:blipFill>
-            <a:blip r:embed="rId9">
+            <a:blip r:embed="rId4">
               <a:extLst>
                 <a:ext uri="{28A0092B-C50C-407E-A947-70E740481C1C}">
                   <a14:useLocalDpi xmlns:a14="http://schemas.microsoft.com/office/drawing/2010/main" val="0"/>
@@ -7769,54 +9711,6 @@
             </a:solidFill>
             <a:prstDash val="solid"/>
             <a:headEnd type="triangle"/>
-            <a:tailEnd type="triangle"/>
-          </a:ln>
-        </p:spPr>
-        <p:style>
-          <a:lnRef idx="1">
-            <a:schemeClr val="accent1"/>
-          </a:lnRef>
-          <a:fillRef idx="0">
-            <a:schemeClr val="accent1"/>
-          </a:fillRef>
-          <a:effectRef idx="0">
-            <a:schemeClr val="accent1"/>
-          </a:effectRef>
-          <a:fontRef idx="minor">
-            <a:schemeClr val="tx1"/>
-          </a:fontRef>
-        </p:style>
-      </p:cxnSp>
-      <p:cxnSp>
-        <p:nvCxnSpPr>
-          <p:cNvPr id="3" name="Gewinkelte Verbindung 2">
-            <a:extLst>
-              <a:ext uri="{FF2B5EF4-FFF2-40B4-BE49-F238E27FC236}">
-                <a16:creationId xmlns:a16="http://schemas.microsoft.com/office/drawing/2014/main" id="{E039EDB4-2FBB-AE42-9071-9FE5AC8B2E65}"/>
-              </a:ext>
-            </a:extLst>
-          </p:cNvPr>
-          <p:cNvCxnSpPr>
-            <a:cxnSpLocks/>
-            <a:stCxn id="51" idx="2"/>
-          </p:cNvCxnSpPr>
-          <p:nvPr/>
-        </p:nvCxnSpPr>
-        <p:spPr>
-          <a:xfrm rot="5400000">
-            <a:off x="3979091" y="854669"/>
-            <a:ext cx="2582349" cy="7180367"/>
-          </a:xfrm>
-          <a:prstGeom prst="bentConnector2">
-            <a:avLst/>
-          </a:prstGeom>
-          <a:ln w="104775">
-            <a:solidFill>
-              <a:schemeClr val="accent1">
-                <a:lumMod val="75000"/>
-                <a:alpha val="54000"/>
-              </a:schemeClr>
-            </a:solidFill>
             <a:tailEnd type="triangle"/>
           </a:ln>
         </p:spPr>
@@ -7904,7 +9798,7 @@
             <p:nvPr/>
           </p:nvPicPr>
           <p:blipFill>
-            <a:blip r:embed="rId10">
+            <a:blip r:embed="rId5">
               <a:extLst>
                 <a:ext uri="{28A0092B-C50C-407E-A947-70E740481C1C}">
                   <a14:useLocalDpi xmlns:a14="http://schemas.microsoft.com/office/drawing/2010/main" val="0"/>
@@ -7964,7 +9858,7 @@
             <p:nvPr/>
           </p:nvPicPr>
           <p:blipFill>
-            <a:blip r:embed="rId8">
+            <a:blip r:embed="rId3">
               <a:extLst>
                 <a:ext uri="{28A0092B-C50C-407E-A947-70E740481C1C}">
                   <a14:useLocalDpi xmlns:a14="http://schemas.microsoft.com/office/drawing/2010/main" val="0"/>
@@ -8000,7 +9894,2972 @@
             <p:nvPr/>
           </p:nvPicPr>
           <p:blipFill>
-            <a:blip r:embed="rId15">
+            <a:blip r:embed="rId9">
+              <a:extLst>
+                <a:ext uri="{28A0092B-C50C-407E-A947-70E740481C1C}">
+                  <a14:useLocalDpi xmlns:a14="http://schemas.microsoft.com/office/drawing/2010/main" val="0"/>
+                </a:ext>
+              </a:extLst>
+            </a:blip>
+            <a:stretch>
+              <a:fillRect/>
+            </a:stretch>
+          </p:blipFill>
+          <p:spPr>
+            <a:xfrm>
+              <a:off x="8957076" y="3021641"/>
+              <a:ext cx="343381" cy="314652"/>
+            </a:xfrm>
+            <a:prstGeom prst="rect">
+              <a:avLst/>
+            </a:prstGeom>
+          </p:spPr>
+        </p:pic>
+      </p:grpSp>
+      <p:grpSp>
+        <p:nvGrpSpPr>
+          <p:cNvPr id="2" name="Gruppieren 1">
+            <a:extLst>
+              <a:ext uri="{FF2B5EF4-FFF2-40B4-BE49-F238E27FC236}">
+                <a16:creationId xmlns:a16="http://schemas.microsoft.com/office/drawing/2014/main" id="{BF74596D-D975-8445-A5BC-48898ABAC517}"/>
+              </a:ext>
+            </a:extLst>
+          </p:cNvPr>
+          <p:cNvGrpSpPr/>
+          <p:nvPr/>
+        </p:nvGrpSpPr>
+        <p:grpSpPr>
+          <a:xfrm>
+            <a:off x="5393973" y="1313303"/>
+            <a:ext cx="987322" cy="1395703"/>
+            <a:chOff x="5393973" y="1313303"/>
+            <a:chExt cx="987322" cy="1395703"/>
+          </a:xfrm>
+        </p:grpSpPr>
+        <p:pic>
+          <p:nvPicPr>
+            <p:cNvPr id="16" name="Picture 15"/>
+            <p:cNvPicPr>
+              <a:picLocks noChangeAspect="1"/>
+            </p:cNvPicPr>
+            <p:nvPr/>
+          </p:nvPicPr>
+          <p:blipFill>
+            <a:blip r:embed="rId10">
+              <a:extLst>
+                <a:ext uri="{28A0092B-C50C-407E-A947-70E740481C1C}">
+                  <a14:useLocalDpi xmlns:a14="http://schemas.microsoft.com/office/drawing/2010/main" val="0"/>
+                </a:ext>
+              </a:extLst>
+            </a:blip>
+            <a:stretch>
+              <a:fillRect/>
+            </a:stretch>
+          </p:blipFill>
+          <p:spPr>
+            <a:xfrm>
+              <a:off x="5455553" y="1919233"/>
+              <a:ext cx="861882" cy="789773"/>
+            </a:xfrm>
+            <a:prstGeom prst="rect">
+              <a:avLst/>
+            </a:prstGeom>
+          </p:spPr>
+        </p:pic>
+        <p:sp>
+          <p:nvSpPr>
+            <p:cNvPr id="70" name="Textfeld 69">
+              <a:extLst>
+                <a:ext uri="{FF2B5EF4-FFF2-40B4-BE49-F238E27FC236}">
+                  <a16:creationId xmlns:a16="http://schemas.microsoft.com/office/drawing/2014/main" id="{C6CDC6B9-9D57-B049-862C-E809EF7E6B07}"/>
+                </a:ext>
+              </a:extLst>
+            </p:cNvPr>
+            <p:cNvSpPr txBox="1"/>
+            <p:nvPr/>
+          </p:nvSpPr>
+          <p:spPr>
+            <a:xfrm>
+              <a:off x="5393973" y="1313303"/>
+              <a:ext cx="987322" cy="923330"/>
+            </a:xfrm>
+            <a:prstGeom prst="rect">
+              <a:avLst/>
+            </a:prstGeom>
+            <a:noFill/>
+          </p:spPr>
+          <p:txBody>
+            <a:bodyPr wrap="none" rtlCol="0">
+              <a:spAutoFit/>
+            </a:bodyPr>
+            <a:lstStyle/>
+            <a:p>
+              <a:pPr algn="ctr"/>
+              <a:r>
+                <a:rPr lang="en-US" dirty="0"/>
+                <a:t>Smart</a:t>
+              </a:r>
+            </a:p>
+            <a:p>
+              <a:pPr algn="ctr"/>
+              <a:r>
+                <a:rPr lang="en-US" dirty="0"/>
+                <a:t>Contract</a:t>
+              </a:r>
+            </a:p>
+            <a:p>
+              <a:endParaRPr lang="de-DE" dirty="0"/>
+            </a:p>
+          </p:txBody>
+        </p:sp>
+      </p:grpSp>
+      <p:sp>
+        <p:nvSpPr>
+          <p:cNvPr id="76" name="Textfeld 75">
+            <a:extLst>
+              <a:ext uri="{FF2B5EF4-FFF2-40B4-BE49-F238E27FC236}">
+                <a16:creationId xmlns:a16="http://schemas.microsoft.com/office/drawing/2014/main" id="{81888591-2538-1441-BD81-D35A23E24FBF}"/>
+              </a:ext>
+            </a:extLst>
+          </p:cNvPr>
+          <p:cNvSpPr txBox="1"/>
+          <p:nvPr/>
+        </p:nvSpPr>
+        <p:spPr>
+          <a:xfrm>
+            <a:off x="469464" y="6177626"/>
+            <a:ext cx="3458125" cy="400110"/>
+          </a:xfrm>
+          <a:prstGeom prst="rect">
+            <a:avLst/>
+          </a:prstGeom>
+          <a:noFill/>
+        </p:spPr>
+        <p:txBody>
+          <a:bodyPr wrap="square" rtlCol="0">
+            <a:spAutoFit/>
+          </a:bodyPr>
+          <a:lstStyle/>
+          <a:p>
+            <a:pPr algn="ctr"/>
+            <a:r>
+              <a:rPr lang="de-DE" sz="2000" dirty="0"/>
+              <a:t>Enterprise Producer</a:t>
+            </a:r>
+          </a:p>
+        </p:txBody>
+      </p:sp>
+      <p:sp>
+        <p:nvSpPr>
+          <p:cNvPr id="77" name="Textfeld 76">
+            <a:extLst>
+              <a:ext uri="{FF2B5EF4-FFF2-40B4-BE49-F238E27FC236}">
+                <a16:creationId xmlns:a16="http://schemas.microsoft.com/office/drawing/2014/main" id="{1341F6B9-549E-5741-B08F-D6E2B12D0BE1}"/>
+              </a:ext>
+            </a:extLst>
+          </p:cNvPr>
+          <p:cNvSpPr txBox="1"/>
+          <p:nvPr/>
+        </p:nvSpPr>
+        <p:spPr>
+          <a:xfrm>
+            <a:off x="7601567" y="6177626"/>
+            <a:ext cx="2899445" cy="400110"/>
+          </a:xfrm>
+          <a:prstGeom prst="rect">
+            <a:avLst/>
+          </a:prstGeom>
+          <a:noFill/>
+        </p:spPr>
+        <p:txBody>
+          <a:bodyPr wrap="square" rtlCol="0">
+            <a:spAutoFit/>
+          </a:bodyPr>
+          <a:lstStyle/>
+          <a:p>
+            <a:pPr algn="ctr"/>
+            <a:r>
+              <a:rPr lang="de-DE" sz="2000" dirty="0" err="1"/>
+              <a:t>Trusted</a:t>
+            </a:r>
+            <a:r>
+              <a:rPr lang="de-DE" sz="2000" dirty="0"/>
+              <a:t> Service Providers</a:t>
+            </a:r>
+          </a:p>
+        </p:txBody>
+      </p:sp>
+      <p:sp>
+        <p:nvSpPr>
+          <p:cNvPr id="78" name="Textfeld 77">
+            <a:extLst>
+              <a:ext uri="{FF2B5EF4-FFF2-40B4-BE49-F238E27FC236}">
+                <a16:creationId xmlns:a16="http://schemas.microsoft.com/office/drawing/2014/main" id="{4FFE79F8-3A02-7B40-93C1-378159EBD25B}"/>
+              </a:ext>
+            </a:extLst>
+          </p:cNvPr>
+          <p:cNvSpPr txBox="1"/>
+          <p:nvPr/>
+        </p:nvSpPr>
+        <p:spPr>
+          <a:xfrm>
+            <a:off x="3907668" y="6177626"/>
+            <a:ext cx="3698026" cy="400110"/>
+          </a:xfrm>
+          <a:prstGeom prst="rect">
+            <a:avLst/>
+          </a:prstGeom>
+          <a:noFill/>
+        </p:spPr>
+        <p:txBody>
+          <a:bodyPr wrap="square" rtlCol="0">
+            <a:spAutoFit/>
+          </a:bodyPr>
+          <a:lstStyle/>
+          <a:p>
+            <a:pPr algn="ctr"/>
+            <a:r>
+              <a:rPr lang="de-DE" sz="2000" dirty="0" err="1"/>
+              <a:t>Blockchain</a:t>
+            </a:r>
+            <a:endParaRPr lang="de-DE" sz="2000" dirty="0"/>
+          </a:p>
+        </p:txBody>
+      </p:sp>
+      <p:sp>
+        <p:nvSpPr>
+          <p:cNvPr id="80" name="Textfeld 79">
+            <a:extLst>
+              <a:ext uri="{FF2B5EF4-FFF2-40B4-BE49-F238E27FC236}">
+                <a16:creationId xmlns:a16="http://schemas.microsoft.com/office/drawing/2014/main" id="{94CB4861-ECE4-DF42-9208-D551AC306CC1}"/>
+              </a:ext>
+            </a:extLst>
+          </p:cNvPr>
+          <p:cNvSpPr txBox="1"/>
+          <p:nvPr/>
+        </p:nvSpPr>
+        <p:spPr>
+          <a:xfrm>
+            <a:off x="4301126" y="1693970"/>
+            <a:ext cx="789383" cy="369332"/>
+          </a:xfrm>
+          <a:prstGeom prst="rect">
+            <a:avLst/>
+          </a:prstGeom>
+          <a:noFill/>
+        </p:spPr>
+        <p:txBody>
+          <a:bodyPr wrap="none" rtlCol="0">
+            <a:spAutoFit/>
+          </a:bodyPr>
+          <a:lstStyle/>
+          <a:p>
+            <a:r>
+              <a:rPr lang="de-DE" dirty="0"/>
+              <a:t>Wallet</a:t>
+            </a:r>
+          </a:p>
+        </p:txBody>
+      </p:sp>
+    </p:spTree>
+    <p:extLst>
+      <p:ext uri="{BB962C8B-B14F-4D97-AF65-F5344CB8AC3E}">
+        <p14:creationId xmlns:p14="http://schemas.microsoft.com/office/powerpoint/2010/main" val="3334739131"/>
+      </p:ext>
+    </p:extLst>
+  </p:cSld>
+  <p:clrMapOvr>
+    <a:masterClrMapping/>
+  </p:clrMapOvr>
+  <p:timing>
+    <p:tnLst>
+      <p:par>
+        <p:cTn id="1" dur="indefinite" restart="never" nodeType="tmRoot">
+          <p:childTnLst>
+            <p:seq concurrent="1" nextAc="seek">
+              <p:cTn id="2" dur="indefinite" nodeType="mainSeq">
+                <p:childTnLst>
+                  <p:par>
+                    <p:cTn id="3" fill="hold">
+                      <p:stCondLst>
+                        <p:cond delay="indefinite"/>
+                      </p:stCondLst>
+                      <p:childTnLst>
+                        <p:par>
+                          <p:cTn id="4" fill="hold">
+                            <p:stCondLst>
+                              <p:cond delay="0"/>
+                            </p:stCondLst>
+                            <p:childTnLst>
+                              <p:par>
+                                <p:cTn id="5" presetID="0" presetClass="path" presetSubtype="0" fill="hold" nodeType="clickEffect">
+                                  <p:stCondLst>
+                                    <p:cond delay="0"/>
+                                  </p:stCondLst>
+                                  <p:childTnLst>
+                                    <p:animMotion origin="layout" path="M 0.00156 0.01359 L -0.00013 0.39436 L -0.60716 0.40455 " pathEditMode="fixed" rAng="0" ptsTypes="AAA">
+                                      <p:cBhvr>
+                                        <p:cTn id="6" dur="3000" fill="hold"/>
+                                        <p:tgtEl>
+                                          <p:spTgt spid="32"/>
+                                        </p:tgtEl>
+                                        <p:attrNameLst>
+                                          <p:attrName>ppt_x</p:attrName>
+                                          <p:attrName>ppt_y</p:attrName>
+                                        </p:attrNameLst>
+                                      </p:cBhvr>
+                                      <p:rCtr x="-30443" y="19537"/>
+                                    </p:animMotion>
+                                  </p:childTnLst>
+                                </p:cTn>
+                              </p:par>
+                            </p:childTnLst>
+                          </p:cTn>
+                        </p:par>
+                      </p:childTnLst>
+                    </p:cTn>
+                  </p:par>
+                </p:childTnLst>
+              </p:cTn>
+              <p:prevCondLst>
+                <p:cond evt="onPrev" delay="0">
+                  <p:tgtEl>
+                    <p:sldTgt/>
+                  </p:tgtEl>
+                </p:cond>
+              </p:prevCondLst>
+              <p:nextCondLst>
+                <p:cond evt="onNext" delay="0">
+                  <p:tgtEl>
+                    <p:sldTgt/>
+                  </p:tgtEl>
+                </p:cond>
+              </p:nextCondLst>
+            </p:seq>
+          </p:childTnLst>
+        </p:cTn>
+      </p:par>
+    </p:tnLst>
+  </p:timing>
+</p:sld>
+</file>
+
+<file path=ppt/slides/slide6.xml><?xml version="1.0" encoding="utf-8"?>
+<p:sld xmlns:a="http://schemas.openxmlformats.org/drawingml/2006/main" xmlns:r="http://schemas.openxmlformats.org/officeDocument/2006/relationships" xmlns:p="http://schemas.openxmlformats.org/presentationml/2006/main">
+  <p:cSld>
+    <p:spTree>
+      <p:nvGrpSpPr>
+        <p:cNvPr id="1" name=""/>
+        <p:cNvGrpSpPr/>
+        <p:nvPr/>
+      </p:nvGrpSpPr>
+      <p:grpSpPr>
+        <a:xfrm>
+          <a:off x="0" y="0"/>
+          <a:ext cx="0" cy="0"/>
+          <a:chOff x="0" y="0"/>
+          <a:chExt cx="0" cy="0"/>
+        </a:xfrm>
+      </p:grpSpPr>
+      <p:grpSp>
+        <p:nvGrpSpPr>
+          <p:cNvPr id="8" name="Gruppieren 7">
+            <a:extLst>
+              <a:ext uri="{FF2B5EF4-FFF2-40B4-BE49-F238E27FC236}">
+                <a16:creationId xmlns:a16="http://schemas.microsoft.com/office/drawing/2014/main" id="{5D186B4A-5222-8442-8BCD-27A5D6F29D2D}"/>
+              </a:ext>
+            </a:extLst>
+          </p:cNvPr>
+          <p:cNvGrpSpPr/>
+          <p:nvPr/>
+        </p:nvGrpSpPr>
+        <p:grpSpPr>
+          <a:xfrm>
+            <a:off x="2800124" y="-2379541"/>
+            <a:ext cx="12035705" cy="12240232"/>
+            <a:chOff x="2800124" y="-2379541"/>
+            <a:chExt cx="12035705" cy="12240232"/>
+          </a:xfrm>
+        </p:grpSpPr>
+        <p:sp>
+          <p:nvSpPr>
+            <p:cNvPr id="9" name="Oval 8">
+              <a:extLst>
+                <a:ext uri="{FF2B5EF4-FFF2-40B4-BE49-F238E27FC236}">
+                  <a16:creationId xmlns:a16="http://schemas.microsoft.com/office/drawing/2014/main" id="{EE4D6C6B-3468-5743-A010-82EF12365371}"/>
+                </a:ext>
+              </a:extLst>
+            </p:cNvPr>
+            <p:cNvSpPr/>
+            <p:nvPr/>
+          </p:nvSpPr>
+          <p:spPr>
+            <a:xfrm>
+              <a:off x="2800124" y="-2379541"/>
+              <a:ext cx="12035705" cy="12240232"/>
+            </a:xfrm>
+            <a:prstGeom prst="ellipse">
+              <a:avLst/>
+            </a:prstGeom>
+            <a:solidFill>
+              <a:schemeClr val="accent3">
+                <a:lumMod val="20000"/>
+                <a:lumOff val="80000"/>
+              </a:schemeClr>
+            </a:solidFill>
+            <a:ln>
+              <a:noFill/>
+            </a:ln>
+          </p:spPr>
+          <p:style>
+            <a:lnRef idx="2">
+              <a:schemeClr val="accent1">
+                <a:shade val="50000"/>
+              </a:schemeClr>
+            </a:lnRef>
+            <a:fillRef idx="1">
+              <a:schemeClr val="accent1"/>
+            </a:fillRef>
+            <a:effectRef idx="0">
+              <a:schemeClr val="accent1"/>
+            </a:effectRef>
+            <a:fontRef idx="minor">
+              <a:schemeClr val="lt1"/>
+            </a:fontRef>
+          </p:style>
+          <p:txBody>
+            <a:bodyPr rtlCol="0" anchor="ctr"/>
+            <a:lstStyle/>
+            <a:p>
+              <a:pPr algn="ctr"/>
+              <a:endParaRPr lang="en-US"/>
+            </a:p>
+          </p:txBody>
+        </p:sp>
+        <p:sp>
+          <p:nvSpPr>
+            <p:cNvPr id="10" name="Oval 9">
+              <a:extLst>
+                <a:ext uri="{FF2B5EF4-FFF2-40B4-BE49-F238E27FC236}">
+                  <a16:creationId xmlns:a16="http://schemas.microsoft.com/office/drawing/2014/main" id="{87F56FF9-F710-B141-A99B-3902D7570627}"/>
+                </a:ext>
+              </a:extLst>
+            </p:cNvPr>
+            <p:cNvSpPr/>
+            <p:nvPr/>
+          </p:nvSpPr>
+          <p:spPr>
+            <a:xfrm>
+              <a:off x="6817974" y="-601255"/>
+              <a:ext cx="7952568" cy="8087709"/>
+            </a:xfrm>
+            <a:prstGeom prst="ellipse">
+              <a:avLst/>
+            </a:prstGeom>
+            <a:solidFill>
+              <a:schemeClr val="accent3">
+                <a:lumMod val="40000"/>
+                <a:lumOff val="60000"/>
+              </a:schemeClr>
+            </a:solidFill>
+            <a:ln>
+              <a:noFill/>
+            </a:ln>
+          </p:spPr>
+          <p:style>
+            <a:lnRef idx="2">
+              <a:schemeClr val="accent1">
+                <a:shade val="50000"/>
+              </a:schemeClr>
+            </a:lnRef>
+            <a:fillRef idx="1">
+              <a:schemeClr val="accent1"/>
+            </a:fillRef>
+            <a:effectRef idx="0">
+              <a:schemeClr val="accent1"/>
+            </a:effectRef>
+            <a:fontRef idx="minor">
+              <a:schemeClr val="lt1"/>
+            </a:fontRef>
+          </p:style>
+          <p:txBody>
+            <a:bodyPr rtlCol="0" anchor="ctr"/>
+            <a:lstStyle/>
+            <a:p>
+              <a:pPr algn="ctr"/>
+              <a:endParaRPr lang="en-US"/>
+            </a:p>
+          </p:txBody>
+        </p:sp>
+      </p:grpSp>
+      <p:sp>
+        <p:nvSpPr>
+          <p:cNvPr id="7" name="Inhaltsplatzhalter 2">
+            <a:extLst>
+              <a:ext uri="{FF2B5EF4-FFF2-40B4-BE49-F238E27FC236}">
+                <a16:creationId xmlns:a16="http://schemas.microsoft.com/office/drawing/2014/main" id="{4DE1AD5E-6DCD-7C44-834C-5A33C67BA67E}"/>
+              </a:ext>
+            </a:extLst>
+          </p:cNvPr>
+          <p:cNvSpPr>
+            <a:spLocks noGrp="1"/>
+          </p:cNvSpPr>
+          <p:nvPr>
+            <p:ph idx="1"/>
+          </p:nvPr>
+        </p:nvSpPr>
+        <p:spPr>
+          <a:xfrm>
+            <a:off x="838200" y="1825625"/>
+            <a:ext cx="10515600" cy="4351338"/>
+          </a:xfrm>
+        </p:spPr>
+        <p:txBody>
+          <a:bodyPr>
+            <a:normAutofit lnSpcReduction="10000"/>
+          </a:bodyPr>
+          <a:lstStyle/>
+          <a:p>
+            <a:r>
+              <a:rPr lang="de-DE" dirty="0" err="1"/>
+              <a:t>Git</a:t>
+            </a:r>
+            <a:r>
+              <a:rPr lang="de-DE" dirty="0"/>
+              <a:t> Repository (</a:t>
+            </a:r>
+            <a:r>
+              <a:rPr lang="de-DE" dirty="0" err="1"/>
+              <a:t>Github</a:t>
+            </a:r>
+            <a:r>
+              <a:rPr lang="de-DE" dirty="0"/>
+              <a:t>)</a:t>
+            </a:r>
+          </a:p>
+          <a:p>
+            <a:r>
+              <a:rPr lang="de-DE" dirty="0"/>
+              <a:t>Implementation</a:t>
+            </a:r>
+          </a:p>
+          <a:p>
+            <a:pPr lvl="1"/>
+            <a:r>
+              <a:rPr lang="de-DE" dirty="0"/>
+              <a:t>Python</a:t>
+            </a:r>
+          </a:p>
+          <a:p>
+            <a:pPr lvl="2"/>
+            <a:r>
+              <a:rPr lang="de-DE" dirty="0"/>
+              <a:t>Wallet</a:t>
+            </a:r>
+          </a:p>
+          <a:p>
+            <a:pPr lvl="2"/>
+            <a:r>
+              <a:rPr lang="de-DE" dirty="0"/>
+              <a:t>Controller // Management Unit</a:t>
+            </a:r>
+          </a:p>
+          <a:p>
+            <a:pPr lvl="1"/>
+            <a:r>
+              <a:rPr lang="de-DE" dirty="0" err="1"/>
+              <a:t>Jquery</a:t>
+            </a:r>
+            <a:r>
+              <a:rPr lang="de-DE" dirty="0"/>
+              <a:t>/JS: Web UI</a:t>
+            </a:r>
+          </a:p>
+          <a:p>
+            <a:pPr lvl="1"/>
+            <a:r>
+              <a:rPr lang="de-DE" dirty="0" err="1"/>
+              <a:t>Solidity</a:t>
+            </a:r>
+            <a:r>
+              <a:rPr lang="de-DE" dirty="0"/>
+              <a:t>: Smart </a:t>
+            </a:r>
+            <a:r>
+              <a:rPr lang="de-DE" dirty="0" err="1"/>
+              <a:t>Contracts</a:t>
+            </a:r>
+            <a:endParaRPr lang="de-DE" dirty="0"/>
+          </a:p>
+          <a:p>
+            <a:pPr lvl="1"/>
+            <a:r>
+              <a:rPr lang="de-DE" dirty="0"/>
+              <a:t>REST APIs</a:t>
+            </a:r>
+          </a:p>
+          <a:p>
+            <a:r>
+              <a:rPr lang="de-DE" dirty="0" err="1"/>
+              <a:t>Blockchain</a:t>
+            </a:r>
+            <a:r>
+              <a:rPr lang="de-DE" dirty="0"/>
+              <a:t>:</a:t>
+            </a:r>
+          </a:p>
+          <a:p>
+            <a:pPr lvl="1"/>
+            <a:r>
+              <a:rPr lang="de-DE" dirty="0" err="1"/>
+              <a:t>Ethereum</a:t>
+            </a:r>
+            <a:endParaRPr lang="de-DE" dirty="0"/>
+          </a:p>
+          <a:p>
+            <a:pPr lvl="1"/>
+            <a:r>
+              <a:rPr lang="de-DE" dirty="0"/>
+              <a:t>Ganache2</a:t>
+            </a:r>
+          </a:p>
+        </p:txBody>
+      </p:sp>
+      <p:sp>
+        <p:nvSpPr>
+          <p:cNvPr id="2" name="Titel 1">
+            <a:extLst>
+              <a:ext uri="{FF2B5EF4-FFF2-40B4-BE49-F238E27FC236}">
+                <a16:creationId xmlns:a16="http://schemas.microsoft.com/office/drawing/2014/main" id="{A985C6BC-203D-A640-B734-55F38F12A00B}"/>
+              </a:ext>
+            </a:extLst>
+          </p:cNvPr>
+          <p:cNvSpPr>
+            <a:spLocks noGrp="1"/>
+          </p:cNvSpPr>
+          <p:nvPr>
+            <p:ph type="title"/>
+          </p:nvPr>
+        </p:nvSpPr>
+        <p:spPr/>
+        <p:txBody>
+          <a:bodyPr/>
+          <a:lstStyle/>
+          <a:p>
+            <a:r>
+              <a:rPr lang="de-DE" dirty="0" err="1"/>
+              <a:t>Used</a:t>
+            </a:r>
+            <a:r>
+              <a:rPr lang="de-DE" dirty="0"/>
+              <a:t> Technologies</a:t>
+            </a:r>
+          </a:p>
+        </p:txBody>
+      </p:sp>
+      <p:pic>
+        <p:nvPicPr>
+          <p:cNvPr id="5" name="Grafik 4">
+            <a:extLst>
+              <a:ext uri="{FF2B5EF4-FFF2-40B4-BE49-F238E27FC236}">
+                <a16:creationId xmlns:a16="http://schemas.microsoft.com/office/drawing/2014/main" id="{C2E21850-3288-F743-8E46-8F12ED57A612}"/>
+              </a:ext>
+            </a:extLst>
+          </p:cNvPr>
+          <p:cNvPicPr>
+            <a:picLocks noChangeAspect="1"/>
+          </p:cNvPicPr>
+          <p:nvPr/>
+        </p:nvPicPr>
+        <p:blipFill>
+          <a:blip r:embed="rId2"/>
+          <a:stretch>
+            <a:fillRect/>
+          </a:stretch>
+        </p:blipFill>
+        <p:spPr>
+          <a:xfrm>
+            <a:off x="7534552" y="1429241"/>
+            <a:ext cx="1758279" cy="1758279"/>
+          </a:xfrm>
+          <a:prstGeom prst="rect">
+            <a:avLst/>
+          </a:prstGeom>
+        </p:spPr>
+      </p:pic>
+      <p:pic>
+        <p:nvPicPr>
+          <p:cNvPr id="6" name="Grafik 5">
+            <a:extLst>
+              <a:ext uri="{FF2B5EF4-FFF2-40B4-BE49-F238E27FC236}">
+                <a16:creationId xmlns:a16="http://schemas.microsoft.com/office/drawing/2014/main" id="{82F4E7F3-1178-FC45-AAE9-884F59772318}"/>
+              </a:ext>
+            </a:extLst>
+          </p:cNvPr>
+          <p:cNvPicPr>
+            <a:picLocks noChangeAspect="1"/>
+          </p:cNvPicPr>
+          <p:nvPr/>
+        </p:nvPicPr>
+        <p:blipFill>
+          <a:blip r:embed="rId3"/>
+          <a:stretch>
+            <a:fillRect/>
+          </a:stretch>
+        </p:blipFill>
+        <p:spPr>
+          <a:xfrm>
+            <a:off x="6202681" y="2734693"/>
+            <a:ext cx="1595718" cy="1595718"/>
+          </a:xfrm>
+          <a:prstGeom prst="rect">
+            <a:avLst/>
+          </a:prstGeom>
+        </p:spPr>
+      </p:pic>
+    </p:spTree>
+    <p:extLst>
+      <p:ext uri="{BB962C8B-B14F-4D97-AF65-F5344CB8AC3E}">
+        <p14:creationId xmlns:p14="http://schemas.microsoft.com/office/powerpoint/2010/main" val="836961556"/>
+      </p:ext>
+    </p:extLst>
+  </p:cSld>
+  <p:clrMapOvr>
+    <a:masterClrMapping/>
+  </p:clrMapOvr>
+</p:sld>
+</file>
+
+<file path=ppt/slides/slide7.xml><?xml version="1.0" encoding="utf-8"?>
+<p:sld xmlns:a="http://schemas.openxmlformats.org/drawingml/2006/main" xmlns:r="http://schemas.openxmlformats.org/officeDocument/2006/relationships" xmlns:p="http://schemas.openxmlformats.org/presentationml/2006/main">
+  <p:cSld>
+    <p:spTree>
+      <p:nvGrpSpPr>
+        <p:cNvPr id="1" name=""/>
+        <p:cNvGrpSpPr/>
+        <p:nvPr/>
+      </p:nvGrpSpPr>
+      <p:grpSpPr>
+        <a:xfrm>
+          <a:off x="0" y="0"/>
+          <a:ext cx="0" cy="0"/>
+          <a:chOff x="0" y="0"/>
+          <a:chExt cx="0" cy="0"/>
+        </a:xfrm>
+      </p:grpSpPr>
+      <p:grpSp>
+        <p:nvGrpSpPr>
+          <p:cNvPr id="4" name="Gruppieren 3">
+            <a:extLst>
+              <a:ext uri="{FF2B5EF4-FFF2-40B4-BE49-F238E27FC236}">
+                <a16:creationId xmlns:a16="http://schemas.microsoft.com/office/drawing/2014/main" id="{CD30219A-DCFC-5440-9F29-5DD7A1E3ED90}"/>
+              </a:ext>
+            </a:extLst>
+          </p:cNvPr>
+          <p:cNvGrpSpPr/>
+          <p:nvPr/>
+        </p:nvGrpSpPr>
+        <p:grpSpPr>
+          <a:xfrm>
+            <a:off x="2800124" y="-2379541"/>
+            <a:ext cx="12035705" cy="12240232"/>
+            <a:chOff x="2800124" y="-2379541"/>
+            <a:chExt cx="12035705" cy="12240232"/>
+          </a:xfrm>
+        </p:grpSpPr>
+        <p:sp>
+          <p:nvSpPr>
+            <p:cNvPr id="5" name="Oval 4">
+              <a:extLst>
+                <a:ext uri="{FF2B5EF4-FFF2-40B4-BE49-F238E27FC236}">
+                  <a16:creationId xmlns:a16="http://schemas.microsoft.com/office/drawing/2014/main" id="{29C92A8D-59AD-4340-BF55-12DAA138D291}"/>
+                </a:ext>
+              </a:extLst>
+            </p:cNvPr>
+            <p:cNvSpPr/>
+            <p:nvPr/>
+          </p:nvSpPr>
+          <p:spPr>
+            <a:xfrm>
+              <a:off x="2800124" y="-2379541"/>
+              <a:ext cx="12035705" cy="12240232"/>
+            </a:xfrm>
+            <a:prstGeom prst="ellipse">
+              <a:avLst/>
+            </a:prstGeom>
+            <a:solidFill>
+              <a:schemeClr val="accent3">
+                <a:lumMod val="20000"/>
+                <a:lumOff val="80000"/>
+              </a:schemeClr>
+            </a:solidFill>
+            <a:ln>
+              <a:noFill/>
+            </a:ln>
+          </p:spPr>
+          <p:style>
+            <a:lnRef idx="2">
+              <a:schemeClr val="accent1">
+                <a:shade val="50000"/>
+              </a:schemeClr>
+            </a:lnRef>
+            <a:fillRef idx="1">
+              <a:schemeClr val="accent1"/>
+            </a:fillRef>
+            <a:effectRef idx="0">
+              <a:schemeClr val="accent1"/>
+            </a:effectRef>
+            <a:fontRef idx="minor">
+              <a:schemeClr val="lt1"/>
+            </a:fontRef>
+          </p:style>
+          <p:txBody>
+            <a:bodyPr rtlCol="0" anchor="ctr"/>
+            <a:lstStyle/>
+            <a:p>
+              <a:pPr algn="ctr"/>
+              <a:endParaRPr lang="en-US"/>
+            </a:p>
+          </p:txBody>
+        </p:sp>
+        <p:sp>
+          <p:nvSpPr>
+            <p:cNvPr id="6" name="Oval 5">
+              <a:extLst>
+                <a:ext uri="{FF2B5EF4-FFF2-40B4-BE49-F238E27FC236}">
+                  <a16:creationId xmlns:a16="http://schemas.microsoft.com/office/drawing/2014/main" id="{CC8BF9B9-3029-A549-9FFB-4FBBDF56D05E}"/>
+                </a:ext>
+              </a:extLst>
+            </p:cNvPr>
+            <p:cNvSpPr/>
+            <p:nvPr/>
+          </p:nvSpPr>
+          <p:spPr>
+            <a:xfrm>
+              <a:off x="6817974" y="-601255"/>
+              <a:ext cx="7952568" cy="8087709"/>
+            </a:xfrm>
+            <a:prstGeom prst="ellipse">
+              <a:avLst/>
+            </a:prstGeom>
+            <a:solidFill>
+              <a:schemeClr val="accent3">
+                <a:lumMod val="40000"/>
+                <a:lumOff val="60000"/>
+              </a:schemeClr>
+            </a:solidFill>
+            <a:ln>
+              <a:noFill/>
+            </a:ln>
+          </p:spPr>
+          <p:style>
+            <a:lnRef idx="2">
+              <a:schemeClr val="accent1">
+                <a:shade val="50000"/>
+              </a:schemeClr>
+            </a:lnRef>
+            <a:fillRef idx="1">
+              <a:schemeClr val="accent1"/>
+            </a:fillRef>
+            <a:effectRef idx="0">
+              <a:schemeClr val="accent1"/>
+            </a:effectRef>
+            <a:fontRef idx="minor">
+              <a:schemeClr val="lt1"/>
+            </a:fontRef>
+          </p:style>
+          <p:txBody>
+            <a:bodyPr rtlCol="0" anchor="ctr"/>
+            <a:lstStyle/>
+            <a:p>
+              <a:pPr algn="ctr"/>
+              <a:endParaRPr lang="en-US"/>
+            </a:p>
+          </p:txBody>
+        </p:sp>
+      </p:grpSp>
+      <p:sp>
+        <p:nvSpPr>
+          <p:cNvPr id="2" name="Titel 1">
+            <a:extLst>
+              <a:ext uri="{FF2B5EF4-FFF2-40B4-BE49-F238E27FC236}">
+                <a16:creationId xmlns:a16="http://schemas.microsoft.com/office/drawing/2014/main" id="{96B04CB9-04DF-9E49-A69B-D4221A201D7E}"/>
+              </a:ext>
+            </a:extLst>
+          </p:cNvPr>
+          <p:cNvSpPr>
+            <a:spLocks noGrp="1"/>
+          </p:cNvSpPr>
+          <p:nvPr>
+            <p:ph type="title"/>
+          </p:nvPr>
+        </p:nvSpPr>
+        <p:spPr/>
+        <p:txBody>
+          <a:bodyPr/>
+          <a:lstStyle/>
+          <a:p>
+            <a:r>
+              <a:rPr lang="de-DE" dirty="0" err="1"/>
+              <a:t>Why</a:t>
+            </a:r>
+            <a:r>
+              <a:rPr lang="de-DE" dirty="0"/>
+              <a:t> </a:t>
+            </a:r>
+            <a:r>
+              <a:rPr lang="de-DE" dirty="0" err="1"/>
+              <a:t>blockchain</a:t>
+            </a:r>
+            <a:r>
+              <a:rPr lang="de-DE" dirty="0"/>
+              <a:t>?</a:t>
+            </a:r>
+          </a:p>
+        </p:txBody>
+      </p:sp>
+      <p:sp>
+        <p:nvSpPr>
+          <p:cNvPr id="3" name="Inhaltsplatzhalter 2">
+            <a:extLst>
+              <a:ext uri="{FF2B5EF4-FFF2-40B4-BE49-F238E27FC236}">
+                <a16:creationId xmlns:a16="http://schemas.microsoft.com/office/drawing/2014/main" id="{E205AEE6-FBC7-1F41-A33E-FCC64608EFAA}"/>
+              </a:ext>
+            </a:extLst>
+          </p:cNvPr>
+          <p:cNvSpPr>
+            <a:spLocks noGrp="1"/>
+          </p:cNvSpPr>
+          <p:nvPr>
+            <p:ph idx="1"/>
+          </p:nvPr>
+        </p:nvSpPr>
+        <p:spPr/>
+        <p:txBody>
+          <a:bodyPr/>
+          <a:lstStyle/>
+          <a:p>
+            <a:r>
+              <a:rPr lang="de-DE" dirty="0" err="1"/>
+              <a:t>Provides</a:t>
+            </a:r>
+            <a:r>
+              <a:rPr lang="de-DE" dirty="0"/>
+              <a:t> smart </a:t>
+            </a:r>
+            <a:r>
+              <a:rPr lang="de-DE" dirty="0" err="1"/>
+              <a:t>contracts</a:t>
+            </a:r>
+            <a:endParaRPr lang="de-DE" dirty="0"/>
+          </a:p>
+          <a:p>
+            <a:pPr lvl="1"/>
+            <a:r>
+              <a:rPr lang="de-DE" dirty="0"/>
+              <a:t>Computer </a:t>
+            </a:r>
+            <a:r>
+              <a:rPr lang="de-DE" dirty="0" err="1"/>
+              <a:t>protocol</a:t>
+            </a:r>
+            <a:endParaRPr lang="de-DE" dirty="0"/>
+          </a:p>
+          <a:p>
+            <a:pPr lvl="1"/>
+            <a:r>
+              <a:rPr lang="de-DE" dirty="0" err="1"/>
+              <a:t>Digitally</a:t>
+            </a:r>
+            <a:r>
+              <a:rPr lang="de-DE" dirty="0"/>
+              <a:t> </a:t>
+            </a:r>
+            <a:r>
+              <a:rPr lang="de-DE" dirty="0" err="1"/>
+              <a:t>verifies</a:t>
+            </a:r>
+            <a:r>
+              <a:rPr lang="de-DE" dirty="0"/>
+              <a:t> </a:t>
+            </a:r>
+            <a:r>
+              <a:rPr lang="de-DE" dirty="0" err="1"/>
+              <a:t>and</a:t>
+            </a:r>
+            <a:r>
+              <a:rPr lang="de-DE" dirty="0"/>
+              <a:t> </a:t>
+            </a:r>
+            <a:r>
+              <a:rPr lang="de-DE" dirty="0" err="1"/>
+              <a:t>enforces</a:t>
+            </a:r>
+            <a:r>
+              <a:rPr lang="de-DE" dirty="0"/>
+              <a:t> </a:t>
+            </a:r>
+            <a:r>
+              <a:rPr lang="de-DE" dirty="0" err="1"/>
+              <a:t>the</a:t>
+            </a:r>
+            <a:r>
+              <a:rPr lang="de-DE" dirty="0"/>
+              <a:t> </a:t>
+            </a:r>
+            <a:r>
+              <a:rPr lang="de-DE" dirty="0" err="1"/>
+              <a:t>negotiation</a:t>
+            </a:r>
+            <a:r>
+              <a:rPr lang="de-DE" dirty="0"/>
+              <a:t> </a:t>
+            </a:r>
+            <a:r>
+              <a:rPr lang="de-DE" dirty="0" err="1"/>
+              <a:t>of</a:t>
+            </a:r>
+            <a:r>
+              <a:rPr lang="de-DE" dirty="0"/>
+              <a:t> a </a:t>
+            </a:r>
+            <a:r>
+              <a:rPr lang="de-DE" dirty="0" err="1"/>
+              <a:t>contract</a:t>
+            </a:r>
+            <a:endParaRPr lang="de-DE" dirty="0"/>
+          </a:p>
+          <a:p>
+            <a:r>
+              <a:rPr lang="de-DE" dirty="0" err="1"/>
+              <a:t>Enables</a:t>
+            </a:r>
+            <a:r>
+              <a:rPr lang="de-DE" dirty="0"/>
+              <a:t> </a:t>
+            </a:r>
+            <a:r>
+              <a:rPr lang="de-DE" dirty="0" err="1"/>
+              <a:t>Tokenization</a:t>
+            </a:r>
+            <a:endParaRPr lang="de-DE" dirty="0"/>
+          </a:p>
+          <a:p>
+            <a:r>
+              <a:rPr lang="de-DE" dirty="0" err="1"/>
+              <a:t>Automatically</a:t>
+            </a:r>
+            <a:r>
+              <a:rPr lang="de-DE" dirty="0"/>
+              <a:t> </a:t>
+            </a:r>
+            <a:r>
+              <a:rPr lang="de-DE" dirty="0" err="1"/>
+              <a:t>leaves</a:t>
+            </a:r>
+            <a:r>
+              <a:rPr lang="de-DE" dirty="0"/>
+              <a:t> </a:t>
+            </a:r>
+            <a:r>
+              <a:rPr lang="de-DE" dirty="0" err="1"/>
+              <a:t>immutable</a:t>
+            </a:r>
+            <a:r>
+              <a:rPr lang="de-DE" dirty="0"/>
+              <a:t> </a:t>
+            </a:r>
+            <a:r>
+              <a:rPr lang="de-DE" dirty="0" err="1"/>
+              <a:t>public</a:t>
+            </a:r>
+            <a:r>
+              <a:rPr lang="de-DE" dirty="0"/>
+              <a:t> </a:t>
+            </a:r>
+            <a:r>
+              <a:rPr lang="de-DE" dirty="0" err="1"/>
+              <a:t>record</a:t>
+            </a:r>
+            <a:endParaRPr lang="de-DE" dirty="0"/>
+          </a:p>
+        </p:txBody>
+      </p:sp>
+    </p:spTree>
+    <p:extLst>
+      <p:ext uri="{BB962C8B-B14F-4D97-AF65-F5344CB8AC3E}">
+        <p14:creationId xmlns:p14="http://schemas.microsoft.com/office/powerpoint/2010/main" val="4085568709"/>
+      </p:ext>
+    </p:extLst>
+  </p:cSld>
+  <p:clrMapOvr>
+    <a:masterClrMapping/>
+  </p:clrMapOvr>
+</p:sld>
+</file>
+
+<file path=ppt/slides/slide8.xml><?xml version="1.0" encoding="utf-8"?>
+<p:sld xmlns:a="http://schemas.openxmlformats.org/drawingml/2006/main" xmlns:r="http://schemas.openxmlformats.org/officeDocument/2006/relationships" xmlns:p="http://schemas.openxmlformats.org/presentationml/2006/main">
+  <p:cSld>
+    <p:spTree>
+      <p:nvGrpSpPr>
+        <p:cNvPr id="1" name=""/>
+        <p:cNvGrpSpPr/>
+        <p:nvPr/>
+      </p:nvGrpSpPr>
+      <p:grpSpPr>
+        <a:xfrm>
+          <a:off x="0" y="0"/>
+          <a:ext cx="0" cy="0"/>
+          <a:chOff x="0" y="0"/>
+          <a:chExt cx="0" cy="0"/>
+        </a:xfrm>
+      </p:grpSpPr>
+      <p:grpSp>
+        <p:nvGrpSpPr>
+          <p:cNvPr id="4" name="Gruppieren 3">
+            <a:extLst>
+              <a:ext uri="{FF2B5EF4-FFF2-40B4-BE49-F238E27FC236}">
+                <a16:creationId xmlns:a16="http://schemas.microsoft.com/office/drawing/2014/main" id="{7E880250-9627-EB4A-8A63-EDC57054C299}"/>
+              </a:ext>
+            </a:extLst>
+          </p:cNvPr>
+          <p:cNvGrpSpPr/>
+          <p:nvPr/>
+        </p:nvGrpSpPr>
+        <p:grpSpPr>
+          <a:xfrm>
+            <a:off x="2800124" y="-2379541"/>
+            <a:ext cx="12035705" cy="12240232"/>
+            <a:chOff x="2800124" y="-2379541"/>
+            <a:chExt cx="12035705" cy="12240232"/>
+          </a:xfrm>
+        </p:grpSpPr>
+        <p:sp>
+          <p:nvSpPr>
+            <p:cNvPr id="5" name="Oval 4">
+              <a:extLst>
+                <a:ext uri="{FF2B5EF4-FFF2-40B4-BE49-F238E27FC236}">
+                  <a16:creationId xmlns:a16="http://schemas.microsoft.com/office/drawing/2014/main" id="{668CAB21-C834-824E-AE74-8A1369A1E03B}"/>
+                </a:ext>
+              </a:extLst>
+            </p:cNvPr>
+            <p:cNvSpPr/>
+            <p:nvPr/>
+          </p:nvSpPr>
+          <p:spPr>
+            <a:xfrm>
+              <a:off x="2800124" y="-2379541"/>
+              <a:ext cx="12035705" cy="12240232"/>
+            </a:xfrm>
+            <a:prstGeom prst="ellipse">
+              <a:avLst/>
+            </a:prstGeom>
+            <a:solidFill>
+              <a:schemeClr val="accent3">
+                <a:lumMod val="20000"/>
+                <a:lumOff val="80000"/>
+              </a:schemeClr>
+            </a:solidFill>
+            <a:ln>
+              <a:noFill/>
+            </a:ln>
+          </p:spPr>
+          <p:style>
+            <a:lnRef idx="2">
+              <a:schemeClr val="accent1">
+                <a:shade val="50000"/>
+              </a:schemeClr>
+            </a:lnRef>
+            <a:fillRef idx="1">
+              <a:schemeClr val="accent1"/>
+            </a:fillRef>
+            <a:effectRef idx="0">
+              <a:schemeClr val="accent1"/>
+            </a:effectRef>
+            <a:fontRef idx="minor">
+              <a:schemeClr val="lt1"/>
+            </a:fontRef>
+          </p:style>
+          <p:txBody>
+            <a:bodyPr rtlCol="0" anchor="ctr"/>
+            <a:lstStyle/>
+            <a:p>
+              <a:pPr algn="ctr"/>
+              <a:endParaRPr lang="en-US"/>
+            </a:p>
+          </p:txBody>
+        </p:sp>
+        <p:sp>
+          <p:nvSpPr>
+            <p:cNvPr id="6" name="Oval 5">
+              <a:extLst>
+                <a:ext uri="{FF2B5EF4-FFF2-40B4-BE49-F238E27FC236}">
+                  <a16:creationId xmlns:a16="http://schemas.microsoft.com/office/drawing/2014/main" id="{04242FD5-5A57-D84B-A4C8-597DC41D3FBA}"/>
+                </a:ext>
+              </a:extLst>
+            </p:cNvPr>
+            <p:cNvSpPr/>
+            <p:nvPr/>
+          </p:nvSpPr>
+          <p:spPr>
+            <a:xfrm>
+              <a:off x="6817974" y="-601255"/>
+              <a:ext cx="7952568" cy="8087709"/>
+            </a:xfrm>
+            <a:prstGeom prst="ellipse">
+              <a:avLst/>
+            </a:prstGeom>
+            <a:solidFill>
+              <a:schemeClr val="accent3">
+                <a:lumMod val="40000"/>
+                <a:lumOff val="60000"/>
+              </a:schemeClr>
+            </a:solidFill>
+            <a:ln>
+              <a:noFill/>
+            </a:ln>
+          </p:spPr>
+          <p:style>
+            <a:lnRef idx="2">
+              <a:schemeClr val="accent1">
+                <a:shade val="50000"/>
+              </a:schemeClr>
+            </a:lnRef>
+            <a:fillRef idx="1">
+              <a:schemeClr val="accent1"/>
+            </a:fillRef>
+            <a:effectRef idx="0">
+              <a:schemeClr val="accent1"/>
+            </a:effectRef>
+            <a:fontRef idx="minor">
+              <a:schemeClr val="lt1"/>
+            </a:fontRef>
+          </p:style>
+          <p:txBody>
+            <a:bodyPr rtlCol="0" anchor="ctr"/>
+            <a:lstStyle/>
+            <a:p>
+              <a:pPr algn="ctr"/>
+              <a:endParaRPr lang="en-US"/>
+            </a:p>
+          </p:txBody>
+        </p:sp>
+      </p:grpSp>
+      <p:sp>
+        <p:nvSpPr>
+          <p:cNvPr id="2" name="Titel 1">
+            <a:extLst>
+              <a:ext uri="{FF2B5EF4-FFF2-40B4-BE49-F238E27FC236}">
+                <a16:creationId xmlns:a16="http://schemas.microsoft.com/office/drawing/2014/main" id="{1936E4C9-799A-5045-B917-4A2BA60401F1}"/>
+              </a:ext>
+            </a:extLst>
+          </p:cNvPr>
+          <p:cNvSpPr>
+            <a:spLocks noGrp="1"/>
+          </p:cNvSpPr>
+          <p:nvPr>
+            <p:ph type="title"/>
+          </p:nvPr>
+        </p:nvSpPr>
+        <p:spPr/>
+        <p:txBody>
+          <a:bodyPr/>
+          <a:lstStyle/>
+          <a:p>
+            <a:r>
+              <a:rPr lang="de-DE" dirty="0"/>
+              <a:t>Demo</a:t>
+            </a:r>
+          </a:p>
+        </p:txBody>
+      </p:sp>
+      <p:sp>
+        <p:nvSpPr>
+          <p:cNvPr id="3" name="Inhaltsplatzhalter 2">
+            <a:extLst>
+              <a:ext uri="{FF2B5EF4-FFF2-40B4-BE49-F238E27FC236}">
+                <a16:creationId xmlns:a16="http://schemas.microsoft.com/office/drawing/2014/main" id="{017962BF-4A51-364B-AC87-F34E8BFACAB0}"/>
+              </a:ext>
+            </a:extLst>
+          </p:cNvPr>
+          <p:cNvSpPr>
+            <a:spLocks noGrp="1"/>
+          </p:cNvSpPr>
+          <p:nvPr>
+            <p:ph idx="1"/>
+          </p:nvPr>
+        </p:nvSpPr>
+        <p:spPr/>
+        <p:txBody>
+          <a:bodyPr/>
+          <a:lstStyle/>
+          <a:p>
+            <a:endParaRPr lang="de-DE" dirty="0"/>
+          </a:p>
+        </p:txBody>
+      </p:sp>
+    </p:spTree>
+    <p:extLst>
+      <p:ext uri="{BB962C8B-B14F-4D97-AF65-F5344CB8AC3E}">
+        <p14:creationId xmlns:p14="http://schemas.microsoft.com/office/powerpoint/2010/main" val="3057416906"/>
+      </p:ext>
+    </p:extLst>
+  </p:cSld>
+  <p:clrMapOvr>
+    <a:masterClrMapping/>
+  </p:clrMapOvr>
+</p:sld>
+</file>
+
+<file path=ppt/slides/slide9.xml><?xml version="1.0" encoding="utf-8"?>
+<p:sld xmlns:a="http://schemas.openxmlformats.org/drawingml/2006/main" xmlns:r="http://schemas.openxmlformats.org/officeDocument/2006/relationships" xmlns:p="http://schemas.openxmlformats.org/presentationml/2006/main">
+  <p:cSld>
+    <p:spTree>
+      <p:nvGrpSpPr>
+        <p:cNvPr id="1" name=""/>
+        <p:cNvGrpSpPr/>
+        <p:nvPr/>
+      </p:nvGrpSpPr>
+      <p:grpSpPr>
+        <a:xfrm>
+          <a:off x="0" y="0"/>
+          <a:ext cx="0" cy="0"/>
+          <a:chOff x="0" y="0"/>
+          <a:chExt cx="0" cy="0"/>
+        </a:xfrm>
+      </p:grpSpPr>
+      <p:grpSp>
+        <p:nvGrpSpPr>
+          <p:cNvPr id="55" name="Group 54"/>
+          <p:cNvGrpSpPr/>
+          <p:nvPr/>
+        </p:nvGrpSpPr>
+        <p:grpSpPr>
+          <a:xfrm>
+            <a:off x="2800124" y="-2379541"/>
+            <a:ext cx="12035705" cy="12240232"/>
+            <a:chOff x="2800124" y="-2379541"/>
+            <a:chExt cx="12035705" cy="12240232"/>
+          </a:xfrm>
+        </p:grpSpPr>
+        <p:sp>
+          <p:nvSpPr>
+            <p:cNvPr id="57" name="Oval 56"/>
+            <p:cNvSpPr/>
+            <p:nvPr/>
+          </p:nvSpPr>
+          <p:spPr>
+            <a:xfrm>
+              <a:off x="2800124" y="-2379541"/>
+              <a:ext cx="12035705" cy="12240232"/>
+            </a:xfrm>
+            <a:prstGeom prst="ellipse">
+              <a:avLst/>
+            </a:prstGeom>
+            <a:solidFill>
+              <a:schemeClr val="accent3">
+                <a:lumMod val="20000"/>
+                <a:lumOff val="80000"/>
+              </a:schemeClr>
+            </a:solidFill>
+            <a:ln>
+              <a:noFill/>
+            </a:ln>
+          </p:spPr>
+          <p:style>
+            <a:lnRef idx="2">
+              <a:schemeClr val="accent1">
+                <a:shade val="50000"/>
+              </a:schemeClr>
+            </a:lnRef>
+            <a:fillRef idx="1">
+              <a:schemeClr val="accent1"/>
+            </a:fillRef>
+            <a:effectRef idx="0">
+              <a:schemeClr val="accent1"/>
+            </a:effectRef>
+            <a:fontRef idx="minor">
+              <a:schemeClr val="lt1"/>
+            </a:fontRef>
+          </p:style>
+          <p:txBody>
+            <a:bodyPr rtlCol="0" anchor="ctr"/>
+            <a:lstStyle/>
+            <a:p>
+              <a:pPr algn="ctr"/>
+              <a:endParaRPr lang="en-US"/>
+            </a:p>
+          </p:txBody>
+        </p:sp>
+        <p:sp>
+          <p:nvSpPr>
+            <p:cNvPr id="58" name="Oval 57"/>
+            <p:cNvSpPr/>
+            <p:nvPr/>
+          </p:nvSpPr>
+          <p:spPr>
+            <a:xfrm>
+              <a:off x="6817974" y="-601255"/>
+              <a:ext cx="7952568" cy="8087709"/>
+            </a:xfrm>
+            <a:prstGeom prst="ellipse">
+              <a:avLst/>
+            </a:prstGeom>
+            <a:solidFill>
+              <a:schemeClr val="accent3">
+                <a:lumMod val="40000"/>
+                <a:lumOff val="60000"/>
+              </a:schemeClr>
+            </a:solidFill>
+            <a:ln>
+              <a:noFill/>
+            </a:ln>
+          </p:spPr>
+          <p:style>
+            <a:lnRef idx="2">
+              <a:schemeClr val="accent1">
+                <a:shade val="50000"/>
+              </a:schemeClr>
+            </a:lnRef>
+            <a:fillRef idx="1">
+              <a:schemeClr val="accent1"/>
+            </a:fillRef>
+            <a:effectRef idx="0">
+              <a:schemeClr val="accent1"/>
+            </a:effectRef>
+            <a:fontRef idx="minor">
+              <a:schemeClr val="lt1"/>
+            </a:fontRef>
+          </p:style>
+          <p:txBody>
+            <a:bodyPr rtlCol="0" anchor="ctr"/>
+            <a:lstStyle/>
+            <a:p>
+              <a:pPr algn="ctr"/>
+              <a:endParaRPr lang="en-US"/>
+            </a:p>
+          </p:txBody>
+        </p:sp>
+      </p:grpSp>
+      <p:sp>
+        <p:nvSpPr>
+          <p:cNvPr id="4" name="Snip and Round Single Corner Rectangle 3"/>
+          <p:cNvSpPr/>
+          <p:nvPr/>
+        </p:nvSpPr>
+        <p:spPr>
+          <a:xfrm>
+            <a:off x="486713" y="1087200"/>
+            <a:ext cx="10028176" cy="5475600"/>
+          </a:xfrm>
+          <a:prstGeom prst="snipRoundRect">
+            <a:avLst>
+              <a:gd name="adj1" fmla="val 3320"/>
+              <a:gd name="adj2" fmla="val 5862"/>
+            </a:avLst>
+          </a:prstGeom>
+          <a:solidFill>
+            <a:schemeClr val="accent2">
+              <a:lumMod val="40000"/>
+              <a:lumOff val="60000"/>
+            </a:schemeClr>
+          </a:solidFill>
+          <a:ln>
+            <a:noFill/>
+          </a:ln>
+        </p:spPr>
+        <p:style>
+          <a:lnRef idx="2">
+            <a:schemeClr val="accent1">
+              <a:shade val="50000"/>
+            </a:schemeClr>
+          </a:lnRef>
+          <a:fillRef idx="1">
+            <a:schemeClr val="accent1"/>
+          </a:fillRef>
+          <a:effectRef idx="0">
+            <a:schemeClr val="accent1"/>
+          </a:effectRef>
+          <a:fontRef idx="minor">
+            <a:schemeClr val="lt1"/>
+          </a:fontRef>
+        </p:style>
+        <p:txBody>
+          <a:bodyPr rtlCol="0" anchor="ctr"/>
+          <a:lstStyle/>
+          <a:p>
+            <a:pPr algn="ctr"/>
+            <a:endParaRPr lang="en-US"/>
+          </a:p>
+        </p:txBody>
+      </p:sp>
+      <p:sp>
+        <p:nvSpPr>
+          <p:cNvPr id="44" name="Rounded Rectangle 43"/>
+          <p:cNvSpPr/>
+          <p:nvPr/>
+        </p:nvSpPr>
+        <p:spPr>
+          <a:xfrm>
+            <a:off x="7605694" y="1087200"/>
+            <a:ext cx="2917819" cy="5475600"/>
+          </a:xfrm>
+          <a:prstGeom prst="roundRect">
+            <a:avLst>
+              <a:gd name="adj" fmla="val 0"/>
+            </a:avLst>
+          </a:prstGeom>
+          <a:solidFill>
+            <a:schemeClr val="accent2">
+              <a:lumMod val="20000"/>
+              <a:lumOff val="80000"/>
+            </a:schemeClr>
+          </a:solidFill>
+          <a:ln w="12700">
+            <a:noFill/>
+          </a:ln>
+        </p:spPr>
+        <p:style>
+          <a:lnRef idx="2">
+            <a:schemeClr val="accent1">
+              <a:shade val="50000"/>
+            </a:schemeClr>
+          </a:lnRef>
+          <a:fillRef idx="1">
+            <a:schemeClr val="accent1"/>
+          </a:fillRef>
+          <a:effectRef idx="0">
+            <a:schemeClr val="accent1"/>
+          </a:effectRef>
+          <a:fontRef idx="minor">
+            <a:schemeClr val="lt1"/>
+          </a:fontRef>
+        </p:style>
+        <p:txBody>
+          <a:bodyPr rtlCol="0" anchor="ctr"/>
+          <a:lstStyle/>
+          <a:p>
+            <a:pPr algn="ctr"/>
+            <a:endParaRPr lang="en-US"/>
+          </a:p>
+        </p:txBody>
+      </p:sp>
+      <p:sp>
+        <p:nvSpPr>
+          <p:cNvPr id="43" name="Rounded Rectangle 42"/>
+          <p:cNvSpPr/>
+          <p:nvPr/>
+        </p:nvSpPr>
+        <p:spPr>
+          <a:xfrm>
+            <a:off x="478089" y="1087200"/>
+            <a:ext cx="3449501" cy="5475600"/>
+          </a:xfrm>
+          <a:prstGeom prst="roundRect">
+            <a:avLst>
+              <a:gd name="adj" fmla="val 0"/>
+            </a:avLst>
+          </a:prstGeom>
+          <a:solidFill>
+            <a:schemeClr val="accent2">
+              <a:lumMod val="60000"/>
+              <a:lumOff val="40000"/>
+            </a:schemeClr>
+          </a:solidFill>
+          <a:ln w="28575">
+            <a:noFill/>
+          </a:ln>
+        </p:spPr>
+        <p:style>
+          <a:lnRef idx="2">
+            <a:schemeClr val="accent1">
+              <a:shade val="50000"/>
+            </a:schemeClr>
+          </a:lnRef>
+          <a:fillRef idx="1">
+            <a:schemeClr val="accent1"/>
+          </a:fillRef>
+          <a:effectRef idx="0">
+            <a:schemeClr val="accent1"/>
+          </a:effectRef>
+          <a:fontRef idx="minor">
+            <a:schemeClr val="lt1"/>
+          </a:fontRef>
+        </p:style>
+        <p:txBody>
+          <a:bodyPr rtlCol="0" anchor="ctr"/>
+          <a:lstStyle/>
+          <a:p>
+            <a:pPr algn="ctr"/>
+            <a:endParaRPr lang="en-US"/>
+          </a:p>
+        </p:txBody>
+      </p:sp>
+      <p:pic>
+        <p:nvPicPr>
+          <p:cNvPr id="23" name="Picture 22"/>
+          <p:cNvPicPr>
+            <a:picLocks noChangeAspect="1"/>
+          </p:cNvPicPr>
+          <p:nvPr/>
+        </p:nvPicPr>
+        <p:blipFill>
+          <a:blip r:embed="rId3">
+            <a:extLst>
+              <a:ext uri="{28A0092B-C50C-407E-A947-70E740481C1C}">
+                <a14:useLocalDpi xmlns:a14="http://schemas.microsoft.com/office/drawing/2010/main" val="0"/>
+              </a:ext>
+            </a:extLst>
+          </a:blip>
+          <a:stretch>
+            <a:fillRect/>
+          </a:stretch>
+        </p:blipFill>
+        <p:spPr>
+          <a:xfrm>
+            <a:off x="8599644" y="1571524"/>
+            <a:ext cx="508367" cy="465835"/>
+          </a:xfrm>
+          <a:prstGeom prst="rect">
+            <a:avLst/>
+          </a:prstGeom>
+        </p:spPr>
+      </p:pic>
+      <p:grpSp>
+        <p:nvGrpSpPr>
+          <p:cNvPr id="37" name="Group 36"/>
+          <p:cNvGrpSpPr/>
+          <p:nvPr/>
+        </p:nvGrpSpPr>
+        <p:grpSpPr>
+          <a:xfrm>
+            <a:off x="6790400" y="1526619"/>
+            <a:ext cx="511830" cy="465721"/>
+            <a:chOff x="4627756" y="1549054"/>
+            <a:chExt cx="686905" cy="692268"/>
+          </a:xfrm>
+        </p:grpSpPr>
+        <p:pic>
+          <p:nvPicPr>
+            <p:cNvPr id="38" name="Picture 37"/>
+            <p:cNvPicPr>
+              <a:picLocks noChangeAspect="1"/>
+            </p:cNvPicPr>
+            <p:nvPr/>
+          </p:nvPicPr>
+          <p:blipFill>
+            <a:blip r:embed="rId4">
+              <a:extLst>
+                <a:ext uri="{28A0092B-C50C-407E-A947-70E740481C1C}">
+                  <a14:useLocalDpi xmlns:a14="http://schemas.microsoft.com/office/drawing/2010/main" val="0"/>
+                </a:ext>
+              </a:extLst>
+            </a:blip>
+            <a:stretch>
+              <a:fillRect/>
+            </a:stretch>
+          </p:blipFill>
+          <p:spPr>
+            <a:xfrm>
+              <a:off x="4627756" y="1549054"/>
+              <a:ext cx="540000" cy="540000"/>
+            </a:xfrm>
+            <a:prstGeom prst="rect">
+              <a:avLst/>
+            </a:prstGeom>
+          </p:spPr>
+        </p:pic>
+        <p:pic>
+          <p:nvPicPr>
+            <p:cNvPr id="39" name="Picture 38"/>
+            <p:cNvPicPr>
+              <a:picLocks noChangeAspect="1"/>
+            </p:cNvPicPr>
+            <p:nvPr/>
+          </p:nvPicPr>
+          <p:blipFill>
+            <a:blip r:embed="rId4">
+              <a:extLst>
+                <a:ext uri="{28A0092B-C50C-407E-A947-70E740481C1C}">
+                  <a14:useLocalDpi xmlns:a14="http://schemas.microsoft.com/office/drawing/2010/main" val="0"/>
+                </a:ext>
+              </a:extLst>
+            </a:blip>
+            <a:stretch>
+              <a:fillRect/>
+            </a:stretch>
+          </p:blipFill>
+          <p:spPr>
+            <a:xfrm>
+              <a:off x="4774661" y="1701322"/>
+              <a:ext cx="540000" cy="540000"/>
+            </a:xfrm>
+            <a:prstGeom prst="rect">
+              <a:avLst/>
+            </a:prstGeom>
+          </p:spPr>
+        </p:pic>
+      </p:grpSp>
+      <p:grpSp>
+        <p:nvGrpSpPr>
+          <p:cNvPr id="7" name="Group 6"/>
+          <p:cNvGrpSpPr/>
+          <p:nvPr/>
+        </p:nvGrpSpPr>
+        <p:grpSpPr>
+          <a:xfrm>
+            <a:off x="914665" y="2016677"/>
+            <a:ext cx="784880" cy="788814"/>
+            <a:chOff x="941294" y="1721224"/>
+            <a:chExt cx="833718" cy="914400"/>
+          </a:xfrm>
+        </p:grpSpPr>
+        <p:sp>
+          <p:nvSpPr>
+            <p:cNvPr id="6" name="Rounded Rectangle 5"/>
+            <p:cNvSpPr/>
+            <p:nvPr/>
+          </p:nvSpPr>
+          <p:spPr>
+            <a:xfrm>
+              <a:off x="941294" y="1721224"/>
+              <a:ext cx="833718" cy="914400"/>
+            </a:xfrm>
+            <a:prstGeom prst="roundRect">
+              <a:avLst/>
+            </a:prstGeom>
+            <a:solidFill>
+              <a:schemeClr val="bg1"/>
+            </a:solidFill>
+            <a:ln>
+              <a:noFill/>
+            </a:ln>
+          </p:spPr>
+          <p:style>
+            <a:lnRef idx="2">
+              <a:schemeClr val="accent1">
+                <a:shade val="50000"/>
+              </a:schemeClr>
+            </a:lnRef>
+            <a:fillRef idx="1">
+              <a:schemeClr val="accent1"/>
+            </a:fillRef>
+            <a:effectRef idx="0">
+              <a:schemeClr val="accent1"/>
+            </a:effectRef>
+            <a:fontRef idx="minor">
+              <a:schemeClr val="lt1"/>
+            </a:fontRef>
+          </p:style>
+          <p:txBody>
+            <a:bodyPr rtlCol="0" anchor="ctr"/>
+            <a:lstStyle/>
+            <a:p>
+              <a:pPr algn="ctr"/>
+              <a:endParaRPr lang="en-US"/>
+            </a:p>
+          </p:txBody>
+        </p:sp>
+        <p:pic>
+          <p:nvPicPr>
+            <p:cNvPr id="5" name="Picture 4"/>
+            <p:cNvPicPr>
+              <a:picLocks noChangeAspect="1"/>
+            </p:cNvPicPr>
+            <p:nvPr/>
+          </p:nvPicPr>
+          <p:blipFill>
+            <a:blip r:embed="rId5">
+              <a:extLst>
+                <a:ext uri="{28A0092B-C50C-407E-A947-70E740481C1C}">
+                  <a14:useLocalDpi xmlns:a14="http://schemas.microsoft.com/office/drawing/2010/main" val="0"/>
+                </a:ext>
+              </a:extLst>
+            </a:blip>
+            <a:stretch>
+              <a:fillRect/>
+            </a:stretch>
+          </p:blipFill>
+          <p:spPr>
+            <a:xfrm>
+              <a:off x="1005541" y="1848224"/>
+              <a:ext cx="650240" cy="650240"/>
+            </a:xfrm>
+            <a:prstGeom prst="rect">
+              <a:avLst/>
+            </a:prstGeom>
+            <a:ln>
+              <a:noFill/>
+            </a:ln>
+          </p:spPr>
+        </p:pic>
+      </p:grpSp>
+      <p:grpSp>
+        <p:nvGrpSpPr>
+          <p:cNvPr id="8" name="Group 7"/>
+          <p:cNvGrpSpPr/>
+          <p:nvPr/>
+        </p:nvGrpSpPr>
+        <p:grpSpPr>
+          <a:xfrm>
+            <a:off x="914665" y="3585389"/>
+            <a:ext cx="784880" cy="788814"/>
+            <a:chOff x="941294" y="1721224"/>
+            <a:chExt cx="833718" cy="914400"/>
+          </a:xfrm>
+        </p:grpSpPr>
+        <p:sp>
+          <p:nvSpPr>
+            <p:cNvPr id="9" name="Rounded Rectangle 8"/>
+            <p:cNvSpPr/>
+            <p:nvPr/>
+          </p:nvSpPr>
+          <p:spPr>
+            <a:xfrm>
+              <a:off x="941294" y="1721224"/>
+              <a:ext cx="833718" cy="914400"/>
+            </a:xfrm>
+            <a:prstGeom prst="roundRect">
+              <a:avLst/>
+            </a:prstGeom>
+            <a:solidFill>
+              <a:schemeClr val="bg1"/>
+            </a:solidFill>
+            <a:ln>
+              <a:noFill/>
+            </a:ln>
+          </p:spPr>
+          <p:style>
+            <a:lnRef idx="2">
+              <a:schemeClr val="accent1">
+                <a:shade val="50000"/>
+              </a:schemeClr>
+            </a:lnRef>
+            <a:fillRef idx="1">
+              <a:schemeClr val="accent1"/>
+            </a:fillRef>
+            <a:effectRef idx="0">
+              <a:schemeClr val="accent1"/>
+            </a:effectRef>
+            <a:fontRef idx="minor">
+              <a:schemeClr val="lt1"/>
+            </a:fontRef>
+          </p:style>
+          <p:txBody>
+            <a:bodyPr rtlCol="0" anchor="ctr"/>
+            <a:lstStyle/>
+            <a:p>
+              <a:pPr algn="ctr"/>
+              <a:endParaRPr lang="en-US"/>
+            </a:p>
+          </p:txBody>
+        </p:sp>
+        <p:pic>
+          <p:nvPicPr>
+            <p:cNvPr id="10" name="Picture 9"/>
+            <p:cNvPicPr>
+              <a:picLocks noChangeAspect="1"/>
+            </p:cNvPicPr>
+            <p:nvPr/>
+          </p:nvPicPr>
+          <p:blipFill>
+            <a:blip r:embed="rId5">
+              <a:extLst>
+                <a:ext uri="{28A0092B-C50C-407E-A947-70E740481C1C}">
+                  <a14:useLocalDpi xmlns:a14="http://schemas.microsoft.com/office/drawing/2010/main" val="0"/>
+                </a:ext>
+              </a:extLst>
+            </a:blip>
+            <a:stretch>
+              <a:fillRect/>
+            </a:stretch>
+          </p:blipFill>
+          <p:spPr>
+            <a:xfrm>
+              <a:off x="1005541" y="1848224"/>
+              <a:ext cx="650240" cy="650240"/>
+            </a:xfrm>
+            <a:prstGeom prst="rect">
+              <a:avLst/>
+            </a:prstGeom>
+            <a:ln>
+              <a:noFill/>
+            </a:ln>
+          </p:spPr>
+        </p:pic>
+      </p:grpSp>
+      <p:pic>
+        <p:nvPicPr>
+          <p:cNvPr id="17" name="Picture 16"/>
+          <p:cNvPicPr>
+            <a:picLocks noChangeAspect="1"/>
+          </p:cNvPicPr>
+          <p:nvPr/>
+        </p:nvPicPr>
+        <p:blipFill>
+          <a:blip r:embed="rId6">
+            <a:extLst>
+              <a:ext uri="{28A0092B-C50C-407E-A947-70E740481C1C}">
+                <a14:useLocalDpi xmlns:a14="http://schemas.microsoft.com/office/drawing/2010/main" val="0"/>
+              </a:ext>
+            </a:extLst>
+          </a:blip>
+          <a:stretch>
+            <a:fillRect/>
+          </a:stretch>
+        </p:blipFill>
+        <p:spPr>
+          <a:xfrm>
+            <a:off x="2862174" y="1580757"/>
+            <a:ext cx="508367" cy="465835"/>
+          </a:xfrm>
+          <a:prstGeom prst="rect">
+            <a:avLst/>
+          </a:prstGeom>
+        </p:spPr>
+      </p:pic>
+      <p:pic>
+        <p:nvPicPr>
+          <p:cNvPr id="22" name="Picture 21"/>
+          <p:cNvPicPr>
+            <a:picLocks noChangeAspect="1"/>
+          </p:cNvPicPr>
+          <p:nvPr/>
+        </p:nvPicPr>
+        <p:blipFill>
+          <a:blip r:embed="rId7">
+            <a:extLst>
+              <a:ext uri="{28A0092B-C50C-407E-A947-70E740481C1C}">
+                <a14:useLocalDpi xmlns:a14="http://schemas.microsoft.com/office/drawing/2010/main" val="0"/>
+              </a:ext>
+            </a:extLst>
+          </a:blip>
+          <a:stretch>
+            <a:fillRect/>
+          </a:stretch>
+        </p:blipFill>
+        <p:spPr>
+          <a:xfrm>
+            <a:off x="2864357" y="3986886"/>
+            <a:ext cx="508367" cy="465835"/>
+          </a:xfrm>
+          <a:prstGeom prst="rect">
+            <a:avLst/>
+          </a:prstGeom>
+        </p:spPr>
+      </p:pic>
+      <p:grpSp>
+        <p:nvGrpSpPr>
+          <p:cNvPr id="41" name="Group 40"/>
+          <p:cNvGrpSpPr/>
+          <p:nvPr/>
+        </p:nvGrpSpPr>
+        <p:grpSpPr>
+          <a:xfrm>
+            <a:off x="2713398" y="2687169"/>
+            <a:ext cx="784966" cy="805719"/>
+            <a:chOff x="2851951" y="2070898"/>
+            <a:chExt cx="833810" cy="933996"/>
+          </a:xfrm>
+        </p:grpSpPr>
+        <p:sp>
+          <p:nvSpPr>
+            <p:cNvPr id="40" name="Rounded Rectangle 39"/>
+            <p:cNvSpPr/>
+            <p:nvPr/>
+          </p:nvSpPr>
+          <p:spPr>
+            <a:xfrm>
+              <a:off x="2851951" y="2070898"/>
+              <a:ext cx="833810" cy="933996"/>
+            </a:xfrm>
+            <a:prstGeom prst="roundRect">
+              <a:avLst/>
+            </a:prstGeom>
+            <a:ln>
+              <a:noFill/>
+            </a:ln>
+          </p:spPr>
+          <p:style>
+            <a:lnRef idx="2">
+              <a:schemeClr val="accent1">
+                <a:shade val="50000"/>
+              </a:schemeClr>
+            </a:lnRef>
+            <a:fillRef idx="1">
+              <a:schemeClr val="accent1"/>
+            </a:fillRef>
+            <a:effectRef idx="0">
+              <a:schemeClr val="accent1"/>
+            </a:effectRef>
+            <a:fontRef idx="minor">
+              <a:schemeClr val="lt1"/>
+            </a:fontRef>
+          </p:style>
+          <p:txBody>
+            <a:bodyPr rtlCol="0" anchor="ctr"/>
+            <a:lstStyle/>
+            <a:p>
+              <a:pPr algn="ctr"/>
+              <a:endParaRPr lang="en-US"/>
+            </a:p>
+          </p:txBody>
+        </p:sp>
+        <p:pic>
+          <p:nvPicPr>
+            <p:cNvPr id="20" name="Picture 19"/>
+            <p:cNvPicPr>
+              <a:picLocks noChangeAspect="1"/>
+            </p:cNvPicPr>
+            <p:nvPr/>
+          </p:nvPicPr>
+          <p:blipFill>
+            <a:blip r:embed="rId8">
+              <a:extLst>
+                <a:ext uri="{28A0092B-C50C-407E-A947-70E740481C1C}">
+                  <a14:useLocalDpi xmlns:a14="http://schemas.microsoft.com/office/drawing/2010/main" val="0"/>
+                </a:ext>
+              </a:extLst>
+            </a:blip>
+            <a:stretch>
+              <a:fillRect/>
+            </a:stretch>
+          </p:blipFill>
+          <p:spPr>
+            <a:xfrm>
+              <a:off x="2851951" y="2111999"/>
+              <a:ext cx="833810" cy="833810"/>
+            </a:xfrm>
+            <a:prstGeom prst="rect">
+              <a:avLst/>
+            </a:prstGeom>
+            <a:ln>
+              <a:noFill/>
+            </a:ln>
+          </p:spPr>
+        </p:pic>
+      </p:grpSp>
+      <p:cxnSp>
+        <p:nvCxnSpPr>
+          <p:cNvPr id="49" name="Elbow Connector 48"/>
+          <p:cNvCxnSpPr>
+            <a:stCxn id="12" idx="3"/>
+            <a:endCxn id="20" idx="1"/>
+          </p:cNvCxnSpPr>
+          <p:nvPr/>
+        </p:nvCxnSpPr>
+        <p:spPr>
+          <a:xfrm flipV="1">
+            <a:off x="1699545" y="3082271"/>
+            <a:ext cx="1013853" cy="2466239"/>
+          </a:xfrm>
+          <a:prstGeom prst="bentConnector3">
+            <a:avLst/>
+          </a:prstGeom>
+          <a:ln w="53975">
+            <a:solidFill>
+              <a:schemeClr val="bg1">
+                <a:lumMod val="95000"/>
+              </a:schemeClr>
+            </a:solidFill>
+            <a:prstDash val="dash"/>
+            <a:tailEnd type="triangle"/>
+          </a:ln>
+        </p:spPr>
+        <p:style>
+          <a:lnRef idx="1">
+            <a:schemeClr val="accent1"/>
+          </a:lnRef>
+          <a:fillRef idx="0">
+            <a:schemeClr val="accent1"/>
+          </a:fillRef>
+          <a:effectRef idx="0">
+            <a:schemeClr val="accent1"/>
+          </a:effectRef>
+          <a:fontRef idx="minor">
+            <a:schemeClr val="tx1"/>
+          </a:fontRef>
+        </p:style>
+      </p:cxnSp>
+      <p:cxnSp>
+        <p:nvCxnSpPr>
+          <p:cNvPr id="52" name="Elbow Connector 51"/>
+          <p:cNvCxnSpPr/>
+          <p:nvPr/>
+        </p:nvCxnSpPr>
+        <p:spPr>
+          <a:xfrm flipV="1">
+            <a:off x="1699545" y="3082271"/>
+            <a:ext cx="1011225" cy="850212"/>
+          </a:xfrm>
+          <a:prstGeom prst="bentConnector3">
+            <a:avLst>
+              <a:gd name="adj1" fmla="val 33855"/>
+            </a:avLst>
+          </a:prstGeom>
+          <a:ln w="53975">
+            <a:solidFill>
+              <a:schemeClr val="bg1">
+                <a:lumMod val="95000"/>
+              </a:schemeClr>
+            </a:solidFill>
+            <a:prstDash val="dash"/>
+            <a:tailEnd type="triangle"/>
+          </a:ln>
+        </p:spPr>
+        <p:style>
+          <a:lnRef idx="1">
+            <a:schemeClr val="accent1"/>
+          </a:lnRef>
+          <a:fillRef idx="0">
+            <a:schemeClr val="accent1"/>
+          </a:fillRef>
+          <a:effectRef idx="0">
+            <a:schemeClr val="accent1"/>
+          </a:effectRef>
+          <a:fontRef idx="minor">
+            <a:schemeClr val="tx1"/>
+          </a:fontRef>
+        </p:style>
+      </p:cxnSp>
+      <p:cxnSp>
+        <p:nvCxnSpPr>
+          <p:cNvPr id="54" name="Elbow Connector 53"/>
+          <p:cNvCxnSpPr>
+            <a:stCxn id="6" idx="3"/>
+          </p:cNvCxnSpPr>
+          <p:nvPr/>
+        </p:nvCxnSpPr>
+        <p:spPr>
+          <a:xfrm>
+            <a:off x="1699545" y="2411084"/>
+            <a:ext cx="1011225" cy="671187"/>
+          </a:xfrm>
+          <a:prstGeom prst="bentConnector3">
+            <a:avLst/>
+          </a:prstGeom>
+          <a:ln w="53975">
+            <a:solidFill>
+              <a:schemeClr val="bg1">
+                <a:lumMod val="95000"/>
+              </a:schemeClr>
+            </a:solidFill>
+            <a:prstDash val="dash"/>
+            <a:tailEnd type="triangle"/>
+          </a:ln>
+        </p:spPr>
+        <p:style>
+          <a:lnRef idx="1">
+            <a:schemeClr val="accent1"/>
+          </a:lnRef>
+          <a:fillRef idx="0">
+            <a:schemeClr val="accent1"/>
+          </a:fillRef>
+          <a:effectRef idx="0">
+            <a:schemeClr val="accent1"/>
+          </a:effectRef>
+          <a:fontRef idx="minor">
+            <a:schemeClr val="tx1"/>
+          </a:fontRef>
+        </p:style>
+      </p:cxnSp>
+      <p:cxnSp>
+        <p:nvCxnSpPr>
+          <p:cNvPr id="71" name="Elbow Connector 70"/>
+          <p:cNvCxnSpPr>
+            <a:stCxn id="39" idx="3"/>
+            <a:endCxn id="23" idx="1"/>
+          </p:cNvCxnSpPr>
+          <p:nvPr/>
+        </p:nvCxnSpPr>
+        <p:spPr>
+          <a:xfrm flipV="1">
+            <a:off x="7302230" y="1804441"/>
+            <a:ext cx="1297414" cy="6258"/>
+          </a:xfrm>
+          <a:prstGeom prst="bentConnector3">
+            <a:avLst/>
+          </a:prstGeom>
+          <a:ln w="50800" cmpd="tri">
+            <a:solidFill>
+              <a:schemeClr val="accent1"/>
+            </a:solidFill>
+            <a:prstDash val="solid"/>
+            <a:headEnd type="triangle"/>
+            <a:tailEnd type="triangle"/>
+          </a:ln>
+        </p:spPr>
+        <p:style>
+          <a:lnRef idx="1">
+            <a:schemeClr val="accent1"/>
+          </a:lnRef>
+          <a:fillRef idx="0">
+            <a:schemeClr val="accent1"/>
+          </a:fillRef>
+          <a:effectRef idx="0">
+            <a:schemeClr val="accent1"/>
+          </a:effectRef>
+          <a:fontRef idx="minor">
+            <a:schemeClr val="tx1"/>
+          </a:fontRef>
+        </p:style>
+      </p:cxnSp>
+      <p:cxnSp>
+        <p:nvCxnSpPr>
+          <p:cNvPr id="79" name="Straight Arrow Connector 78"/>
+          <p:cNvCxnSpPr/>
+          <p:nvPr/>
+        </p:nvCxnSpPr>
+        <p:spPr>
+          <a:xfrm flipV="1">
+            <a:off x="6317436" y="1889902"/>
+            <a:ext cx="470370" cy="396480"/>
+          </a:xfrm>
+          <a:prstGeom prst="straightConnector1">
+            <a:avLst/>
+          </a:prstGeom>
+          <a:ln w="31750">
+            <a:headEnd type="triangle"/>
+            <a:tailEnd type="triangle"/>
+          </a:ln>
+        </p:spPr>
+        <p:style>
+          <a:lnRef idx="1">
+            <a:schemeClr val="accent1"/>
+          </a:lnRef>
+          <a:fillRef idx="0">
+            <a:schemeClr val="accent1"/>
+          </a:fillRef>
+          <a:effectRef idx="0">
+            <a:schemeClr val="accent1"/>
+          </a:effectRef>
+          <a:fontRef idx="minor">
+            <a:schemeClr val="tx1"/>
+          </a:fontRef>
+        </p:style>
+      </p:cxnSp>
+      <p:cxnSp>
+        <p:nvCxnSpPr>
+          <p:cNvPr id="56" name="Elbow Connector 55"/>
+          <p:cNvCxnSpPr/>
+          <p:nvPr/>
+        </p:nvCxnSpPr>
+        <p:spPr>
+          <a:xfrm rot="16200000" flipV="1">
+            <a:off x="2759736" y="2376478"/>
+            <a:ext cx="678109" cy="14183"/>
+          </a:xfrm>
+          <a:prstGeom prst="bentConnector3">
+            <a:avLst/>
+          </a:prstGeom>
+          <a:ln w="53975">
+            <a:solidFill>
+              <a:schemeClr val="bg2"/>
+            </a:solidFill>
+            <a:prstDash val="dash"/>
+            <a:tailEnd type="triangle"/>
+          </a:ln>
+        </p:spPr>
+        <p:style>
+          <a:lnRef idx="1">
+            <a:schemeClr val="accent1"/>
+          </a:lnRef>
+          <a:fillRef idx="0">
+            <a:schemeClr val="accent1"/>
+          </a:fillRef>
+          <a:effectRef idx="0">
+            <a:schemeClr val="accent1"/>
+          </a:effectRef>
+          <a:fontRef idx="minor">
+            <a:schemeClr val="tx1"/>
+          </a:fontRef>
+        </p:style>
+      </p:cxnSp>
+      <p:cxnSp>
+        <p:nvCxnSpPr>
+          <p:cNvPr id="59" name="Elbow Connector 58"/>
+          <p:cNvCxnSpPr>
+            <a:endCxn id="22" idx="0"/>
+          </p:cNvCxnSpPr>
+          <p:nvPr/>
+        </p:nvCxnSpPr>
+        <p:spPr>
+          <a:xfrm rot="5400000">
+            <a:off x="2875434" y="3735994"/>
+            <a:ext cx="493998" cy="7784"/>
+          </a:xfrm>
+          <a:prstGeom prst="bentConnector3">
+            <a:avLst/>
+          </a:prstGeom>
+          <a:ln w="53975">
+            <a:solidFill>
+              <a:schemeClr val="bg2"/>
+            </a:solidFill>
+            <a:prstDash val="dash"/>
+            <a:tailEnd type="triangle"/>
+          </a:ln>
+        </p:spPr>
+        <p:style>
+          <a:lnRef idx="1">
+            <a:schemeClr val="accent1"/>
+          </a:lnRef>
+          <a:fillRef idx="0">
+            <a:schemeClr val="accent1"/>
+          </a:fillRef>
+          <a:effectRef idx="0">
+            <a:schemeClr val="accent1"/>
+          </a:effectRef>
+          <a:fontRef idx="minor">
+            <a:schemeClr val="tx1"/>
+          </a:fontRef>
+        </p:style>
+      </p:cxnSp>
+      <p:sp>
+        <p:nvSpPr>
+          <p:cNvPr id="53" name="TextBox 52"/>
+          <p:cNvSpPr txBox="1"/>
+          <p:nvPr/>
+        </p:nvSpPr>
+        <p:spPr>
+          <a:xfrm>
+            <a:off x="512033" y="252248"/>
+            <a:ext cx="8726560" cy="707886"/>
+          </a:xfrm>
+          <a:prstGeom prst="rect">
+            <a:avLst/>
+          </a:prstGeom>
+          <a:noFill/>
+        </p:spPr>
+        <p:txBody>
+          <a:bodyPr wrap="square" rtlCol="0">
+            <a:spAutoFit/>
+          </a:bodyPr>
+          <a:lstStyle/>
+          <a:p>
+            <a:r>
+              <a:rPr lang="en-US" sz="4000" dirty="0"/>
+              <a:t>Further Use Cases</a:t>
+            </a:r>
+          </a:p>
+        </p:txBody>
+      </p:sp>
+      <p:sp>
+        <p:nvSpPr>
+          <p:cNvPr id="69" name="Rounded Rectangle 43">
+            <a:extLst>
+              <a:ext uri="{FF2B5EF4-FFF2-40B4-BE49-F238E27FC236}">
+                <a16:creationId xmlns:a16="http://schemas.microsoft.com/office/drawing/2014/main" id="{238E1532-F279-454E-806B-27C9A5C38293}"/>
+              </a:ext>
+            </a:extLst>
+          </p:cNvPr>
+          <p:cNvSpPr/>
+          <p:nvPr/>
+        </p:nvSpPr>
+        <p:spPr>
+          <a:xfrm>
+            <a:off x="7601310" y="1284790"/>
+            <a:ext cx="2642512" cy="4682994"/>
+          </a:xfrm>
+          <a:prstGeom prst="roundRect">
+            <a:avLst>
+              <a:gd name="adj" fmla="val 0"/>
+            </a:avLst>
+          </a:prstGeom>
+          <a:solidFill>
+            <a:schemeClr val="accent2">
+              <a:lumMod val="20000"/>
+              <a:lumOff val="80000"/>
+              <a:alpha val="71000"/>
+            </a:schemeClr>
+          </a:solidFill>
+          <a:ln w="12700">
+            <a:noFill/>
+          </a:ln>
+        </p:spPr>
+        <p:style>
+          <a:lnRef idx="2">
+            <a:schemeClr val="accent1">
+              <a:shade val="50000"/>
+            </a:schemeClr>
+          </a:lnRef>
+          <a:fillRef idx="1">
+            <a:schemeClr val="accent1"/>
+          </a:fillRef>
+          <a:effectRef idx="0">
+            <a:schemeClr val="accent1"/>
+          </a:effectRef>
+          <a:fontRef idx="minor">
+            <a:schemeClr val="lt1"/>
+          </a:fontRef>
+        </p:style>
+        <p:txBody>
+          <a:bodyPr rtlCol="0" anchor="ctr"/>
+          <a:lstStyle/>
+          <a:p>
+            <a:pPr algn="ctr"/>
+            <a:endParaRPr lang="en-US"/>
+          </a:p>
+        </p:txBody>
+      </p:sp>
+      <p:sp>
+        <p:nvSpPr>
+          <p:cNvPr id="68" name="Snip and Round Single Corner Rectangle 3">
+            <a:extLst>
+              <a:ext uri="{FF2B5EF4-FFF2-40B4-BE49-F238E27FC236}">
+                <a16:creationId xmlns:a16="http://schemas.microsoft.com/office/drawing/2014/main" id="{637F68FE-4B58-D74D-B76B-63DD98350840}"/>
+              </a:ext>
+            </a:extLst>
+          </p:cNvPr>
+          <p:cNvSpPr/>
+          <p:nvPr/>
+        </p:nvSpPr>
+        <p:spPr>
+          <a:xfrm>
+            <a:off x="4847944" y="1087200"/>
+            <a:ext cx="2753803" cy="5475600"/>
+          </a:xfrm>
+          <a:prstGeom prst="snipRoundRect">
+            <a:avLst>
+              <a:gd name="adj1" fmla="val 0"/>
+              <a:gd name="adj2" fmla="val 0"/>
+            </a:avLst>
+          </a:prstGeom>
+          <a:solidFill>
+            <a:schemeClr val="accent2">
+              <a:lumMod val="40000"/>
+              <a:lumOff val="60000"/>
+              <a:alpha val="84000"/>
+            </a:schemeClr>
+          </a:solidFill>
+          <a:ln>
+            <a:noFill/>
+          </a:ln>
+        </p:spPr>
+        <p:style>
+          <a:lnRef idx="2">
+            <a:schemeClr val="accent1">
+              <a:shade val="50000"/>
+            </a:schemeClr>
+          </a:lnRef>
+          <a:fillRef idx="1">
+            <a:schemeClr val="accent1"/>
+          </a:fillRef>
+          <a:effectRef idx="0">
+            <a:schemeClr val="accent1"/>
+          </a:effectRef>
+          <a:fontRef idx="minor">
+            <a:schemeClr val="lt1"/>
+          </a:fontRef>
+        </p:style>
+        <p:txBody>
+          <a:bodyPr rtlCol="0" anchor="ctr"/>
+          <a:lstStyle/>
+          <a:p>
+            <a:pPr algn="ctr"/>
+            <a:endParaRPr lang="en-US"/>
+          </a:p>
+        </p:txBody>
+      </p:sp>
+      <p:cxnSp>
+        <p:nvCxnSpPr>
+          <p:cNvPr id="65" name="Elbow Connector 64"/>
+          <p:cNvCxnSpPr>
+            <a:stCxn id="20" idx="3"/>
+            <a:endCxn id="15" idx="1"/>
+          </p:cNvCxnSpPr>
+          <p:nvPr/>
+        </p:nvCxnSpPr>
+        <p:spPr>
+          <a:xfrm flipV="1">
+            <a:off x="3498365" y="2236634"/>
+            <a:ext cx="933926" cy="845637"/>
+          </a:xfrm>
+          <a:prstGeom prst="bentConnector3">
+            <a:avLst/>
+          </a:prstGeom>
+          <a:ln w="50800" cmpd="tri">
+            <a:solidFill>
+              <a:schemeClr val="accent1"/>
+            </a:solidFill>
+            <a:prstDash val="solid"/>
+            <a:headEnd type="triangle"/>
+            <a:tailEnd type="triangle"/>
+          </a:ln>
+        </p:spPr>
+        <p:style>
+          <a:lnRef idx="1">
+            <a:schemeClr val="accent1"/>
+          </a:lnRef>
+          <a:fillRef idx="0">
+            <a:schemeClr val="accent1"/>
+          </a:fillRef>
+          <a:effectRef idx="0">
+            <a:schemeClr val="accent1"/>
+          </a:effectRef>
+          <a:fontRef idx="minor">
+            <a:schemeClr val="tx1"/>
+          </a:fontRef>
+        </p:style>
+      </p:cxnSp>
+      <p:grpSp>
+        <p:nvGrpSpPr>
+          <p:cNvPr id="28" name="Group 27"/>
+          <p:cNvGrpSpPr/>
+          <p:nvPr/>
+        </p:nvGrpSpPr>
+        <p:grpSpPr>
+          <a:xfrm>
+            <a:off x="4432291" y="2003716"/>
+            <a:ext cx="646667" cy="597190"/>
+            <a:chOff x="4627756" y="1549054"/>
+            <a:chExt cx="686905" cy="692268"/>
+          </a:xfrm>
+        </p:grpSpPr>
+        <p:pic>
+          <p:nvPicPr>
+            <p:cNvPr id="15" name="Picture 14"/>
+            <p:cNvPicPr>
+              <a:picLocks noChangeAspect="1"/>
+            </p:cNvPicPr>
+            <p:nvPr/>
+          </p:nvPicPr>
+          <p:blipFill>
+            <a:blip r:embed="rId4">
+              <a:extLst>
+                <a:ext uri="{28A0092B-C50C-407E-A947-70E740481C1C}">
+                  <a14:useLocalDpi xmlns:a14="http://schemas.microsoft.com/office/drawing/2010/main" val="0"/>
+                </a:ext>
+              </a:extLst>
+            </a:blip>
+            <a:stretch>
+              <a:fillRect/>
+            </a:stretch>
+          </p:blipFill>
+          <p:spPr>
+            <a:xfrm>
+              <a:off x="4627756" y="1549054"/>
+              <a:ext cx="540000" cy="540000"/>
+            </a:xfrm>
+            <a:prstGeom prst="rect">
+              <a:avLst/>
+            </a:prstGeom>
+          </p:spPr>
+        </p:pic>
+        <p:pic>
+          <p:nvPicPr>
+            <p:cNvPr id="27" name="Picture 26"/>
+            <p:cNvPicPr>
+              <a:picLocks noChangeAspect="1"/>
+            </p:cNvPicPr>
+            <p:nvPr/>
+          </p:nvPicPr>
+          <p:blipFill>
+            <a:blip r:embed="rId4">
+              <a:extLst>
+                <a:ext uri="{28A0092B-C50C-407E-A947-70E740481C1C}">
+                  <a14:useLocalDpi xmlns:a14="http://schemas.microsoft.com/office/drawing/2010/main" val="0"/>
+                </a:ext>
+              </a:extLst>
+            </a:blip>
+            <a:stretch>
+              <a:fillRect/>
+            </a:stretch>
+          </p:blipFill>
+          <p:spPr>
+            <a:xfrm>
+              <a:off x="4774661" y="1701322"/>
+              <a:ext cx="540000" cy="540000"/>
+            </a:xfrm>
+            <a:prstGeom prst="rect">
+              <a:avLst/>
+            </a:prstGeom>
+          </p:spPr>
+        </p:pic>
+      </p:grpSp>
+      <p:cxnSp>
+        <p:nvCxnSpPr>
+          <p:cNvPr id="67" name="Elbow Connector 66"/>
+          <p:cNvCxnSpPr/>
+          <p:nvPr/>
+        </p:nvCxnSpPr>
+        <p:spPr>
+          <a:xfrm>
+            <a:off x="5093800" y="2286382"/>
+            <a:ext cx="376596" cy="2296"/>
+          </a:xfrm>
+          <a:prstGeom prst="bentConnector3">
+            <a:avLst/>
+          </a:prstGeom>
+          <a:ln w="38100">
+            <a:prstDash val="lgDashDotDot"/>
+            <a:headEnd type="triangle"/>
+            <a:tailEnd type="triangle"/>
+          </a:ln>
+        </p:spPr>
+        <p:style>
+          <a:lnRef idx="1">
+            <a:schemeClr val="accent1"/>
+          </a:lnRef>
+          <a:fillRef idx="0">
+            <a:schemeClr val="accent1"/>
+          </a:fillRef>
+          <a:effectRef idx="0">
+            <a:schemeClr val="accent1"/>
+          </a:effectRef>
+          <a:fontRef idx="minor">
+            <a:schemeClr val="tx1"/>
+          </a:fontRef>
+        </p:style>
+      </p:cxnSp>
+      <p:grpSp>
+        <p:nvGrpSpPr>
+          <p:cNvPr id="60" name="Group 33">
+            <a:extLst>
+              <a:ext uri="{FF2B5EF4-FFF2-40B4-BE49-F238E27FC236}">
+                <a16:creationId xmlns:a16="http://schemas.microsoft.com/office/drawing/2014/main" id="{6476BBE5-AAFC-754B-BD26-B89EEE92F750}"/>
+              </a:ext>
+            </a:extLst>
+          </p:cNvPr>
+          <p:cNvGrpSpPr/>
+          <p:nvPr/>
+        </p:nvGrpSpPr>
+        <p:grpSpPr>
+          <a:xfrm>
+            <a:off x="6788273" y="2642367"/>
+            <a:ext cx="511868" cy="465733"/>
+            <a:chOff x="4627756" y="1549054"/>
+            <a:chExt cx="686905" cy="692268"/>
+          </a:xfrm>
+        </p:grpSpPr>
+        <p:pic>
+          <p:nvPicPr>
+            <p:cNvPr id="61" name="Picture 34">
+              <a:extLst>
+                <a:ext uri="{FF2B5EF4-FFF2-40B4-BE49-F238E27FC236}">
+                  <a16:creationId xmlns:a16="http://schemas.microsoft.com/office/drawing/2014/main" id="{294BD75E-A61E-024D-8955-8D536B036403}"/>
+                </a:ext>
+              </a:extLst>
+            </p:cNvPr>
+            <p:cNvPicPr>
+              <a:picLocks noChangeAspect="1"/>
+            </p:cNvPicPr>
+            <p:nvPr/>
+          </p:nvPicPr>
+          <p:blipFill>
+            <a:blip r:embed="rId4">
+              <a:extLst>
+                <a:ext uri="{28A0092B-C50C-407E-A947-70E740481C1C}">
+                  <a14:useLocalDpi xmlns:a14="http://schemas.microsoft.com/office/drawing/2010/main" val="0"/>
+                </a:ext>
+              </a:extLst>
+            </a:blip>
+            <a:stretch>
+              <a:fillRect/>
+            </a:stretch>
+          </p:blipFill>
+          <p:spPr>
+            <a:xfrm>
+              <a:off x="4627756" y="1549054"/>
+              <a:ext cx="540000" cy="540000"/>
+            </a:xfrm>
+            <a:prstGeom prst="rect">
+              <a:avLst/>
+            </a:prstGeom>
+          </p:spPr>
+        </p:pic>
+        <p:pic>
+          <p:nvPicPr>
+            <p:cNvPr id="62" name="Picture 35">
+              <a:extLst>
+                <a:ext uri="{FF2B5EF4-FFF2-40B4-BE49-F238E27FC236}">
+                  <a16:creationId xmlns:a16="http://schemas.microsoft.com/office/drawing/2014/main" id="{7101FF9E-5CE9-FC44-AEA3-E45AFE1ACD22}"/>
+                </a:ext>
+              </a:extLst>
+            </p:cNvPr>
+            <p:cNvPicPr>
+              <a:picLocks noChangeAspect="1"/>
+            </p:cNvPicPr>
+            <p:nvPr/>
+          </p:nvPicPr>
+          <p:blipFill>
+            <a:blip r:embed="rId4">
+              <a:extLst>
+                <a:ext uri="{28A0092B-C50C-407E-A947-70E740481C1C}">
+                  <a14:useLocalDpi xmlns:a14="http://schemas.microsoft.com/office/drawing/2010/main" val="0"/>
+                </a:ext>
+              </a:extLst>
+            </a:blip>
+            <a:stretch>
+              <a:fillRect/>
+            </a:stretch>
+          </p:blipFill>
+          <p:spPr>
+            <a:xfrm>
+              <a:off x="4774661" y="1701322"/>
+              <a:ext cx="540000" cy="540000"/>
+            </a:xfrm>
+            <a:prstGeom prst="rect">
+              <a:avLst/>
+            </a:prstGeom>
+          </p:spPr>
+        </p:pic>
+      </p:grpSp>
+      <p:cxnSp>
+        <p:nvCxnSpPr>
+          <p:cNvPr id="64" name="Straight Arrow Connector 79">
+            <a:extLst>
+              <a:ext uri="{FF2B5EF4-FFF2-40B4-BE49-F238E27FC236}">
+                <a16:creationId xmlns:a16="http://schemas.microsoft.com/office/drawing/2014/main" id="{4BB935E5-E512-2448-B482-9D3C31C4AA82}"/>
+              </a:ext>
+            </a:extLst>
+          </p:cNvPr>
+          <p:cNvCxnSpPr/>
+          <p:nvPr/>
+        </p:nvCxnSpPr>
+        <p:spPr>
+          <a:xfrm>
+            <a:off x="6314672" y="2418507"/>
+            <a:ext cx="416153" cy="320492"/>
+          </a:xfrm>
+          <a:prstGeom prst="straightConnector1">
+            <a:avLst/>
+          </a:prstGeom>
+          <a:ln w="31750">
+            <a:solidFill>
+              <a:srgbClr val="00B050"/>
+            </a:solidFill>
+            <a:headEnd type="triangle"/>
+            <a:tailEnd type="triangle"/>
+          </a:ln>
+        </p:spPr>
+        <p:style>
+          <a:lnRef idx="1">
+            <a:schemeClr val="accent1"/>
+          </a:lnRef>
+          <a:fillRef idx="0">
+            <a:schemeClr val="accent1"/>
+          </a:fillRef>
+          <a:effectRef idx="0">
+            <a:schemeClr val="accent1"/>
+          </a:effectRef>
+          <a:fontRef idx="minor">
+            <a:schemeClr val="tx1"/>
+          </a:fontRef>
+        </p:style>
+      </p:cxnSp>
+      <p:cxnSp>
+        <p:nvCxnSpPr>
+          <p:cNvPr id="63" name="Elbow Connector 71">
+            <a:extLst>
+              <a:ext uri="{FF2B5EF4-FFF2-40B4-BE49-F238E27FC236}">
+                <a16:creationId xmlns:a16="http://schemas.microsoft.com/office/drawing/2014/main" id="{78125056-3577-D74D-8CD9-EC8BC44FEACC}"/>
+              </a:ext>
+            </a:extLst>
+          </p:cNvPr>
+          <p:cNvCxnSpPr>
+            <a:cxnSpLocks/>
+          </p:cNvCxnSpPr>
+          <p:nvPr/>
+        </p:nvCxnSpPr>
+        <p:spPr>
+          <a:xfrm flipV="1">
+            <a:off x="7300141" y="2920754"/>
+            <a:ext cx="1300048" cy="5700"/>
+          </a:xfrm>
+          <a:prstGeom prst="bentConnector3">
+            <a:avLst/>
+          </a:prstGeom>
+          <a:ln w="50800" cmpd="tri">
+            <a:solidFill>
+              <a:srgbClr val="00B050"/>
+            </a:solidFill>
+            <a:prstDash val="solid"/>
+            <a:headEnd type="triangle"/>
+            <a:tailEnd type="triangle"/>
+          </a:ln>
+        </p:spPr>
+        <p:style>
+          <a:lnRef idx="1">
+            <a:schemeClr val="accent1"/>
+          </a:lnRef>
+          <a:fillRef idx="0">
+            <a:schemeClr val="accent1"/>
+          </a:fillRef>
+          <a:effectRef idx="0">
+            <a:schemeClr val="accent1"/>
+          </a:effectRef>
+          <a:fontRef idx="minor">
+            <a:schemeClr val="tx1"/>
+          </a:fontRef>
+        </p:style>
+      </p:cxnSp>
+      <p:grpSp>
+        <p:nvGrpSpPr>
+          <p:cNvPr id="11" name="Group 10"/>
+          <p:cNvGrpSpPr/>
+          <p:nvPr/>
+        </p:nvGrpSpPr>
+        <p:grpSpPr>
+          <a:xfrm>
+            <a:off x="914665" y="5154103"/>
+            <a:ext cx="784880" cy="788814"/>
+            <a:chOff x="941294" y="1721224"/>
+            <a:chExt cx="833718" cy="914400"/>
+          </a:xfrm>
+        </p:grpSpPr>
+        <p:sp>
+          <p:nvSpPr>
+            <p:cNvPr id="12" name="Rounded Rectangle 11"/>
+            <p:cNvSpPr/>
+            <p:nvPr/>
+          </p:nvSpPr>
+          <p:spPr>
+            <a:xfrm>
+              <a:off x="941294" y="1721224"/>
+              <a:ext cx="833718" cy="914400"/>
+            </a:xfrm>
+            <a:prstGeom prst="roundRect">
+              <a:avLst/>
+            </a:prstGeom>
+            <a:solidFill>
+              <a:schemeClr val="bg1"/>
+            </a:solidFill>
+            <a:ln>
+              <a:noFill/>
+            </a:ln>
+          </p:spPr>
+          <p:style>
+            <a:lnRef idx="2">
+              <a:schemeClr val="accent1">
+                <a:shade val="50000"/>
+              </a:schemeClr>
+            </a:lnRef>
+            <a:fillRef idx="1">
+              <a:schemeClr val="accent1"/>
+            </a:fillRef>
+            <a:effectRef idx="0">
+              <a:schemeClr val="accent1"/>
+            </a:effectRef>
+            <a:fontRef idx="minor">
+              <a:schemeClr val="lt1"/>
+            </a:fontRef>
+          </p:style>
+          <p:txBody>
+            <a:bodyPr rtlCol="0" anchor="ctr"/>
+            <a:lstStyle/>
+            <a:p>
+              <a:pPr algn="ctr"/>
+              <a:endParaRPr lang="en-US"/>
+            </a:p>
+          </p:txBody>
+        </p:sp>
+        <p:pic>
+          <p:nvPicPr>
+            <p:cNvPr id="13" name="Picture 12"/>
+            <p:cNvPicPr>
+              <a:picLocks noChangeAspect="1"/>
+            </p:cNvPicPr>
+            <p:nvPr/>
+          </p:nvPicPr>
+          <p:blipFill>
+            <a:blip r:embed="rId5">
+              <a:extLst>
+                <a:ext uri="{28A0092B-C50C-407E-A947-70E740481C1C}">
+                  <a14:useLocalDpi xmlns:a14="http://schemas.microsoft.com/office/drawing/2010/main" val="0"/>
+                </a:ext>
+              </a:extLst>
+            </a:blip>
+            <a:stretch>
+              <a:fillRect/>
+            </a:stretch>
+          </p:blipFill>
+          <p:spPr>
+            <a:xfrm>
+              <a:off x="1005541" y="1848224"/>
+              <a:ext cx="650240" cy="650240"/>
+            </a:xfrm>
+            <a:prstGeom prst="rect">
+              <a:avLst/>
+            </a:prstGeom>
+            <a:ln>
+              <a:noFill/>
+            </a:ln>
+          </p:spPr>
+        </p:pic>
+      </p:grpSp>
+      <p:grpSp>
+        <p:nvGrpSpPr>
+          <p:cNvPr id="32" name="Gruppieren 31">
+            <a:extLst>
+              <a:ext uri="{FF2B5EF4-FFF2-40B4-BE49-F238E27FC236}">
+                <a16:creationId xmlns:a16="http://schemas.microsoft.com/office/drawing/2014/main" id="{85BAD49F-209F-134D-A8E8-ABC782FF77AC}"/>
+              </a:ext>
+            </a:extLst>
+          </p:cNvPr>
+          <p:cNvGrpSpPr/>
+          <p:nvPr/>
+        </p:nvGrpSpPr>
+        <p:grpSpPr>
+          <a:xfrm>
+            <a:off x="8606245" y="2687831"/>
+            <a:ext cx="700268" cy="648462"/>
+            <a:chOff x="8600189" y="2687831"/>
+            <a:chExt cx="700268" cy="648462"/>
+          </a:xfrm>
+        </p:grpSpPr>
+        <p:pic>
+          <p:nvPicPr>
+            <p:cNvPr id="51" name="Picture 32">
+              <a:extLst>
+                <a:ext uri="{FF2B5EF4-FFF2-40B4-BE49-F238E27FC236}">
+                  <a16:creationId xmlns:a16="http://schemas.microsoft.com/office/drawing/2014/main" id="{D2904F57-BE8C-F54A-9D6A-6CE428AC098A}"/>
+                </a:ext>
+              </a:extLst>
+            </p:cNvPr>
+            <p:cNvPicPr>
+              <a:picLocks noChangeAspect="1"/>
+            </p:cNvPicPr>
+            <p:nvPr/>
+          </p:nvPicPr>
+          <p:blipFill>
+            <a:blip r:embed="rId3">
+              <a:extLst>
+                <a:ext uri="{28A0092B-C50C-407E-A947-70E740481C1C}">
+                  <a14:useLocalDpi xmlns:a14="http://schemas.microsoft.com/office/drawing/2010/main" val="0"/>
+                </a:ext>
+              </a:extLst>
+            </a:blip>
+            <a:stretch>
+              <a:fillRect/>
+            </a:stretch>
+          </p:blipFill>
+          <p:spPr>
+            <a:xfrm>
+              <a:off x="8600189" y="2687831"/>
+              <a:ext cx="508405" cy="465847"/>
+            </a:xfrm>
+            <a:prstGeom prst="rect">
+              <a:avLst/>
+            </a:prstGeom>
+          </p:spPr>
+        </p:pic>
+        <p:pic>
+          <p:nvPicPr>
+            <p:cNvPr id="66" name="Picture 18">
+              <a:extLst>
+                <a:ext uri="{FF2B5EF4-FFF2-40B4-BE49-F238E27FC236}">
+                  <a16:creationId xmlns:a16="http://schemas.microsoft.com/office/drawing/2014/main" id="{FAC64FA6-AC13-5749-98D5-FCB7A8338278}"/>
+                </a:ext>
+              </a:extLst>
+            </p:cNvPr>
+            <p:cNvPicPr>
+              <a:picLocks noChangeAspect="1"/>
+            </p:cNvPicPr>
+            <p:nvPr/>
+          </p:nvPicPr>
+          <p:blipFill>
+            <a:blip r:embed="rId9">
               <a:extLst>
                 <a:ext uri="{28A0092B-C50C-407E-A947-70E740481C1C}">
                   <a14:useLocalDpi xmlns:a14="http://schemas.microsoft.com/office/drawing/2010/main" val="0"/>
@@ -8036,10 +12895,10 @@
         </p:nvGrpSpPr>
         <p:grpSpPr>
           <a:xfrm>
-            <a:off x="3504618" y="3541039"/>
-            <a:ext cx="4792858" cy="2813731"/>
-            <a:chOff x="3504618" y="3541039"/>
-            <a:chExt cx="4792858" cy="2813731"/>
+            <a:off x="3504618" y="3470703"/>
+            <a:ext cx="4792858" cy="2652963"/>
+            <a:chOff x="3504618" y="3701807"/>
+            <a:chExt cx="4792858" cy="2652963"/>
           </a:xfrm>
         </p:grpSpPr>
         <p:sp>
@@ -8153,7 +13012,7 @@
           </p:nvSpPr>
           <p:spPr>
             <a:xfrm>
-              <a:off x="3931538" y="3541039"/>
+              <a:off x="3931538" y="3701807"/>
               <a:ext cx="3661148" cy="615553"/>
             </a:xfrm>
             <a:prstGeom prst="rect">
@@ -8176,879 +13035,220 @@
           </p:txBody>
         </p:sp>
       </p:grpSp>
-    </p:spTree>
-    <p:extLst>
-      <p:ext uri="{BB962C8B-B14F-4D97-AF65-F5344CB8AC3E}">
-        <p14:creationId xmlns:p14="http://schemas.microsoft.com/office/powerpoint/2010/main" val="3334739131"/>
-      </p:ext>
-    </p:extLst>
-  </p:cSld>
-  <p:clrMapOvr>
-    <a:masterClrMapping/>
-  </p:clrMapOvr>
-  <p:timing>
-    <p:tnLst>
-      <p:par>
-        <p:cTn id="1" dur="indefinite" restart="never" nodeType="tmRoot">
-          <p:childTnLst>
-            <p:seq concurrent="1" nextAc="seek">
-              <p:cTn id="2" dur="indefinite" nodeType="mainSeq">
-                <p:childTnLst>
-                  <p:par>
-                    <p:cTn id="3" fill="hold">
-                      <p:stCondLst>
-                        <p:cond delay="indefinite"/>
-                      </p:stCondLst>
-                      <p:childTnLst>
-                        <p:par>
-                          <p:cTn id="4" fill="hold">
-                            <p:stCondLst>
-                              <p:cond delay="0"/>
-                            </p:stCondLst>
-                            <p:childTnLst>
-                              <p:par>
-                                <p:cTn id="5" presetID="0" presetClass="path" presetSubtype="0" fill="hold" nodeType="clickEffect">
-                                  <p:stCondLst>
-                                    <p:cond delay="0"/>
-                                  </p:stCondLst>
-                                  <p:childTnLst>
-                                    <p:animMotion origin="layout" path="M 0.00156 0.01359 L -0.00013 0.39436 L -0.60716 0.40455 " pathEditMode="fixed" rAng="0" ptsTypes="AAA">
-                                      <p:cBhvr>
-                                        <p:cTn id="6" dur="3000" fill="hold"/>
-                                        <p:tgtEl>
-                                          <p:spTgt spid="32"/>
-                                        </p:tgtEl>
-                                        <p:attrNameLst>
-                                          <p:attrName>ppt_x</p:attrName>
-                                          <p:attrName>ppt_y</p:attrName>
-                                        </p:attrNameLst>
-                                      </p:cBhvr>
-                                      <p:rCtr x="-30443" y="19537"/>
-                                    </p:animMotion>
-                                  </p:childTnLst>
-                                </p:cTn>
-                              </p:par>
-                            </p:childTnLst>
-                          </p:cTn>
-                        </p:par>
-                      </p:childTnLst>
-                    </p:cTn>
-                  </p:par>
-                  <p:par>
-                    <p:cTn id="7" fill="hold">
-                      <p:stCondLst>
-                        <p:cond delay="indefinite"/>
-                      </p:stCondLst>
-                      <p:childTnLst>
-                        <p:par>
-                          <p:cTn id="8" fill="hold">
-                            <p:stCondLst>
-                              <p:cond delay="0"/>
-                            </p:stCondLst>
-                            <p:childTnLst>
-                              <p:par>
-                                <p:cTn id="9" presetID="1" presetClass="entr" presetSubtype="0" fill="hold" nodeType="clickEffect">
-                                  <p:stCondLst>
-                                    <p:cond delay="0"/>
-                                  </p:stCondLst>
-                                  <p:childTnLst>
-                                    <p:set>
-                                      <p:cBhvr>
-                                        <p:cTn id="10" dur="1" fill="hold">
-                                          <p:stCondLst>
-                                            <p:cond delay="0"/>
-                                          </p:stCondLst>
-                                        </p:cTn>
-                                        <p:tgtEl>
-                                          <p:spTgt spid="72"/>
-                                        </p:tgtEl>
-                                        <p:attrNameLst>
-                                          <p:attrName>style.visibility</p:attrName>
-                                        </p:attrNameLst>
-                                      </p:cBhvr>
-                                      <p:to>
-                                        <p:strVal val="visible"/>
-                                      </p:to>
-                                    </p:set>
-                                  </p:childTnLst>
-                                </p:cTn>
-                              </p:par>
-                            </p:childTnLst>
-                          </p:cTn>
-                        </p:par>
-                      </p:childTnLst>
-                    </p:cTn>
-                  </p:par>
-                </p:childTnLst>
-              </p:cTn>
-              <p:prevCondLst>
-                <p:cond evt="onPrev" delay="0">
-                  <p:tgtEl>
-                    <p:sldTgt/>
-                  </p:tgtEl>
-                </p:cond>
-              </p:prevCondLst>
-              <p:nextCondLst>
-                <p:cond evt="onNext" delay="0">
-                  <p:tgtEl>
-                    <p:sldTgt/>
-                  </p:tgtEl>
-                </p:cond>
-              </p:nextCondLst>
-            </p:seq>
-          </p:childTnLst>
-        </p:cTn>
-      </p:par>
-    </p:tnLst>
-  </p:timing>
-</p:sld>
-</file>
-
-<file path=ppt/slides/slide5.xml><?xml version="1.0" encoding="utf-8"?>
-<p:sld xmlns:a="http://schemas.openxmlformats.org/drawingml/2006/main" xmlns:r="http://schemas.openxmlformats.org/officeDocument/2006/relationships" xmlns:p="http://schemas.openxmlformats.org/presentationml/2006/main">
-  <p:cSld>
-    <p:spTree>
-      <p:nvGrpSpPr>
-        <p:cNvPr id="1" name=""/>
-        <p:cNvGrpSpPr/>
-        <p:nvPr/>
-      </p:nvGrpSpPr>
-      <p:grpSpPr>
-        <a:xfrm>
-          <a:off x="0" y="0"/>
-          <a:ext cx="0" cy="0"/>
-          <a:chOff x="0" y="0"/>
-          <a:chExt cx="0" cy="0"/>
-        </a:xfrm>
-      </p:grpSpPr>
+      <p:grpSp>
+        <p:nvGrpSpPr>
+          <p:cNvPr id="2" name="Gruppieren 1">
+            <a:extLst>
+              <a:ext uri="{FF2B5EF4-FFF2-40B4-BE49-F238E27FC236}">
+                <a16:creationId xmlns:a16="http://schemas.microsoft.com/office/drawing/2014/main" id="{BF74596D-D975-8445-A5BC-48898ABAC517}"/>
+              </a:ext>
+            </a:extLst>
+          </p:cNvPr>
+          <p:cNvGrpSpPr/>
+          <p:nvPr/>
+        </p:nvGrpSpPr>
+        <p:grpSpPr>
+          <a:xfrm>
+            <a:off x="5393973" y="1313303"/>
+            <a:ext cx="987322" cy="1395703"/>
+            <a:chOff x="5393973" y="1313303"/>
+            <a:chExt cx="987322" cy="1395703"/>
+          </a:xfrm>
+        </p:grpSpPr>
+        <p:pic>
+          <p:nvPicPr>
+            <p:cNvPr id="16" name="Picture 15"/>
+            <p:cNvPicPr>
+              <a:picLocks noChangeAspect="1"/>
+            </p:cNvPicPr>
+            <p:nvPr/>
+          </p:nvPicPr>
+          <p:blipFill>
+            <a:blip r:embed="rId10">
+              <a:extLst>
+                <a:ext uri="{28A0092B-C50C-407E-A947-70E740481C1C}">
+                  <a14:useLocalDpi xmlns:a14="http://schemas.microsoft.com/office/drawing/2010/main" val="0"/>
+                </a:ext>
+              </a:extLst>
+            </a:blip>
+            <a:stretch>
+              <a:fillRect/>
+            </a:stretch>
+          </p:blipFill>
+          <p:spPr>
+            <a:xfrm>
+              <a:off x="5455553" y="1919233"/>
+              <a:ext cx="861882" cy="789773"/>
+            </a:xfrm>
+            <a:prstGeom prst="rect">
+              <a:avLst/>
+            </a:prstGeom>
+          </p:spPr>
+        </p:pic>
+        <p:sp>
+          <p:nvSpPr>
+            <p:cNvPr id="70" name="Textfeld 69">
+              <a:extLst>
+                <a:ext uri="{FF2B5EF4-FFF2-40B4-BE49-F238E27FC236}">
+                  <a16:creationId xmlns:a16="http://schemas.microsoft.com/office/drawing/2014/main" id="{C6CDC6B9-9D57-B049-862C-E809EF7E6B07}"/>
+                </a:ext>
+              </a:extLst>
+            </p:cNvPr>
+            <p:cNvSpPr txBox="1"/>
+            <p:nvPr/>
+          </p:nvSpPr>
+          <p:spPr>
+            <a:xfrm>
+              <a:off x="5393973" y="1313303"/>
+              <a:ext cx="987322" cy="923330"/>
+            </a:xfrm>
+            <a:prstGeom prst="rect">
+              <a:avLst/>
+            </a:prstGeom>
+            <a:noFill/>
+          </p:spPr>
+          <p:txBody>
+            <a:bodyPr wrap="none" rtlCol="0">
+              <a:spAutoFit/>
+            </a:bodyPr>
+            <a:lstStyle/>
+            <a:p>
+              <a:pPr algn="ctr"/>
+              <a:r>
+                <a:rPr lang="en-US" dirty="0"/>
+                <a:t>Smart</a:t>
+              </a:r>
+            </a:p>
+            <a:p>
+              <a:pPr algn="ctr"/>
+              <a:r>
+                <a:rPr lang="en-US" dirty="0"/>
+                <a:t>Contract</a:t>
+              </a:r>
+            </a:p>
+            <a:p>
+              <a:endParaRPr lang="de-DE" dirty="0"/>
+            </a:p>
+          </p:txBody>
+        </p:sp>
+      </p:grpSp>
       <p:sp>
         <p:nvSpPr>
-          <p:cNvPr id="2" name="Titel 1">
+          <p:cNvPr id="76" name="Textfeld 75">
             <a:extLst>
               <a:ext uri="{FF2B5EF4-FFF2-40B4-BE49-F238E27FC236}">
-                <a16:creationId xmlns:a16="http://schemas.microsoft.com/office/drawing/2014/main" id="{4ED4C486-7694-F44D-87FB-572051320CAB}"/>
+                <a16:creationId xmlns:a16="http://schemas.microsoft.com/office/drawing/2014/main" id="{81888591-2538-1441-BD81-D35A23E24FBF}"/>
               </a:ext>
             </a:extLst>
           </p:cNvPr>
-          <p:cNvSpPr>
-            <a:spLocks noGrp="1"/>
-          </p:cNvSpPr>
-          <p:nvPr>
-            <p:ph type="title"/>
-          </p:nvPr>
+          <p:cNvSpPr txBox="1"/>
+          <p:nvPr/>
         </p:nvSpPr>
-        <p:spPr/>
+        <p:spPr>
+          <a:xfrm>
+            <a:off x="469464" y="6177626"/>
+            <a:ext cx="3458125" cy="400110"/>
+          </a:xfrm>
+          <a:prstGeom prst="rect">
+            <a:avLst/>
+          </a:prstGeom>
+          <a:noFill/>
+        </p:spPr>
         <p:txBody>
-          <a:bodyPr/>
+          <a:bodyPr wrap="square" rtlCol="0">
+            <a:spAutoFit/>
+          </a:bodyPr>
           <a:lstStyle/>
           <a:p>
-            <a:endParaRPr lang="de-DE"/>
+            <a:pPr algn="ctr"/>
+            <a:r>
+              <a:rPr lang="de-DE" sz="2000" dirty="0"/>
+              <a:t>Enterprise Producer</a:t>
+            </a:r>
           </a:p>
         </p:txBody>
       </p:sp>
       <p:sp>
         <p:nvSpPr>
-          <p:cNvPr id="3" name="Inhaltsplatzhalter 2">
+          <p:cNvPr id="77" name="Textfeld 76">
             <a:extLst>
               <a:ext uri="{FF2B5EF4-FFF2-40B4-BE49-F238E27FC236}">
-                <a16:creationId xmlns:a16="http://schemas.microsoft.com/office/drawing/2014/main" id="{EB7FEB7C-EA76-1847-8909-C129047C4C14}"/>
+                <a16:creationId xmlns:a16="http://schemas.microsoft.com/office/drawing/2014/main" id="{1341F6B9-549E-5741-B08F-D6E2B12D0BE1}"/>
               </a:ext>
             </a:extLst>
           </p:cNvPr>
-          <p:cNvSpPr>
-            <a:spLocks noGrp="1"/>
-          </p:cNvSpPr>
-          <p:nvPr>
-            <p:ph idx="1"/>
-          </p:nvPr>
+          <p:cNvSpPr txBox="1"/>
+          <p:nvPr/>
         </p:nvSpPr>
-        <p:spPr/>
+        <p:spPr>
+          <a:xfrm>
+            <a:off x="7601567" y="6177626"/>
+            <a:ext cx="2899445" cy="400110"/>
+          </a:xfrm>
+          <a:prstGeom prst="rect">
+            <a:avLst/>
+          </a:prstGeom>
+          <a:noFill/>
+        </p:spPr>
         <p:txBody>
-          <a:bodyPr/>
+          <a:bodyPr wrap="square" rtlCol="0">
+            <a:spAutoFit/>
+          </a:bodyPr>
           <a:lstStyle/>
           <a:p>
-            <a:endParaRPr lang="de-DE" dirty="0"/>
+            <a:pPr algn="ctr"/>
+            <a:r>
+              <a:rPr lang="de-DE" sz="2000" dirty="0" err="1"/>
+              <a:t>Trusted</a:t>
+            </a:r>
+            <a:r>
+              <a:rPr lang="de-DE" sz="2000" dirty="0"/>
+              <a:t> Service Providers</a:t>
+            </a:r>
+          </a:p>
+        </p:txBody>
+      </p:sp>
+      <p:sp>
+        <p:nvSpPr>
+          <p:cNvPr id="78" name="Textfeld 77">
+            <a:extLst>
+              <a:ext uri="{FF2B5EF4-FFF2-40B4-BE49-F238E27FC236}">
+                <a16:creationId xmlns:a16="http://schemas.microsoft.com/office/drawing/2014/main" id="{4FFE79F8-3A02-7B40-93C1-378159EBD25B}"/>
+              </a:ext>
+            </a:extLst>
+          </p:cNvPr>
+          <p:cNvSpPr txBox="1"/>
+          <p:nvPr/>
+        </p:nvSpPr>
+        <p:spPr>
+          <a:xfrm>
+            <a:off x="3907668" y="6177626"/>
+            <a:ext cx="3698026" cy="400110"/>
+          </a:xfrm>
+          <a:prstGeom prst="rect">
+            <a:avLst/>
+          </a:prstGeom>
+          <a:noFill/>
+        </p:spPr>
+        <p:txBody>
+          <a:bodyPr wrap="square" rtlCol="0">
+            <a:spAutoFit/>
+          </a:bodyPr>
+          <a:lstStyle/>
+          <a:p>
+            <a:pPr algn="ctr"/>
+            <a:r>
+              <a:rPr lang="de-DE" sz="2000" dirty="0" err="1"/>
+              <a:t>Blockchain</a:t>
+            </a:r>
+            <a:endParaRPr lang="de-DE" sz="2000" dirty="0"/>
           </a:p>
         </p:txBody>
       </p:sp>
     </p:spTree>
     <p:extLst>
       <p:ext uri="{BB962C8B-B14F-4D97-AF65-F5344CB8AC3E}">
-        <p14:creationId xmlns:p14="http://schemas.microsoft.com/office/powerpoint/2010/main" val="2552253436"/>
-      </p:ext>
-    </p:extLst>
-  </p:cSld>
-  <p:clrMapOvr>
-    <a:masterClrMapping/>
-  </p:clrMapOvr>
-</p:sld>
-</file>
-
-<file path=ppt/slides/slide6.xml><?xml version="1.0" encoding="utf-8"?>
-<p:sld xmlns:a="http://schemas.openxmlformats.org/drawingml/2006/main" xmlns:r="http://schemas.openxmlformats.org/officeDocument/2006/relationships" xmlns:p="http://schemas.openxmlformats.org/presentationml/2006/main">
-  <p:cSld>
-    <p:spTree>
-      <p:nvGrpSpPr>
-        <p:cNvPr id="1" name=""/>
-        <p:cNvGrpSpPr/>
-        <p:nvPr/>
-      </p:nvGrpSpPr>
-      <p:grpSpPr>
-        <a:xfrm>
-          <a:off x="0" y="0"/>
-          <a:ext cx="0" cy="0"/>
-          <a:chOff x="0" y="0"/>
-          <a:chExt cx="0" cy="0"/>
-        </a:xfrm>
-      </p:grpSpPr>
-      <p:sp>
-        <p:nvSpPr>
-          <p:cNvPr id="7" name="Inhaltsplatzhalter 2">
-            <a:extLst>
-              <a:ext uri="{FF2B5EF4-FFF2-40B4-BE49-F238E27FC236}">
-                <a16:creationId xmlns:a16="http://schemas.microsoft.com/office/drawing/2014/main" id="{4DE1AD5E-6DCD-7C44-834C-5A33C67BA67E}"/>
-              </a:ext>
-            </a:extLst>
-          </p:cNvPr>
-          <p:cNvSpPr>
-            <a:spLocks noGrp="1"/>
-          </p:cNvSpPr>
-          <p:nvPr>
-            <p:ph idx="1"/>
-          </p:nvPr>
-        </p:nvSpPr>
-        <p:spPr>
-          <a:xfrm>
-            <a:off x="838200" y="1825625"/>
-            <a:ext cx="10515600" cy="4351338"/>
-          </a:xfrm>
-        </p:spPr>
-        <p:txBody>
-          <a:bodyPr>
-            <a:normAutofit lnSpcReduction="10000"/>
-          </a:bodyPr>
-          <a:lstStyle/>
-          <a:p>
-            <a:r>
-              <a:rPr lang="de-DE" dirty="0" err="1"/>
-              <a:t>Git</a:t>
-            </a:r>
-            <a:r>
-              <a:rPr lang="de-DE" dirty="0"/>
-              <a:t> Repository (</a:t>
-            </a:r>
-            <a:r>
-              <a:rPr lang="de-DE" dirty="0" err="1"/>
-              <a:t>Github</a:t>
-            </a:r>
-            <a:r>
-              <a:rPr lang="de-DE" dirty="0"/>
-              <a:t>)</a:t>
-            </a:r>
-          </a:p>
-          <a:p>
-            <a:r>
-              <a:rPr lang="de-DE" dirty="0"/>
-              <a:t>Implementation</a:t>
-            </a:r>
-          </a:p>
-          <a:p>
-            <a:pPr lvl="1"/>
-            <a:r>
-              <a:rPr lang="de-DE" dirty="0"/>
-              <a:t>Python</a:t>
-            </a:r>
-          </a:p>
-          <a:p>
-            <a:pPr lvl="2"/>
-            <a:r>
-              <a:rPr lang="de-DE" dirty="0"/>
-              <a:t>Wallet</a:t>
-            </a:r>
-          </a:p>
-          <a:p>
-            <a:pPr lvl="2"/>
-            <a:r>
-              <a:rPr lang="de-DE" dirty="0"/>
-              <a:t>Controller // Management Unit</a:t>
-            </a:r>
-          </a:p>
-          <a:p>
-            <a:pPr lvl="1"/>
-            <a:r>
-              <a:rPr lang="de-DE" dirty="0" err="1"/>
-              <a:t>Jquery</a:t>
-            </a:r>
-            <a:r>
-              <a:rPr lang="de-DE" dirty="0"/>
-              <a:t> / JS: Web UI</a:t>
-            </a:r>
-          </a:p>
-          <a:p>
-            <a:pPr lvl="1"/>
-            <a:r>
-              <a:rPr lang="de-DE" dirty="0" err="1"/>
-              <a:t>Solidity</a:t>
-            </a:r>
-            <a:r>
-              <a:rPr lang="de-DE" dirty="0"/>
-              <a:t> - Smart </a:t>
-            </a:r>
-            <a:r>
-              <a:rPr lang="de-DE" dirty="0" err="1"/>
-              <a:t>Contract</a:t>
-            </a:r>
-            <a:endParaRPr lang="de-DE" dirty="0"/>
-          </a:p>
-          <a:p>
-            <a:pPr lvl="1"/>
-            <a:r>
-              <a:rPr lang="de-DE" dirty="0"/>
-              <a:t>REST APIs // </a:t>
-            </a:r>
-            <a:r>
-              <a:rPr lang="de-DE" dirty="0" err="1"/>
-              <a:t>Microservice</a:t>
-            </a:r>
-            <a:r>
-              <a:rPr lang="de-DE" dirty="0"/>
-              <a:t> </a:t>
-            </a:r>
-            <a:r>
-              <a:rPr lang="de-DE" dirty="0" err="1"/>
-              <a:t>architecture</a:t>
-            </a:r>
-            <a:endParaRPr lang="de-DE" dirty="0"/>
-          </a:p>
-          <a:p>
-            <a:r>
-              <a:rPr lang="de-DE" dirty="0" err="1"/>
-              <a:t>Blockchain</a:t>
-            </a:r>
-            <a:r>
-              <a:rPr lang="de-DE" dirty="0"/>
-              <a:t>:</a:t>
-            </a:r>
-          </a:p>
-          <a:p>
-            <a:pPr lvl="1"/>
-            <a:r>
-              <a:rPr lang="de-DE" dirty="0" err="1"/>
-              <a:t>Ethereum</a:t>
-            </a:r>
-            <a:endParaRPr lang="de-DE" dirty="0"/>
-          </a:p>
-          <a:p>
-            <a:pPr lvl="1"/>
-            <a:r>
-              <a:rPr lang="de-DE" dirty="0"/>
-              <a:t>Ganache2</a:t>
-            </a:r>
-          </a:p>
-        </p:txBody>
-      </p:sp>
-      <p:sp>
-        <p:nvSpPr>
-          <p:cNvPr id="2" name="Titel 1">
-            <a:extLst>
-              <a:ext uri="{FF2B5EF4-FFF2-40B4-BE49-F238E27FC236}">
-                <a16:creationId xmlns:a16="http://schemas.microsoft.com/office/drawing/2014/main" id="{A985C6BC-203D-A640-B734-55F38F12A00B}"/>
-              </a:ext>
-            </a:extLst>
-          </p:cNvPr>
-          <p:cNvSpPr>
-            <a:spLocks noGrp="1"/>
-          </p:cNvSpPr>
-          <p:nvPr>
-            <p:ph type="title"/>
-          </p:nvPr>
-        </p:nvSpPr>
-        <p:spPr/>
-        <p:txBody>
-          <a:bodyPr/>
-          <a:lstStyle/>
-          <a:p>
-            <a:r>
-              <a:rPr lang="de-DE" dirty="0" err="1"/>
-              <a:t>Used</a:t>
-            </a:r>
-            <a:r>
-              <a:rPr lang="de-DE" dirty="0"/>
-              <a:t> Technologies</a:t>
-            </a:r>
-          </a:p>
-        </p:txBody>
-      </p:sp>
-      <p:pic>
-        <p:nvPicPr>
-          <p:cNvPr id="5" name="Grafik 4">
-            <a:extLst>
-              <a:ext uri="{FF2B5EF4-FFF2-40B4-BE49-F238E27FC236}">
-                <a16:creationId xmlns:a16="http://schemas.microsoft.com/office/drawing/2014/main" id="{C2E21850-3288-F743-8E46-8F12ED57A612}"/>
-              </a:ext>
-            </a:extLst>
-          </p:cNvPr>
-          <p:cNvPicPr>
-            <a:picLocks noChangeAspect="1"/>
-          </p:cNvPicPr>
-          <p:nvPr/>
-        </p:nvPicPr>
-        <p:blipFill>
-          <a:blip r:embed="rId2"/>
-          <a:stretch>
-            <a:fillRect/>
-          </a:stretch>
-        </p:blipFill>
-        <p:spPr>
-          <a:xfrm>
-            <a:off x="8214060" y="1147978"/>
-            <a:ext cx="1758279" cy="1758279"/>
-          </a:xfrm>
-          <a:prstGeom prst="rect">
-            <a:avLst/>
-          </a:prstGeom>
-        </p:spPr>
-      </p:pic>
-      <p:pic>
-        <p:nvPicPr>
-          <p:cNvPr id="6" name="Grafik 5">
-            <a:extLst>
-              <a:ext uri="{FF2B5EF4-FFF2-40B4-BE49-F238E27FC236}">
-                <a16:creationId xmlns:a16="http://schemas.microsoft.com/office/drawing/2014/main" id="{82F4E7F3-1178-FC45-AAE9-884F59772318}"/>
-              </a:ext>
-            </a:extLst>
-          </p:cNvPr>
-          <p:cNvPicPr>
-            <a:picLocks noChangeAspect="1"/>
-          </p:cNvPicPr>
-          <p:nvPr/>
-        </p:nvPicPr>
-        <p:blipFill>
-          <a:blip r:embed="rId3"/>
-          <a:stretch>
-            <a:fillRect/>
-          </a:stretch>
-        </p:blipFill>
-        <p:spPr>
-          <a:xfrm>
-            <a:off x="6278881" y="2623371"/>
-            <a:ext cx="1595718" cy="1595718"/>
-          </a:xfrm>
-          <a:prstGeom prst="rect">
-            <a:avLst/>
-          </a:prstGeom>
-        </p:spPr>
-      </p:pic>
-    </p:spTree>
-    <p:extLst>
-      <p:ext uri="{BB962C8B-B14F-4D97-AF65-F5344CB8AC3E}">
-        <p14:creationId xmlns:p14="http://schemas.microsoft.com/office/powerpoint/2010/main" val="836961556"/>
-      </p:ext>
-    </p:extLst>
-  </p:cSld>
-  <p:clrMapOvr>
-    <a:masterClrMapping/>
-  </p:clrMapOvr>
-</p:sld>
-</file>
-
-<file path=ppt/slides/slide7.xml><?xml version="1.0" encoding="utf-8"?>
-<p:sld xmlns:a="http://schemas.openxmlformats.org/drawingml/2006/main" xmlns:r="http://schemas.openxmlformats.org/officeDocument/2006/relationships" xmlns:p="http://schemas.openxmlformats.org/presentationml/2006/main">
-  <p:cSld>
-    <p:spTree>
-      <p:nvGrpSpPr>
-        <p:cNvPr id="1" name=""/>
-        <p:cNvGrpSpPr/>
-        <p:nvPr/>
-      </p:nvGrpSpPr>
-      <p:grpSpPr>
-        <a:xfrm>
-          <a:off x="0" y="0"/>
-          <a:ext cx="0" cy="0"/>
-          <a:chOff x="0" y="0"/>
-          <a:chExt cx="0" cy="0"/>
-        </a:xfrm>
-      </p:grpSpPr>
-      <p:sp>
-        <p:nvSpPr>
-          <p:cNvPr id="2" name="Titel 1">
-            <a:extLst>
-              <a:ext uri="{FF2B5EF4-FFF2-40B4-BE49-F238E27FC236}">
-                <a16:creationId xmlns:a16="http://schemas.microsoft.com/office/drawing/2014/main" id="{96B04CB9-04DF-9E49-A69B-D4221A201D7E}"/>
-              </a:ext>
-            </a:extLst>
-          </p:cNvPr>
-          <p:cNvSpPr>
-            <a:spLocks noGrp="1"/>
-          </p:cNvSpPr>
-          <p:nvPr>
-            <p:ph type="title"/>
-          </p:nvPr>
-        </p:nvSpPr>
-        <p:spPr/>
-        <p:txBody>
-          <a:bodyPr/>
-          <a:lstStyle/>
-          <a:p>
-            <a:r>
-              <a:rPr lang="de-DE" dirty="0" err="1"/>
-              <a:t>Why</a:t>
-            </a:r>
-            <a:r>
-              <a:rPr lang="de-DE" dirty="0"/>
-              <a:t> </a:t>
-            </a:r>
-            <a:r>
-              <a:rPr lang="de-DE" dirty="0" err="1"/>
-              <a:t>use</a:t>
-            </a:r>
-            <a:r>
-              <a:rPr lang="de-DE" dirty="0"/>
-              <a:t> </a:t>
-            </a:r>
-            <a:r>
-              <a:rPr lang="de-DE" dirty="0" err="1"/>
-              <a:t>Ethereum</a:t>
-            </a:r>
-            <a:r>
-              <a:rPr lang="de-DE" dirty="0"/>
-              <a:t> </a:t>
-            </a:r>
-            <a:r>
-              <a:rPr lang="de-DE" dirty="0" err="1"/>
-              <a:t>blockchain</a:t>
-            </a:r>
-            <a:r>
-              <a:rPr lang="de-DE" dirty="0"/>
-              <a:t>?</a:t>
-            </a:r>
-          </a:p>
-        </p:txBody>
-      </p:sp>
-      <p:sp>
-        <p:nvSpPr>
-          <p:cNvPr id="3" name="Inhaltsplatzhalter 2">
-            <a:extLst>
-              <a:ext uri="{FF2B5EF4-FFF2-40B4-BE49-F238E27FC236}">
-                <a16:creationId xmlns:a16="http://schemas.microsoft.com/office/drawing/2014/main" id="{E205AEE6-FBC7-1F41-A33E-FCC64608EFAA}"/>
-              </a:ext>
-            </a:extLst>
-          </p:cNvPr>
-          <p:cNvSpPr>
-            <a:spLocks noGrp="1"/>
-          </p:cNvSpPr>
-          <p:nvPr>
-            <p:ph idx="1"/>
-          </p:nvPr>
-        </p:nvSpPr>
-        <p:spPr/>
-        <p:txBody>
-          <a:bodyPr/>
-          <a:lstStyle/>
-          <a:p>
-            <a:r>
-              <a:rPr lang="de-DE" dirty="0" err="1"/>
-              <a:t>Provides</a:t>
-            </a:r>
-            <a:r>
-              <a:rPr lang="de-DE" dirty="0"/>
-              <a:t> smart </a:t>
-            </a:r>
-            <a:r>
-              <a:rPr lang="de-DE" dirty="0" err="1"/>
-              <a:t>contracts</a:t>
-            </a:r>
-            <a:endParaRPr lang="de-DE" dirty="0"/>
-          </a:p>
-          <a:p>
-            <a:pPr lvl="1"/>
-            <a:r>
-              <a:rPr lang="de-DE" dirty="0"/>
-              <a:t>Computer </a:t>
-            </a:r>
-            <a:r>
-              <a:rPr lang="de-DE" dirty="0" err="1"/>
-              <a:t>protocol</a:t>
-            </a:r>
-            <a:endParaRPr lang="de-DE" dirty="0"/>
-          </a:p>
-          <a:p>
-            <a:pPr lvl="1"/>
-            <a:r>
-              <a:rPr lang="de-DE" dirty="0" err="1"/>
-              <a:t>Digitally</a:t>
-            </a:r>
-            <a:r>
-              <a:rPr lang="de-DE" dirty="0"/>
-              <a:t> </a:t>
-            </a:r>
-            <a:r>
-              <a:rPr lang="de-DE" dirty="0" err="1"/>
-              <a:t>verifies</a:t>
-            </a:r>
-            <a:r>
-              <a:rPr lang="de-DE" dirty="0"/>
-              <a:t> </a:t>
-            </a:r>
-            <a:r>
-              <a:rPr lang="de-DE" dirty="0" err="1"/>
-              <a:t>or</a:t>
-            </a:r>
-            <a:r>
-              <a:rPr lang="de-DE" dirty="0"/>
-              <a:t> </a:t>
-            </a:r>
-            <a:r>
-              <a:rPr lang="de-DE" dirty="0" err="1"/>
-              <a:t>enforces</a:t>
-            </a:r>
-            <a:r>
-              <a:rPr lang="de-DE" dirty="0"/>
-              <a:t> </a:t>
-            </a:r>
-            <a:r>
-              <a:rPr lang="de-DE" dirty="0" err="1"/>
-              <a:t>the</a:t>
-            </a:r>
-            <a:r>
-              <a:rPr lang="de-DE" dirty="0"/>
-              <a:t> </a:t>
-            </a:r>
-            <a:r>
-              <a:rPr lang="de-DE" dirty="0" err="1"/>
-              <a:t>negotiation</a:t>
-            </a:r>
-            <a:r>
-              <a:rPr lang="de-DE" dirty="0"/>
-              <a:t> </a:t>
-            </a:r>
-            <a:r>
-              <a:rPr lang="de-DE" dirty="0" err="1"/>
-              <a:t>of</a:t>
-            </a:r>
-            <a:r>
-              <a:rPr lang="de-DE" dirty="0"/>
-              <a:t> a </a:t>
-            </a:r>
-            <a:r>
-              <a:rPr lang="de-DE" dirty="0" err="1"/>
-              <a:t>contract</a:t>
-            </a:r>
-            <a:endParaRPr lang="de-DE" dirty="0"/>
-          </a:p>
-          <a:p>
-            <a:r>
-              <a:rPr lang="de-DE" dirty="0" err="1"/>
-              <a:t>Enables</a:t>
-            </a:r>
-            <a:r>
-              <a:rPr lang="de-DE" dirty="0"/>
-              <a:t> </a:t>
-            </a:r>
-            <a:r>
-              <a:rPr lang="de-DE" dirty="0" err="1"/>
-              <a:t>Tokenization</a:t>
-            </a:r>
-            <a:endParaRPr lang="de-DE" dirty="0"/>
-          </a:p>
-          <a:p>
-            <a:r>
-              <a:rPr lang="de-DE" dirty="0"/>
-              <a:t>Knowledge </a:t>
-            </a:r>
-            <a:r>
-              <a:rPr lang="de-DE" dirty="0" err="1"/>
-              <a:t>available</a:t>
-            </a:r>
-            <a:r>
-              <a:rPr lang="de-DE" dirty="0"/>
-              <a:t> @Team </a:t>
-            </a:r>
-            <a:r>
-              <a:rPr lang="de-DE" dirty="0">
-                <a:sym typeface="Wingdings" pitchFamily="2" charset="2"/>
-              </a:rPr>
-              <a:t></a:t>
-            </a:r>
-            <a:endParaRPr lang="de-DE" dirty="0"/>
-          </a:p>
-        </p:txBody>
-      </p:sp>
-    </p:spTree>
-    <p:extLst>
-      <p:ext uri="{BB962C8B-B14F-4D97-AF65-F5344CB8AC3E}">
-        <p14:creationId xmlns:p14="http://schemas.microsoft.com/office/powerpoint/2010/main" val="4085568709"/>
-      </p:ext>
-    </p:extLst>
-  </p:cSld>
-  <p:clrMapOvr>
-    <a:masterClrMapping/>
-  </p:clrMapOvr>
-</p:sld>
-</file>
-
-<file path=ppt/slides/slide8.xml><?xml version="1.0" encoding="utf-8"?>
-<p:sld xmlns:a="http://schemas.openxmlformats.org/drawingml/2006/main" xmlns:r="http://schemas.openxmlformats.org/officeDocument/2006/relationships" xmlns:p="http://schemas.openxmlformats.org/presentationml/2006/main">
-  <p:cSld>
-    <p:spTree>
-      <p:nvGrpSpPr>
-        <p:cNvPr id="1" name=""/>
-        <p:cNvGrpSpPr/>
-        <p:nvPr/>
-      </p:nvGrpSpPr>
-      <p:grpSpPr>
-        <a:xfrm>
-          <a:off x="0" y="0"/>
-          <a:ext cx="0" cy="0"/>
-          <a:chOff x="0" y="0"/>
-          <a:chExt cx="0" cy="0"/>
-        </a:xfrm>
-      </p:grpSpPr>
-      <p:sp>
-        <p:nvSpPr>
-          <p:cNvPr id="2" name="Titel 1">
-            <a:extLst>
-              <a:ext uri="{FF2B5EF4-FFF2-40B4-BE49-F238E27FC236}">
-                <a16:creationId xmlns:a16="http://schemas.microsoft.com/office/drawing/2014/main" id="{1936E4C9-799A-5045-B917-4A2BA60401F1}"/>
-              </a:ext>
-            </a:extLst>
-          </p:cNvPr>
-          <p:cNvSpPr>
-            <a:spLocks noGrp="1"/>
-          </p:cNvSpPr>
-          <p:nvPr>
-            <p:ph type="title"/>
-          </p:nvPr>
-        </p:nvSpPr>
-        <p:spPr/>
-        <p:txBody>
-          <a:bodyPr/>
-          <a:lstStyle/>
-          <a:p>
-            <a:endParaRPr lang="de-DE"/>
-          </a:p>
-        </p:txBody>
-      </p:sp>
-      <p:sp>
-        <p:nvSpPr>
-          <p:cNvPr id="3" name="Inhaltsplatzhalter 2">
-            <a:extLst>
-              <a:ext uri="{FF2B5EF4-FFF2-40B4-BE49-F238E27FC236}">
-                <a16:creationId xmlns:a16="http://schemas.microsoft.com/office/drawing/2014/main" id="{017962BF-4A51-364B-AC87-F34E8BFACAB0}"/>
-              </a:ext>
-            </a:extLst>
-          </p:cNvPr>
-          <p:cNvSpPr>
-            <a:spLocks noGrp="1"/>
-          </p:cNvSpPr>
-          <p:nvPr>
-            <p:ph idx="1"/>
-          </p:nvPr>
-        </p:nvSpPr>
-        <p:spPr/>
-        <p:txBody>
-          <a:bodyPr/>
-          <a:lstStyle/>
-          <a:p>
-            <a:endParaRPr lang="de-DE"/>
-          </a:p>
-        </p:txBody>
-      </p:sp>
-    </p:spTree>
-    <p:extLst>
-      <p:ext uri="{BB962C8B-B14F-4D97-AF65-F5344CB8AC3E}">
-        <p14:creationId xmlns:p14="http://schemas.microsoft.com/office/powerpoint/2010/main" val="3057416906"/>
-      </p:ext>
-    </p:extLst>
-  </p:cSld>
-  <p:clrMapOvr>
-    <a:masterClrMapping/>
-  </p:clrMapOvr>
-</p:sld>
-</file>
-
-<file path=ppt/slides/slide9.xml><?xml version="1.0" encoding="utf-8"?>
-<p:sld xmlns:a="http://schemas.openxmlformats.org/drawingml/2006/main" xmlns:r="http://schemas.openxmlformats.org/officeDocument/2006/relationships" xmlns:p="http://schemas.openxmlformats.org/presentationml/2006/main">
-  <p:cSld>
-    <p:spTree>
-      <p:nvGrpSpPr>
-        <p:cNvPr id="1" name=""/>
-        <p:cNvGrpSpPr/>
-        <p:nvPr/>
-      </p:nvGrpSpPr>
-      <p:grpSpPr>
-        <a:xfrm>
-          <a:off x="0" y="0"/>
-          <a:ext cx="0" cy="0"/>
-          <a:chOff x="0" y="0"/>
-          <a:chExt cx="0" cy="0"/>
-        </a:xfrm>
-      </p:grpSpPr>
-      <p:sp>
-        <p:nvSpPr>
-          <p:cNvPr id="2" name="Titel 1">
-            <a:extLst>
-              <a:ext uri="{FF2B5EF4-FFF2-40B4-BE49-F238E27FC236}">
-                <a16:creationId xmlns:a16="http://schemas.microsoft.com/office/drawing/2014/main" id="{DE938C21-B782-254A-9992-67CCBC6B1C3C}"/>
-              </a:ext>
-            </a:extLst>
-          </p:cNvPr>
-          <p:cNvSpPr>
-            <a:spLocks noGrp="1"/>
-          </p:cNvSpPr>
-          <p:nvPr>
-            <p:ph type="title"/>
-          </p:nvPr>
-        </p:nvSpPr>
-        <p:spPr/>
-        <p:txBody>
-          <a:bodyPr/>
-          <a:lstStyle/>
-          <a:p>
-            <a:r>
-              <a:rPr lang="de-DE" dirty="0"/>
-              <a:t>Further </a:t>
-            </a:r>
-            <a:r>
-              <a:rPr lang="de-DE" dirty="0" err="1"/>
-              <a:t>Use</a:t>
-            </a:r>
-            <a:r>
-              <a:rPr lang="de-DE" dirty="0"/>
-              <a:t> Cases</a:t>
-            </a:r>
-          </a:p>
-        </p:txBody>
-      </p:sp>
-      <p:sp>
-        <p:nvSpPr>
-          <p:cNvPr id="3" name="Inhaltsplatzhalter 2">
-            <a:extLst>
-              <a:ext uri="{FF2B5EF4-FFF2-40B4-BE49-F238E27FC236}">
-                <a16:creationId xmlns:a16="http://schemas.microsoft.com/office/drawing/2014/main" id="{A2A191A7-C298-2C45-880A-ECE928595845}"/>
-              </a:ext>
-            </a:extLst>
-          </p:cNvPr>
-          <p:cNvSpPr>
-            <a:spLocks noGrp="1"/>
-          </p:cNvSpPr>
-          <p:nvPr>
-            <p:ph idx="1"/>
-          </p:nvPr>
-        </p:nvSpPr>
-        <p:spPr/>
-        <p:txBody>
-          <a:bodyPr/>
-          <a:lstStyle/>
-          <a:p>
-            <a:endParaRPr lang="de-DE"/>
-          </a:p>
-        </p:txBody>
-      </p:sp>
-    </p:spTree>
-    <p:extLst>
-      <p:ext uri="{BB962C8B-B14F-4D97-AF65-F5344CB8AC3E}">
-        <p14:creationId xmlns:p14="http://schemas.microsoft.com/office/powerpoint/2010/main" val="2637190293"/>
+        <p14:creationId xmlns:p14="http://schemas.microsoft.com/office/powerpoint/2010/main" val="3934043303"/>
       </p:ext>
     </p:extLst>
   </p:cSld>

--- a/chainreaction_pitch_2018_02_03_18-00-00.pptx
+++ b/chainreaction_pitch_2018_02_03_18-00-00.pptx
@@ -5,7 +5,7 @@
     <p:sldMasterId id="2147483648" r:id="rId1"/>
   </p:sldMasterIdLst>
   <p:notesMasterIdLst>
-    <p:notesMasterId r:id="rId12"/>
+    <p:notesMasterId r:id="rId11"/>
   </p:notesMasterIdLst>
   <p:sldIdLst>
     <p:sldId id="256" r:id="rId2"/>
@@ -15,9 +15,8 @@
     <p:sldId id="265" r:id="rId6"/>
     <p:sldId id="260" r:id="rId7"/>
     <p:sldId id="261" r:id="rId8"/>
-    <p:sldId id="262" r:id="rId9"/>
-    <p:sldId id="267" r:id="rId10"/>
-    <p:sldId id="259" r:id="rId11"/>
+    <p:sldId id="267" r:id="rId9"/>
+    <p:sldId id="259" r:id="rId10"/>
   </p:sldIdLst>
   <p:sldSz cx="12192000" cy="6858000"/>
   <p:notesSz cx="6858000" cy="9144000"/>
@@ -906,15 +905,7 @@
           <a:p>
             <a:r>
               <a:rPr lang="de-DE" dirty="0" err="1"/>
-              <a:t>Tokenization</a:t>
-            </a:r>
-            <a:r>
-              <a:rPr lang="de-DE" dirty="0"/>
-              <a:t>: Create private </a:t>
-            </a:r>
-            <a:r>
-              <a:rPr lang="de-DE" dirty="0" err="1"/>
-              <a:t>equivalent</a:t>
+              <a:t>Maybe</a:t>
             </a:r>
             <a:r>
               <a:rPr lang="de-DE" dirty="0"/>
@@ -922,7 +913,7 @@
             </a:r>
             <a:r>
               <a:rPr lang="de-DE" dirty="0" err="1"/>
-              <a:t>to</a:t>
+              <a:t>use</a:t>
             </a:r>
             <a:r>
               <a:rPr lang="de-DE" dirty="0"/>
@@ -930,7 +921,7 @@
             </a:r>
             <a:r>
               <a:rPr lang="de-DE" dirty="0" err="1"/>
-              <a:t>crypto</a:t>
+              <a:t>only</a:t>
             </a:r>
             <a:r>
               <a:rPr lang="de-DE" dirty="0"/>
@@ -938,7 +929,15 @@
             </a:r>
             <a:r>
               <a:rPr lang="de-DE" dirty="0" err="1"/>
-              <a:t>currency</a:t>
+              <a:t>pictures</a:t>
+            </a:r>
+            <a:r>
+              <a:rPr lang="de-DE" dirty="0"/>
+              <a:t> </a:t>
+            </a:r>
+            <a:r>
+              <a:rPr lang="de-DE" dirty="0" err="1"/>
+              <a:t>here</a:t>
             </a:r>
             <a:endParaRPr lang="de-DE" dirty="0"/>
           </a:p>
@@ -961,6 +960,126 @@
           <a:p>
             <a:fld id="{45FC59AB-89C2-A74C-A2D1-467A58FA2924}" type="slidenum">
               <a:rPr lang="de-DE" smtClean="0"/>
+              <a:t>6</a:t>
+            </a:fld>
+            <a:endParaRPr lang="de-DE"/>
+          </a:p>
+        </p:txBody>
+      </p:sp>
+    </p:spTree>
+    <p:extLst>
+      <p:ext uri="{BB962C8B-B14F-4D97-AF65-F5344CB8AC3E}">
+        <p14:creationId xmlns:p14="http://schemas.microsoft.com/office/powerpoint/2010/main" val="3405552914"/>
+      </p:ext>
+    </p:extLst>
+  </p:cSld>
+  <p:clrMapOvr>
+    <a:masterClrMapping/>
+  </p:clrMapOvr>
+</p:notes>
+</file>
+
+<file path=ppt/notesSlides/notesSlide4.xml><?xml version="1.0" encoding="utf-8"?>
+<p:notes xmlns:a="http://schemas.openxmlformats.org/drawingml/2006/main" xmlns:r="http://schemas.openxmlformats.org/officeDocument/2006/relationships" xmlns:p="http://schemas.openxmlformats.org/presentationml/2006/main">
+  <p:cSld>
+    <p:spTree>
+      <p:nvGrpSpPr>
+        <p:cNvPr id="1" name=""/>
+        <p:cNvGrpSpPr/>
+        <p:nvPr/>
+      </p:nvGrpSpPr>
+      <p:grpSpPr>
+        <a:xfrm>
+          <a:off x="0" y="0"/>
+          <a:ext cx="0" cy="0"/>
+          <a:chOff x="0" y="0"/>
+          <a:chExt cx="0" cy="0"/>
+        </a:xfrm>
+      </p:grpSpPr>
+      <p:sp>
+        <p:nvSpPr>
+          <p:cNvPr id="2" name="Folienbildplatzhalter 1"/>
+          <p:cNvSpPr>
+            <a:spLocks noGrp="1" noRot="1" noChangeAspect="1"/>
+          </p:cNvSpPr>
+          <p:nvPr>
+            <p:ph type="sldImg"/>
+          </p:nvPr>
+        </p:nvSpPr>
+        <p:spPr/>
+      </p:sp>
+      <p:sp>
+        <p:nvSpPr>
+          <p:cNvPr id="3" name="Notizenplatzhalter 2"/>
+          <p:cNvSpPr>
+            <a:spLocks noGrp="1"/>
+          </p:cNvSpPr>
+          <p:nvPr>
+            <p:ph type="body" idx="1"/>
+          </p:nvPr>
+        </p:nvSpPr>
+        <p:spPr/>
+        <p:txBody>
+          <a:bodyPr/>
+          <a:lstStyle/>
+          <a:p>
+            <a:r>
+              <a:rPr lang="de-DE" dirty="0" err="1"/>
+              <a:t>Tokenization</a:t>
+            </a:r>
+            <a:r>
+              <a:rPr lang="de-DE" dirty="0"/>
+              <a:t>: Create private </a:t>
+            </a:r>
+            <a:r>
+              <a:rPr lang="de-DE" dirty="0" err="1"/>
+              <a:t>equivalent</a:t>
+            </a:r>
+            <a:r>
+              <a:rPr lang="de-DE" dirty="0"/>
+              <a:t> </a:t>
+            </a:r>
+            <a:r>
+              <a:rPr lang="de-DE" dirty="0" err="1"/>
+              <a:t>to</a:t>
+            </a:r>
+            <a:r>
+              <a:rPr lang="de-DE" dirty="0"/>
+              <a:t> </a:t>
+            </a:r>
+            <a:r>
+              <a:rPr lang="de-DE" dirty="0" err="1"/>
+              <a:t>crypto</a:t>
+            </a:r>
+            <a:r>
+              <a:rPr lang="de-DE" dirty="0"/>
+              <a:t> </a:t>
+            </a:r>
+            <a:r>
+              <a:rPr lang="de-DE" dirty="0" err="1"/>
+              <a:t>currency</a:t>
+            </a:r>
+            <a:endParaRPr lang="de-DE" dirty="0"/>
+          </a:p>
+        </p:txBody>
+      </p:sp>
+      <p:sp>
+        <p:nvSpPr>
+          <p:cNvPr id="4" name="Foliennummernplatzhalter 3"/>
+          <p:cNvSpPr>
+            <a:spLocks noGrp="1"/>
+          </p:cNvSpPr>
+          <p:nvPr>
+            <p:ph type="sldNum" sz="quarter" idx="10"/>
+          </p:nvPr>
+        </p:nvSpPr>
+        <p:spPr/>
+        <p:txBody>
+          <a:bodyPr/>
+          <a:lstStyle/>
+          <a:p>
+            <a:fld id="{45FC59AB-89C2-A74C-A2D1-467A58FA2924}" type="slidenum">
+              <a:rPr lang="de-DE" smtClean="0"/>
               <a:t>7</a:t>
             </a:fld>
             <a:endParaRPr lang="de-DE"/>
@@ -980,7 +1099,7 @@
 </p:notes>
 </file>
 
-<file path=ppt/notesSlides/notesSlide4.xml><?xml version="1.0" encoding="utf-8"?>
+<file path=ppt/notesSlides/notesSlide5.xml><?xml version="1.0" encoding="utf-8"?>
 <p:notes xmlns:a="http://schemas.openxmlformats.org/drawingml/2006/main" xmlns:r="http://schemas.openxmlformats.org/officeDocument/2006/relationships" xmlns:p="http://schemas.openxmlformats.org/presentationml/2006/main">
   <p:cSld>
     <p:spTree>
@@ -1142,7 +1261,7 @@
           <a:p>
             <a:fld id="{D6D69A79-09F5-D543-AAFD-6FEA88BC999D}" type="slidenum">
               <a:rPr lang="en-US" smtClean="0"/>
-              <a:t>9</a:t>
+              <a:t>8</a:t>
             </a:fld>
             <a:endParaRPr lang="en-US"/>
           </a:p>
@@ -4616,217 +4735,6 @@
 </p:sld>
 </file>
 
-<file path=ppt/slides/slide10.xml><?xml version="1.0" encoding="utf-8"?>
-<p:sld xmlns:a="http://schemas.openxmlformats.org/drawingml/2006/main" xmlns:r="http://schemas.openxmlformats.org/officeDocument/2006/relationships" xmlns:p="http://schemas.openxmlformats.org/presentationml/2006/main">
-  <p:cSld>
-    <p:spTree>
-      <p:nvGrpSpPr>
-        <p:cNvPr id="1" name=""/>
-        <p:cNvGrpSpPr/>
-        <p:nvPr/>
-      </p:nvGrpSpPr>
-      <p:grpSpPr>
-        <a:xfrm>
-          <a:off x="0" y="0"/>
-          <a:ext cx="0" cy="0"/>
-          <a:chOff x="0" y="0"/>
-          <a:chExt cx="0" cy="0"/>
-        </a:xfrm>
-      </p:grpSpPr>
-      <p:sp>
-        <p:nvSpPr>
-          <p:cNvPr id="2" name="Titel 1">
-            <a:extLst>
-              <a:ext uri="{FF2B5EF4-FFF2-40B4-BE49-F238E27FC236}">
-                <a16:creationId xmlns:a16="http://schemas.microsoft.com/office/drawing/2014/main" id="{4ED4C486-7694-F44D-87FB-572051320CAB}"/>
-              </a:ext>
-            </a:extLst>
-          </p:cNvPr>
-          <p:cNvSpPr>
-            <a:spLocks noGrp="1"/>
-          </p:cNvSpPr>
-          <p:nvPr>
-            <p:ph type="title"/>
-          </p:nvPr>
-        </p:nvSpPr>
-        <p:spPr/>
-        <p:txBody>
-          <a:bodyPr/>
-          <a:lstStyle/>
-          <a:p>
-            <a:endParaRPr lang="de-DE"/>
-          </a:p>
-        </p:txBody>
-      </p:sp>
-      <p:sp>
-        <p:nvSpPr>
-          <p:cNvPr id="3" name="Inhaltsplatzhalter 2">
-            <a:extLst>
-              <a:ext uri="{FF2B5EF4-FFF2-40B4-BE49-F238E27FC236}">
-                <a16:creationId xmlns:a16="http://schemas.microsoft.com/office/drawing/2014/main" id="{EB7FEB7C-EA76-1847-8909-C129047C4C14}"/>
-              </a:ext>
-            </a:extLst>
-          </p:cNvPr>
-          <p:cNvSpPr>
-            <a:spLocks noGrp="1"/>
-          </p:cNvSpPr>
-          <p:nvPr>
-            <p:ph idx="1"/>
-          </p:nvPr>
-        </p:nvSpPr>
-        <p:spPr/>
-        <p:txBody>
-          <a:bodyPr/>
-          <a:lstStyle/>
-          <a:p>
-            <a:endParaRPr lang="de-DE" dirty="0"/>
-          </a:p>
-        </p:txBody>
-      </p:sp>
-      <p:grpSp>
-        <p:nvGrpSpPr>
-          <p:cNvPr id="4" name="Gruppieren 3">
-            <a:extLst>
-              <a:ext uri="{FF2B5EF4-FFF2-40B4-BE49-F238E27FC236}">
-                <a16:creationId xmlns:a16="http://schemas.microsoft.com/office/drawing/2014/main" id="{7ECFB22C-2287-5043-85EB-C8398B19A24C}"/>
-              </a:ext>
-            </a:extLst>
-          </p:cNvPr>
-          <p:cNvGrpSpPr/>
-          <p:nvPr/>
-        </p:nvGrpSpPr>
-        <p:grpSpPr>
-          <a:xfrm>
-            <a:off x="2800124" y="-2379541"/>
-            <a:ext cx="12035705" cy="12240232"/>
-            <a:chOff x="2800124" y="-2379541"/>
-            <a:chExt cx="12035705" cy="12240232"/>
-          </a:xfrm>
-        </p:grpSpPr>
-        <p:sp>
-          <p:nvSpPr>
-            <p:cNvPr id="5" name="Oval 4">
-              <a:extLst>
-                <a:ext uri="{FF2B5EF4-FFF2-40B4-BE49-F238E27FC236}">
-                  <a16:creationId xmlns:a16="http://schemas.microsoft.com/office/drawing/2014/main" id="{DED22578-0F9E-CE42-8A98-E06B6F4B6F93}"/>
-                </a:ext>
-              </a:extLst>
-            </p:cNvPr>
-            <p:cNvSpPr/>
-            <p:nvPr/>
-          </p:nvSpPr>
-          <p:spPr>
-            <a:xfrm>
-              <a:off x="2800124" y="-2379541"/>
-              <a:ext cx="12035705" cy="12240232"/>
-            </a:xfrm>
-            <a:prstGeom prst="ellipse">
-              <a:avLst/>
-            </a:prstGeom>
-            <a:solidFill>
-              <a:schemeClr val="accent3">
-                <a:lumMod val="20000"/>
-                <a:lumOff val="80000"/>
-              </a:schemeClr>
-            </a:solidFill>
-            <a:ln>
-              <a:noFill/>
-            </a:ln>
-          </p:spPr>
-          <p:style>
-            <a:lnRef idx="2">
-              <a:schemeClr val="accent1">
-                <a:shade val="50000"/>
-              </a:schemeClr>
-            </a:lnRef>
-            <a:fillRef idx="1">
-              <a:schemeClr val="accent1"/>
-            </a:fillRef>
-            <a:effectRef idx="0">
-              <a:schemeClr val="accent1"/>
-            </a:effectRef>
-            <a:fontRef idx="minor">
-              <a:schemeClr val="lt1"/>
-            </a:fontRef>
-          </p:style>
-          <p:txBody>
-            <a:bodyPr rtlCol="0" anchor="ctr"/>
-            <a:lstStyle/>
-            <a:p>
-              <a:pPr algn="ctr"/>
-              <a:endParaRPr lang="en-US"/>
-            </a:p>
-          </p:txBody>
-        </p:sp>
-        <p:sp>
-          <p:nvSpPr>
-            <p:cNvPr id="6" name="Oval 5">
-              <a:extLst>
-                <a:ext uri="{FF2B5EF4-FFF2-40B4-BE49-F238E27FC236}">
-                  <a16:creationId xmlns:a16="http://schemas.microsoft.com/office/drawing/2014/main" id="{67212676-A461-CD49-A0E9-E9ADEC01077B}"/>
-                </a:ext>
-              </a:extLst>
-            </p:cNvPr>
-            <p:cNvSpPr/>
-            <p:nvPr/>
-          </p:nvSpPr>
-          <p:spPr>
-            <a:xfrm>
-              <a:off x="6817974" y="-601255"/>
-              <a:ext cx="7952568" cy="8087709"/>
-            </a:xfrm>
-            <a:prstGeom prst="ellipse">
-              <a:avLst/>
-            </a:prstGeom>
-            <a:solidFill>
-              <a:schemeClr val="accent3">
-                <a:lumMod val="40000"/>
-                <a:lumOff val="60000"/>
-              </a:schemeClr>
-            </a:solidFill>
-            <a:ln>
-              <a:noFill/>
-            </a:ln>
-          </p:spPr>
-          <p:style>
-            <a:lnRef idx="2">
-              <a:schemeClr val="accent1">
-                <a:shade val="50000"/>
-              </a:schemeClr>
-            </a:lnRef>
-            <a:fillRef idx="1">
-              <a:schemeClr val="accent1"/>
-            </a:fillRef>
-            <a:effectRef idx="0">
-              <a:schemeClr val="accent1"/>
-            </a:effectRef>
-            <a:fontRef idx="minor">
-              <a:schemeClr val="lt1"/>
-            </a:fontRef>
-          </p:style>
-          <p:txBody>
-            <a:bodyPr rtlCol="0" anchor="ctr"/>
-            <a:lstStyle/>
-            <a:p>
-              <a:pPr algn="ctr"/>
-              <a:endParaRPr lang="en-US"/>
-            </a:p>
-          </p:txBody>
-        </p:sp>
-      </p:grpSp>
-    </p:spTree>
-    <p:extLst>
-      <p:ext uri="{BB962C8B-B14F-4D97-AF65-F5344CB8AC3E}">
-        <p14:creationId xmlns:p14="http://schemas.microsoft.com/office/powerpoint/2010/main" val="2552253436"/>
-      </p:ext>
-    </p:extLst>
-  </p:cSld>
-  <p:clrMapOvr>
-    <a:masterClrMapping/>
-  </p:clrMapOvr>
-</p:sld>
-</file>
-
 <file path=ppt/slides/slide2.xml><?xml version="1.0" encoding="utf-8"?>
 <p:sld xmlns:a="http://schemas.openxmlformats.org/drawingml/2006/main" xmlns:r="http://schemas.openxmlformats.org/officeDocument/2006/relationships" xmlns:p="http://schemas.openxmlformats.org/presentationml/2006/main" show="0">
   <p:cSld>
@@ -10572,7 +10480,7 @@
           <p:nvPr/>
         </p:nvPicPr>
         <p:blipFill>
-          <a:blip r:embed="rId2"/>
+          <a:blip r:embed="rId3"/>
           <a:stretch>
             <a:fillRect/>
           </a:stretch>
@@ -10602,7 +10510,7 @@
           <p:nvPr/>
         </p:nvPicPr>
         <p:blipFill>
-          <a:blip r:embed="rId3"/>
+          <a:blip r:embed="rId4"/>
           <a:stretch>
             <a:fillRect/>
           </a:stretch>
@@ -10611,6 +10519,36 @@
           <a:xfrm>
             <a:off x="6202681" y="2734693"/>
             <a:ext cx="1595718" cy="1595718"/>
+          </a:xfrm>
+          <a:prstGeom prst="rect">
+            <a:avLst/>
+          </a:prstGeom>
+        </p:spPr>
+      </p:pic>
+      <p:pic>
+        <p:nvPicPr>
+          <p:cNvPr id="3" name="Grafik 2">
+            <a:extLst>
+              <a:ext uri="{FF2B5EF4-FFF2-40B4-BE49-F238E27FC236}">
+                <a16:creationId xmlns:a16="http://schemas.microsoft.com/office/drawing/2014/main" id="{C56BD689-3EFF-3B4F-AD40-43F5B4C09D4F}"/>
+              </a:ext>
+            </a:extLst>
+          </p:cNvPr>
+          <p:cNvPicPr>
+            <a:picLocks noChangeAspect="1"/>
+          </p:cNvPicPr>
+          <p:nvPr/>
+        </p:nvPicPr>
+        <p:blipFill>
+          <a:blip r:embed="rId5"/>
+          <a:stretch>
+            <a:fillRect/>
+          </a:stretch>
+        </p:blipFill>
+        <p:spPr>
+          <a:xfrm>
+            <a:off x="9816250" y="2114975"/>
+            <a:ext cx="2215436" cy="2215436"/>
           </a:xfrm>
           <a:prstGeom prst="rect">
             <a:avLst/>
@@ -10999,220 +10937,6 @@
 </file>
 
 <file path=ppt/slides/slide8.xml><?xml version="1.0" encoding="utf-8"?>
-<p:sld xmlns:a="http://schemas.openxmlformats.org/drawingml/2006/main" xmlns:r="http://schemas.openxmlformats.org/officeDocument/2006/relationships" xmlns:p="http://schemas.openxmlformats.org/presentationml/2006/main">
-  <p:cSld>
-    <p:spTree>
-      <p:nvGrpSpPr>
-        <p:cNvPr id="1" name=""/>
-        <p:cNvGrpSpPr/>
-        <p:nvPr/>
-      </p:nvGrpSpPr>
-      <p:grpSpPr>
-        <a:xfrm>
-          <a:off x="0" y="0"/>
-          <a:ext cx="0" cy="0"/>
-          <a:chOff x="0" y="0"/>
-          <a:chExt cx="0" cy="0"/>
-        </a:xfrm>
-      </p:grpSpPr>
-      <p:grpSp>
-        <p:nvGrpSpPr>
-          <p:cNvPr id="4" name="Gruppieren 3">
-            <a:extLst>
-              <a:ext uri="{FF2B5EF4-FFF2-40B4-BE49-F238E27FC236}">
-                <a16:creationId xmlns:a16="http://schemas.microsoft.com/office/drawing/2014/main" id="{7E880250-9627-EB4A-8A63-EDC57054C299}"/>
-              </a:ext>
-            </a:extLst>
-          </p:cNvPr>
-          <p:cNvGrpSpPr/>
-          <p:nvPr/>
-        </p:nvGrpSpPr>
-        <p:grpSpPr>
-          <a:xfrm>
-            <a:off x="2800124" y="-2379541"/>
-            <a:ext cx="12035705" cy="12240232"/>
-            <a:chOff x="2800124" y="-2379541"/>
-            <a:chExt cx="12035705" cy="12240232"/>
-          </a:xfrm>
-        </p:grpSpPr>
-        <p:sp>
-          <p:nvSpPr>
-            <p:cNvPr id="5" name="Oval 4">
-              <a:extLst>
-                <a:ext uri="{FF2B5EF4-FFF2-40B4-BE49-F238E27FC236}">
-                  <a16:creationId xmlns:a16="http://schemas.microsoft.com/office/drawing/2014/main" id="{668CAB21-C834-824E-AE74-8A1369A1E03B}"/>
-                </a:ext>
-              </a:extLst>
-            </p:cNvPr>
-            <p:cNvSpPr/>
-            <p:nvPr/>
-          </p:nvSpPr>
-          <p:spPr>
-            <a:xfrm>
-              <a:off x="2800124" y="-2379541"/>
-              <a:ext cx="12035705" cy="12240232"/>
-            </a:xfrm>
-            <a:prstGeom prst="ellipse">
-              <a:avLst/>
-            </a:prstGeom>
-            <a:solidFill>
-              <a:schemeClr val="accent3">
-                <a:lumMod val="20000"/>
-                <a:lumOff val="80000"/>
-              </a:schemeClr>
-            </a:solidFill>
-            <a:ln>
-              <a:noFill/>
-            </a:ln>
-          </p:spPr>
-          <p:style>
-            <a:lnRef idx="2">
-              <a:schemeClr val="accent1">
-                <a:shade val="50000"/>
-              </a:schemeClr>
-            </a:lnRef>
-            <a:fillRef idx="1">
-              <a:schemeClr val="accent1"/>
-            </a:fillRef>
-            <a:effectRef idx="0">
-              <a:schemeClr val="accent1"/>
-            </a:effectRef>
-            <a:fontRef idx="minor">
-              <a:schemeClr val="lt1"/>
-            </a:fontRef>
-          </p:style>
-          <p:txBody>
-            <a:bodyPr rtlCol="0" anchor="ctr"/>
-            <a:lstStyle/>
-            <a:p>
-              <a:pPr algn="ctr"/>
-              <a:endParaRPr lang="en-US"/>
-            </a:p>
-          </p:txBody>
-        </p:sp>
-        <p:sp>
-          <p:nvSpPr>
-            <p:cNvPr id="6" name="Oval 5">
-              <a:extLst>
-                <a:ext uri="{FF2B5EF4-FFF2-40B4-BE49-F238E27FC236}">
-                  <a16:creationId xmlns:a16="http://schemas.microsoft.com/office/drawing/2014/main" id="{04242FD5-5A57-D84B-A4C8-597DC41D3FBA}"/>
-                </a:ext>
-              </a:extLst>
-            </p:cNvPr>
-            <p:cNvSpPr/>
-            <p:nvPr/>
-          </p:nvSpPr>
-          <p:spPr>
-            <a:xfrm>
-              <a:off x="6817974" y="-601255"/>
-              <a:ext cx="7952568" cy="8087709"/>
-            </a:xfrm>
-            <a:prstGeom prst="ellipse">
-              <a:avLst/>
-            </a:prstGeom>
-            <a:solidFill>
-              <a:schemeClr val="accent3">
-                <a:lumMod val="40000"/>
-                <a:lumOff val="60000"/>
-              </a:schemeClr>
-            </a:solidFill>
-            <a:ln>
-              <a:noFill/>
-            </a:ln>
-          </p:spPr>
-          <p:style>
-            <a:lnRef idx="2">
-              <a:schemeClr val="accent1">
-                <a:shade val="50000"/>
-              </a:schemeClr>
-            </a:lnRef>
-            <a:fillRef idx="1">
-              <a:schemeClr val="accent1"/>
-            </a:fillRef>
-            <a:effectRef idx="0">
-              <a:schemeClr val="accent1"/>
-            </a:effectRef>
-            <a:fontRef idx="minor">
-              <a:schemeClr val="lt1"/>
-            </a:fontRef>
-          </p:style>
-          <p:txBody>
-            <a:bodyPr rtlCol="0" anchor="ctr"/>
-            <a:lstStyle/>
-            <a:p>
-              <a:pPr algn="ctr"/>
-              <a:endParaRPr lang="en-US"/>
-            </a:p>
-          </p:txBody>
-        </p:sp>
-      </p:grpSp>
-      <p:sp>
-        <p:nvSpPr>
-          <p:cNvPr id="2" name="Titel 1">
-            <a:extLst>
-              <a:ext uri="{FF2B5EF4-FFF2-40B4-BE49-F238E27FC236}">
-                <a16:creationId xmlns:a16="http://schemas.microsoft.com/office/drawing/2014/main" id="{1936E4C9-799A-5045-B917-4A2BA60401F1}"/>
-              </a:ext>
-            </a:extLst>
-          </p:cNvPr>
-          <p:cNvSpPr>
-            <a:spLocks noGrp="1"/>
-          </p:cNvSpPr>
-          <p:nvPr>
-            <p:ph type="title"/>
-          </p:nvPr>
-        </p:nvSpPr>
-        <p:spPr/>
-        <p:txBody>
-          <a:bodyPr/>
-          <a:lstStyle/>
-          <a:p>
-            <a:r>
-              <a:rPr lang="de-DE" dirty="0"/>
-              <a:t>Demo</a:t>
-            </a:r>
-          </a:p>
-        </p:txBody>
-      </p:sp>
-      <p:sp>
-        <p:nvSpPr>
-          <p:cNvPr id="3" name="Inhaltsplatzhalter 2">
-            <a:extLst>
-              <a:ext uri="{FF2B5EF4-FFF2-40B4-BE49-F238E27FC236}">
-                <a16:creationId xmlns:a16="http://schemas.microsoft.com/office/drawing/2014/main" id="{017962BF-4A51-364B-AC87-F34E8BFACAB0}"/>
-              </a:ext>
-            </a:extLst>
-          </p:cNvPr>
-          <p:cNvSpPr>
-            <a:spLocks noGrp="1"/>
-          </p:cNvSpPr>
-          <p:nvPr>
-            <p:ph idx="1"/>
-          </p:nvPr>
-        </p:nvSpPr>
-        <p:spPr/>
-        <p:txBody>
-          <a:bodyPr/>
-          <a:lstStyle/>
-          <a:p>
-            <a:endParaRPr lang="de-DE" dirty="0"/>
-          </a:p>
-        </p:txBody>
-      </p:sp>
-    </p:spTree>
-    <p:extLst>
-      <p:ext uri="{BB962C8B-B14F-4D97-AF65-F5344CB8AC3E}">
-        <p14:creationId xmlns:p14="http://schemas.microsoft.com/office/powerpoint/2010/main" val="3057416906"/>
-      </p:ext>
-    </p:extLst>
-  </p:cSld>
-  <p:clrMapOvr>
-    <a:masterClrMapping/>
-  </p:clrMapOvr>
-</p:sld>
-</file>
-
-<file path=ppt/slides/slide9.xml><?xml version="1.0" encoding="utf-8"?>
 <p:sld xmlns:a="http://schemas.openxmlformats.org/drawingml/2006/main" xmlns:r="http://schemas.openxmlformats.org/officeDocument/2006/relationships" xmlns:p="http://schemas.openxmlformats.org/presentationml/2006/main">
   <p:cSld>
     <p:spTree>
@@ -13249,6 +12973,217 @@
     <p:extLst>
       <p:ext uri="{BB962C8B-B14F-4D97-AF65-F5344CB8AC3E}">
         <p14:creationId xmlns:p14="http://schemas.microsoft.com/office/powerpoint/2010/main" val="3934043303"/>
+      </p:ext>
+    </p:extLst>
+  </p:cSld>
+  <p:clrMapOvr>
+    <a:masterClrMapping/>
+  </p:clrMapOvr>
+</p:sld>
+</file>
+
+<file path=ppt/slides/slide9.xml><?xml version="1.0" encoding="utf-8"?>
+<p:sld xmlns:a="http://schemas.openxmlformats.org/drawingml/2006/main" xmlns:r="http://schemas.openxmlformats.org/officeDocument/2006/relationships" xmlns:p="http://schemas.openxmlformats.org/presentationml/2006/main">
+  <p:cSld>
+    <p:spTree>
+      <p:nvGrpSpPr>
+        <p:cNvPr id="1" name=""/>
+        <p:cNvGrpSpPr/>
+        <p:nvPr/>
+      </p:nvGrpSpPr>
+      <p:grpSpPr>
+        <a:xfrm>
+          <a:off x="0" y="0"/>
+          <a:ext cx="0" cy="0"/>
+          <a:chOff x="0" y="0"/>
+          <a:chExt cx="0" cy="0"/>
+        </a:xfrm>
+      </p:grpSpPr>
+      <p:sp>
+        <p:nvSpPr>
+          <p:cNvPr id="2" name="Titel 1">
+            <a:extLst>
+              <a:ext uri="{FF2B5EF4-FFF2-40B4-BE49-F238E27FC236}">
+                <a16:creationId xmlns:a16="http://schemas.microsoft.com/office/drawing/2014/main" id="{4ED4C486-7694-F44D-87FB-572051320CAB}"/>
+              </a:ext>
+            </a:extLst>
+          </p:cNvPr>
+          <p:cNvSpPr>
+            <a:spLocks noGrp="1"/>
+          </p:cNvSpPr>
+          <p:nvPr>
+            <p:ph type="title"/>
+          </p:nvPr>
+        </p:nvSpPr>
+        <p:spPr/>
+        <p:txBody>
+          <a:bodyPr/>
+          <a:lstStyle/>
+          <a:p>
+            <a:endParaRPr lang="de-DE"/>
+          </a:p>
+        </p:txBody>
+      </p:sp>
+      <p:sp>
+        <p:nvSpPr>
+          <p:cNvPr id="3" name="Inhaltsplatzhalter 2">
+            <a:extLst>
+              <a:ext uri="{FF2B5EF4-FFF2-40B4-BE49-F238E27FC236}">
+                <a16:creationId xmlns:a16="http://schemas.microsoft.com/office/drawing/2014/main" id="{EB7FEB7C-EA76-1847-8909-C129047C4C14}"/>
+              </a:ext>
+            </a:extLst>
+          </p:cNvPr>
+          <p:cNvSpPr>
+            <a:spLocks noGrp="1"/>
+          </p:cNvSpPr>
+          <p:nvPr>
+            <p:ph idx="1"/>
+          </p:nvPr>
+        </p:nvSpPr>
+        <p:spPr/>
+        <p:txBody>
+          <a:bodyPr/>
+          <a:lstStyle/>
+          <a:p>
+            <a:endParaRPr lang="de-DE" dirty="0"/>
+          </a:p>
+        </p:txBody>
+      </p:sp>
+      <p:grpSp>
+        <p:nvGrpSpPr>
+          <p:cNvPr id="4" name="Gruppieren 3">
+            <a:extLst>
+              <a:ext uri="{FF2B5EF4-FFF2-40B4-BE49-F238E27FC236}">
+                <a16:creationId xmlns:a16="http://schemas.microsoft.com/office/drawing/2014/main" id="{7ECFB22C-2287-5043-85EB-C8398B19A24C}"/>
+              </a:ext>
+            </a:extLst>
+          </p:cNvPr>
+          <p:cNvGrpSpPr/>
+          <p:nvPr/>
+        </p:nvGrpSpPr>
+        <p:grpSpPr>
+          <a:xfrm>
+            <a:off x="2800124" y="-2379541"/>
+            <a:ext cx="12035705" cy="12240232"/>
+            <a:chOff x="2800124" y="-2379541"/>
+            <a:chExt cx="12035705" cy="12240232"/>
+          </a:xfrm>
+        </p:grpSpPr>
+        <p:sp>
+          <p:nvSpPr>
+            <p:cNvPr id="5" name="Oval 4">
+              <a:extLst>
+                <a:ext uri="{FF2B5EF4-FFF2-40B4-BE49-F238E27FC236}">
+                  <a16:creationId xmlns:a16="http://schemas.microsoft.com/office/drawing/2014/main" id="{DED22578-0F9E-CE42-8A98-E06B6F4B6F93}"/>
+                </a:ext>
+              </a:extLst>
+            </p:cNvPr>
+            <p:cNvSpPr/>
+            <p:nvPr/>
+          </p:nvSpPr>
+          <p:spPr>
+            <a:xfrm>
+              <a:off x="2800124" y="-2379541"/>
+              <a:ext cx="12035705" cy="12240232"/>
+            </a:xfrm>
+            <a:prstGeom prst="ellipse">
+              <a:avLst/>
+            </a:prstGeom>
+            <a:solidFill>
+              <a:schemeClr val="accent3">
+                <a:lumMod val="20000"/>
+                <a:lumOff val="80000"/>
+              </a:schemeClr>
+            </a:solidFill>
+            <a:ln>
+              <a:noFill/>
+            </a:ln>
+          </p:spPr>
+          <p:style>
+            <a:lnRef idx="2">
+              <a:schemeClr val="accent1">
+                <a:shade val="50000"/>
+              </a:schemeClr>
+            </a:lnRef>
+            <a:fillRef idx="1">
+              <a:schemeClr val="accent1"/>
+            </a:fillRef>
+            <a:effectRef idx="0">
+              <a:schemeClr val="accent1"/>
+            </a:effectRef>
+            <a:fontRef idx="minor">
+              <a:schemeClr val="lt1"/>
+            </a:fontRef>
+          </p:style>
+          <p:txBody>
+            <a:bodyPr rtlCol="0" anchor="ctr"/>
+            <a:lstStyle/>
+            <a:p>
+              <a:pPr algn="ctr"/>
+              <a:endParaRPr lang="en-US"/>
+            </a:p>
+          </p:txBody>
+        </p:sp>
+        <p:sp>
+          <p:nvSpPr>
+            <p:cNvPr id="6" name="Oval 5">
+              <a:extLst>
+                <a:ext uri="{FF2B5EF4-FFF2-40B4-BE49-F238E27FC236}">
+                  <a16:creationId xmlns:a16="http://schemas.microsoft.com/office/drawing/2014/main" id="{67212676-A461-CD49-A0E9-E9ADEC01077B}"/>
+                </a:ext>
+              </a:extLst>
+            </p:cNvPr>
+            <p:cNvSpPr/>
+            <p:nvPr/>
+          </p:nvSpPr>
+          <p:spPr>
+            <a:xfrm>
+              <a:off x="6817974" y="-601255"/>
+              <a:ext cx="7952568" cy="8087709"/>
+            </a:xfrm>
+            <a:prstGeom prst="ellipse">
+              <a:avLst/>
+            </a:prstGeom>
+            <a:solidFill>
+              <a:schemeClr val="accent3">
+                <a:lumMod val="40000"/>
+                <a:lumOff val="60000"/>
+              </a:schemeClr>
+            </a:solidFill>
+            <a:ln>
+              <a:noFill/>
+            </a:ln>
+          </p:spPr>
+          <p:style>
+            <a:lnRef idx="2">
+              <a:schemeClr val="accent1">
+                <a:shade val="50000"/>
+              </a:schemeClr>
+            </a:lnRef>
+            <a:fillRef idx="1">
+              <a:schemeClr val="accent1"/>
+            </a:fillRef>
+            <a:effectRef idx="0">
+              <a:schemeClr val="accent1"/>
+            </a:effectRef>
+            <a:fontRef idx="minor">
+              <a:schemeClr val="lt1"/>
+            </a:fontRef>
+          </p:style>
+          <p:txBody>
+            <a:bodyPr rtlCol="0" anchor="ctr"/>
+            <a:lstStyle/>
+            <a:p>
+              <a:pPr algn="ctr"/>
+              <a:endParaRPr lang="en-US"/>
+            </a:p>
+          </p:txBody>
+        </p:sp>
+      </p:grpSp>
+    </p:spTree>
+    <p:extLst>
+      <p:ext uri="{BB962C8B-B14F-4D97-AF65-F5344CB8AC3E}">
+        <p14:creationId xmlns:p14="http://schemas.microsoft.com/office/powerpoint/2010/main" val="2552253436"/>
       </p:ext>
     </p:extLst>
   </p:cSld>

--- a/chainreaction_pitch_2018_02_03_18-00-00.pptx
+++ b/chainreaction_pitch_2018_02_03_18-00-00.pptx
@@ -10324,88 +10324,9 @@
         </p:spPr>
         <p:txBody>
           <a:bodyPr>
-            <a:normAutofit lnSpcReduction="10000"/>
+            <a:normAutofit/>
           </a:bodyPr>
           <a:lstStyle/>
-          <a:p>
-            <a:r>
-              <a:rPr lang="de-DE" dirty="0" err="1"/>
-              <a:t>Git</a:t>
-            </a:r>
-            <a:r>
-              <a:rPr lang="de-DE" dirty="0"/>
-              <a:t> Repository (</a:t>
-            </a:r>
-            <a:r>
-              <a:rPr lang="de-DE" dirty="0" err="1"/>
-              <a:t>Github</a:t>
-            </a:r>
-            <a:r>
-              <a:rPr lang="de-DE" dirty="0"/>
-              <a:t>)</a:t>
-            </a:r>
-          </a:p>
-          <a:p>
-            <a:r>
-              <a:rPr lang="de-DE" dirty="0"/>
-              <a:t>Implementation</a:t>
-            </a:r>
-          </a:p>
-          <a:p>
-            <a:pPr lvl="1"/>
-            <a:r>
-              <a:rPr lang="de-DE" dirty="0"/>
-              <a:t>Python</a:t>
-            </a:r>
-          </a:p>
-          <a:p>
-            <a:pPr lvl="2"/>
-            <a:r>
-              <a:rPr lang="de-DE" dirty="0"/>
-              <a:t>Wallet</a:t>
-            </a:r>
-          </a:p>
-          <a:p>
-            <a:pPr lvl="2"/>
-            <a:r>
-              <a:rPr lang="de-DE" dirty="0"/>
-              <a:t>Controller // Management Unit</a:t>
-            </a:r>
-          </a:p>
-          <a:p>
-            <a:pPr lvl="1"/>
-            <a:r>
-              <a:rPr lang="de-DE" dirty="0" err="1"/>
-              <a:t>Jquery</a:t>
-            </a:r>
-            <a:r>
-              <a:rPr lang="de-DE" dirty="0"/>
-              <a:t>/JS: Web UI</a:t>
-            </a:r>
-          </a:p>
-          <a:p>
-            <a:pPr lvl="1"/>
-            <a:r>
-              <a:rPr lang="de-DE" dirty="0" err="1"/>
-              <a:t>Solidity</a:t>
-            </a:r>
-            <a:r>
-              <a:rPr lang="de-DE" dirty="0"/>
-              <a:t>: Smart </a:t>
-            </a:r>
-            <a:r>
-              <a:rPr lang="de-DE" dirty="0" err="1"/>
-              <a:t>Contracts</a:t>
-            </a:r>
-            <a:endParaRPr lang="de-DE" dirty="0"/>
-          </a:p>
-          <a:p>
-            <a:pPr lvl="1"/>
-            <a:r>
-              <a:rPr lang="de-DE" dirty="0"/>
-              <a:t>REST APIs</a:t>
-            </a:r>
-          </a:p>
           <a:p>
             <a:r>
               <a:rPr lang="de-DE" dirty="0" err="1"/>
@@ -10487,7 +10408,7 @@
         </p:blipFill>
         <p:spPr>
           <a:xfrm>
-            <a:off x="7534552" y="1429241"/>
+            <a:off x="6918536" y="4464031"/>
             <a:ext cx="1758279" cy="1758279"/>
           </a:xfrm>
           <a:prstGeom prst="rect">
@@ -10497,10 +10418,10 @@
       </p:pic>
       <p:pic>
         <p:nvPicPr>
-          <p:cNvPr id="6" name="Grafik 5">
+          <p:cNvPr id="3" name="Grafik 2">
             <a:extLst>
               <a:ext uri="{FF2B5EF4-FFF2-40B4-BE49-F238E27FC236}">
-                <a16:creationId xmlns:a16="http://schemas.microsoft.com/office/drawing/2014/main" id="{82F4E7F3-1178-FC45-AAE9-884F59772318}"/>
+                <a16:creationId xmlns:a16="http://schemas.microsoft.com/office/drawing/2014/main" id="{C56BD689-3EFF-3B4F-AD40-43F5B4C09D4F}"/>
               </a:ext>
             </a:extLst>
           </p:cNvPr>
@@ -10517,8 +10438,8 @@
         </p:blipFill>
         <p:spPr>
           <a:xfrm>
-            <a:off x="6202681" y="2734693"/>
-            <a:ext cx="1595718" cy="1595718"/>
+            <a:off x="9816250" y="2114975"/>
+            <a:ext cx="2215436" cy="2215436"/>
           </a:xfrm>
           <a:prstGeom prst="rect">
             <a:avLst/>
@@ -10527,10 +10448,10 @@
       </p:pic>
       <p:pic>
         <p:nvPicPr>
-          <p:cNvPr id="3" name="Grafik 2">
+          <p:cNvPr id="11" name="Grafik 10">
             <a:extLst>
               <a:ext uri="{FF2B5EF4-FFF2-40B4-BE49-F238E27FC236}">
-                <a16:creationId xmlns:a16="http://schemas.microsoft.com/office/drawing/2014/main" id="{C56BD689-3EFF-3B4F-AD40-43F5B4C09D4F}"/>
+                <a16:creationId xmlns:a16="http://schemas.microsoft.com/office/drawing/2014/main" id="{91F5945C-FCD8-9943-A8EE-EC237CBE6358}"/>
               </a:ext>
             </a:extLst>
           </p:cNvPr>
@@ -10540,15 +10461,179 @@
           <p:nvPr/>
         </p:nvPicPr>
         <p:blipFill>
-          <a:blip r:embed="rId5"/>
+          <a:blip r:embed="rId5">
+            <a:clrChange>
+              <a:clrFrom>
+                <a:srgbClr val="F8F9FA"/>
+              </a:clrFrom>
+              <a:clrTo>
+                <a:srgbClr val="F8F9FA">
+                  <a:alpha val="0"/>
+                </a:srgbClr>
+              </a:clrTo>
+            </a:clrChange>
+          </a:blip>
           <a:stretch>
             <a:fillRect/>
           </a:stretch>
         </p:blipFill>
         <p:spPr>
           <a:xfrm>
-            <a:off x="9816250" y="2114975"/>
-            <a:ext cx="2215436" cy="2215436"/>
+            <a:off x="5337780" y="1215753"/>
+            <a:ext cx="4953669" cy="1374157"/>
+          </a:xfrm>
+          <a:prstGeom prst="rect">
+            <a:avLst/>
+          </a:prstGeom>
+        </p:spPr>
+      </p:pic>
+      <p:pic>
+        <p:nvPicPr>
+          <p:cNvPr id="13" name="Grafik 12">
+            <a:extLst>
+              <a:ext uri="{FF2B5EF4-FFF2-40B4-BE49-F238E27FC236}">
+                <a16:creationId xmlns:a16="http://schemas.microsoft.com/office/drawing/2014/main" id="{A7FA8DB7-CEA1-7945-BAAA-401AFC5DF9AD}"/>
+              </a:ext>
+            </a:extLst>
+          </p:cNvPr>
+          <p:cNvPicPr>
+            <a:picLocks noChangeAspect="1"/>
+          </p:cNvPicPr>
+          <p:nvPr/>
+        </p:nvPicPr>
+        <p:blipFill>
+          <a:blip r:embed="rId6"/>
+          <a:stretch>
+            <a:fillRect/>
+          </a:stretch>
+        </p:blipFill>
+        <p:spPr>
+          <a:xfrm>
+            <a:off x="854709" y="4915977"/>
+            <a:ext cx="1473772" cy="1668030"/>
+          </a:xfrm>
+          <a:prstGeom prst="rect">
+            <a:avLst/>
+          </a:prstGeom>
+        </p:spPr>
+      </p:pic>
+      <p:pic>
+        <p:nvPicPr>
+          <p:cNvPr id="14" name="Grafik 13">
+            <a:extLst>
+              <a:ext uri="{FF2B5EF4-FFF2-40B4-BE49-F238E27FC236}">
+                <a16:creationId xmlns:a16="http://schemas.microsoft.com/office/drawing/2014/main" id="{820168E1-98AF-224A-9188-A395FF170220}"/>
+              </a:ext>
+            </a:extLst>
+          </p:cNvPr>
+          <p:cNvPicPr>
+            <a:picLocks noChangeAspect="1"/>
+          </p:cNvPicPr>
+          <p:nvPr/>
+        </p:nvPicPr>
+        <p:blipFill>
+          <a:blip r:embed="rId7">
+            <a:clrChange>
+              <a:clrFrom>
+                <a:srgbClr val="F8F9FA"/>
+              </a:clrFrom>
+              <a:clrTo>
+                <a:srgbClr val="F8F9FA">
+                  <a:alpha val="0"/>
+                </a:srgbClr>
+              </a:clrTo>
+            </a:clrChange>
+          </a:blip>
+          <a:stretch>
+            <a:fillRect/>
+          </a:stretch>
+        </p:blipFill>
+        <p:spPr>
+          <a:xfrm>
+            <a:off x="2800124" y="5150677"/>
+            <a:ext cx="4093773" cy="1048959"/>
+          </a:xfrm>
+          <a:prstGeom prst="rect">
+            <a:avLst/>
+          </a:prstGeom>
+        </p:spPr>
+      </p:pic>
+      <p:pic>
+        <p:nvPicPr>
+          <p:cNvPr id="15" name="Grafik 14">
+            <a:extLst>
+              <a:ext uri="{FF2B5EF4-FFF2-40B4-BE49-F238E27FC236}">
+                <a16:creationId xmlns:a16="http://schemas.microsoft.com/office/drawing/2014/main" id="{20742597-BB83-A84D-96DB-25D5A8CB9A03}"/>
+              </a:ext>
+            </a:extLst>
+          </p:cNvPr>
+          <p:cNvPicPr>
+            <a:picLocks noChangeAspect="1"/>
+          </p:cNvPicPr>
+          <p:nvPr/>
+        </p:nvPicPr>
+        <p:blipFill>
+          <a:blip r:embed="rId8">
+            <a:clrChange>
+              <a:clrFrom>
+                <a:srgbClr val="FFFFFF"/>
+              </a:clrFrom>
+              <a:clrTo>
+                <a:srgbClr val="FFFFFF">
+                  <a:alpha val="0"/>
+                </a:srgbClr>
+              </a:clrTo>
+            </a:clrChange>
+          </a:blip>
+          <a:stretch>
+            <a:fillRect/>
+          </a:stretch>
+        </p:blipFill>
+        <p:spPr>
+          <a:xfrm>
+            <a:off x="8159121" y="3087490"/>
+            <a:ext cx="1484043" cy="2195330"/>
+          </a:xfrm>
+          <a:prstGeom prst="rect">
+            <a:avLst/>
+          </a:prstGeom>
+        </p:spPr>
+      </p:pic>
+      <p:pic>
+        <p:nvPicPr>
+          <p:cNvPr id="16" name="Grafik 15">
+            <a:extLst>
+              <a:ext uri="{FF2B5EF4-FFF2-40B4-BE49-F238E27FC236}">
+                <a16:creationId xmlns:a16="http://schemas.microsoft.com/office/drawing/2014/main" id="{528C9F79-1F6E-F346-826F-A2F24F381FF7}"/>
+              </a:ext>
+            </a:extLst>
+          </p:cNvPr>
+          <p:cNvPicPr>
+            <a:picLocks noChangeAspect="1"/>
+          </p:cNvPicPr>
+          <p:nvPr/>
+        </p:nvPicPr>
+        <p:blipFill>
+          <a:blip r:embed="rId9">
+            <a:clrChange>
+              <a:clrFrom>
+                <a:srgbClr val="F8F9FA"/>
+              </a:clrFrom>
+              <a:clrTo>
+                <a:srgbClr val="F8F9FA">
+                  <a:alpha val="0"/>
+                </a:srgbClr>
+              </a:clrTo>
+            </a:clrChange>
+          </a:blip>
+          <a:stretch>
+            <a:fillRect/>
+          </a:stretch>
+        </p:blipFill>
+        <p:spPr>
+          <a:xfrm>
+            <a:off x="3728588" y="2695573"/>
+            <a:ext cx="3300600" cy="1361414"/>
           </a:xfrm>
           <a:prstGeom prst="rect">
             <a:avLst/>
